--- a/CYBER360-4.5-Transcripts.pptx
+++ b/CYBER360-4.5-Transcripts.pptx
@@ -114,18 +114,243 @@
 </p:presentation>
 </file>
 
-<file path=ppt/revisionInfo.xml><?xml version="1.0" encoding="utf-8"?>
-<p1510:revInfo xmlns:a="http://schemas.openxmlformats.org/drawingml/2006/main" xmlns:r="http://schemas.openxmlformats.org/officeDocument/2006/relationships" xmlns:p1510="http://schemas.microsoft.com/office/powerpoint/2015/10/main">
-  <p1510:revLst>
-    <p1510:client id="{06905CFC-A46E-472D-890F-9117438C8D89}" v="3" dt="2024-02-04T03:52:47.007"/>
-    <p1510:client id="{6FB22382-79C8-4292-898E-4F4477C84372}" v="4" dt="2024-02-04T06:09:30.276"/>
-    <p1510:client id="{F54A1EAE-C189-46D5-ABA1-CF131E678D8B}" v="1" dt="2024-02-04T06:28:57.803"/>
-  </p1510:revLst>
-</p1510:revInfo>
-</file>
-
 <file path=ppt/changesInfos/changesInfo1.xml><?xml version="1.0" encoding="utf-8"?>
 <pc:chgInfo xmlns:a="http://schemas.openxmlformats.org/drawingml/2006/main" xmlns:r="http://schemas.openxmlformats.org/officeDocument/2006/relationships" xmlns:ac="http://schemas.microsoft.com/office/drawing/2013/main/command" xmlns:pc="http://schemas.microsoft.com/office/powerpoint/2013/main/command">
+  <pc:docChgLst>
+    <pc:chgData name="Gibbons, Carl" userId="d2b037bc-8fb4-4222-845c-61440543a456" providerId="ADAL" clId="{B22431BF-FF40-422E-84B9-DE35C0B96CC3}"/>
+    <pc:docChg chg="undo custSel delSld modSld">
+      <pc:chgData name="Gibbons, Carl" userId="d2b037bc-8fb4-4222-845c-61440543a456" providerId="ADAL" clId="{B22431BF-FF40-422E-84B9-DE35C0B96CC3}" dt="2024-01-04T23:02:20.392" v="6116" actId="20577"/>
+      <pc:docMkLst>
+        <pc:docMk/>
+      </pc:docMkLst>
+      <pc:sldChg chg="modSp mod">
+        <pc:chgData name="Gibbons, Carl" userId="d2b037bc-8fb4-4222-845c-61440543a456" providerId="ADAL" clId="{B22431BF-FF40-422E-84B9-DE35C0B96CC3}" dt="2023-12-29T21:56:55.022" v="36" actId="20577"/>
+        <pc:sldMkLst>
+          <pc:docMk/>
+          <pc:sldMk cId="3308175748" sldId="256"/>
+        </pc:sldMkLst>
+        <pc:spChg chg="mod">
+          <ac:chgData name="Gibbons, Carl" userId="d2b037bc-8fb4-4222-845c-61440543a456" providerId="ADAL" clId="{B22431BF-FF40-422E-84B9-DE35C0B96CC3}" dt="2023-12-29T21:56:55.022" v="36" actId="20577"/>
+          <ac:spMkLst>
+            <pc:docMk/>
+            <pc:sldMk cId="3308175748" sldId="256"/>
+            <ac:spMk id="3" creationId="{EEC4D41B-E776-05F2-BE0B-89BB339485AB}"/>
+          </ac:spMkLst>
+        </pc:spChg>
+      </pc:sldChg>
+      <pc:sldChg chg="modSp mod">
+        <pc:chgData name="Gibbons, Carl" userId="d2b037bc-8fb4-4222-845c-61440543a456" providerId="ADAL" clId="{B22431BF-FF40-422E-84B9-DE35C0B96CC3}" dt="2024-01-04T23:00:14.898" v="6013" actId="20577"/>
+        <pc:sldMkLst>
+          <pc:docMk/>
+          <pc:sldMk cId="2312486803" sldId="261"/>
+        </pc:sldMkLst>
+        <pc:spChg chg="mod">
+          <ac:chgData name="Gibbons, Carl" userId="d2b037bc-8fb4-4222-845c-61440543a456" providerId="ADAL" clId="{B22431BF-FF40-422E-84B9-DE35C0B96CC3}" dt="2023-12-29T22:08:30.114" v="43" actId="20577"/>
+          <ac:spMkLst>
+            <pc:docMk/>
+            <pc:sldMk cId="2312486803" sldId="261"/>
+            <ac:spMk id="2" creationId="{31B75992-5098-A283-4925-2CCEBB801DC5}"/>
+          </ac:spMkLst>
+        </pc:spChg>
+        <pc:spChg chg="mod">
+          <ac:chgData name="Gibbons, Carl" userId="d2b037bc-8fb4-4222-845c-61440543a456" providerId="ADAL" clId="{B22431BF-FF40-422E-84B9-DE35C0B96CC3}" dt="2024-01-04T23:00:14.898" v="6013" actId="20577"/>
+          <ac:spMkLst>
+            <pc:docMk/>
+            <pc:sldMk cId="2312486803" sldId="261"/>
+            <ac:spMk id="3" creationId="{B5924E0F-A977-1710-779D-EEB74261AF34}"/>
+          </ac:spMkLst>
+        </pc:spChg>
+      </pc:sldChg>
+      <pc:sldChg chg="del">
+        <pc:chgData name="Gibbons, Carl" userId="d2b037bc-8fb4-4222-845c-61440543a456" providerId="ADAL" clId="{B22431BF-FF40-422E-84B9-DE35C0B96CC3}" dt="2023-12-30T00:06:35.373" v="5939" actId="47"/>
+        <pc:sldMkLst>
+          <pc:docMk/>
+          <pc:sldMk cId="657795359" sldId="277"/>
+        </pc:sldMkLst>
+      </pc:sldChg>
+      <pc:sldChg chg="modSp mod">
+        <pc:chgData name="Gibbons, Carl" userId="d2b037bc-8fb4-4222-845c-61440543a456" providerId="ADAL" clId="{B22431BF-FF40-422E-84B9-DE35C0B96CC3}" dt="2023-12-29T22:43:19.687" v="2380" actId="20577"/>
+        <pc:sldMkLst>
+          <pc:docMk/>
+          <pc:sldMk cId="3989541258" sldId="278"/>
+        </pc:sldMkLst>
+        <pc:spChg chg="mod">
+          <ac:chgData name="Gibbons, Carl" userId="d2b037bc-8fb4-4222-845c-61440543a456" providerId="ADAL" clId="{B22431BF-FF40-422E-84B9-DE35C0B96CC3}" dt="2023-12-29T22:43:19.687" v="2380" actId="20577"/>
+          <ac:spMkLst>
+            <pc:docMk/>
+            <pc:sldMk cId="3989541258" sldId="278"/>
+            <ac:spMk id="2" creationId="{31B75992-5098-A283-4925-2CCEBB801DC5}"/>
+          </ac:spMkLst>
+        </pc:spChg>
+        <pc:spChg chg="mod">
+          <ac:chgData name="Gibbons, Carl" userId="d2b037bc-8fb4-4222-845c-61440543a456" providerId="ADAL" clId="{B22431BF-FF40-422E-84B9-DE35C0B96CC3}" dt="2023-12-29T22:42:57.446" v="2316" actId="21"/>
+          <ac:spMkLst>
+            <pc:docMk/>
+            <pc:sldMk cId="3989541258" sldId="278"/>
+            <ac:spMk id="3" creationId="{B5924E0F-A977-1710-779D-EEB74261AF34}"/>
+          </ac:spMkLst>
+        </pc:spChg>
+      </pc:sldChg>
+      <pc:sldChg chg="modSp mod">
+        <pc:chgData name="Gibbons, Carl" userId="d2b037bc-8fb4-4222-845c-61440543a456" providerId="ADAL" clId="{B22431BF-FF40-422E-84B9-DE35C0B96CC3}" dt="2024-01-04T23:02:20.392" v="6116" actId="20577"/>
+        <pc:sldMkLst>
+          <pc:docMk/>
+          <pc:sldMk cId="1861646120" sldId="293"/>
+        </pc:sldMkLst>
+        <pc:spChg chg="mod">
+          <ac:chgData name="Gibbons, Carl" userId="d2b037bc-8fb4-4222-845c-61440543a456" providerId="ADAL" clId="{B22431BF-FF40-422E-84B9-DE35C0B96CC3}" dt="2023-12-29T22:43:38.151" v="2422" actId="20577"/>
+          <ac:spMkLst>
+            <pc:docMk/>
+            <pc:sldMk cId="1861646120" sldId="293"/>
+            <ac:spMk id="2" creationId="{31B75992-5098-A283-4925-2CCEBB801DC5}"/>
+          </ac:spMkLst>
+        </pc:spChg>
+        <pc:spChg chg="mod">
+          <ac:chgData name="Gibbons, Carl" userId="d2b037bc-8fb4-4222-845c-61440543a456" providerId="ADAL" clId="{B22431BF-FF40-422E-84B9-DE35C0B96CC3}" dt="2024-01-04T23:02:20.392" v="6116" actId="20577"/>
+          <ac:spMkLst>
+            <pc:docMk/>
+            <pc:sldMk cId="1861646120" sldId="293"/>
+            <ac:spMk id="3" creationId="{B5924E0F-A977-1710-779D-EEB74261AF34}"/>
+          </ac:spMkLst>
+        </pc:spChg>
+      </pc:sldChg>
+      <pc:sldChg chg="modSp mod">
+        <pc:chgData name="Gibbons, Carl" userId="d2b037bc-8fb4-4222-845c-61440543a456" providerId="ADAL" clId="{B22431BF-FF40-422E-84B9-DE35C0B96CC3}" dt="2023-12-30T00:07:46.447" v="5951" actId="20577"/>
+        <pc:sldMkLst>
+          <pc:docMk/>
+          <pc:sldMk cId="2232562783" sldId="294"/>
+        </pc:sldMkLst>
+        <pc:spChg chg="mod">
+          <ac:chgData name="Gibbons, Carl" userId="d2b037bc-8fb4-4222-845c-61440543a456" providerId="ADAL" clId="{B22431BF-FF40-422E-84B9-DE35C0B96CC3}" dt="2023-12-30T00:07:46.447" v="5951" actId="20577"/>
+          <ac:spMkLst>
+            <pc:docMk/>
+            <pc:sldMk cId="2232562783" sldId="294"/>
+            <ac:spMk id="2" creationId="{31B75992-5098-A283-4925-2CCEBB801DC5}"/>
+          </ac:spMkLst>
+        </pc:spChg>
+        <pc:spChg chg="mod">
+          <ac:chgData name="Gibbons, Carl" userId="d2b037bc-8fb4-4222-845c-61440543a456" providerId="ADAL" clId="{B22431BF-FF40-422E-84B9-DE35C0B96CC3}" dt="2023-12-29T23:10:49.132" v="4131" actId="20577"/>
+          <ac:spMkLst>
+            <pc:docMk/>
+            <pc:sldMk cId="2232562783" sldId="294"/>
+            <ac:spMk id="3" creationId="{B5924E0F-A977-1710-779D-EEB74261AF34}"/>
+          </ac:spMkLst>
+        </pc:spChg>
+      </pc:sldChg>
+      <pc:sldChg chg="modSp del mod">
+        <pc:chgData name="Gibbons, Carl" userId="d2b037bc-8fb4-4222-845c-61440543a456" providerId="ADAL" clId="{B22431BF-FF40-422E-84B9-DE35C0B96CC3}" dt="2023-12-30T00:06:31.761" v="5934" actId="47"/>
+        <pc:sldMkLst>
+          <pc:docMk/>
+          <pc:sldMk cId="806767687" sldId="295"/>
+        </pc:sldMkLst>
+        <pc:spChg chg="mod">
+          <ac:chgData name="Gibbons, Carl" userId="d2b037bc-8fb4-4222-845c-61440543a456" providerId="ADAL" clId="{B22431BF-FF40-422E-84B9-DE35C0B96CC3}" dt="2023-12-29T23:17:23.085" v="4333" actId="20577"/>
+          <ac:spMkLst>
+            <pc:docMk/>
+            <pc:sldMk cId="806767687" sldId="295"/>
+            <ac:spMk id="3" creationId="{B5924E0F-A977-1710-779D-EEB74261AF34}"/>
+          </ac:spMkLst>
+        </pc:spChg>
+      </pc:sldChg>
+      <pc:sldChg chg="del">
+        <pc:chgData name="Gibbons, Carl" userId="d2b037bc-8fb4-4222-845c-61440543a456" providerId="ADAL" clId="{B22431BF-FF40-422E-84B9-DE35C0B96CC3}" dt="2023-12-30T00:06:32.570" v="5935" actId="47"/>
+        <pc:sldMkLst>
+          <pc:docMk/>
+          <pc:sldMk cId="3145157247" sldId="296"/>
+        </pc:sldMkLst>
+      </pc:sldChg>
+      <pc:sldChg chg="del">
+        <pc:chgData name="Gibbons, Carl" userId="d2b037bc-8fb4-4222-845c-61440543a456" providerId="ADAL" clId="{B22431BF-FF40-422E-84B9-DE35C0B96CC3}" dt="2023-12-30T00:06:33.242" v="5936" actId="47"/>
+        <pc:sldMkLst>
+          <pc:docMk/>
+          <pc:sldMk cId="2424714671" sldId="297"/>
+        </pc:sldMkLst>
+      </pc:sldChg>
+      <pc:sldChg chg="del">
+        <pc:chgData name="Gibbons, Carl" userId="d2b037bc-8fb4-4222-845c-61440543a456" providerId="ADAL" clId="{B22431BF-FF40-422E-84B9-DE35C0B96CC3}" dt="2023-12-30T00:06:33.834" v="5937" actId="47"/>
+        <pc:sldMkLst>
+          <pc:docMk/>
+          <pc:sldMk cId="3450195044" sldId="298"/>
+        </pc:sldMkLst>
+      </pc:sldChg>
+      <pc:sldChg chg="del">
+        <pc:chgData name="Gibbons, Carl" userId="d2b037bc-8fb4-4222-845c-61440543a456" providerId="ADAL" clId="{B22431BF-FF40-422E-84B9-DE35C0B96CC3}" dt="2023-12-30T00:06:34.432" v="5938" actId="47"/>
+        <pc:sldMkLst>
+          <pc:docMk/>
+          <pc:sldMk cId="3633122843" sldId="299"/>
+        </pc:sldMkLst>
+      </pc:sldChg>
+      <pc:sldChg chg="modSp mod">
+        <pc:chgData name="Gibbons, Carl" userId="d2b037bc-8fb4-4222-845c-61440543a456" providerId="ADAL" clId="{B22431BF-FF40-422E-84B9-DE35C0B96CC3}" dt="2023-12-30T00:07:51.836" v="5963" actId="20577"/>
+        <pc:sldMkLst>
+          <pc:docMk/>
+          <pc:sldMk cId="845747584" sldId="300"/>
+        </pc:sldMkLst>
+        <pc:spChg chg="mod">
+          <ac:chgData name="Gibbons, Carl" userId="d2b037bc-8fb4-4222-845c-61440543a456" providerId="ADAL" clId="{B22431BF-FF40-422E-84B9-DE35C0B96CC3}" dt="2023-12-30T00:07:51.836" v="5963" actId="20577"/>
+          <ac:spMkLst>
+            <pc:docMk/>
+            <pc:sldMk cId="845747584" sldId="300"/>
+            <ac:spMk id="2" creationId="{31B75992-5098-A283-4925-2CCEBB801DC5}"/>
+          </ac:spMkLst>
+        </pc:spChg>
+        <pc:spChg chg="mod">
+          <ac:chgData name="Gibbons, Carl" userId="d2b037bc-8fb4-4222-845c-61440543a456" providerId="ADAL" clId="{B22431BF-FF40-422E-84B9-DE35C0B96CC3}" dt="2023-12-29T23:21:57.151" v="4600" actId="20577"/>
+          <ac:spMkLst>
+            <pc:docMk/>
+            <pc:sldMk cId="845747584" sldId="300"/>
+            <ac:spMk id="3" creationId="{B5924E0F-A977-1710-779D-EEB74261AF34}"/>
+          </ac:spMkLst>
+        </pc:spChg>
+      </pc:sldChg>
+      <pc:sldChg chg="modSp mod">
+        <pc:chgData name="Gibbons, Carl" userId="d2b037bc-8fb4-4222-845c-61440543a456" providerId="ADAL" clId="{B22431BF-FF40-422E-84B9-DE35C0B96CC3}" dt="2023-12-30T00:07:56.869" v="5975" actId="20577"/>
+        <pc:sldMkLst>
+          <pc:docMk/>
+          <pc:sldMk cId="3372579319" sldId="301"/>
+        </pc:sldMkLst>
+        <pc:spChg chg="mod">
+          <ac:chgData name="Gibbons, Carl" userId="d2b037bc-8fb4-4222-845c-61440543a456" providerId="ADAL" clId="{B22431BF-FF40-422E-84B9-DE35C0B96CC3}" dt="2023-12-30T00:07:56.869" v="5975" actId="20577"/>
+          <ac:spMkLst>
+            <pc:docMk/>
+            <pc:sldMk cId="3372579319" sldId="301"/>
+            <ac:spMk id="2" creationId="{31B75992-5098-A283-4925-2CCEBB801DC5}"/>
+          </ac:spMkLst>
+        </pc:spChg>
+        <pc:spChg chg="mod">
+          <ac:chgData name="Gibbons, Carl" userId="d2b037bc-8fb4-4222-845c-61440543a456" providerId="ADAL" clId="{B22431BF-FF40-422E-84B9-DE35C0B96CC3}" dt="2023-12-30T00:06:13.959" v="5932" actId="20577"/>
+          <ac:spMkLst>
+            <pc:docMk/>
+            <pc:sldMk cId="3372579319" sldId="301"/>
+            <ac:spMk id="3" creationId="{B5924E0F-A977-1710-779D-EEB74261AF34}"/>
+          </ac:spMkLst>
+        </pc:spChg>
+      </pc:sldChg>
+      <pc:sldChg chg="modSp del mod">
+        <pc:chgData name="Gibbons, Carl" userId="d2b037bc-8fb4-4222-845c-61440543a456" providerId="ADAL" clId="{B22431BF-FF40-422E-84B9-DE35C0B96CC3}" dt="2023-12-30T00:06:30.511" v="5933" actId="47"/>
+        <pc:sldMkLst>
+          <pc:docMk/>
+          <pc:sldMk cId="3488854045" sldId="302"/>
+        </pc:sldMkLst>
+        <pc:spChg chg="mod">
+          <ac:chgData name="Gibbons, Carl" userId="d2b037bc-8fb4-4222-845c-61440543a456" providerId="ADAL" clId="{B22431BF-FF40-422E-84B9-DE35C0B96CC3}" dt="2023-12-29T23:32:30.137" v="5532" actId="20577"/>
+          <ac:spMkLst>
+            <pc:docMk/>
+            <pc:sldMk cId="3488854045" sldId="302"/>
+            <ac:spMk id="2" creationId="{31B75992-5098-A283-4925-2CCEBB801DC5}"/>
+          </ac:spMkLst>
+        </pc:spChg>
+        <pc:spChg chg="mod">
+          <ac:chgData name="Gibbons, Carl" userId="d2b037bc-8fb4-4222-845c-61440543a456" providerId="ADAL" clId="{B22431BF-FF40-422E-84B9-DE35C0B96CC3}" dt="2023-12-29T23:35:41.617" v="5912" actId="20577"/>
+          <ac:spMkLst>
+            <pc:docMk/>
+            <pc:sldMk cId="3488854045" sldId="302"/>
+            <ac:spMk id="3" creationId="{B5924E0F-A977-1710-779D-EEB74261AF34}"/>
+          </ac:spMkLst>
+        </pc:spChg>
+      </pc:sldChg>
+    </pc:docChg>
+  </pc:docChgLst>
   <pc:docChgLst>
     <pc:chgData name="Gibbons, Carl" userId="d2b037bc-8fb4-4222-845c-61440543a456" providerId="ADAL" clId="{F54A1EAE-C189-46D5-ABA1-CF131E678D8B}"/>
     <pc:docChg chg="custSel modSld">
@@ -308,6 +533,1937 @@
             <ac:spMk id="3" creationId="{76A2A896-1BFA-0E85-4155-672FD7F5CC95}"/>
           </ac:spMkLst>
         </pc:spChg>
+      </pc:sldChg>
+    </pc:docChg>
+  </pc:docChgLst>
+  <pc:docChgLst>
+    <pc:chgData name="Gibbons, Carl" userId="d2b037bc-8fb4-4222-845c-61440543a456" providerId="ADAL" clId="{02B4F3B3-8AE6-4826-9561-D00C48702F3E}"/>
+    <pc:docChg chg="modSld">
+      <pc:chgData name="Gibbons, Carl" userId="d2b037bc-8fb4-4222-845c-61440543a456" providerId="ADAL" clId="{02B4F3B3-8AE6-4826-9561-D00C48702F3E}" dt="2024-05-17T03:14:20.929" v="4" actId="20577"/>
+      <pc:docMkLst>
+        <pc:docMk/>
+      </pc:docMkLst>
+      <pc:sldChg chg="modSp mod">
+        <pc:chgData name="Gibbons, Carl" userId="d2b037bc-8fb4-4222-845c-61440543a456" providerId="ADAL" clId="{02B4F3B3-8AE6-4826-9561-D00C48702F3E}" dt="2024-05-17T03:14:20.929" v="4" actId="20577"/>
+        <pc:sldMkLst>
+          <pc:docMk/>
+          <pc:sldMk cId="2312486803" sldId="261"/>
+        </pc:sldMkLst>
+        <pc:spChg chg="mod">
+          <ac:chgData name="Gibbons, Carl" userId="d2b037bc-8fb4-4222-845c-61440543a456" providerId="ADAL" clId="{02B4F3B3-8AE6-4826-9561-D00C48702F3E}" dt="2024-05-17T03:14:20.929" v="4" actId="20577"/>
+          <ac:spMkLst>
+            <pc:docMk/>
+            <pc:sldMk cId="2312486803" sldId="261"/>
+            <ac:spMk id="3" creationId="{B5924E0F-A977-1710-779D-EEB74261AF34}"/>
+          </ac:spMkLst>
+        </pc:spChg>
+      </pc:sldChg>
+    </pc:docChg>
+  </pc:docChgLst>
+  <pc:docChgLst>
+    <pc:chgData name="Gibbons, Carl" userId="d2b037bc-8fb4-4222-845c-61440543a456" providerId="ADAL" clId="{C1E6ABF6-BAED-4B26-97DB-20A1E8B7A1A4}"/>
+    <pc:docChg chg="custSel modSld">
+      <pc:chgData name="Gibbons, Carl" userId="d2b037bc-8fb4-4222-845c-61440543a456" providerId="ADAL" clId="{C1E6ABF6-BAED-4B26-97DB-20A1E8B7A1A4}" dt="2023-12-06T02:23:48.337" v="274" actId="20577"/>
+      <pc:docMkLst>
+        <pc:docMk/>
+      </pc:docMkLst>
+      <pc:sldChg chg="modSp mod">
+        <pc:chgData name="Gibbons, Carl" userId="d2b037bc-8fb4-4222-845c-61440543a456" providerId="ADAL" clId="{C1E6ABF6-BAED-4B26-97DB-20A1E8B7A1A4}" dt="2023-11-21T16:22:17.597" v="97" actId="20577"/>
+        <pc:sldMkLst>
+          <pc:docMk/>
+          <pc:sldMk cId="3308175748" sldId="256"/>
+        </pc:sldMkLst>
+        <pc:spChg chg="mod">
+          <ac:chgData name="Gibbons, Carl" userId="d2b037bc-8fb4-4222-845c-61440543a456" providerId="ADAL" clId="{C1E6ABF6-BAED-4B26-97DB-20A1E8B7A1A4}" dt="2023-11-21T05:49:34.464" v="2"/>
+          <ac:spMkLst>
+            <pc:docMk/>
+            <pc:sldMk cId="3308175748" sldId="256"/>
+            <ac:spMk id="2" creationId="{ACEA2649-DC6B-3373-A7E6-7F0E103D8B8B}"/>
+          </ac:spMkLst>
+        </pc:spChg>
+        <pc:spChg chg="mod">
+          <ac:chgData name="Gibbons, Carl" userId="d2b037bc-8fb4-4222-845c-61440543a456" providerId="ADAL" clId="{C1E6ABF6-BAED-4B26-97DB-20A1E8B7A1A4}" dt="2023-11-21T16:22:17.597" v="97" actId="20577"/>
+          <ac:spMkLst>
+            <pc:docMk/>
+            <pc:sldMk cId="3308175748" sldId="256"/>
+            <ac:spMk id="3" creationId="{EEC4D41B-E776-05F2-BE0B-89BB339485AB}"/>
+          </ac:spMkLst>
+        </pc:spChg>
+        <pc:spChg chg="mod">
+          <ac:chgData name="Gibbons, Carl" userId="d2b037bc-8fb4-4222-845c-61440543a456" providerId="ADAL" clId="{C1E6ABF6-BAED-4B26-97DB-20A1E8B7A1A4}" dt="2023-11-21T05:49:34.464" v="2"/>
+          <ac:spMkLst>
+            <pc:docMk/>
+            <pc:sldMk cId="3308175748" sldId="256"/>
+            <ac:spMk id="4" creationId="{4664ABB7-0B55-0242-2E51-B3286EE7B5EB}"/>
+          </ac:spMkLst>
+        </pc:spChg>
+      </pc:sldChg>
+      <pc:sldChg chg="modSp">
+        <pc:chgData name="Gibbons, Carl" userId="d2b037bc-8fb4-4222-845c-61440543a456" providerId="ADAL" clId="{C1E6ABF6-BAED-4B26-97DB-20A1E8B7A1A4}" dt="2023-11-21T05:49:34.464" v="2"/>
+        <pc:sldMkLst>
+          <pc:docMk/>
+          <pc:sldMk cId="2312486803" sldId="261"/>
+        </pc:sldMkLst>
+        <pc:spChg chg="mod">
+          <ac:chgData name="Gibbons, Carl" userId="d2b037bc-8fb4-4222-845c-61440543a456" providerId="ADAL" clId="{C1E6ABF6-BAED-4B26-97DB-20A1E8B7A1A4}" dt="2023-11-21T05:49:34.464" v="2"/>
+          <ac:spMkLst>
+            <pc:docMk/>
+            <pc:sldMk cId="2312486803" sldId="261"/>
+            <ac:spMk id="2" creationId="{31B75992-5098-A283-4925-2CCEBB801DC5}"/>
+          </ac:spMkLst>
+        </pc:spChg>
+      </pc:sldChg>
+      <pc:sldChg chg="modSp mod">
+        <pc:chgData name="Gibbons, Carl" userId="d2b037bc-8fb4-4222-845c-61440543a456" providerId="ADAL" clId="{C1E6ABF6-BAED-4B26-97DB-20A1E8B7A1A4}" dt="2023-11-21T07:48:19.790" v="77" actId="20577"/>
+        <pc:sldMkLst>
+          <pc:docMk/>
+          <pc:sldMk cId="378743348" sldId="270"/>
+        </pc:sldMkLst>
+        <pc:spChg chg="mod">
+          <ac:chgData name="Gibbons, Carl" userId="d2b037bc-8fb4-4222-845c-61440543a456" providerId="ADAL" clId="{C1E6ABF6-BAED-4B26-97DB-20A1E8B7A1A4}" dt="2023-11-21T07:48:19.790" v="77" actId="20577"/>
+          <ac:spMkLst>
+            <pc:docMk/>
+            <pc:sldMk cId="378743348" sldId="270"/>
+            <ac:spMk id="3" creationId="{80041865-9773-290D-EB35-F8AF8BFC505C}"/>
+          </ac:spMkLst>
+        </pc:spChg>
+      </pc:sldChg>
+      <pc:sldChg chg="modSp mod">
+        <pc:chgData name="Gibbons, Carl" userId="d2b037bc-8fb4-4222-845c-61440543a456" providerId="ADAL" clId="{C1E6ABF6-BAED-4B26-97DB-20A1E8B7A1A4}" dt="2023-12-06T02:23:48.337" v="274" actId="20577"/>
+        <pc:sldMkLst>
+          <pc:docMk/>
+          <pc:sldMk cId="657795359" sldId="277"/>
+        </pc:sldMkLst>
+        <pc:spChg chg="mod">
+          <ac:chgData name="Gibbons, Carl" userId="d2b037bc-8fb4-4222-845c-61440543a456" providerId="ADAL" clId="{C1E6ABF6-BAED-4B26-97DB-20A1E8B7A1A4}" dt="2023-11-21T05:49:34.464" v="2"/>
+          <ac:spMkLst>
+            <pc:docMk/>
+            <pc:sldMk cId="657795359" sldId="277"/>
+            <ac:spMk id="2" creationId="{1862E903-3C56-BB42-2361-009F2336475A}"/>
+          </ac:spMkLst>
+        </pc:spChg>
+        <pc:spChg chg="mod">
+          <ac:chgData name="Gibbons, Carl" userId="d2b037bc-8fb4-4222-845c-61440543a456" providerId="ADAL" clId="{C1E6ABF6-BAED-4B26-97DB-20A1E8B7A1A4}" dt="2023-12-06T02:23:48.337" v="274" actId="20577"/>
+          <ac:spMkLst>
+            <pc:docMk/>
+            <pc:sldMk cId="657795359" sldId="277"/>
+            <ac:spMk id="3" creationId="{90179172-96B3-95D0-A137-257770BE7642}"/>
+          </ac:spMkLst>
+        </pc:spChg>
+      </pc:sldChg>
+    </pc:docChg>
+  </pc:docChgLst>
+  <pc:docChgLst>
+    <pc:chgData name="Gibbons, Carl" userId="d2b037bc-8fb4-4222-845c-61440543a456" providerId="ADAL" clId="{4505F98C-4CC4-4983-9729-597D2A150C85}"/>
+    <pc:docChg chg="undo custSel addSld delSld modSld">
+      <pc:chgData name="Gibbons, Carl" userId="d2b037bc-8fb4-4222-845c-61440543a456" providerId="ADAL" clId="{4505F98C-4CC4-4983-9729-597D2A150C85}" dt="2023-12-29T02:21:47.448" v="17685" actId="20577"/>
+      <pc:docMkLst>
+        <pc:docMk/>
+      </pc:docMkLst>
+      <pc:sldChg chg="modSp mod">
+        <pc:chgData name="Gibbons, Carl" userId="d2b037bc-8fb4-4222-845c-61440543a456" providerId="ADAL" clId="{4505F98C-4CC4-4983-9729-597D2A150C85}" dt="2023-12-28T22:02:31.848" v="28" actId="20577"/>
+        <pc:sldMkLst>
+          <pc:docMk/>
+          <pc:sldMk cId="3308175748" sldId="256"/>
+        </pc:sldMkLst>
+        <pc:spChg chg="mod">
+          <ac:chgData name="Gibbons, Carl" userId="d2b037bc-8fb4-4222-845c-61440543a456" providerId="ADAL" clId="{4505F98C-4CC4-4983-9729-597D2A150C85}" dt="2023-12-28T22:02:31.848" v="28" actId="20577"/>
+          <ac:spMkLst>
+            <pc:docMk/>
+            <pc:sldMk cId="3308175748" sldId="256"/>
+            <ac:spMk id="3" creationId="{EEC4D41B-E776-05F2-BE0B-89BB339485AB}"/>
+          </ac:spMkLst>
+        </pc:spChg>
+      </pc:sldChg>
+      <pc:sldChg chg="modSp mod">
+        <pc:chgData name="Gibbons, Carl" userId="d2b037bc-8fb4-4222-845c-61440543a456" providerId="ADAL" clId="{4505F98C-4CC4-4983-9729-597D2A150C85}" dt="2023-12-28T22:45:53.299" v="4302" actId="20577"/>
+        <pc:sldMkLst>
+          <pc:docMk/>
+          <pc:sldMk cId="2312486803" sldId="261"/>
+        </pc:sldMkLst>
+        <pc:spChg chg="mod">
+          <ac:chgData name="Gibbons, Carl" userId="d2b037bc-8fb4-4222-845c-61440543a456" providerId="ADAL" clId="{4505F98C-4CC4-4983-9729-597D2A150C85}" dt="2023-12-28T22:02:40.492" v="50" actId="20577"/>
+          <ac:spMkLst>
+            <pc:docMk/>
+            <pc:sldMk cId="2312486803" sldId="261"/>
+            <ac:spMk id="2" creationId="{31B75992-5098-A283-4925-2CCEBB801DC5}"/>
+          </ac:spMkLst>
+        </pc:spChg>
+        <pc:spChg chg="mod">
+          <ac:chgData name="Gibbons, Carl" userId="d2b037bc-8fb4-4222-845c-61440543a456" providerId="ADAL" clId="{4505F98C-4CC4-4983-9729-597D2A150C85}" dt="2023-12-28T22:45:53.299" v="4302" actId="20577"/>
+          <ac:spMkLst>
+            <pc:docMk/>
+            <pc:sldMk cId="2312486803" sldId="261"/>
+            <ac:spMk id="3" creationId="{B5924E0F-A977-1710-779D-EEB74261AF34}"/>
+          </ac:spMkLst>
+        </pc:spChg>
+      </pc:sldChg>
+      <pc:sldChg chg="modSp mod">
+        <pc:chgData name="Gibbons, Carl" userId="d2b037bc-8fb4-4222-845c-61440543a456" providerId="ADAL" clId="{4505F98C-4CC4-4983-9729-597D2A150C85}" dt="2023-12-29T02:18:39.170" v="17623" actId="20577"/>
+        <pc:sldMkLst>
+          <pc:docMk/>
+          <pc:sldMk cId="657795359" sldId="277"/>
+        </pc:sldMkLst>
+        <pc:spChg chg="mod">
+          <ac:chgData name="Gibbons, Carl" userId="d2b037bc-8fb4-4222-845c-61440543a456" providerId="ADAL" clId="{4505F98C-4CC4-4983-9729-597D2A150C85}" dt="2023-12-29T02:18:39.170" v="17623" actId="20577"/>
+          <ac:spMkLst>
+            <pc:docMk/>
+            <pc:sldMk cId="657795359" sldId="277"/>
+            <ac:spMk id="3" creationId="{90179172-96B3-95D0-A137-257770BE7642}"/>
+          </ac:spMkLst>
+        </pc:spChg>
+      </pc:sldChg>
+      <pc:sldChg chg="modSp mod">
+        <pc:chgData name="Gibbons, Carl" userId="d2b037bc-8fb4-4222-845c-61440543a456" providerId="ADAL" clId="{4505F98C-4CC4-4983-9729-597D2A150C85}" dt="2023-12-29T02:21:47.448" v="17685" actId="20577"/>
+        <pc:sldMkLst>
+          <pc:docMk/>
+          <pc:sldMk cId="3989541258" sldId="278"/>
+        </pc:sldMkLst>
+        <pc:spChg chg="mod">
+          <ac:chgData name="Gibbons, Carl" userId="d2b037bc-8fb4-4222-845c-61440543a456" providerId="ADAL" clId="{4505F98C-4CC4-4983-9729-597D2A150C85}" dt="2023-12-28T22:23:56.363" v="2262" actId="20577"/>
+          <ac:spMkLst>
+            <pc:docMk/>
+            <pc:sldMk cId="3989541258" sldId="278"/>
+            <ac:spMk id="2" creationId="{31B75992-5098-A283-4925-2CCEBB801DC5}"/>
+          </ac:spMkLst>
+        </pc:spChg>
+        <pc:spChg chg="mod">
+          <ac:chgData name="Gibbons, Carl" userId="d2b037bc-8fb4-4222-845c-61440543a456" providerId="ADAL" clId="{4505F98C-4CC4-4983-9729-597D2A150C85}" dt="2023-12-29T02:21:47.448" v="17685" actId="20577"/>
+          <ac:spMkLst>
+            <pc:docMk/>
+            <pc:sldMk cId="3989541258" sldId="278"/>
+            <ac:spMk id="3" creationId="{B5924E0F-A977-1710-779D-EEB74261AF34}"/>
+          </ac:spMkLst>
+        </pc:spChg>
+      </pc:sldChg>
+      <pc:sldChg chg="modSp mod">
+        <pc:chgData name="Gibbons, Carl" userId="d2b037bc-8fb4-4222-845c-61440543a456" providerId="ADAL" clId="{4505F98C-4CC4-4983-9729-597D2A150C85}" dt="2023-12-29T00:21:55.646" v="8344" actId="20577"/>
+        <pc:sldMkLst>
+          <pc:docMk/>
+          <pc:sldMk cId="2335633195" sldId="279"/>
+        </pc:sldMkLst>
+        <pc:spChg chg="mod">
+          <ac:chgData name="Gibbons, Carl" userId="d2b037bc-8fb4-4222-845c-61440543a456" providerId="ADAL" clId="{4505F98C-4CC4-4983-9729-597D2A150C85}" dt="2023-12-29T00:21:55.646" v="8344" actId="20577"/>
+          <ac:spMkLst>
+            <pc:docMk/>
+            <pc:sldMk cId="2335633195" sldId="279"/>
+            <ac:spMk id="2" creationId="{31B75992-5098-A283-4925-2CCEBB801DC5}"/>
+          </ac:spMkLst>
+        </pc:spChg>
+        <pc:spChg chg="mod">
+          <ac:chgData name="Gibbons, Carl" userId="d2b037bc-8fb4-4222-845c-61440543a456" providerId="ADAL" clId="{4505F98C-4CC4-4983-9729-597D2A150C85}" dt="2023-12-28T22:56:22.080" v="4730" actId="20577"/>
+          <ac:spMkLst>
+            <pc:docMk/>
+            <pc:sldMk cId="2335633195" sldId="279"/>
+            <ac:spMk id="3" creationId="{B5924E0F-A977-1710-779D-EEB74261AF34}"/>
+          </ac:spMkLst>
+        </pc:spChg>
+      </pc:sldChg>
+      <pc:sldChg chg="modSp add mod">
+        <pc:chgData name="Gibbons, Carl" userId="d2b037bc-8fb4-4222-845c-61440543a456" providerId="ADAL" clId="{4505F98C-4CC4-4983-9729-597D2A150C85}" dt="2023-12-28T23:39:19.135" v="5592" actId="20577"/>
+        <pc:sldMkLst>
+          <pc:docMk/>
+          <pc:sldMk cId="1284534978" sldId="280"/>
+        </pc:sldMkLst>
+        <pc:spChg chg="mod">
+          <ac:chgData name="Gibbons, Carl" userId="d2b037bc-8fb4-4222-845c-61440543a456" providerId="ADAL" clId="{4505F98C-4CC4-4983-9729-597D2A150C85}" dt="2023-12-28T23:26:13.166" v="4743" actId="20577"/>
+          <ac:spMkLst>
+            <pc:docMk/>
+            <pc:sldMk cId="1284534978" sldId="280"/>
+            <ac:spMk id="2" creationId="{31B75992-5098-A283-4925-2CCEBB801DC5}"/>
+          </ac:spMkLst>
+        </pc:spChg>
+        <pc:spChg chg="mod">
+          <ac:chgData name="Gibbons, Carl" userId="d2b037bc-8fb4-4222-845c-61440543a456" providerId="ADAL" clId="{4505F98C-4CC4-4983-9729-597D2A150C85}" dt="2023-12-28T23:39:19.135" v="5592" actId="20577"/>
+          <ac:spMkLst>
+            <pc:docMk/>
+            <pc:sldMk cId="1284534978" sldId="280"/>
+            <ac:spMk id="3" creationId="{B5924E0F-A977-1710-779D-EEB74261AF34}"/>
+          </ac:spMkLst>
+        </pc:spChg>
+      </pc:sldChg>
+      <pc:sldChg chg="modSp mod">
+        <pc:chgData name="Gibbons, Carl" userId="d2b037bc-8fb4-4222-845c-61440543a456" providerId="ADAL" clId="{4505F98C-4CC4-4983-9729-597D2A150C85}" dt="2023-12-28T23:42:19.634" v="5967" actId="20577"/>
+        <pc:sldMkLst>
+          <pc:docMk/>
+          <pc:sldMk cId="1802585387" sldId="281"/>
+        </pc:sldMkLst>
+        <pc:spChg chg="mod">
+          <ac:chgData name="Gibbons, Carl" userId="d2b037bc-8fb4-4222-845c-61440543a456" providerId="ADAL" clId="{4505F98C-4CC4-4983-9729-597D2A150C85}" dt="2023-12-28T23:34:47.360" v="5351" actId="20577"/>
+          <ac:spMkLst>
+            <pc:docMk/>
+            <pc:sldMk cId="1802585387" sldId="281"/>
+            <ac:spMk id="2" creationId="{31B75992-5098-A283-4925-2CCEBB801DC5}"/>
+          </ac:spMkLst>
+        </pc:spChg>
+        <pc:spChg chg="mod">
+          <ac:chgData name="Gibbons, Carl" userId="d2b037bc-8fb4-4222-845c-61440543a456" providerId="ADAL" clId="{4505F98C-4CC4-4983-9729-597D2A150C85}" dt="2023-12-28T23:42:19.634" v="5967" actId="20577"/>
+          <ac:spMkLst>
+            <pc:docMk/>
+            <pc:sldMk cId="1802585387" sldId="281"/>
+            <ac:spMk id="3" creationId="{B5924E0F-A977-1710-779D-EEB74261AF34}"/>
+          </ac:spMkLst>
+        </pc:spChg>
+      </pc:sldChg>
+      <pc:sldChg chg="modSp mod">
+        <pc:chgData name="Gibbons, Carl" userId="d2b037bc-8fb4-4222-845c-61440543a456" providerId="ADAL" clId="{4505F98C-4CC4-4983-9729-597D2A150C85}" dt="2023-12-28T23:54:03.356" v="6623"/>
+        <pc:sldMkLst>
+          <pc:docMk/>
+          <pc:sldMk cId="724803187" sldId="282"/>
+        </pc:sldMkLst>
+        <pc:spChg chg="mod">
+          <ac:chgData name="Gibbons, Carl" userId="d2b037bc-8fb4-4222-845c-61440543a456" providerId="ADAL" clId="{4505F98C-4CC4-4983-9729-597D2A150C85}" dt="2023-12-28T23:39:52.399" v="5606" actId="20577"/>
+          <ac:spMkLst>
+            <pc:docMk/>
+            <pc:sldMk cId="724803187" sldId="282"/>
+            <ac:spMk id="2" creationId="{31B75992-5098-A283-4925-2CCEBB801DC5}"/>
+          </ac:spMkLst>
+        </pc:spChg>
+        <pc:spChg chg="mod">
+          <ac:chgData name="Gibbons, Carl" userId="d2b037bc-8fb4-4222-845c-61440543a456" providerId="ADAL" clId="{4505F98C-4CC4-4983-9729-597D2A150C85}" dt="2023-12-28T23:54:03.356" v="6623"/>
+          <ac:spMkLst>
+            <pc:docMk/>
+            <pc:sldMk cId="724803187" sldId="282"/>
+            <ac:spMk id="3" creationId="{B5924E0F-A977-1710-779D-EEB74261AF34}"/>
+          </ac:spMkLst>
+        </pc:spChg>
+      </pc:sldChg>
+      <pc:sldChg chg="modSp mod">
+        <pc:chgData name="Gibbons, Carl" userId="d2b037bc-8fb4-4222-845c-61440543a456" providerId="ADAL" clId="{4505F98C-4CC4-4983-9729-597D2A150C85}" dt="2023-12-29T02:19:53.158" v="17637" actId="20577"/>
+        <pc:sldMkLst>
+          <pc:docMk/>
+          <pc:sldMk cId="1926009205" sldId="283"/>
+        </pc:sldMkLst>
+        <pc:spChg chg="mod">
+          <ac:chgData name="Gibbons, Carl" userId="d2b037bc-8fb4-4222-845c-61440543a456" providerId="ADAL" clId="{4505F98C-4CC4-4983-9729-597D2A150C85}" dt="2023-12-29T00:22:07.704" v="8354" actId="20577"/>
+          <ac:spMkLst>
+            <pc:docMk/>
+            <pc:sldMk cId="1926009205" sldId="283"/>
+            <ac:spMk id="2" creationId="{31B75992-5098-A283-4925-2CCEBB801DC5}"/>
+          </ac:spMkLst>
+        </pc:spChg>
+        <pc:spChg chg="mod">
+          <ac:chgData name="Gibbons, Carl" userId="d2b037bc-8fb4-4222-845c-61440543a456" providerId="ADAL" clId="{4505F98C-4CC4-4983-9729-597D2A150C85}" dt="2023-12-29T02:19:53.158" v="17637" actId="20577"/>
+          <ac:spMkLst>
+            <pc:docMk/>
+            <pc:sldMk cId="1926009205" sldId="283"/>
+            <ac:spMk id="3" creationId="{B5924E0F-A977-1710-779D-EEB74261AF34}"/>
+          </ac:spMkLst>
+        </pc:spChg>
+      </pc:sldChg>
+      <pc:sldChg chg="del">
+        <pc:chgData name="Gibbons, Carl" userId="d2b037bc-8fb4-4222-845c-61440543a456" providerId="ADAL" clId="{4505F98C-4CC4-4983-9729-597D2A150C85}" dt="2023-12-28T22:17:09.732" v="1699" actId="47"/>
+        <pc:sldMkLst>
+          <pc:docMk/>
+          <pc:sldMk cId="2959024232" sldId="283"/>
+        </pc:sldMkLst>
+      </pc:sldChg>
+      <pc:sldChg chg="modSp mod">
+        <pc:chgData name="Gibbons, Carl" userId="d2b037bc-8fb4-4222-845c-61440543a456" providerId="ADAL" clId="{4505F98C-4CC4-4983-9729-597D2A150C85}" dt="2023-12-29T00:22:15.499" v="8364" actId="20577"/>
+        <pc:sldMkLst>
+          <pc:docMk/>
+          <pc:sldMk cId="2366216895" sldId="284"/>
+        </pc:sldMkLst>
+        <pc:spChg chg="mod">
+          <ac:chgData name="Gibbons, Carl" userId="d2b037bc-8fb4-4222-845c-61440543a456" providerId="ADAL" clId="{4505F98C-4CC4-4983-9729-597D2A150C85}" dt="2023-12-29T00:22:15.499" v="8364" actId="20577"/>
+          <ac:spMkLst>
+            <pc:docMk/>
+            <pc:sldMk cId="2366216895" sldId="284"/>
+            <ac:spMk id="2" creationId="{31B75992-5098-A283-4925-2CCEBB801DC5}"/>
+          </ac:spMkLst>
+        </pc:spChg>
+        <pc:spChg chg="mod">
+          <ac:chgData name="Gibbons, Carl" userId="d2b037bc-8fb4-4222-845c-61440543a456" providerId="ADAL" clId="{4505F98C-4CC4-4983-9729-597D2A150C85}" dt="2023-12-29T00:20:51.612" v="8260" actId="20577"/>
+          <ac:spMkLst>
+            <pc:docMk/>
+            <pc:sldMk cId="2366216895" sldId="284"/>
+            <ac:spMk id="3" creationId="{B5924E0F-A977-1710-779D-EEB74261AF34}"/>
+          </ac:spMkLst>
+        </pc:spChg>
+      </pc:sldChg>
+      <pc:sldChg chg="del">
+        <pc:chgData name="Gibbons, Carl" userId="d2b037bc-8fb4-4222-845c-61440543a456" providerId="ADAL" clId="{4505F98C-4CC4-4983-9729-597D2A150C85}" dt="2023-12-28T22:17:08.965" v="1698" actId="47"/>
+        <pc:sldMkLst>
+          <pc:docMk/>
+          <pc:sldMk cId="3114675387" sldId="284"/>
+        </pc:sldMkLst>
+      </pc:sldChg>
+      <pc:sldChg chg="del">
+        <pc:chgData name="Gibbons, Carl" userId="d2b037bc-8fb4-4222-845c-61440543a456" providerId="ADAL" clId="{4505F98C-4CC4-4983-9729-597D2A150C85}" dt="2023-12-28T22:17:08.106" v="1697" actId="47"/>
+        <pc:sldMkLst>
+          <pc:docMk/>
+          <pc:sldMk cId="1243134729" sldId="285"/>
+        </pc:sldMkLst>
+      </pc:sldChg>
+      <pc:sldChg chg="modSp mod">
+        <pc:chgData name="Gibbons, Carl" userId="d2b037bc-8fb4-4222-845c-61440543a456" providerId="ADAL" clId="{4505F98C-4CC4-4983-9729-597D2A150C85}" dt="2023-12-29T01:14:23.500" v="12327" actId="20577"/>
+        <pc:sldMkLst>
+          <pc:docMk/>
+          <pc:sldMk cId="3371896289" sldId="285"/>
+        </pc:sldMkLst>
+        <pc:spChg chg="mod">
+          <ac:chgData name="Gibbons, Carl" userId="d2b037bc-8fb4-4222-845c-61440543a456" providerId="ADAL" clId="{4505F98C-4CC4-4983-9729-597D2A150C85}" dt="2023-12-29T00:22:25.432" v="8374" actId="20577"/>
+          <ac:spMkLst>
+            <pc:docMk/>
+            <pc:sldMk cId="3371896289" sldId="285"/>
+            <ac:spMk id="2" creationId="{31B75992-5098-A283-4925-2CCEBB801DC5}"/>
+          </ac:spMkLst>
+        </pc:spChg>
+        <pc:spChg chg="mod">
+          <ac:chgData name="Gibbons, Carl" userId="d2b037bc-8fb4-4222-845c-61440543a456" providerId="ADAL" clId="{4505F98C-4CC4-4983-9729-597D2A150C85}" dt="2023-12-29T01:14:23.500" v="12327" actId="20577"/>
+          <ac:spMkLst>
+            <pc:docMk/>
+            <pc:sldMk cId="3371896289" sldId="285"/>
+            <ac:spMk id="3" creationId="{B5924E0F-A977-1710-779D-EEB74261AF34}"/>
+          </ac:spMkLst>
+        </pc:spChg>
+      </pc:sldChg>
+      <pc:sldChg chg="add del">
+        <pc:chgData name="Gibbons, Carl" userId="d2b037bc-8fb4-4222-845c-61440543a456" providerId="ADAL" clId="{4505F98C-4CC4-4983-9729-597D2A150C85}" dt="2023-12-29T00:13:59.438" v="7954" actId="2696"/>
+        <pc:sldMkLst>
+          <pc:docMk/>
+          <pc:sldMk cId="3635199420" sldId="285"/>
+        </pc:sldMkLst>
+      </pc:sldChg>
+      <pc:sldChg chg="del">
+        <pc:chgData name="Gibbons, Carl" userId="d2b037bc-8fb4-4222-845c-61440543a456" providerId="ADAL" clId="{4505F98C-4CC4-4983-9729-597D2A150C85}" dt="2023-12-28T22:17:10.620" v="1700" actId="47"/>
+        <pc:sldMkLst>
+          <pc:docMk/>
+          <pc:sldMk cId="954591853" sldId="286"/>
+        </pc:sldMkLst>
+      </pc:sldChg>
+      <pc:sldChg chg="modSp mod">
+        <pc:chgData name="Gibbons, Carl" userId="d2b037bc-8fb4-4222-845c-61440543a456" providerId="ADAL" clId="{4505F98C-4CC4-4983-9729-597D2A150C85}" dt="2023-12-29T01:14:14.317" v="12318" actId="20577"/>
+        <pc:sldMkLst>
+          <pc:docMk/>
+          <pc:sldMk cId="3193160409" sldId="286"/>
+        </pc:sldMkLst>
+        <pc:spChg chg="mod">
+          <ac:chgData name="Gibbons, Carl" userId="d2b037bc-8fb4-4222-845c-61440543a456" providerId="ADAL" clId="{4505F98C-4CC4-4983-9729-597D2A150C85}" dt="2023-12-29T00:33:44.511" v="9517" actId="20577"/>
+          <ac:spMkLst>
+            <pc:docMk/>
+            <pc:sldMk cId="3193160409" sldId="286"/>
+            <ac:spMk id="2" creationId="{31B75992-5098-A283-4925-2CCEBB801DC5}"/>
+          </ac:spMkLst>
+        </pc:spChg>
+        <pc:spChg chg="mod">
+          <ac:chgData name="Gibbons, Carl" userId="d2b037bc-8fb4-4222-845c-61440543a456" providerId="ADAL" clId="{4505F98C-4CC4-4983-9729-597D2A150C85}" dt="2023-12-29T01:14:14.317" v="12318" actId="20577"/>
+          <ac:spMkLst>
+            <pc:docMk/>
+            <pc:sldMk cId="3193160409" sldId="286"/>
+            <ac:spMk id="3" creationId="{B5924E0F-A977-1710-779D-EEB74261AF34}"/>
+          </ac:spMkLst>
+        </pc:spChg>
+      </pc:sldChg>
+      <pc:sldChg chg="del">
+        <pc:chgData name="Gibbons, Carl" userId="d2b037bc-8fb4-4222-845c-61440543a456" providerId="ADAL" clId="{4505F98C-4CC4-4983-9729-597D2A150C85}" dt="2023-12-28T22:17:12.413" v="1702" actId="47"/>
+        <pc:sldMkLst>
+          <pc:docMk/>
+          <pc:sldMk cId="2614091779" sldId="287"/>
+        </pc:sldMkLst>
+      </pc:sldChg>
+      <pc:sldChg chg="modSp mod">
+        <pc:chgData name="Gibbons, Carl" userId="d2b037bc-8fb4-4222-845c-61440543a456" providerId="ADAL" clId="{4505F98C-4CC4-4983-9729-597D2A150C85}" dt="2023-12-29T02:19:05.385" v="17624"/>
+        <pc:sldMkLst>
+          <pc:docMk/>
+          <pc:sldMk cId="2688338374" sldId="287"/>
+        </pc:sldMkLst>
+        <pc:spChg chg="mod">
+          <ac:chgData name="Gibbons, Carl" userId="d2b037bc-8fb4-4222-845c-61440543a456" providerId="ADAL" clId="{4505F98C-4CC4-4983-9729-597D2A150C85}" dt="2023-12-29T00:41:11.438" v="10364" actId="20577"/>
+          <ac:spMkLst>
+            <pc:docMk/>
+            <pc:sldMk cId="2688338374" sldId="287"/>
+            <ac:spMk id="2" creationId="{31B75992-5098-A283-4925-2CCEBB801DC5}"/>
+          </ac:spMkLst>
+        </pc:spChg>
+        <pc:spChg chg="mod">
+          <ac:chgData name="Gibbons, Carl" userId="d2b037bc-8fb4-4222-845c-61440543a456" providerId="ADAL" clId="{4505F98C-4CC4-4983-9729-597D2A150C85}" dt="2023-12-29T02:19:05.385" v="17624"/>
+          <ac:spMkLst>
+            <pc:docMk/>
+            <pc:sldMk cId="2688338374" sldId="287"/>
+            <ac:spMk id="3" creationId="{B5924E0F-A977-1710-779D-EEB74261AF34}"/>
+          </ac:spMkLst>
+        </pc:spChg>
+      </pc:sldChg>
+      <pc:sldChg chg="del">
+        <pc:chgData name="Gibbons, Carl" userId="d2b037bc-8fb4-4222-845c-61440543a456" providerId="ADAL" clId="{4505F98C-4CC4-4983-9729-597D2A150C85}" dt="2023-12-28T22:17:11.407" v="1701" actId="47"/>
+        <pc:sldMkLst>
+          <pc:docMk/>
+          <pc:sldMk cId="1341659426" sldId="288"/>
+        </pc:sldMkLst>
+      </pc:sldChg>
+      <pc:sldChg chg="modSp add mod">
+        <pc:chgData name="Gibbons, Carl" userId="d2b037bc-8fb4-4222-845c-61440543a456" providerId="ADAL" clId="{4505F98C-4CC4-4983-9729-597D2A150C85}" dt="2023-12-29T01:45:37.293" v="15006"/>
+        <pc:sldMkLst>
+          <pc:docMk/>
+          <pc:sldMk cId="2142935017" sldId="288"/>
+        </pc:sldMkLst>
+        <pc:spChg chg="mod">
+          <ac:chgData name="Gibbons, Carl" userId="d2b037bc-8fb4-4222-845c-61440543a456" providerId="ADAL" clId="{4505F98C-4CC4-4983-9729-597D2A150C85}" dt="2023-12-29T01:16:27.501" v="12383" actId="20577"/>
+          <ac:spMkLst>
+            <pc:docMk/>
+            <pc:sldMk cId="2142935017" sldId="288"/>
+            <ac:spMk id="2" creationId="{31B75992-5098-A283-4925-2CCEBB801DC5}"/>
+          </ac:spMkLst>
+        </pc:spChg>
+        <pc:spChg chg="mod">
+          <ac:chgData name="Gibbons, Carl" userId="d2b037bc-8fb4-4222-845c-61440543a456" providerId="ADAL" clId="{4505F98C-4CC4-4983-9729-597D2A150C85}" dt="2023-12-29T01:45:37.293" v="15006"/>
+          <ac:spMkLst>
+            <pc:docMk/>
+            <pc:sldMk cId="2142935017" sldId="288"/>
+            <ac:spMk id="3" creationId="{B5924E0F-A977-1710-779D-EEB74261AF34}"/>
+          </ac:spMkLst>
+        </pc:spChg>
+      </pc:sldChg>
+      <pc:sldChg chg="modSp mod">
+        <pc:chgData name="Gibbons, Carl" userId="d2b037bc-8fb4-4222-845c-61440543a456" providerId="ADAL" clId="{4505F98C-4CC4-4983-9729-597D2A150C85}" dt="2023-12-29T01:50:54.342" v="15124" actId="20577"/>
+        <pc:sldMkLst>
+          <pc:docMk/>
+          <pc:sldMk cId="2784625941" sldId="289"/>
+        </pc:sldMkLst>
+        <pc:spChg chg="mod">
+          <ac:chgData name="Gibbons, Carl" userId="d2b037bc-8fb4-4222-845c-61440543a456" providerId="ADAL" clId="{4505F98C-4CC4-4983-9729-597D2A150C85}" dt="2023-12-29T01:23:40.688" v="13177" actId="20577"/>
+          <ac:spMkLst>
+            <pc:docMk/>
+            <pc:sldMk cId="2784625941" sldId="289"/>
+            <ac:spMk id="2" creationId="{31B75992-5098-A283-4925-2CCEBB801DC5}"/>
+          </ac:spMkLst>
+        </pc:spChg>
+        <pc:spChg chg="mod">
+          <ac:chgData name="Gibbons, Carl" userId="d2b037bc-8fb4-4222-845c-61440543a456" providerId="ADAL" clId="{4505F98C-4CC4-4983-9729-597D2A150C85}" dt="2023-12-29T01:50:54.342" v="15124" actId="20577"/>
+          <ac:spMkLst>
+            <pc:docMk/>
+            <pc:sldMk cId="2784625941" sldId="289"/>
+            <ac:spMk id="3" creationId="{B5924E0F-A977-1710-779D-EEB74261AF34}"/>
+          </ac:spMkLst>
+        </pc:spChg>
+      </pc:sldChg>
+      <pc:sldChg chg="del">
+        <pc:chgData name="Gibbons, Carl" userId="d2b037bc-8fb4-4222-845c-61440543a456" providerId="ADAL" clId="{4505F98C-4CC4-4983-9729-597D2A150C85}" dt="2023-12-28T22:17:05.773" v="1696" actId="47"/>
+        <pc:sldMkLst>
+          <pc:docMk/>
+          <pc:sldMk cId="2966054478" sldId="289"/>
+        </pc:sldMkLst>
+      </pc:sldChg>
+      <pc:sldChg chg="del">
+        <pc:chgData name="Gibbons, Carl" userId="d2b037bc-8fb4-4222-845c-61440543a456" providerId="ADAL" clId="{4505F98C-4CC4-4983-9729-597D2A150C85}" dt="2023-12-28T22:17:13.315" v="1703" actId="47"/>
+        <pc:sldMkLst>
+          <pc:docMk/>
+          <pc:sldMk cId="1014272238" sldId="290"/>
+        </pc:sldMkLst>
+      </pc:sldChg>
+      <pc:sldChg chg="modSp add mod">
+        <pc:chgData name="Gibbons, Carl" userId="d2b037bc-8fb4-4222-845c-61440543a456" providerId="ADAL" clId="{4505F98C-4CC4-4983-9729-597D2A150C85}" dt="2023-12-29T01:50:36.539" v="15123" actId="20577"/>
+        <pc:sldMkLst>
+          <pc:docMk/>
+          <pc:sldMk cId="1677974689" sldId="290"/>
+        </pc:sldMkLst>
+        <pc:spChg chg="mod">
+          <ac:chgData name="Gibbons, Carl" userId="d2b037bc-8fb4-4222-845c-61440543a456" providerId="ADAL" clId="{4505F98C-4CC4-4983-9729-597D2A150C85}" dt="2023-12-29T01:37:36.931" v="14365" actId="20577"/>
+          <ac:spMkLst>
+            <pc:docMk/>
+            <pc:sldMk cId="1677974689" sldId="290"/>
+            <ac:spMk id="2" creationId="{31B75992-5098-A283-4925-2CCEBB801DC5}"/>
+          </ac:spMkLst>
+        </pc:spChg>
+        <pc:spChg chg="mod">
+          <ac:chgData name="Gibbons, Carl" userId="d2b037bc-8fb4-4222-845c-61440543a456" providerId="ADAL" clId="{4505F98C-4CC4-4983-9729-597D2A150C85}" dt="2023-12-29T01:50:36.539" v="15123" actId="20577"/>
+          <ac:spMkLst>
+            <pc:docMk/>
+            <pc:sldMk cId="1677974689" sldId="290"/>
+            <ac:spMk id="3" creationId="{B5924E0F-A977-1710-779D-EEB74261AF34}"/>
+          </ac:spMkLst>
+        </pc:spChg>
+      </pc:sldChg>
+      <pc:sldChg chg="del">
+        <pc:chgData name="Gibbons, Carl" userId="d2b037bc-8fb4-4222-845c-61440543a456" providerId="ADAL" clId="{4505F98C-4CC4-4983-9729-597D2A150C85}" dt="2023-12-28T22:17:05.079" v="1695" actId="47"/>
+        <pc:sldMkLst>
+          <pc:docMk/>
+          <pc:sldMk cId="3689580349" sldId="291"/>
+        </pc:sldMkLst>
+      </pc:sldChg>
+      <pc:sldChg chg="modSp add mod">
+        <pc:chgData name="Gibbons, Carl" userId="d2b037bc-8fb4-4222-845c-61440543a456" providerId="ADAL" clId="{4505F98C-4CC4-4983-9729-597D2A150C85}" dt="2023-12-29T02:03:57.372" v="16335" actId="20577"/>
+        <pc:sldMkLst>
+          <pc:docMk/>
+          <pc:sldMk cId="4219326696" sldId="291"/>
+        </pc:sldMkLst>
+        <pc:spChg chg="mod">
+          <ac:chgData name="Gibbons, Carl" userId="d2b037bc-8fb4-4222-845c-61440543a456" providerId="ADAL" clId="{4505F98C-4CC4-4983-9729-597D2A150C85}" dt="2023-12-29T01:51:52.820" v="15161" actId="20577"/>
+          <ac:spMkLst>
+            <pc:docMk/>
+            <pc:sldMk cId="4219326696" sldId="291"/>
+            <ac:spMk id="2" creationId="{31B75992-5098-A283-4925-2CCEBB801DC5}"/>
+          </ac:spMkLst>
+        </pc:spChg>
+        <pc:spChg chg="mod">
+          <ac:chgData name="Gibbons, Carl" userId="d2b037bc-8fb4-4222-845c-61440543a456" providerId="ADAL" clId="{4505F98C-4CC4-4983-9729-597D2A150C85}" dt="2023-12-29T02:03:57.372" v="16335" actId="20577"/>
+          <ac:spMkLst>
+            <pc:docMk/>
+            <pc:sldMk cId="4219326696" sldId="291"/>
+            <ac:spMk id="3" creationId="{B5924E0F-A977-1710-779D-EEB74261AF34}"/>
+          </ac:spMkLst>
+        </pc:spChg>
+      </pc:sldChg>
+      <pc:sldChg chg="modSp add mod">
+        <pc:chgData name="Gibbons, Carl" userId="d2b037bc-8fb4-4222-845c-61440543a456" providerId="ADAL" clId="{4505F98C-4CC4-4983-9729-597D2A150C85}" dt="2023-12-29T02:16:48.887" v="17543" actId="20577"/>
+        <pc:sldMkLst>
+          <pc:docMk/>
+          <pc:sldMk cId="33911121" sldId="292"/>
+        </pc:sldMkLst>
+        <pc:spChg chg="mod">
+          <ac:chgData name="Gibbons, Carl" userId="d2b037bc-8fb4-4222-845c-61440543a456" providerId="ADAL" clId="{4505F98C-4CC4-4983-9729-597D2A150C85}" dt="2023-12-29T02:06:26.879" v="16405" actId="20577"/>
+          <ac:spMkLst>
+            <pc:docMk/>
+            <pc:sldMk cId="33911121" sldId="292"/>
+            <ac:spMk id="2" creationId="{1862E903-3C56-BB42-2361-009F2336475A}"/>
+          </ac:spMkLst>
+        </pc:spChg>
+        <pc:spChg chg="mod">
+          <ac:chgData name="Gibbons, Carl" userId="d2b037bc-8fb4-4222-845c-61440543a456" providerId="ADAL" clId="{4505F98C-4CC4-4983-9729-597D2A150C85}" dt="2023-12-29T02:16:48.887" v="17543" actId="20577"/>
+          <ac:spMkLst>
+            <pc:docMk/>
+            <pc:sldMk cId="33911121" sldId="292"/>
+            <ac:spMk id="3" creationId="{90179172-96B3-95D0-A137-257770BE7642}"/>
+          </ac:spMkLst>
+        </pc:spChg>
+      </pc:sldChg>
+      <pc:sldChg chg="del">
+        <pc:chgData name="Gibbons, Carl" userId="d2b037bc-8fb4-4222-845c-61440543a456" providerId="ADAL" clId="{4505F98C-4CC4-4983-9729-597D2A150C85}" dt="2023-12-28T22:17:14.720" v="1704" actId="47"/>
+        <pc:sldMkLst>
+          <pc:docMk/>
+          <pc:sldMk cId="2738411615" sldId="292"/>
+        </pc:sldMkLst>
+      </pc:sldChg>
+      <pc:sldChg chg="del">
+        <pc:chgData name="Gibbons, Carl" userId="d2b037bc-8fb4-4222-845c-61440543a456" providerId="ADAL" clId="{4505F98C-4CC4-4983-9729-597D2A150C85}" dt="2023-12-28T22:17:04.103" v="1694" actId="47"/>
+        <pc:sldMkLst>
+          <pc:docMk/>
+          <pc:sldMk cId="852415543" sldId="293"/>
+        </pc:sldMkLst>
+      </pc:sldChg>
+    </pc:docChg>
+  </pc:docChgLst>
+  <pc:docChgLst>
+    <pc:chgData name="Gibbons, Carl" userId="d2b037bc-8fb4-4222-845c-61440543a456" providerId="ADAL" clId="{14F797DE-E75B-4062-A6FB-AA9F07155580}"/>
+    <pc:docChg chg="undo custSel addSld modSld">
+      <pc:chgData name="Gibbons, Carl" userId="d2b037bc-8fb4-4222-845c-61440543a456" providerId="ADAL" clId="{14F797DE-E75B-4062-A6FB-AA9F07155580}" dt="2023-12-29T21:55:15.574" v="6853" actId="255"/>
+      <pc:docMkLst>
+        <pc:docMk/>
+      </pc:docMkLst>
+      <pc:sldChg chg="modSp mod">
+        <pc:chgData name="Gibbons, Carl" userId="d2b037bc-8fb4-4222-845c-61440543a456" providerId="ADAL" clId="{14F797DE-E75B-4062-A6FB-AA9F07155580}" dt="2023-12-29T17:10:38.181" v="10" actId="20577"/>
+        <pc:sldMkLst>
+          <pc:docMk/>
+          <pc:sldMk cId="3308175748" sldId="256"/>
+        </pc:sldMkLst>
+        <pc:spChg chg="mod">
+          <ac:chgData name="Gibbons, Carl" userId="d2b037bc-8fb4-4222-845c-61440543a456" providerId="ADAL" clId="{14F797DE-E75B-4062-A6FB-AA9F07155580}" dt="2023-12-29T17:10:38.181" v="10" actId="20577"/>
+          <ac:spMkLst>
+            <pc:docMk/>
+            <pc:sldMk cId="3308175748" sldId="256"/>
+            <ac:spMk id="3" creationId="{EEC4D41B-E776-05F2-BE0B-89BB339485AB}"/>
+          </ac:spMkLst>
+        </pc:spChg>
+      </pc:sldChg>
+      <pc:sldChg chg="modSp mod">
+        <pc:chgData name="Gibbons, Carl" userId="d2b037bc-8fb4-4222-845c-61440543a456" providerId="ADAL" clId="{14F797DE-E75B-4062-A6FB-AA9F07155580}" dt="2023-12-29T17:51:52.012" v="2089" actId="20577"/>
+        <pc:sldMkLst>
+          <pc:docMk/>
+          <pc:sldMk cId="2312486803" sldId="261"/>
+        </pc:sldMkLst>
+        <pc:spChg chg="mod">
+          <ac:chgData name="Gibbons, Carl" userId="d2b037bc-8fb4-4222-845c-61440543a456" providerId="ADAL" clId="{14F797DE-E75B-4062-A6FB-AA9F07155580}" dt="2023-12-29T17:23:59.510" v="341" actId="20577"/>
+          <ac:spMkLst>
+            <pc:docMk/>
+            <pc:sldMk cId="2312486803" sldId="261"/>
+            <ac:spMk id="2" creationId="{31B75992-5098-A283-4925-2CCEBB801DC5}"/>
+          </ac:spMkLst>
+        </pc:spChg>
+        <pc:spChg chg="mod">
+          <ac:chgData name="Gibbons, Carl" userId="d2b037bc-8fb4-4222-845c-61440543a456" providerId="ADAL" clId="{14F797DE-E75B-4062-A6FB-AA9F07155580}" dt="2023-12-29T17:51:52.012" v="2089" actId="20577"/>
+          <ac:spMkLst>
+            <pc:docMk/>
+            <pc:sldMk cId="2312486803" sldId="261"/>
+            <ac:spMk id="3" creationId="{B5924E0F-A977-1710-779D-EEB74261AF34}"/>
+          </ac:spMkLst>
+        </pc:spChg>
+      </pc:sldChg>
+      <pc:sldChg chg="addSp modSp mod">
+        <pc:chgData name="Gibbons, Carl" userId="d2b037bc-8fb4-4222-845c-61440543a456" providerId="ADAL" clId="{14F797DE-E75B-4062-A6FB-AA9F07155580}" dt="2023-12-29T21:53:53.831" v="6845" actId="20577"/>
+        <pc:sldMkLst>
+          <pc:docMk/>
+          <pc:sldMk cId="657795359" sldId="277"/>
+        </pc:sldMkLst>
+        <pc:spChg chg="mod">
+          <ac:chgData name="Gibbons, Carl" userId="d2b037bc-8fb4-4222-845c-61440543a456" providerId="ADAL" clId="{14F797DE-E75B-4062-A6FB-AA9F07155580}" dt="2023-12-29T21:45:47.422" v="6393" actId="20577"/>
+          <ac:spMkLst>
+            <pc:docMk/>
+            <pc:sldMk cId="657795359" sldId="277"/>
+            <ac:spMk id="2" creationId="{1862E903-3C56-BB42-2361-009F2336475A}"/>
+          </ac:spMkLst>
+        </pc:spChg>
+        <pc:spChg chg="add mod">
+          <ac:chgData name="Gibbons, Carl" userId="d2b037bc-8fb4-4222-845c-61440543a456" providerId="ADAL" clId="{14F797DE-E75B-4062-A6FB-AA9F07155580}" dt="2023-12-29T21:53:53.831" v="6845" actId="20577"/>
+          <ac:spMkLst>
+            <pc:docMk/>
+            <pc:sldMk cId="657795359" sldId="277"/>
+            <ac:spMk id="3" creationId="{D9D594D6-F4EE-B0AB-C128-26D2D32F8E21}"/>
+          </ac:spMkLst>
+        </pc:spChg>
+      </pc:sldChg>
+      <pc:sldChg chg="modSp mod">
+        <pc:chgData name="Gibbons, Carl" userId="d2b037bc-8fb4-4222-845c-61440543a456" providerId="ADAL" clId="{14F797DE-E75B-4062-A6FB-AA9F07155580}" dt="2023-12-29T18:26:31.431" v="3669" actId="20577"/>
+        <pc:sldMkLst>
+          <pc:docMk/>
+          <pc:sldMk cId="3989541258" sldId="278"/>
+        </pc:sldMkLst>
+        <pc:spChg chg="mod">
+          <ac:chgData name="Gibbons, Carl" userId="d2b037bc-8fb4-4222-845c-61440543a456" providerId="ADAL" clId="{14F797DE-E75B-4062-A6FB-AA9F07155580}" dt="2023-12-29T17:53:20.837" v="2147" actId="20577"/>
+          <ac:spMkLst>
+            <pc:docMk/>
+            <pc:sldMk cId="3989541258" sldId="278"/>
+            <ac:spMk id="2" creationId="{31B75992-5098-A283-4925-2CCEBB801DC5}"/>
+          </ac:spMkLst>
+        </pc:spChg>
+        <pc:spChg chg="mod">
+          <ac:chgData name="Gibbons, Carl" userId="d2b037bc-8fb4-4222-845c-61440543a456" providerId="ADAL" clId="{14F797DE-E75B-4062-A6FB-AA9F07155580}" dt="2023-12-29T18:26:31.431" v="3669" actId="20577"/>
+          <ac:spMkLst>
+            <pc:docMk/>
+            <pc:sldMk cId="3989541258" sldId="278"/>
+            <ac:spMk id="3" creationId="{B5924E0F-A977-1710-779D-EEB74261AF34}"/>
+          </ac:spMkLst>
+        </pc:spChg>
+      </pc:sldChg>
+      <pc:sldChg chg="modSp mod">
+        <pc:chgData name="Gibbons, Carl" userId="d2b037bc-8fb4-4222-845c-61440543a456" providerId="ADAL" clId="{14F797DE-E75B-4062-A6FB-AA9F07155580}" dt="2023-12-29T21:55:15.574" v="6853" actId="255"/>
+        <pc:sldMkLst>
+          <pc:docMk/>
+          <pc:sldMk cId="1861646120" sldId="293"/>
+        </pc:sldMkLst>
+        <pc:spChg chg="mod">
+          <ac:chgData name="Gibbons, Carl" userId="d2b037bc-8fb4-4222-845c-61440543a456" providerId="ADAL" clId="{14F797DE-E75B-4062-A6FB-AA9F07155580}" dt="2023-12-29T18:01:10.039" v="2767" actId="20577"/>
+          <ac:spMkLst>
+            <pc:docMk/>
+            <pc:sldMk cId="1861646120" sldId="293"/>
+            <ac:spMk id="2" creationId="{31B75992-5098-A283-4925-2CCEBB801DC5}"/>
+          </ac:spMkLst>
+        </pc:spChg>
+        <pc:spChg chg="mod">
+          <ac:chgData name="Gibbons, Carl" userId="d2b037bc-8fb4-4222-845c-61440543a456" providerId="ADAL" clId="{14F797DE-E75B-4062-A6FB-AA9F07155580}" dt="2023-12-29T21:55:15.574" v="6853" actId="255"/>
+          <ac:spMkLst>
+            <pc:docMk/>
+            <pc:sldMk cId="1861646120" sldId="293"/>
+            <ac:spMk id="3" creationId="{B5924E0F-A977-1710-779D-EEB74261AF34}"/>
+          </ac:spMkLst>
+        </pc:spChg>
+      </pc:sldChg>
+      <pc:sldChg chg="modSp mod">
+        <pc:chgData name="Gibbons, Carl" userId="d2b037bc-8fb4-4222-845c-61440543a456" providerId="ADAL" clId="{14F797DE-E75B-4062-A6FB-AA9F07155580}" dt="2023-12-29T21:55:08.313" v="6852" actId="255"/>
+        <pc:sldMkLst>
+          <pc:docMk/>
+          <pc:sldMk cId="2232562783" sldId="294"/>
+        </pc:sldMkLst>
+        <pc:spChg chg="mod">
+          <ac:chgData name="Gibbons, Carl" userId="d2b037bc-8fb4-4222-845c-61440543a456" providerId="ADAL" clId="{14F797DE-E75B-4062-A6FB-AA9F07155580}" dt="2023-12-29T18:24:14.937" v="3546" actId="20577"/>
+          <ac:spMkLst>
+            <pc:docMk/>
+            <pc:sldMk cId="2232562783" sldId="294"/>
+            <ac:spMk id="2" creationId="{31B75992-5098-A283-4925-2CCEBB801DC5}"/>
+          </ac:spMkLst>
+        </pc:spChg>
+        <pc:spChg chg="mod">
+          <ac:chgData name="Gibbons, Carl" userId="d2b037bc-8fb4-4222-845c-61440543a456" providerId="ADAL" clId="{14F797DE-E75B-4062-A6FB-AA9F07155580}" dt="2023-12-29T21:55:08.313" v="6852" actId="255"/>
+          <ac:spMkLst>
+            <pc:docMk/>
+            <pc:sldMk cId="2232562783" sldId="294"/>
+            <ac:spMk id="3" creationId="{B5924E0F-A977-1710-779D-EEB74261AF34}"/>
+          </ac:spMkLst>
+        </pc:spChg>
+      </pc:sldChg>
+      <pc:sldChg chg="modSp add mod">
+        <pc:chgData name="Gibbons, Carl" userId="d2b037bc-8fb4-4222-845c-61440543a456" providerId="ADAL" clId="{14F797DE-E75B-4062-A6FB-AA9F07155580}" dt="2023-12-29T21:55:02.689" v="6851" actId="255"/>
+        <pc:sldMkLst>
+          <pc:docMk/>
+          <pc:sldMk cId="806767687" sldId="295"/>
+        </pc:sldMkLst>
+        <pc:spChg chg="mod">
+          <ac:chgData name="Gibbons, Carl" userId="d2b037bc-8fb4-4222-845c-61440543a456" providerId="ADAL" clId="{14F797DE-E75B-4062-A6FB-AA9F07155580}" dt="2023-12-29T18:50:33.208" v="4036" actId="113"/>
+          <ac:spMkLst>
+            <pc:docMk/>
+            <pc:sldMk cId="806767687" sldId="295"/>
+            <ac:spMk id="2" creationId="{31B75992-5098-A283-4925-2CCEBB801DC5}"/>
+          </ac:spMkLst>
+        </pc:spChg>
+        <pc:spChg chg="mod">
+          <ac:chgData name="Gibbons, Carl" userId="d2b037bc-8fb4-4222-845c-61440543a456" providerId="ADAL" clId="{14F797DE-E75B-4062-A6FB-AA9F07155580}" dt="2023-12-29T21:55:02.689" v="6851" actId="255"/>
+          <ac:spMkLst>
+            <pc:docMk/>
+            <pc:sldMk cId="806767687" sldId="295"/>
+            <ac:spMk id="3" creationId="{B5924E0F-A977-1710-779D-EEB74261AF34}"/>
+          </ac:spMkLst>
+        </pc:spChg>
+      </pc:sldChg>
+      <pc:sldChg chg="modSp mod">
+        <pc:chgData name="Gibbons, Carl" userId="d2b037bc-8fb4-4222-845c-61440543a456" providerId="ADAL" clId="{14F797DE-E75B-4062-A6FB-AA9F07155580}" dt="2023-12-29T21:54:48.370" v="6850" actId="255"/>
+        <pc:sldMkLst>
+          <pc:docMk/>
+          <pc:sldMk cId="3145157247" sldId="296"/>
+        </pc:sldMkLst>
+        <pc:spChg chg="mod">
+          <ac:chgData name="Gibbons, Carl" userId="d2b037bc-8fb4-4222-845c-61440543a456" providerId="ADAL" clId="{14F797DE-E75B-4062-A6FB-AA9F07155580}" dt="2023-12-29T21:07:20.782" v="4695" actId="20577"/>
+          <ac:spMkLst>
+            <pc:docMk/>
+            <pc:sldMk cId="3145157247" sldId="296"/>
+            <ac:spMk id="2" creationId="{31B75992-5098-A283-4925-2CCEBB801DC5}"/>
+          </ac:spMkLst>
+        </pc:spChg>
+        <pc:spChg chg="mod">
+          <ac:chgData name="Gibbons, Carl" userId="d2b037bc-8fb4-4222-845c-61440543a456" providerId="ADAL" clId="{14F797DE-E75B-4062-A6FB-AA9F07155580}" dt="2023-12-29T21:54:48.370" v="6850" actId="255"/>
+          <ac:spMkLst>
+            <pc:docMk/>
+            <pc:sldMk cId="3145157247" sldId="296"/>
+            <ac:spMk id="3" creationId="{B5924E0F-A977-1710-779D-EEB74261AF34}"/>
+          </ac:spMkLst>
+        </pc:spChg>
+      </pc:sldChg>
+      <pc:sldChg chg="modSp mod">
+        <pc:chgData name="Gibbons, Carl" userId="d2b037bc-8fb4-4222-845c-61440543a456" providerId="ADAL" clId="{14F797DE-E75B-4062-A6FB-AA9F07155580}" dt="2023-12-29T21:54:42.630" v="6849" actId="255"/>
+        <pc:sldMkLst>
+          <pc:docMk/>
+          <pc:sldMk cId="2424714671" sldId="297"/>
+        </pc:sldMkLst>
+        <pc:spChg chg="mod">
+          <ac:chgData name="Gibbons, Carl" userId="d2b037bc-8fb4-4222-845c-61440543a456" providerId="ADAL" clId="{14F797DE-E75B-4062-A6FB-AA9F07155580}" dt="2023-12-29T21:07:54.964" v="4712" actId="20577"/>
+          <ac:spMkLst>
+            <pc:docMk/>
+            <pc:sldMk cId="2424714671" sldId="297"/>
+            <ac:spMk id="2" creationId="{31B75992-5098-A283-4925-2CCEBB801DC5}"/>
+          </ac:spMkLst>
+        </pc:spChg>
+        <pc:spChg chg="mod">
+          <ac:chgData name="Gibbons, Carl" userId="d2b037bc-8fb4-4222-845c-61440543a456" providerId="ADAL" clId="{14F797DE-E75B-4062-A6FB-AA9F07155580}" dt="2023-12-29T21:54:42.630" v="6849" actId="255"/>
+          <ac:spMkLst>
+            <pc:docMk/>
+            <pc:sldMk cId="2424714671" sldId="297"/>
+            <ac:spMk id="3" creationId="{B5924E0F-A977-1710-779D-EEB74261AF34}"/>
+          </ac:spMkLst>
+        </pc:spChg>
+      </pc:sldChg>
+      <pc:sldChg chg="modSp mod">
+        <pc:chgData name="Gibbons, Carl" userId="d2b037bc-8fb4-4222-845c-61440543a456" providerId="ADAL" clId="{14F797DE-E75B-4062-A6FB-AA9F07155580}" dt="2023-12-29T21:54:28.975" v="6848" actId="255"/>
+        <pc:sldMkLst>
+          <pc:docMk/>
+          <pc:sldMk cId="3450195044" sldId="298"/>
+        </pc:sldMkLst>
+        <pc:spChg chg="mod">
+          <ac:chgData name="Gibbons, Carl" userId="d2b037bc-8fb4-4222-845c-61440543a456" providerId="ADAL" clId="{14F797DE-E75B-4062-A6FB-AA9F07155580}" dt="2023-12-29T21:23:42.216" v="5202" actId="20577"/>
+          <ac:spMkLst>
+            <pc:docMk/>
+            <pc:sldMk cId="3450195044" sldId="298"/>
+            <ac:spMk id="2" creationId="{31B75992-5098-A283-4925-2CCEBB801DC5}"/>
+          </ac:spMkLst>
+        </pc:spChg>
+        <pc:spChg chg="mod">
+          <ac:chgData name="Gibbons, Carl" userId="d2b037bc-8fb4-4222-845c-61440543a456" providerId="ADAL" clId="{14F797DE-E75B-4062-A6FB-AA9F07155580}" dt="2023-12-29T21:54:28.975" v="6848" actId="255"/>
+          <ac:spMkLst>
+            <pc:docMk/>
+            <pc:sldMk cId="3450195044" sldId="298"/>
+            <ac:spMk id="3" creationId="{B5924E0F-A977-1710-779D-EEB74261AF34}"/>
+          </ac:spMkLst>
+        </pc:spChg>
+      </pc:sldChg>
+      <pc:sldChg chg="modSp mod">
+        <pc:chgData name="Gibbons, Carl" userId="d2b037bc-8fb4-4222-845c-61440543a456" providerId="ADAL" clId="{14F797DE-E75B-4062-A6FB-AA9F07155580}" dt="2023-12-29T21:54:18.720" v="6846" actId="255"/>
+        <pc:sldMkLst>
+          <pc:docMk/>
+          <pc:sldMk cId="3633122843" sldId="299"/>
+        </pc:sldMkLst>
+        <pc:spChg chg="mod">
+          <ac:chgData name="Gibbons, Carl" userId="d2b037bc-8fb4-4222-845c-61440543a456" providerId="ADAL" clId="{14F797DE-E75B-4062-A6FB-AA9F07155580}" dt="2023-12-29T21:31:23.761" v="5684" actId="20577"/>
+          <ac:spMkLst>
+            <pc:docMk/>
+            <pc:sldMk cId="3633122843" sldId="299"/>
+            <ac:spMk id="2" creationId="{31B75992-5098-A283-4925-2CCEBB801DC5}"/>
+          </ac:spMkLst>
+        </pc:spChg>
+        <pc:spChg chg="mod">
+          <ac:chgData name="Gibbons, Carl" userId="d2b037bc-8fb4-4222-845c-61440543a456" providerId="ADAL" clId="{14F797DE-E75B-4062-A6FB-AA9F07155580}" dt="2023-12-29T21:54:18.720" v="6846" actId="255"/>
+          <ac:spMkLst>
+            <pc:docMk/>
+            <pc:sldMk cId="3633122843" sldId="299"/>
+            <ac:spMk id="3" creationId="{B5924E0F-A977-1710-779D-EEB74261AF34}"/>
+          </ac:spMkLst>
+        </pc:spChg>
+      </pc:sldChg>
+    </pc:docChg>
+  </pc:docChgLst>
+  <pc:docChgLst>
+    <pc:chgData name="Gibbons, Carl" userId="d2b037bc-8fb4-4222-845c-61440543a456" providerId="ADAL" clId="{3D73FC3D-A932-426E-A7E0-475220CAB957}"/>
+    <pc:docChg chg="undo redo custSel addSld delSld modSld">
+      <pc:chgData name="Gibbons, Carl" userId="d2b037bc-8fb4-4222-845c-61440543a456" providerId="ADAL" clId="{3D73FC3D-A932-426E-A7E0-475220CAB957}" dt="2023-12-24T03:24:28.415" v="11663" actId="20577"/>
+      <pc:docMkLst>
+        <pc:docMk/>
+      </pc:docMkLst>
+      <pc:sldChg chg="modSp mod">
+        <pc:chgData name="Gibbons, Carl" userId="d2b037bc-8fb4-4222-845c-61440543a456" providerId="ADAL" clId="{3D73FC3D-A932-426E-A7E0-475220CAB957}" dt="2023-12-23T23:38:20.022" v="49" actId="20577"/>
+        <pc:sldMkLst>
+          <pc:docMk/>
+          <pc:sldMk cId="3308175748" sldId="256"/>
+        </pc:sldMkLst>
+        <pc:spChg chg="mod">
+          <ac:chgData name="Gibbons, Carl" userId="d2b037bc-8fb4-4222-845c-61440543a456" providerId="ADAL" clId="{3D73FC3D-A932-426E-A7E0-475220CAB957}" dt="2023-12-23T23:38:20.022" v="49" actId="20577"/>
+          <ac:spMkLst>
+            <pc:docMk/>
+            <pc:sldMk cId="3308175748" sldId="256"/>
+            <ac:spMk id="3" creationId="{EEC4D41B-E776-05F2-BE0B-89BB339485AB}"/>
+          </ac:spMkLst>
+        </pc:spChg>
+      </pc:sldChg>
+      <pc:sldChg chg="modSp mod">
+        <pc:chgData name="Gibbons, Carl" userId="d2b037bc-8fb4-4222-845c-61440543a456" providerId="ADAL" clId="{3D73FC3D-A932-426E-A7E0-475220CAB957}" dt="2023-12-24T01:13:09.893" v="3743" actId="20577"/>
+        <pc:sldMkLst>
+          <pc:docMk/>
+          <pc:sldMk cId="519357719" sldId="260"/>
+        </pc:sldMkLst>
+        <pc:spChg chg="mod">
+          <ac:chgData name="Gibbons, Carl" userId="d2b037bc-8fb4-4222-845c-61440543a456" providerId="ADAL" clId="{3D73FC3D-A932-426E-A7E0-475220CAB957}" dt="2023-12-24T00:45:38.249" v="1787" actId="20577"/>
+          <ac:spMkLst>
+            <pc:docMk/>
+            <pc:sldMk cId="519357719" sldId="260"/>
+            <ac:spMk id="2" creationId="{E8E7C5B6-3D55-D6F8-C2DE-9B6E32C23A9C}"/>
+          </ac:spMkLst>
+        </pc:spChg>
+        <pc:spChg chg="mod">
+          <ac:chgData name="Gibbons, Carl" userId="d2b037bc-8fb4-4222-845c-61440543a456" providerId="ADAL" clId="{3D73FC3D-A932-426E-A7E0-475220CAB957}" dt="2023-12-24T01:13:09.893" v="3743" actId="20577"/>
+          <ac:spMkLst>
+            <pc:docMk/>
+            <pc:sldMk cId="519357719" sldId="260"/>
+            <ac:spMk id="3" creationId="{17D02A72-79B4-B4A1-5F2B-4922B2F25909}"/>
+          </ac:spMkLst>
+        </pc:spChg>
+      </pc:sldChg>
+      <pc:sldChg chg="addSp modSp mod">
+        <pc:chgData name="Gibbons, Carl" userId="d2b037bc-8fb4-4222-845c-61440543a456" providerId="ADAL" clId="{3D73FC3D-A932-426E-A7E0-475220CAB957}" dt="2023-12-24T00:00:09.105" v="711" actId="20577"/>
+        <pc:sldMkLst>
+          <pc:docMk/>
+          <pc:sldMk cId="2312486803" sldId="261"/>
+        </pc:sldMkLst>
+        <pc:spChg chg="mod">
+          <ac:chgData name="Gibbons, Carl" userId="d2b037bc-8fb4-4222-845c-61440543a456" providerId="ADAL" clId="{3D73FC3D-A932-426E-A7E0-475220CAB957}" dt="2023-12-23T23:50:04.782" v="85" actId="20577"/>
+          <ac:spMkLst>
+            <pc:docMk/>
+            <pc:sldMk cId="2312486803" sldId="261"/>
+            <ac:spMk id="2" creationId="{31B75992-5098-A283-4925-2CCEBB801DC5}"/>
+          </ac:spMkLst>
+        </pc:spChg>
+        <pc:spChg chg="mod">
+          <ac:chgData name="Gibbons, Carl" userId="d2b037bc-8fb4-4222-845c-61440543a456" providerId="ADAL" clId="{3D73FC3D-A932-426E-A7E0-475220CAB957}" dt="2023-12-24T00:00:09.105" v="711" actId="20577"/>
+          <ac:spMkLst>
+            <pc:docMk/>
+            <pc:sldMk cId="2312486803" sldId="261"/>
+            <ac:spMk id="3" creationId="{B5924E0F-A977-1710-779D-EEB74261AF34}"/>
+          </ac:spMkLst>
+        </pc:spChg>
+        <pc:picChg chg="add mod">
+          <ac:chgData name="Gibbons, Carl" userId="d2b037bc-8fb4-4222-845c-61440543a456" providerId="ADAL" clId="{3D73FC3D-A932-426E-A7E0-475220CAB957}" dt="2023-12-23T23:51:02.278" v="91" actId="1076"/>
+          <ac:picMkLst>
+            <pc:docMk/>
+            <pc:sldMk cId="2312486803" sldId="261"/>
+            <ac:picMk id="5" creationId="{95F1B758-8221-A28F-F68D-1A79ADBC274D}"/>
+          </ac:picMkLst>
+        </pc:picChg>
+      </pc:sldChg>
+      <pc:sldChg chg="modSp mod">
+        <pc:chgData name="Gibbons, Carl" userId="d2b037bc-8fb4-4222-845c-61440543a456" providerId="ADAL" clId="{3D73FC3D-A932-426E-A7E0-475220CAB957}" dt="2023-12-24T00:44:00.546" v="1681" actId="20577"/>
+        <pc:sldMkLst>
+          <pc:docMk/>
+          <pc:sldMk cId="378743348" sldId="270"/>
+        </pc:sldMkLst>
+        <pc:spChg chg="mod">
+          <ac:chgData name="Gibbons, Carl" userId="d2b037bc-8fb4-4222-845c-61440543a456" providerId="ADAL" clId="{3D73FC3D-A932-426E-A7E0-475220CAB957}" dt="2023-12-24T00:42:29.049" v="1647" actId="114"/>
+          <ac:spMkLst>
+            <pc:docMk/>
+            <pc:sldMk cId="378743348" sldId="270"/>
+            <ac:spMk id="2" creationId="{C5822466-AC61-5579-F313-7B8A3FE65CC8}"/>
+          </ac:spMkLst>
+        </pc:spChg>
+        <pc:spChg chg="mod">
+          <ac:chgData name="Gibbons, Carl" userId="d2b037bc-8fb4-4222-845c-61440543a456" providerId="ADAL" clId="{3D73FC3D-A932-426E-A7E0-475220CAB957}" dt="2023-12-24T00:44:00.546" v="1681" actId="20577"/>
+          <ac:spMkLst>
+            <pc:docMk/>
+            <pc:sldMk cId="378743348" sldId="270"/>
+            <ac:spMk id="3" creationId="{80041865-9773-290D-EB35-F8AF8BFC505C}"/>
+          </ac:spMkLst>
+        </pc:spChg>
+      </pc:sldChg>
+      <pc:sldChg chg="modSp mod">
+        <pc:chgData name="Gibbons, Carl" userId="d2b037bc-8fb4-4222-845c-61440543a456" providerId="ADAL" clId="{3D73FC3D-A932-426E-A7E0-475220CAB957}" dt="2023-12-24T03:24:28.415" v="11663" actId="20577"/>
+        <pc:sldMkLst>
+          <pc:docMk/>
+          <pc:sldMk cId="657795359" sldId="277"/>
+        </pc:sldMkLst>
+        <pc:spChg chg="mod">
+          <ac:chgData name="Gibbons, Carl" userId="d2b037bc-8fb4-4222-845c-61440543a456" providerId="ADAL" clId="{3D73FC3D-A932-426E-A7E0-475220CAB957}" dt="2023-12-24T03:22:59.669" v="11407" actId="20577"/>
+          <ac:spMkLst>
+            <pc:docMk/>
+            <pc:sldMk cId="657795359" sldId="277"/>
+            <ac:spMk id="2" creationId="{1862E903-3C56-BB42-2361-009F2336475A}"/>
+          </ac:spMkLst>
+        </pc:spChg>
+        <pc:spChg chg="mod">
+          <ac:chgData name="Gibbons, Carl" userId="d2b037bc-8fb4-4222-845c-61440543a456" providerId="ADAL" clId="{3D73FC3D-A932-426E-A7E0-475220CAB957}" dt="2023-12-24T03:24:28.415" v="11663" actId="20577"/>
+          <ac:spMkLst>
+            <pc:docMk/>
+            <pc:sldMk cId="657795359" sldId="277"/>
+            <ac:spMk id="3" creationId="{90179172-96B3-95D0-A137-257770BE7642}"/>
+          </ac:spMkLst>
+        </pc:spChg>
+      </pc:sldChg>
+      <pc:sldChg chg="modSp mod">
+        <pc:chgData name="Gibbons, Carl" userId="d2b037bc-8fb4-4222-845c-61440543a456" providerId="ADAL" clId="{3D73FC3D-A932-426E-A7E0-475220CAB957}" dt="2023-12-24T01:34:56.666" v="4550" actId="20577"/>
+        <pc:sldMkLst>
+          <pc:docMk/>
+          <pc:sldMk cId="376509629" sldId="278"/>
+        </pc:sldMkLst>
+        <pc:spChg chg="mod">
+          <ac:chgData name="Gibbons, Carl" userId="d2b037bc-8fb4-4222-845c-61440543a456" providerId="ADAL" clId="{3D73FC3D-A932-426E-A7E0-475220CAB957}" dt="2023-12-24T01:29:35.543" v="4429" actId="20577"/>
+          <ac:spMkLst>
+            <pc:docMk/>
+            <pc:sldMk cId="376509629" sldId="278"/>
+            <ac:spMk id="2" creationId="{E8E7C5B6-3D55-D6F8-C2DE-9B6E32C23A9C}"/>
+          </ac:spMkLst>
+        </pc:spChg>
+        <pc:spChg chg="mod">
+          <ac:chgData name="Gibbons, Carl" userId="d2b037bc-8fb4-4222-845c-61440543a456" providerId="ADAL" clId="{3D73FC3D-A932-426E-A7E0-475220CAB957}" dt="2023-12-24T01:34:56.666" v="4550" actId="20577"/>
+          <ac:spMkLst>
+            <pc:docMk/>
+            <pc:sldMk cId="376509629" sldId="278"/>
+            <ac:spMk id="3" creationId="{17D02A72-79B4-B4A1-5F2B-4922B2F25909}"/>
+          </ac:spMkLst>
+        </pc:spChg>
+      </pc:sldChg>
+      <pc:sldChg chg="modSp add mod">
+        <pc:chgData name="Gibbons, Carl" userId="d2b037bc-8fb4-4222-845c-61440543a456" providerId="ADAL" clId="{3D73FC3D-A932-426E-A7E0-475220CAB957}" dt="2023-12-24T01:50:22.304" v="5579" actId="20577"/>
+        <pc:sldMkLst>
+          <pc:docMk/>
+          <pc:sldMk cId="3153831418" sldId="279"/>
+        </pc:sldMkLst>
+        <pc:spChg chg="mod">
+          <ac:chgData name="Gibbons, Carl" userId="d2b037bc-8fb4-4222-845c-61440543a456" providerId="ADAL" clId="{3D73FC3D-A932-426E-A7E0-475220CAB957}" dt="2023-12-24T01:36:49.541" v="4576" actId="20577"/>
+          <ac:spMkLst>
+            <pc:docMk/>
+            <pc:sldMk cId="3153831418" sldId="279"/>
+            <ac:spMk id="2" creationId="{E8E7C5B6-3D55-D6F8-C2DE-9B6E32C23A9C}"/>
+          </ac:spMkLst>
+        </pc:spChg>
+        <pc:spChg chg="mod">
+          <ac:chgData name="Gibbons, Carl" userId="d2b037bc-8fb4-4222-845c-61440543a456" providerId="ADAL" clId="{3D73FC3D-A932-426E-A7E0-475220CAB957}" dt="2023-12-24T01:50:22.304" v="5579" actId="20577"/>
+          <ac:spMkLst>
+            <pc:docMk/>
+            <pc:sldMk cId="3153831418" sldId="279"/>
+            <ac:spMk id="3" creationId="{17D02A72-79B4-B4A1-5F2B-4922B2F25909}"/>
+          </ac:spMkLst>
+        </pc:spChg>
+      </pc:sldChg>
+      <pc:sldChg chg="del">
+        <pc:chgData name="Gibbons, Carl" userId="d2b037bc-8fb4-4222-845c-61440543a456" providerId="ADAL" clId="{3D73FC3D-A932-426E-A7E0-475220CAB957}" dt="2023-12-24T01:36:36.846" v="4551"/>
+        <pc:sldMkLst>
+          <pc:docMk/>
+          <pc:sldMk cId="3319441950" sldId="279"/>
+        </pc:sldMkLst>
+      </pc:sldChg>
+      <pc:sldChg chg="addSp delSp modSp mod">
+        <pc:chgData name="Gibbons, Carl" userId="d2b037bc-8fb4-4222-845c-61440543a456" providerId="ADAL" clId="{3D73FC3D-A932-426E-A7E0-475220CAB957}" dt="2023-12-24T02:38:37.357" v="8076" actId="22"/>
+        <pc:sldMkLst>
+          <pc:docMk/>
+          <pc:sldMk cId="1730491475" sldId="280"/>
+        </pc:sldMkLst>
+        <pc:spChg chg="mod">
+          <ac:chgData name="Gibbons, Carl" userId="d2b037bc-8fb4-4222-845c-61440543a456" providerId="ADAL" clId="{3D73FC3D-A932-426E-A7E0-475220CAB957}" dt="2023-12-24T01:50:32.554" v="5581" actId="20577"/>
+          <ac:spMkLst>
+            <pc:docMk/>
+            <pc:sldMk cId="1730491475" sldId="280"/>
+            <ac:spMk id="2" creationId="{E8E7C5B6-3D55-D6F8-C2DE-9B6E32C23A9C}"/>
+          </ac:spMkLst>
+        </pc:spChg>
+        <pc:spChg chg="mod">
+          <ac:chgData name="Gibbons, Carl" userId="d2b037bc-8fb4-4222-845c-61440543a456" providerId="ADAL" clId="{3D73FC3D-A932-426E-A7E0-475220CAB957}" dt="2023-12-24T02:35:28.836" v="8074" actId="12"/>
+          <ac:spMkLst>
+            <pc:docMk/>
+            <pc:sldMk cId="1730491475" sldId="280"/>
+            <ac:spMk id="3" creationId="{17D02A72-79B4-B4A1-5F2B-4922B2F25909}"/>
+          </ac:spMkLst>
+        </pc:spChg>
+        <pc:spChg chg="add del">
+          <ac:chgData name="Gibbons, Carl" userId="d2b037bc-8fb4-4222-845c-61440543a456" providerId="ADAL" clId="{3D73FC3D-A932-426E-A7E0-475220CAB957}" dt="2023-12-24T02:38:37.357" v="8076" actId="22"/>
+          <ac:spMkLst>
+            <pc:docMk/>
+            <pc:sldMk cId="1730491475" sldId="280"/>
+            <ac:spMk id="5" creationId="{8BB9020B-ED8A-501F-CC80-C270A0022D15}"/>
+          </ac:spMkLst>
+        </pc:spChg>
+      </pc:sldChg>
+      <pc:sldChg chg="modSp mod">
+        <pc:chgData name="Gibbons, Carl" userId="d2b037bc-8fb4-4222-845c-61440543a456" providerId="ADAL" clId="{3D73FC3D-A932-426E-A7E0-475220CAB957}" dt="2023-12-24T03:05:20.109" v="10364" actId="20577"/>
+        <pc:sldMkLst>
+          <pc:docMk/>
+          <pc:sldMk cId="2142935958" sldId="281"/>
+        </pc:sldMkLst>
+        <pc:spChg chg="mod">
+          <ac:chgData name="Gibbons, Carl" userId="d2b037bc-8fb4-4222-845c-61440543a456" providerId="ADAL" clId="{3D73FC3D-A932-426E-A7E0-475220CAB957}" dt="2023-12-24T02:43:01.996" v="8436" actId="20577"/>
+          <ac:spMkLst>
+            <pc:docMk/>
+            <pc:sldMk cId="2142935958" sldId="281"/>
+            <ac:spMk id="2" creationId="{E8E7C5B6-3D55-D6F8-C2DE-9B6E32C23A9C}"/>
+          </ac:spMkLst>
+        </pc:spChg>
+        <pc:spChg chg="mod">
+          <ac:chgData name="Gibbons, Carl" userId="d2b037bc-8fb4-4222-845c-61440543a456" providerId="ADAL" clId="{3D73FC3D-A932-426E-A7E0-475220CAB957}" dt="2023-12-24T03:05:20.109" v="10364" actId="20577"/>
+          <ac:spMkLst>
+            <pc:docMk/>
+            <pc:sldMk cId="2142935958" sldId="281"/>
+            <ac:spMk id="3" creationId="{17D02A72-79B4-B4A1-5F2B-4922B2F25909}"/>
+          </ac:spMkLst>
+        </pc:spChg>
+      </pc:sldChg>
+      <pc:sldChg chg="modSp mod">
+        <pc:chgData name="Gibbons, Carl" userId="d2b037bc-8fb4-4222-845c-61440543a456" providerId="ADAL" clId="{3D73FC3D-A932-426E-A7E0-475220CAB957}" dt="2023-12-24T03:22:15.893" v="11397" actId="2711"/>
+        <pc:sldMkLst>
+          <pc:docMk/>
+          <pc:sldMk cId="1371681654" sldId="282"/>
+        </pc:sldMkLst>
+        <pc:spChg chg="mod">
+          <ac:chgData name="Gibbons, Carl" userId="d2b037bc-8fb4-4222-845c-61440543a456" providerId="ADAL" clId="{3D73FC3D-A932-426E-A7E0-475220CAB957}" dt="2023-12-24T03:12:22.296" v="10563" actId="1036"/>
+          <ac:spMkLst>
+            <pc:docMk/>
+            <pc:sldMk cId="1371681654" sldId="282"/>
+            <ac:spMk id="2" creationId="{E8E7C5B6-3D55-D6F8-C2DE-9B6E32C23A9C}"/>
+          </ac:spMkLst>
+        </pc:spChg>
+        <pc:spChg chg="mod">
+          <ac:chgData name="Gibbons, Carl" userId="d2b037bc-8fb4-4222-845c-61440543a456" providerId="ADAL" clId="{3D73FC3D-A932-426E-A7E0-475220CAB957}" dt="2023-12-24T03:22:15.893" v="11397" actId="2711"/>
+          <ac:spMkLst>
+            <pc:docMk/>
+            <pc:sldMk cId="1371681654" sldId="282"/>
+            <ac:spMk id="3" creationId="{17D02A72-79B4-B4A1-5F2B-4922B2F25909}"/>
+          </ac:spMkLst>
+        </pc:spChg>
+      </pc:sldChg>
+    </pc:docChg>
+  </pc:docChgLst>
+  <pc:docChgLst>
+    <pc:chgData name="Gibbons, Carl" userId="d2b037bc-8fb4-4222-845c-61440543a456" providerId="ADAL" clId="{06905CFC-A46E-472D-890F-9117438C8D89}"/>
+    <pc:docChg chg="custSel addSld delSld modSld">
+      <pc:chgData name="Gibbons, Carl" userId="d2b037bc-8fb4-4222-845c-61440543a456" providerId="ADAL" clId="{06905CFC-A46E-472D-890F-9117438C8D89}" dt="2024-02-04T04:33:39.872" v="4931" actId="20577"/>
+      <pc:docMkLst>
+        <pc:docMk/>
+      </pc:docMkLst>
+      <pc:sldChg chg="modSp mod">
+        <pc:chgData name="Gibbons, Carl" userId="d2b037bc-8fb4-4222-845c-61440543a456" providerId="ADAL" clId="{06905CFC-A46E-472D-890F-9117438C8D89}" dt="2024-02-04T02:59:56.129" v="48" actId="20577"/>
+        <pc:sldMkLst>
+          <pc:docMk/>
+          <pc:sldMk cId="3308175748" sldId="256"/>
+        </pc:sldMkLst>
+        <pc:spChg chg="mod">
+          <ac:chgData name="Gibbons, Carl" userId="d2b037bc-8fb4-4222-845c-61440543a456" providerId="ADAL" clId="{06905CFC-A46E-472D-890F-9117438C8D89}" dt="2024-02-04T02:59:56.129" v="48" actId="20577"/>
+          <ac:spMkLst>
+            <pc:docMk/>
+            <pc:sldMk cId="3308175748" sldId="256"/>
+            <ac:spMk id="3" creationId="{EEC4D41B-E776-05F2-BE0B-89BB339485AB}"/>
+          </ac:spMkLst>
+        </pc:spChg>
+      </pc:sldChg>
+      <pc:sldChg chg="modSp mod">
+        <pc:chgData name="Gibbons, Carl" userId="d2b037bc-8fb4-4222-845c-61440543a456" providerId="ADAL" clId="{06905CFC-A46E-472D-890F-9117438C8D89}" dt="2024-02-04T03:54:18.112" v="2151" actId="15"/>
+        <pc:sldMkLst>
+          <pc:docMk/>
+          <pc:sldMk cId="2312486803" sldId="261"/>
+        </pc:sldMkLst>
+        <pc:spChg chg="mod">
+          <ac:chgData name="Gibbons, Carl" userId="d2b037bc-8fb4-4222-845c-61440543a456" providerId="ADAL" clId="{06905CFC-A46E-472D-890F-9117438C8D89}" dt="2024-02-04T03:52:20.850" v="2087" actId="20577"/>
+          <ac:spMkLst>
+            <pc:docMk/>
+            <pc:sldMk cId="2312486803" sldId="261"/>
+            <ac:spMk id="2" creationId="{31B75992-5098-A283-4925-2CCEBB801DC5}"/>
+          </ac:spMkLst>
+        </pc:spChg>
+        <pc:spChg chg="mod">
+          <ac:chgData name="Gibbons, Carl" userId="d2b037bc-8fb4-4222-845c-61440543a456" providerId="ADAL" clId="{06905CFC-A46E-472D-890F-9117438C8D89}" dt="2024-02-04T03:54:18.112" v="2151" actId="15"/>
+          <ac:spMkLst>
+            <pc:docMk/>
+            <pc:sldMk cId="2312486803" sldId="261"/>
+            <ac:spMk id="3" creationId="{B5924E0F-A977-1710-779D-EEB74261AF34}"/>
+          </ac:spMkLst>
+        </pc:spChg>
+      </pc:sldChg>
+      <pc:sldChg chg="modSp mod">
+        <pc:chgData name="Gibbons, Carl" userId="d2b037bc-8fb4-4222-845c-61440543a456" providerId="ADAL" clId="{06905CFC-A46E-472D-890F-9117438C8D89}" dt="2024-02-04T04:33:39.872" v="4931" actId="20577"/>
+        <pc:sldMkLst>
+          <pc:docMk/>
+          <pc:sldMk cId="3885141102" sldId="262"/>
+        </pc:sldMkLst>
+        <pc:spChg chg="mod">
+          <ac:chgData name="Gibbons, Carl" userId="d2b037bc-8fb4-4222-845c-61440543a456" providerId="ADAL" clId="{06905CFC-A46E-472D-890F-9117438C8D89}" dt="2024-02-04T04:33:39.872" v="4931" actId="20577"/>
+          <ac:spMkLst>
+            <pc:docMk/>
+            <pc:sldMk cId="3885141102" sldId="262"/>
+            <ac:spMk id="3" creationId="{B5924E0F-A977-1710-779D-EEB74261AF34}"/>
+          </ac:spMkLst>
+        </pc:spChg>
+      </pc:sldChg>
+      <pc:sldChg chg="modSp mod">
+        <pc:chgData name="Gibbons, Carl" userId="d2b037bc-8fb4-4222-845c-61440543a456" providerId="ADAL" clId="{06905CFC-A46E-472D-890F-9117438C8D89}" dt="2024-02-04T04:32:40.613" v="4865" actId="20577"/>
+        <pc:sldMkLst>
+          <pc:docMk/>
+          <pc:sldMk cId="1719402288" sldId="263"/>
+        </pc:sldMkLst>
+        <pc:spChg chg="mod">
+          <ac:chgData name="Gibbons, Carl" userId="d2b037bc-8fb4-4222-845c-61440543a456" providerId="ADAL" clId="{06905CFC-A46E-472D-890F-9117438C8D89}" dt="2024-02-04T04:12:26.573" v="3314" actId="20577"/>
+          <ac:spMkLst>
+            <pc:docMk/>
+            <pc:sldMk cId="1719402288" sldId="263"/>
+            <ac:spMk id="2" creationId="{31B75992-5098-A283-4925-2CCEBB801DC5}"/>
+          </ac:spMkLst>
+        </pc:spChg>
+        <pc:spChg chg="mod">
+          <ac:chgData name="Gibbons, Carl" userId="d2b037bc-8fb4-4222-845c-61440543a456" providerId="ADAL" clId="{06905CFC-A46E-472D-890F-9117438C8D89}" dt="2024-02-04T04:32:40.613" v="4865" actId="20577"/>
+          <ac:spMkLst>
+            <pc:docMk/>
+            <pc:sldMk cId="1719402288" sldId="263"/>
+            <ac:spMk id="3" creationId="{B5924E0F-A977-1710-779D-EEB74261AF34}"/>
+          </ac:spMkLst>
+        </pc:spChg>
+      </pc:sldChg>
+      <pc:sldChg chg="modSp new del mod">
+        <pc:chgData name="Gibbons, Carl" userId="d2b037bc-8fb4-4222-845c-61440543a456" providerId="ADAL" clId="{06905CFC-A46E-472D-890F-9117438C8D89}" dt="2024-02-04T03:52:51.701" v="2091" actId="2696"/>
+        <pc:sldMkLst>
+          <pc:docMk/>
+          <pc:sldMk cId="122773691" sldId="264"/>
+        </pc:sldMkLst>
+        <pc:spChg chg="mod">
+          <ac:chgData name="Gibbons, Carl" userId="d2b037bc-8fb4-4222-845c-61440543a456" providerId="ADAL" clId="{06905CFC-A46E-472D-890F-9117438C8D89}" dt="2024-02-04T03:52:47.108" v="2090" actId="27636"/>
+          <ac:spMkLst>
+            <pc:docMk/>
+            <pc:sldMk cId="122773691" sldId="264"/>
+            <ac:spMk id="2" creationId="{25B9B666-A3B3-5530-8F45-BA2562A6655A}"/>
+          </ac:spMkLst>
+        </pc:spChg>
+      </pc:sldChg>
+      <pc:sldChg chg="modSp add mod">
+        <pc:chgData name="Gibbons, Carl" userId="d2b037bc-8fb4-4222-845c-61440543a456" providerId="ADAL" clId="{06905CFC-A46E-472D-890F-9117438C8D89}" dt="2024-02-04T04:11:43.510" v="3278" actId="20577"/>
+        <pc:sldMkLst>
+          <pc:docMk/>
+          <pc:sldMk cId="2993794741" sldId="265"/>
+        </pc:sldMkLst>
+        <pc:spChg chg="mod">
+          <ac:chgData name="Gibbons, Carl" userId="d2b037bc-8fb4-4222-845c-61440543a456" providerId="ADAL" clId="{06905CFC-A46E-472D-890F-9117438C8D89}" dt="2024-02-04T03:53:00.875" v="2111" actId="20577"/>
+          <ac:spMkLst>
+            <pc:docMk/>
+            <pc:sldMk cId="2993794741" sldId="265"/>
+            <ac:spMk id="2" creationId="{31B75992-5098-A283-4925-2CCEBB801DC5}"/>
+          </ac:spMkLst>
+        </pc:spChg>
+        <pc:spChg chg="mod">
+          <ac:chgData name="Gibbons, Carl" userId="d2b037bc-8fb4-4222-845c-61440543a456" providerId="ADAL" clId="{06905CFC-A46E-472D-890F-9117438C8D89}" dt="2024-02-04T04:11:43.510" v="3278" actId="20577"/>
+          <ac:spMkLst>
+            <pc:docMk/>
+            <pc:sldMk cId="2993794741" sldId="265"/>
+            <ac:spMk id="3" creationId="{B5924E0F-A977-1710-779D-EEB74261AF34}"/>
+          </ac:spMkLst>
+        </pc:spChg>
+      </pc:sldChg>
+    </pc:docChg>
+  </pc:docChgLst>
+  <pc:docChgLst>
+    <pc:chgData name="Gibbons, Carl" userId="d2b037bc-8fb4-4222-845c-61440543a456" providerId="ADAL" clId="{8B117223-2596-4D61-9C62-CC9BD4B9A421}"/>
+    <pc:docChg chg="custSel addSld delSld modSld">
+      <pc:chgData name="Gibbons, Carl" userId="d2b037bc-8fb4-4222-845c-61440543a456" providerId="ADAL" clId="{8B117223-2596-4D61-9C62-CC9BD4B9A421}" dt="2024-01-24T22:00:55.310" v="2286" actId="20577"/>
+      <pc:docMkLst>
+        <pc:docMk/>
+      </pc:docMkLst>
+      <pc:sldChg chg="modSp mod">
+        <pc:chgData name="Gibbons, Carl" userId="d2b037bc-8fb4-4222-845c-61440543a456" providerId="ADAL" clId="{8B117223-2596-4D61-9C62-CC9BD4B9A421}" dt="2024-01-16T00:57:55.449" v="2005" actId="20577"/>
+        <pc:sldMkLst>
+          <pc:docMk/>
+          <pc:sldMk cId="3308175748" sldId="256"/>
+        </pc:sldMkLst>
+        <pc:spChg chg="mod">
+          <ac:chgData name="Gibbons, Carl" userId="d2b037bc-8fb4-4222-845c-61440543a456" providerId="ADAL" clId="{8B117223-2596-4D61-9C62-CC9BD4B9A421}" dt="2024-01-16T00:57:55.449" v="2005" actId="20577"/>
+          <ac:spMkLst>
+            <pc:docMk/>
+            <pc:sldMk cId="3308175748" sldId="256"/>
+            <ac:spMk id="3" creationId="{EEC4D41B-E776-05F2-BE0B-89BB339485AB}"/>
+          </ac:spMkLst>
+        </pc:spChg>
+      </pc:sldChg>
+      <pc:sldChg chg="modSp mod">
+        <pc:chgData name="Gibbons, Carl" userId="d2b037bc-8fb4-4222-845c-61440543a456" providerId="ADAL" clId="{8B117223-2596-4D61-9C62-CC9BD4B9A421}" dt="2024-01-24T22:00:55.310" v="2286" actId="20577"/>
+        <pc:sldMkLst>
+          <pc:docMk/>
+          <pc:sldMk cId="2312486803" sldId="261"/>
+        </pc:sldMkLst>
+        <pc:spChg chg="mod">
+          <ac:chgData name="Gibbons, Carl" userId="d2b037bc-8fb4-4222-845c-61440543a456" providerId="ADAL" clId="{8B117223-2596-4D61-9C62-CC9BD4B9A421}" dt="2024-01-16T00:15:29.289" v="286" actId="20577"/>
+          <ac:spMkLst>
+            <pc:docMk/>
+            <pc:sldMk cId="2312486803" sldId="261"/>
+            <ac:spMk id="2" creationId="{31B75992-5098-A283-4925-2CCEBB801DC5}"/>
+          </ac:spMkLst>
+        </pc:spChg>
+        <pc:spChg chg="mod">
+          <ac:chgData name="Gibbons, Carl" userId="d2b037bc-8fb4-4222-845c-61440543a456" providerId="ADAL" clId="{8B117223-2596-4D61-9C62-CC9BD4B9A421}" dt="2024-01-24T22:00:55.310" v="2286" actId="20577"/>
+          <ac:spMkLst>
+            <pc:docMk/>
+            <pc:sldMk cId="2312486803" sldId="261"/>
+            <ac:spMk id="3" creationId="{B5924E0F-A977-1710-779D-EEB74261AF34}"/>
+          </ac:spMkLst>
+        </pc:spChg>
+      </pc:sldChg>
+      <pc:sldChg chg="modSp add mod">
+        <pc:chgData name="Gibbons, Carl" userId="d2b037bc-8fb4-4222-845c-61440543a456" providerId="ADAL" clId="{8B117223-2596-4D61-9C62-CC9BD4B9A421}" dt="2024-01-16T01:00:51.762" v="2281" actId="313"/>
+        <pc:sldMkLst>
+          <pc:docMk/>
+          <pc:sldMk cId="3885141102" sldId="262"/>
+        </pc:sldMkLst>
+        <pc:spChg chg="mod">
+          <ac:chgData name="Gibbons, Carl" userId="d2b037bc-8fb4-4222-845c-61440543a456" providerId="ADAL" clId="{8B117223-2596-4D61-9C62-CC9BD4B9A421}" dt="2024-01-16T00:42:42.463" v="1503" actId="20577"/>
+          <ac:spMkLst>
+            <pc:docMk/>
+            <pc:sldMk cId="3885141102" sldId="262"/>
+            <ac:spMk id="2" creationId="{31B75992-5098-A283-4925-2CCEBB801DC5}"/>
+          </ac:spMkLst>
+        </pc:spChg>
+        <pc:spChg chg="mod">
+          <ac:chgData name="Gibbons, Carl" userId="d2b037bc-8fb4-4222-845c-61440543a456" providerId="ADAL" clId="{8B117223-2596-4D61-9C62-CC9BD4B9A421}" dt="2024-01-16T01:00:51.762" v="2281" actId="313"/>
+          <ac:spMkLst>
+            <pc:docMk/>
+            <pc:sldMk cId="3885141102" sldId="262"/>
+            <ac:spMk id="3" creationId="{B5924E0F-A977-1710-779D-EEB74261AF34}"/>
+          </ac:spMkLst>
+        </pc:spChg>
+      </pc:sldChg>
+      <pc:sldChg chg="add">
+        <pc:chgData name="Gibbons, Carl" userId="d2b037bc-8fb4-4222-845c-61440543a456" providerId="ADAL" clId="{8B117223-2596-4D61-9C62-CC9BD4B9A421}" dt="2024-01-16T00:58:20.162" v="2006"/>
+        <pc:sldMkLst>
+          <pc:docMk/>
+          <pc:sldMk cId="1719402288" sldId="263"/>
+        </pc:sldMkLst>
+      </pc:sldChg>
+      <pc:sldChg chg="del">
+        <pc:chgData name="Gibbons, Carl" userId="d2b037bc-8fb4-4222-845c-61440543a456" providerId="ADAL" clId="{8B117223-2596-4D61-9C62-CC9BD4B9A421}" dt="2024-01-16T00:11:26.015" v="227" actId="47"/>
+        <pc:sldMkLst>
+          <pc:docMk/>
+          <pc:sldMk cId="3989541258" sldId="278"/>
+        </pc:sldMkLst>
+      </pc:sldChg>
+      <pc:sldChg chg="del">
+        <pc:chgData name="Gibbons, Carl" userId="d2b037bc-8fb4-4222-845c-61440543a456" providerId="ADAL" clId="{8B117223-2596-4D61-9C62-CC9BD4B9A421}" dt="2024-01-16T00:11:26.575" v="228" actId="47"/>
+        <pc:sldMkLst>
+          <pc:docMk/>
+          <pc:sldMk cId="1861646120" sldId="293"/>
+        </pc:sldMkLst>
+      </pc:sldChg>
+      <pc:sldChg chg="del">
+        <pc:chgData name="Gibbons, Carl" userId="d2b037bc-8fb4-4222-845c-61440543a456" providerId="ADAL" clId="{8B117223-2596-4D61-9C62-CC9BD4B9A421}" dt="2024-01-16T00:11:27.206" v="229" actId="47"/>
+        <pc:sldMkLst>
+          <pc:docMk/>
+          <pc:sldMk cId="2232562783" sldId="294"/>
+        </pc:sldMkLst>
+      </pc:sldChg>
+      <pc:sldChg chg="del">
+        <pc:chgData name="Gibbons, Carl" userId="d2b037bc-8fb4-4222-845c-61440543a456" providerId="ADAL" clId="{8B117223-2596-4D61-9C62-CC9BD4B9A421}" dt="2024-01-16T00:11:27.766" v="230" actId="47"/>
+        <pc:sldMkLst>
+          <pc:docMk/>
+          <pc:sldMk cId="845747584" sldId="300"/>
+        </pc:sldMkLst>
+      </pc:sldChg>
+      <pc:sldChg chg="del">
+        <pc:chgData name="Gibbons, Carl" userId="d2b037bc-8fb4-4222-845c-61440543a456" providerId="ADAL" clId="{8B117223-2596-4D61-9C62-CC9BD4B9A421}" dt="2024-01-16T00:11:30.314" v="231" actId="47"/>
+        <pc:sldMkLst>
+          <pc:docMk/>
+          <pc:sldMk cId="3372579319" sldId="301"/>
+        </pc:sldMkLst>
+      </pc:sldChg>
+    </pc:docChg>
+  </pc:docChgLst>
+  <pc:docChgLst>
+    <pc:chgData name="Gibbons, Carl" userId="d2b037bc-8fb4-4222-845c-61440543a456" providerId="ADAL" clId="{CE68D2EA-6C33-4320-B171-B4C637EE57D5}"/>
+    <pc:docChg chg="undo custSel delSld modSld">
+      <pc:chgData name="Gibbons, Carl" userId="d2b037bc-8fb4-4222-845c-61440543a456" providerId="ADAL" clId="{CE68D2EA-6C33-4320-B171-B4C637EE57D5}" dt="2024-02-04T05:12:30.446" v="2225" actId="5793"/>
+      <pc:docMkLst>
+        <pc:docMk/>
+      </pc:docMkLst>
+      <pc:sldChg chg="modSp mod">
+        <pc:chgData name="Gibbons, Carl" userId="d2b037bc-8fb4-4222-845c-61440543a456" providerId="ADAL" clId="{CE68D2EA-6C33-4320-B171-B4C637EE57D5}" dt="2024-02-04T04:34:37.470" v="1" actId="20577"/>
+        <pc:sldMkLst>
+          <pc:docMk/>
+          <pc:sldMk cId="3308175748" sldId="256"/>
+        </pc:sldMkLst>
+        <pc:spChg chg="mod">
+          <ac:chgData name="Gibbons, Carl" userId="d2b037bc-8fb4-4222-845c-61440543a456" providerId="ADAL" clId="{CE68D2EA-6C33-4320-B171-B4C637EE57D5}" dt="2024-02-04T04:34:37.470" v="1" actId="20577"/>
+          <ac:spMkLst>
+            <pc:docMk/>
+            <pc:sldMk cId="3308175748" sldId="256"/>
+            <ac:spMk id="3" creationId="{EEC4D41B-E776-05F2-BE0B-89BB339485AB}"/>
+          </ac:spMkLst>
+        </pc:spChg>
+      </pc:sldChg>
+      <pc:sldChg chg="modSp mod">
+        <pc:chgData name="Gibbons, Carl" userId="d2b037bc-8fb4-4222-845c-61440543a456" providerId="ADAL" clId="{CE68D2EA-6C33-4320-B171-B4C637EE57D5}" dt="2024-02-04T04:45:39.551" v="829" actId="20577"/>
+        <pc:sldMkLst>
+          <pc:docMk/>
+          <pc:sldMk cId="2312486803" sldId="261"/>
+        </pc:sldMkLst>
+        <pc:spChg chg="mod">
+          <ac:chgData name="Gibbons, Carl" userId="d2b037bc-8fb4-4222-845c-61440543a456" providerId="ADAL" clId="{CE68D2EA-6C33-4320-B171-B4C637EE57D5}" dt="2024-02-04T04:35:06.801" v="27" actId="20577"/>
+          <ac:spMkLst>
+            <pc:docMk/>
+            <pc:sldMk cId="2312486803" sldId="261"/>
+            <ac:spMk id="2" creationId="{31B75992-5098-A283-4925-2CCEBB801DC5}"/>
+          </ac:spMkLst>
+        </pc:spChg>
+        <pc:spChg chg="mod">
+          <ac:chgData name="Gibbons, Carl" userId="d2b037bc-8fb4-4222-845c-61440543a456" providerId="ADAL" clId="{CE68D2EA-6C33-4320-B171-B4C637EE57D5}" dt="2024-02-04T04:45:39.551" v="829" actId="20577"/>
+          <ac:spMkLst>
+            <pc:docMk/>
+            <pc:sldMk cId="2312486803" sldId="261"/>
+            <ac:spMk id="3" creationId="{B5924E0F-A977-1710-779D-EEB74261AF34}"/>
+          </ac:spMkLst>
+        </pc:spChg>
+      </pc:sldChg>
+      <pc:sldChg chg="modSp mod">
+        <pc:chgData name="Gibbons, Carl" userId="d2b037bc-8fb4-4222-845c-61440543a456" providerId="ADAL" clId="{CE68D2EA-6C33-4320-B171-B4C637EE57D5}" dt="2024-02-04T05:12:30.446" v="2225" actId="5793"/>
+        <pc:sldMkLst>
+          <pc:docMk/>
+          <pc:sldMk cId="3885141102" sldId="262"/>
+        </pc:sldMkLst>
+        <pc:spChg chg="mod">
+          <ac:chgData name="Gibbons, Carl" userId="d2b037bc-8fb4-4222-845c-61440543a456" providerId="ADAL" clId="{CE68D2EA-6C33-4320-B171-B4C637EE57D5}" dt="2024-02-04T05:12:30.446" v="2225" actId="5793"/>
+          <ac:spMkLst>
+            <pc:docMk/>
+            <pc:sldMk cId="3885141102" sldId="262"/>
+            <ac:spMk id="3" creationId="{B5924E0F-A977-1710-779D-EEB74261AF34}"/>
+          </ac:spMkLst>
+        </pc:spChg>
+      </pc:sldChg>
+      <pc:sldChg chg="del">
+        <pc:chgData name="Gibbons, Carl" userId="d2b037bc-8fb4-4222-845c-61440543a456" providerId="ADAL" clId="{CE68D2EA-6C33-4320-B171-B4C637EE57D5}" dt="2024-02-04T05:02:32.591" v="1790" actId="2696"/>
+        <pc:sldMkLst>
+          <pc:docMk/>
+          <pc:sldMk cId="1719402288" sldId="263"/>
+        </pc:sldMkLst>
+      </pc:sldChg>
+      <pc:sldChg chg="modSp mod">
+        <pc:chgData name="Gibbons, Carl" userId="d2b037bc-8fb4-4222-845c-61440543a456" providerId="ADAL" clId="{CE68D2EA-6C33-4320-B171-B4C637EE57D5}" dt="2024-02-04T05:01:45.101" v="1789" actId="2711"/>
+        <pc:sldMkLst>
+          <pc:docMk/>
+          <pc:sldMk cId="2993794741" sldId="265"/>
+        </pc:sldMkLst>
+        <pc:spChg chg="mod">
+          <ac:chgData name="Gibbons, Carl" userId="d2b037bc-8fb4-4222-845c-61440543a456" providerId="ADAL" clId="{CE68D2EA-6C33-4320-B171-B4C637EE57D5}" dt="2024-02-04T04:46:22.730" v="881" actId="20577"/>
+          <ac:spMkLst>
+            <pc:docMk/>
+            <pc:sldMk cId="2993794741" sldId="265"/>
+            <ac:spMk id="2" creationId="{31B75992-5098-A283-4925-2CCEBB801DC5}"/>
+          </ac:spMkLst>
+        </pc:spChg>
+        <pc:spChg chg="mod">
+          <ac:chgData name="Gibbons, Carl" userId="d2b037bc-8fb4-4222-845c-61440543a456" providerId="ADAL" clId="{CE68D2EA-6C33-4320-B171-B4C637EE57D5}" dt="2024-02-04T05:01:45.101" v="1789" actId="2711"/>
+          <ac:spMkLst>
+            <pc:docMk/>
+            <pc:sldMk cId="2993794741" sldId="265"/>
+            <ac:spMk id="3" creationId="{B5924E0F-A977-1710-779D-EEB74261AF34}"/>
+          </ac:spMkLst>
+        </pc:spChg>
+      </pc:sldChg>
+    </pc:docChg>
+  </pc:docChgLst>
+  <pc:docChgLst>
+    <pc:chgData name="Gibbons, Carl" userId="d2b037bc-8fb4-4222-845c-61440543a456" providerId="ADAL" clId="{6FB22382-79C8-4292-898E-4F4477C84372}"/>
+    <pc:docChg chg="custSel addSld modSld">
+      <pc:chgData name="Gibbons, Carl" userId="d2b037bc-8fb4-4222-845c-61440543a456" providerId="ADAL" clId="{6FB22382-79C8-4292-898E-4F4477C84372}" dt="2024-02-04T06:13:38.323" v="4155" actId="20577"/>
+      <pc:docMkLst>
+        <pc:docMk/>
+      </pc:docMkLst>
+      <pc:sldChg chg="modSp mod">
+        <pc:chgData name="Gibbons, Carl" userId="d2b037bc-8fb4-4222-845c-61440543a456" providerId="ADAL" clId="{6FB22382-79C8-4292-898E-4F4477C84372}" dt="2024-02-04T05:20:30.900" v="17" actId="20577"/>
+        <pc:sldMkLst>
+          <pc:docMk/>
+          <pc:sldMk cId="3308175748" sldId="256"/>
+        </pc:sldMkLst>
+        <pc:spChg chg="mod">
+          <ac:chgData name="Gibbons, Carl" userId="d2b037bc-8fb4-4222-845c-61440543a456" providerId="ADAL" clId="{6FB22382-79C8-4292-898E-4F4477C84372}" dt="2024-02-04T05:20:30.900" v="17" actId="20577"/>
+          <ac:spMkLst>
+            <pc:docMk/>
+            <pc:sldMk cId="3308175748" sldId="256"/>
+            <ac:spMk id="3" creationId="{EEC4D41B-E776-05F2-BE0B-89BB339485AB}"/>
+          </ac:spMkLst>
+        </pc:spChg>
+      </pc:sldChg>
+      <pc:sldChg chg="modSp mod">
+        <pc:chgData name="Gibbons, Carl" userId="d2b037bc-8fb4-4222-845c-61440543a456" providerId="ADAL" clId="{6FB22382-79C8-4292-898E-4F4477C84372}" dt="2024-02-04T06:13:38.323" v="4155" actId="20577"/>
+        <pc:sldMkLst>
+          <pc:docMk/>
+          <pc:sldMk cId="2312486803" sldId="261"/>
+        </pc:sldMkLst>
+        <pc:spChg chg="mod">
+          <ac:chgData name="Gibbons, Carl" userId="d2b037bc-8fb4-4222-845c-61440543a456" providerId="ADAL" clId="{6FB22382-79C8-4292-898E-4F4477C84372}" dt="2024-02-04T05:21:30.141" v="60" actId="20577"/>
+          <ac:spMkLst>
+            <pc:docMk/>
+            <pc:sldMk cId="2312486803" sldId="261"/>
+            <ac:spMk id="2" creationId="{31B75992-5098-A283-4925-2CCEBB801DC5}"/>
+          </ac:spMkLst>
+        </pc:spChg>
+        <pc:spChg chg="mod">
+          <ac:chgData name="Gibbons, Carl" userId="d2b037bc-8fb4-4222-845c-61440543a456" providerId="ADAL" clId="{6FB22382-79C8-4292-898E-4F4477C84372}" dt="2024-02-04T06:13:38.323" v="4155" actId="20577"/>
+          <ac:spMkLst>
+            <pc:docMk/>
+            <pc:sldMk cId="2312486803" sldId="261"/>
+            <ac:spMk id="3" creationId="{B5924E0F-A977-1710-779D-EEB74261AF34}"/>
+          </ac:spMkLst>
+        </pc:spChg>
+      </pc:sldChg>
+      <pc:sldChg chg="modSp mod">
+        <pc:chgData name="Gibbons, Carl" userId="d2b037bc-8fb4-4222-845c-61440543a456" providerId="ADAL" clId="{6FB22382-79C8-4292-898E-4F4477C84372}" dt="2024-02-04T06:07:58.163" v="3852" actId="20577"/>
+        <pc:sldMkLst>
+          <pc:docMk/>
+          <pc:sldMk cId="3885141102" sldId="262"/>
+        </pc:sldMkLst>
+        <pc:spChg chg="mod">
+          <ac:chgData name="Gibbons, Carl" userId="d2b037bc-8fb4-4222-845c-61440543a456" providerId="ADAL" clId="{6FB22382-79C8-4292-898E-4F4477C84372}" dt="2024-02-04T06:07:58.163" v="3852" actId="20577"/>
+          <ac:spMkLst>
+            <pc:docMk/>
+            <pc:sldMk cId="3885141102" sldId="262"/>
+            <ac:spMk id="3" creationId="{B5924E0F-A977-1710-779D-EEB74261AF34}"/>
+          </ac:spMkLst>
+        </pc:spChg>
+      </pc:sldChg>
+      <pc:sldChg chg="modSp mod">
+        <pc:chgData name="Gibbons, Carl" userId="d2b037bc-8fb4-4222-845c-61440543a456" providerId="ADAL" clId="{6FB22382-79C8-4292-898E-4F4477C84372}" dt="2024-02-04T05:35:49.521" v="1241" actId="20577"/>
+        <pc:sldMkLst>
+          <pc:docMk/>
+          <pc:sldMk cId="2993794741" sldId="265"/>
+        </pc:sldMkLst>
+        <pc:spChg chg="mod">
+          <ac:chgData name="Gibbons, Carl" userId="d2b037bc-8fb4-4222-845c-61440543a456" providerId="ADAL" clId="{6FB22382-79C8-4292-898E-4F4477C84372}" dt="2024-02-04T05:26:32.059" v="571" actId="20577"/>
+          <ac:spMkLst>
+            <pc:docMk/>
+            <pc:sldMk cId="2993794741" sldId="265"/>
+            <ac:spMk id="2" creationId="{31B75992-5098-A283-4925-2CCEBB801DC5}"/>
+          </ac:spMkLst>
+        </pc:spChg>
+        <pc:spChg chg="mod">
+          <ac:chgData name="Gibbons, Carl" userId="d2b037bc-8fb4-4222-845c-61440543a456" providerId="ADAL" clId="{6FB22382-79C8-4292-898E-4F4477C84372}" dt="2024-02-04T05:35:49.521" v="1241" actId="20577"/>
+          <ac:spMkLst>
+            <pc:docMk/>
+            <pc:sldMk cId="2993794741" sldId="265"/>
+            <ac:spMk id="3" creationId="{B5924E0F-A977-1710-779D-EEB74261AF34}"/>
+          </ac:spMkLst>
+        </pc:spChg>
+      </pc:sldChg>
+      <pc:sldChg chg="modSp mod">
+        <pc:chgData name="Gibbons, Carl" userId="d2b037bc-8fb4-4222-845c-61440543a456" providerId="ADAL" clId="{6FB22382-79C8-4292-898E-4F4477C84372}" dt="2024-02-04T05:45:18.786" v="1941" actId="20577"/>
+        <pc:sldMkLst>
+          <pc:docMk/>
+          <pc:sldMk cId="1337022352" sldId="266"/>
+        </pc:sldMkLst>
+        <pc:spChg chg="mod">
+          <ac:chgData name="Gibbons, Carl" userId="d2b037bc-8fb4-4222-845c-61440543a456" providerId="ADAL" clId="{6FB22382-79C8-4292-898E-4F4477C84372}" dt="2024-02-04T05:36:29.682" v="1255" actId="20577"/>
+          <ac:spMkLst>
+            <pc:docMk/>
+            <pc:sldMk cId="1337022352" sldId="266"/>
+            <ac:spMk id="2" creationId="{31B75992-5098-A283-4925-2CCEBB801DC5}"/>
+          </ac:spMkLst>
+        </pc:spChg>
+        <pc:spChg chg="mod">
+          <ac:chgData name="Gibbons, Carl" userId="d2b037bc-8fb4-4222-845c-61440543a456" providerId="ADAL" clId="{6FB22382-79C8-4292-898E-4F4477C84372}" dt="2024-02-04T05:45:18.786" v="1941" actId="20577"/>
+          <ac:spMkLst>
+            <pc:docMk/>
+            <pc:sldMk cId="1337022352" sldId="266"/>
+            <ac:spMk id="3" creationId="{B5924E0F-A977-1710-779D-EEB74261AF34}"/>
+          </ac:spMkLst>
+        </pc:spChg>
+      </pc:sldChg>
+      <pc:sldChg chg="modSp add mod">
+        <pc:chgData name="Gibbons, Carl" userId="d2b037bc-8fb4-4222-845c-61440543a456" providerId="ADAL" clId="{6FB22382-79C8-4292-898E-4F4477C84372}" dt="2024-02-04T05:44:39.205" v="1897" actId="12"/>
+        <pc:sldMkLst>
+          <pc:docMk/>
+          <pc:sldMk cId="3576168196" sldId="267"/>
+        </pc:sldMkLst>
+        <pc:spChg chg="mod">
+          <ac:chgData name="Gibbons, Carl" userId="d2b037bc-8fb4-4222-845c-61440543a456" providerId="ADAL" clId="{6FB22382-79C8-4292-898E-4F4477C84372}" dt="2024-02-04T05:41:13.380" v="1714" actId="20577"/>
+          <ac:spMkLst>
+            <pc:docMk/>
+            <pc:sldMk cId="3576168196" sldId="267"/>
+            <ac:spMk id="2" creationId="{31B75992-5098-A283-4925-2CCEBB801DC5}"/>
+          </ac:spMkLst>
+        </pc:spChg>
+        <pc:spChg chg="mod">
+          <ac:chgData name="Gibbons, Carl" userId="d2b037bc-8fb4-4222-845c-61440543a456" providerId="ADAL" clId="{6FB22382-79C8-4292-898E-4F4477C84372}" dt="2024-02-04T05:44:39.205" v="1897" actId="12"/>
+          <ac:spMkLst>
+            <pc:docMk/>
+            <pc:sldMk cId="3576168196" sldId="267"/>
+            <ac:spMk id="3" creationId="{B5924E0F-A977-1710-779D-EEB74261AF34}"/>
+          </ac:spMkLst>
+        </pc:spChg>
+      </pc:sldChg>
+      <pc:sldChg chg="addSp modSp new mod">
+        <pc:chgData name="Gibbons, Carl" userId="d2b037bc-8fb4-4222-845c-61440543a456" providerId="ADAL" clId="{6FB22382-79C8-4292-898E-4F4477C84372}" dt="2024-02-04T06:11:39.022" v="4076" actId="20577"/>
+        <pc:sldMkLst>
+          <pc:docMk/>
+          <pc:sldMk cId="1066671753" sldId="268"/>
+        </pc:sldMkLst>
+        <pc:spChg chg="mod">
+          <ac:chgData name="Gibbons, Carl" userId="d2b037bc-8fb4-4222-845c-61440543a456" providerId="ADAL" clId="{6FB22382-79C8-4292-898E-4F4477C84372}" dt="2024-02-04T05:45:07.756" v="1926" actId="20577"/>
+          <ac:spMkLst>
+            <pc:docMk/>
+            <pc:sldMk cId="1066671753" sldId="268"/>
+            <ac:spMk id="2" creationId="{1697FD53-1B2D-FA1E-85ED-8261A111660A}"/>
+          </ac:spMkLst>
+        </pc:spChg>
+        <pc:spChg chg="add mod">
+          <ac:chgData name="Gibbons, Carl" userId="d2b037bc-8fb4-4222-845c-61440543a456" providerId="ADAL" clId="{6FB22382-79C8-4292-898E-4F4477C84372}" dt="2024-02-04T06:11:39.022" v="4076" actId="20577"/>
+          <ac:spMkLst>
+            <pc:docMk/>
+            <pc:sldMk cId="1066671753" sldId="268"/>
+            <ac:spMk id="3" creationId="{76A2A896-1BFA-0E85-4155-672FD7F5CC95}"/>
+          </ac:spMkLst>
+        </pc:spChg>
+      </pc:sldChg>
+      <pc:sldChg chg="modSp mod">
+        <pc:chgData name="Gibbons, Carl" userId="d2b037bc-8fb4-4222-845c-61440543a456" providerId="ADAL" clId="{6FB22382-79C8-4292-898E-4F4477C84372}" dt="2024-02-04T06:10:10.836" v="3893" actId="12"/>
+        <pc:sldMkLst>
+          <pc:docMk/>
+          <pc:sldMk cId="465083765" sldId="269"/>
+        </pc:sldMkLst>
+        <pc:spChg chg="mod">
+          <ac:chgData name="Gibbons, Carl" userId="d2b037bc-8fb4-4222-845c-61440543a456" providerId="ADAL" clId="{6FB22382-79C8-4292-898E-4F4477C84372}" dt="2024-02-04T06:09:43.021" v="3884" actId="20577"/>
+          <ac:spMkLst>
+            <pc:docMk/>
+            <pc:sldMk cId="465083765" sldId="269"/>
+            <ac:spMk id="2" creationId="{1697FD53-1B2D-FA1E-85ED-8261A111660A}"/>
+          </ac:spMkLst>
+        </pc:spChg>
+        <pc:spChg chg="mod">
+          <ac:chgData name="Gibbons, Carl" userId="d2b037bc-8fb4-4222-845c-61440543a456" providerId="ADAL" clId="{6FB22382-79C8-4292-898E-4F4477C84372}" dt="2024-02-04T06:10:10.836" v="3893" actId="12"/>
+          <ac:spMkLst>
+            <pc:docMk/>
+            <pc:sldMk cId="465083765" sldId="269"/>
+            <ac:spMk id="3" creationId="{76A2A896-1BFA-0E85-4155-672FD7F5CC95}"/>
+          </ac:spMkLst>
+        </pc:spChg>
+      </pc:sldChg>
+    </pc:docChg>
+  </pc:docChgLst>
+  <pc:docChgLst>
+    <pc:chgData name="Gibbons, Carl" userId="d2b037bc-8fb4-4222-845c-61440543a456" providerId="ADAL" clId="{8C497311-FA0D-4174-880A-DAA4EEB2BF3B}"/>
+    <pc:docChg chg="custSel delSld modSld">
+      <pc:chgData name="Gibbons, Carl" userId="d2b037bc-8fb4-4222-845c-61440543a456" providerId="ADAL" clId="{8C497311-FA0D-4174-880A-DAA4EEB2BF3B}" dt="2023-12-29T17:07:57.293" v="7187" actId="20577"/>
+      <pc:docMkLst>
+        <pc:docMk/>
+      </pc:docMkLst>
+      <pc:sldChg chg="modSp mod">
+        <pc:chgData name="Gibbons, Carl" userId="d2b037bc-8fb4-4222-845c-61440543a456" providerId="ADAL" clId="{8C497311-FA0D-4174-880A-DAA4EEB2BF3B}" dt="2023-12-29T17:06:57.427" v="7098" actId="20577"/>
+        <pc:sldMkLst>
+          <pc:docMk/>
+          <pc:sldMk cId="3308175748" sldId="256"/>
+        </pc:sldMkLst>
+        <pc:spChg chg="mod">
+          <ac:chgData name="Gibbons, Carl" userId="d2b037bc-8fb4-4222-845c-61440543a456" providerId="ADAL" clId="{8C497311-FA0D-4174-880A-DAA4EEB2BF3B}" dt="2023-12-29T17:06:57.427" v="7098" actId="20577"/>
+          <ac:spMkLst>
+            <pc:docMk/>
+            <pc:sldMk cId="3308175748" sldId="256"/>
+            <ac:spMk id="3" creationId="{EEC4D41B-E776-05F2-BE0B-89BB339485AB}"/>
+          </ac:spMkLst>
+        </pc:spChg>
+      </pc:sldChg>
+      <pc:sldChg chg="modSp mod">
+        <pc:chgData name="Gibbons, Carl" userId="d2b037bc-8fb4-4222-845c-61440543a456" providerId="ADAL" clId="{8C497311-FA0D-4174-880A-DAA4EEB2BF3B}" dt="2023-12-29T15:08:44.674" v="3403" actId="20577"/>
+        <pc:sldMkLst>
+          <pc:docMk/>
+          <pc:sldMk cId="2312486803" sldId="261"/>
+        </pc:sldMkLst>
+        <pc:spChg chg="mod">
+          <ac:chgData name="Gibbons, Carl" userId="d2b037bc-8fb4-4222-845c-61440543a456" providerId="ADAL" clId="{8C497311-FA0D-4174-880A-DAA4EEB2BF3B}" dt="2023-12-29T14:20:41.496" v="51" actId="20577"/>
+          <ac:spMkLst>
+            <pc:docMk/>
+            <pc:sldMk cId="2312486803" sldId="261"/>
+            <ac:spMk id="2" creationId="{31B75992-5098-A283-4925-2CCEBB801DC5}"/>
+          </ac:spMkLst>
+        </pc:spChg>
+        <pc:spChg chg="mod">
+          <ac:chgData name="Gibbons, Carl" userId="d2b037bc-8fb4-4222-845c-61440543a456" providerId="ADAL" clId="{8C497311-FA0D-4174-880A-DAA4EEB2BF3B}" dt="2023-12-29T15:08:44.674" v="3403" actId="20577"/>
+          <ac:spMkLst>
+            <pc:docMk/>
+            <pc:sldMk cId="2312486803" sldId="261"/>
+            <ac:spMk id="3" creationId="{B5924E0F-A977-1710-779D-EEB74261AF34}"/>
+          </ac:spMkLst>
+        </pc:spChg>
+      </pc:sldChg>
+      <pc:sldChg chg="delSp modSp mod">
+        <pc:chgData name="Gibbons, Carl" userId="d2b037bc-8fb4-4222-845c-61440543a456" providerId="ADAL" clId="{8C497311-FA0D-4174-880A-DAA4EEB2BF3B}" dt="2023-12-29T17:07:57.293" v="7187" actId="20577"/>
+        <pc:sldMkLst>
+          <pc:docMk/>
+          <pc:sldMk cId="657795359" sldId="277"/>
+        </pc:sldMkLst>
+        <pc:spChg chg="mod">
+          <ac:chgData name="Gibbons, Carl" userId="d2b037bc-8fb4-4222-845c-61440543a456" providerId="ADAL" clId="{8C497311-FA0D-4174-880A-DAA4EEB2BF3B}" dt="2023-12-29T17:07:57.293" v="7187" actId="20577"/>
+          <ac:spMkLst>
+            <pc:docMk/>
+            <pc:sldMk cId="657795359" sldId="277"/>
+            <ac:spMk id="2" creationId="{1862E903-3C56-BB42-2361-009F2336475A}"/>
+          </ac:spMkLst>
+        </pc:spChg>
+        <pc:spChg chg="del mod">
+          <ac:chgData name="Gibbons, Carl" userId="d2b037bc-8fb4-4222-845c-61440543a456" providerId="ADAL" clId="{8C497311-FA0D-4174-880A-DAA4EEB2BF3B}" dt="2023-12-29T17:07:50.480" v="7185"/>
+          <ac:spMkLst>
+            <pc:docMk/>
+            <pc:sldMk cId="657795359" sldId="277"/>
+            <ac:spMk id="3" creationId="{90179172-96B3-95D0-A137-257770BE7642}"/>
+          </ac:spMkLst>
+        </pc:spChg>
+      </pc:sldChg>
+      <pc:sldChg chg="modSp mod">
+        <pc:chgData name="Gibbons, Carl" userId="d2b037bc-8fb4-4222-845c-61440543a456" providerId="ADAL" clId="{8C497311-FA0D-4174-880A-DAA4EEB2BF3B}" dt="2023-12-29T15:35:37.192" v="6042" actId="5793"/>
+        <pc:sldMkLst>
+          <pc:docMk/>
+          <pc:sldMk cId="3989541258" sldId="278"/>
+        </pc:sldMkLst>
+        <pc:spChg chg="mod">
+          <ac:chgData name="Gibbons, Carl" userId="d2b037bc-8fb4-4222-845c-61440543a456" providerId="ADAL" clId="{8C497311-FA0D-4174-880A-DAA4EEB2BF3B}" dt="2023-12-29T15:09:22.213" v="3411" actId="20577"/>
+          <ac:spMkLst>
+            <pc:docMk/>
+            <pc:sldMk cId="3989541258" sldId="278"/>
+            <ac:spMk id="2" creationId="{31B75992-5098-A283-4925-2CCEBB801DC5}"/>
+          </ac:spMkLst>
+        </pc:spChg>
+        <pc:spChg chg="mod">
+          <ac:chgData name="Gibbons, Carl" userId="d2b037bc-8fb4-4222-845c-61440543a456" providerId="ADAL" clId="{8C497311-FA0D-4174-880A-DAA4EEB2BF3B}" dt="2023-12-29T15:35:37.192" v="6042" actId="5793"/>
+          <ac:spMkLst>
+            <pc:docMk/>
+            <pc:sldMk cId="3989541258" sldId="278"/>
+            <ac:spMk id="3" creationId="{B5924E0F-A977-1710-779D-EEB74261AF34}"/>
+          </ac:spMkLst>
+        </pc:spChg>
+      </pc:sldChg>
+      <pc:sldChg chg="del">
+        <pc:chgData name="Gibbons, Carl" userId="d2b037bc-8fb4-4222-845c-61440543a456" providerId="ADAL" clId="{8C497311-FA0D-4174-880A-DAA4EEB2BF3B}" dt="2023-12-29T17:07:06.467" v="7099" actId="47"/>
+        <pc:sldMkLst>
+          <pc:docMk/>
+          <pc:sldMk cId="2335633195" sldId="279"/>
+        </pc:sldMkLst>
+      </pc:sldChg>
+      <pc:sldChg chg="del">
+        <pc:chgData name="Gibbons, Carl" userId="d2b037bc-8fb4-4222-845c-61440543a456" providerId="ADAL" clId="{8C497311-FA0D-4174-880A-DAA4EEB2BF3B}" dt="2023-12-29T17:07:07.395" v="7100" actId="47"/>
+        <pc:sldMkLst>
+          <pc:docMk/>
+          <pc:sldMk cId="1284534978" sldId="280"/>
+        </pc:sldMkLst>
+      </pc:sldChg>
+      <pc:sldChg chg="del">
+        <pc:chgData name="Gibbons, Carl" userId="d2b037bc-8fb4-4222-845c-61440543a456" providerId="ADAL" clId="{8C497311-FA0D-4174-880A-DAA4EEB2BF3B}" dt="2023-12-29T17:07:07.895" v="7101" actId="47"/>
+        <pc:sldMkLst>
+          <pc:docMk/>
+          <pc:sldMk cId="1802585387" sldId="281"/>
+        </pc:sldMkLst>
+      </pc:sldChg>
+      <pc:sldChg chg="del">
+        <pc:chgData name="Gibbons, Carl" userId="d2b037bc-8fb4-4222-845c-61440543a456" providerId="ADAL" clId="{8C497311-FA0D-4174-880A-DAA4EEB2BF3B}" dt="2023-12-29T17:07:08.365" v="7102" actId="47"/>
+        <pc:sldMkLst>
+          <pc:docMk/>
+          <pc:sldMk cId="724803187" sldId="282"/>
+        </pc:sldMkLst>
+      </pc:sldChg>
+      <pc:sldChg chg="del">
+        <pc:chgData name="Gibbons, Carl" userId="d2b037bc-8fb4-4222-845c-61440543a456" providerId="ADAL" clId="{8C497311-FA0D-4174-880A-DAA4EEB2BF3B}" dt="2023-12-29T17:07:08.842" v="7103" actId="47"/>
+        <pc:sldMkLst>
+          <pc:docMk/>
+          <pc:sldMk cId="1926009205" sldId="283"/>
+        </pc:sldMkLst>
+      </pc:sldChg>
+      <pc:sldChg chg="del">
+        <pc:chgData name="Gibbons, Carl" userId="d2b037bc-8fb4-4222-845c-61440543a456" providerId="ADAL" clId="{8C497311-FA0D-4174-880A-DAA4EEB2BF3B}" dt="2023-12-29T17:07:09.362" v="7104" actId="47"/>
+        <pc:sldMkLst>
+          <pc:docMk/>
+          <pc:sldMk cId="2366216895" sldId="284"/>
+        </pc:sldMkLst>
+      </pc:sldChg>
+      <pc:sldChg chg="del">
+        <pc:chgData name="Gibbons, Carl" userId="d2b037bc-8fb4-4222-845c-61440543a456" providerId="ADAL" clId="{8C497311-FA0D-4174-880A-DAA4EEB2BF3B}" dt="2023-12-29T17:07:09.925" v="7105" actId="47"/>
+        <pc:sldMkLst>
+          <pc:docMk/>
+          <pc:sldMk cId="3371896289" sldId="285"/>
+        </pc:sldMkLst>
+      </pc:sldChg>
+      <pc:sldChg chg="del">
+        <pc:chgData name="Gibbons, Carl" userId="d2b037bc-8fb4-4222-845c-61440543a456" providerId="ADAL" clId="{8C497311-FA0D-4174-880A-DAA4EEB2BF3B}" dt="2023-12-29T17:07:10.474" v="7106" actId="47"/>
+        <pc:sldMkLst>
+          <pc:docMk/>
+          <pc:sldMk cId="3193160409" sldId="286"/>
+        </pc:sldMkLst>
+      </pc:sldChg>
+      <pc:sldChg chg="del">
+        <pc:chgData name="Gibbons, Carl" userId="d2b037bc-8fb4-4222-845c-61440543a456" providerId="ADAL" clId="{8C497311-FA0D-4174-880A-DAA4EEB2BF3B}" dt="2023-12-29T17:07:11.056" v="7107" actId="47"/>
+        <pc:sldMkLst>
+          <pc:docMk/>
+          <pc:sldMk cId="2688338374" sldId="287"/>
+        </pc:sldMkLst>
+      </pc:sldChg>
+      <pc:sldChg chg="del">
+        <pc:chgData name="Gibbons, Carl" userId="d2b037bc-8fb4-4222-845c-61440543a456" providerId="ADAL" clId="{8C497311-FA0D-4174-880A-DAA4EEB2BF3B}" dt="2023-12-29T17:07:11.624" v="7108" actId="47"/>
+        <pc:sldMkLst>
+          <pc:docMk/>
+          <pc:sldMk cId="2142935017" sldId="288"/>
+        </pc:sldMkLst>
+      </pc:sldChg>
+      <pc:sldChg chg="del">
+        <pc:chgData name="Gibbons, Carl" userId="d2b037bc-8fb4-4222-845c-61440543a456" providerId="ADAL" clId="{8C497311-FA0D-4174-880A-DAA4EEB2BF3B}" dt="2023-12-29T17:07:12.218" v="7109" actId="47"/>
+        <pc:sldMkLst>
+          <pc:docMk/>
+          <pc:sldMk cId="2784625941" sldId="289"/>
+        </pc:sldMkLst>
+      </pc:sldChg>
+      <pc:sldChg chg="del">
+        <pc:chgData name="Gibbons, Carl" userId="d2b037bc-8fb4-4222-845c-61440543a456" providerId="ADAL" clId="{8C497311-FA0D-4174-880A-DAA4EEB2BF3B}" dt="2023-12-29T17:07:12.802" v="7110" actId="47"/>
+        <pc:sldMkLst>
+          <pc:docMk/>
+          <pc:sldMk cId="1677974689" sldId="290"/>
+        </pc:sldMkLst>
+      </pc:sldChg>
+      <pc:sldChg chg="del">
+        <pc:chgData name="Gibbons, Carl" userId="d2b037bc-8fb4-4222-845c-61440543a456" providerId="ADAL" clId="{8C497311-FA0D-4174-880A-DAA4EEB2BF3B}" dt="2023-12-29T17:07:13.420" v="7111" actId="47"/>
+        <pc:sldMkLst>
+          <pc:docMk/>
+          <pc:sldMk cId="4219326696" sldId="291"/>
+        </pc:sldMkLst>
+      </pc:sldChg>
+      <pc:sldChg chg="del">
+        <pc:chgData name="Gibbons, Carl" userId="d2b037bc-8fb4-4222-845c-61440543a456" providerId="ADAL" clId="{8C497311-FA0D-4174-880A-DAA4EEB2BF3B}" dt="2023-12-29T17:07:14.054" v="7112" actId="47"/>
+        <pc:sldMkLst>
+          <pc:docMk/>
+          <pc:sldMk cId="33911121" sldId="292"/>
+        </pc:sldMkLst>
+      </pc:sldChg>
+      <pc:sldChg chg="modSp mod">
+        <pc:chgData name="Gibbons, Carl" userId="d2b037bc-8fb4-4222-845c-61440543a456" providerId="ADAL" clId="{8C497311-FA0D-4174-880A-DAA4EEB2BF3B}" dt="2023-12-29T15:43:57.081" v="7062" actId="20577"/>
+        <pc:sldMkLst>
+          <pc:docMk/>
+          <pc:sldMk cId="1861646120" sldId="293"/>
+        </pc:sldMkLst>
+        <pc:spChg chg="mod">
+          <ac:chgData name="Gibbons, Carl" userId="d2b037bc-8fb4-4222-845c-61440543a456" providerId="ADAL" clId="{8C497311-FA0D-4174-880A-DAA4EEB2BF3B}" dt="2023-12-29T15:36:21.703" v="6112" actId="20577"/>
+          <ac:spMkLst>
+            <pc:docMk/>
+            <pc:sldMk cId="1861646120" sldId="293"/>
+            <ac:spMk id="2" creationId="{31B75992-5098-A283-4925-2CCEBB801DC5}"/>
+          </ac:spMkLst>
+        </pc:spChg>
+        <pc:spChg chg="mod">
+          <ac:chgData name="Gibbons, Carl" userId="d2b037bc-8fb4-4222-845c-61440543a456" providerId="ADAL" clId="{8C497311-FA0D-4174-880A-DAA4EEB2BF3B}" dt="2023-12-29T15:43:57.081" v="7062" actId="20577"/>
+          <ac:spMkLst>
+            <pc:docMk/>
+            <pc:sldMk cId="1861646120" sldId="293"/>
+            <ac:spMk id="3" creationId="{B5924E0F-A977-1710-779D-EEB74261AF34}"/>
+          </ac:spMkLst>
+        </pc:spChg>
+      </pc:sldChg>
+    </pc:docChg>
+  </pc:docChgLst>
+  <pc:docChgLst>
+    <pc:chgData name="Gibbons, Carl" userId="d2b037bc-8fb4-4222-845c-61440543a456" providerId="ADAL" clId="{930742B8-5264-4285-844A-779DDFAABB41}"/>
+    <pc:docChg chg="custSel delSld modSld">
+      <pc:chgData name="Gibbons, Carl" userId="d2b037bc-8fb4-4222-845c-61440543a456" providerId="ADAL" clId="{930742B8-5264-4285-844A-779DDFAABB41}" dt="2024-02-04T07:28:09.926" v="804" actId="2711"/>
+      <pc:docMkLst>
+        <pc:docMk/>
+      </pc:docMkLst>
+      <pc:sldChg chg="modSp mod">
+        <pc:chgData name="Gibbons, Carl" userId="d2b037bc-8fb4-4222-845c-61440543a456" providerId="ADAL" clId="{930742B8-5264-4285-844A-779DDFAABB41}" dt="2024-02-04T07:19:09.277" v="12" actId="20577"/>
+        <pc:sldMkLst>
+          <pc:docMk/>
+          <pc:sldMk cId="3308175748" sldId="256"/>
+        </pc:sldMkLst>
+        <pc:spChg chg="mod">
+          <ac:chgData name="Gibbons, Carl" userId="d2b037bc-8fb4-4222-845c-61440543a456" providerId="ADAL" clId="{930742B8-5264-4285-844A-779DDFAABB41}" dt="2024-02-04T07:19:09.277" v="12" actId="20577"/>
+          <ac:spMkLst>
+            <pc:docMk/>
+            <pc:sldMk cId="3308175748" sldId="256"/>
+            <ac:spMk id="3" creationId="{EEC4D41B-E776-05F2-BE0B-89BB339485AB}"/>
+          </ac:spMkLst>
+        </pc:spChg>
+      </pc:sldChg>
+      <pc:sldChg chg="modSp mod">
+        <pc:chgData name="Gibbons, Carl" userId="d2b037bc-8fb4-4222-845c-61440543a456" providerId="ADAL" clId="{930742B8-5264-4285-844A-779DDFAABB41}" dt="2024-02-04T07:28:09.926" v="804" actId="2711"/>
+        <pc:sldMkLst>
+          <pc:docMk/>
+          <pc:sldMk cId="2312486803" sldId="261"/>
+        </pc:sldMkLst>
+        <pc:spChg chg="mod">
+          <ac:chgData name="Gibbons, Carl" userId="d2b037bc-8fb4-4222-845c-61440543a456" providerId="ADAL" clId="{930742B8-5264-4285-844A-779DDFAABB41}" dt="2024-02-04T07:19:25.889" v="43" actId="20577"/>
+          <ac:spMkLst>
+            <pc:docMk/>
+            <pc:sldMk cId="2312486803" sldId="261"/>
+            <ac:spMk id="2" creationId="{31B75992-5098-A283-4925-2CCEBB801DC5}"/>
+          </ac:spMkLst>
+        </pc:spChg>
+        <pc:spChg chg="mod">
+          <ac:chgData name="Gibbons, Carl" userId="d2b037bc-8fb4-4222-845c-61440543a456" providerId="ADAL" clId="{930742B8-5264-4285-844A-779DDFAABB41}" dt="2024-02-04T07:28:09.926" v="804" actId="2711"/>
+          <ac:spMkLst>
+            <pc:docMk/>
+            <pc:sldMk cId="2312486803" sldId="261"/>
+            <ac:spMk id="3" creationId="{B5924E0F-A977-1710-779D-EEB74261AF34}"/>
+          </ac:spMkLst>
+        </pc:spChg>
+      </pc:sldChg>
+      <pc:sldChg chg="modSp mod">
+        <pc:chgData name="Gibbons, Carl" userId="d2b037bc-8fb4-4222-845c-61440543a456" providerId="ADAL" clId="{930742B8-5264-4285-844A-779DDFAABB41}" dt="2024-02-04T07:21:38.166" v="247" actId="20577"/>
+        <pc:sldMkLst>
+          <pc:docMk/>
+          <pc:sldMk cId="3885141102" sldId="262"/>
+        </pc:sldMkLst>
+        <pc:spChg chg="mod">
+          <ac:chgData name="Gibbons, Carl" userId="d2b037bc-8fb4-4222-845c-61440543a456" providerId="ADAL" clId="{930742B8-5264-4285-844A-779DDFAABB41}" dt="2024-02-04T07:21:38.166" v="247" actId="20577"/>
+          <ac:spMkLst>
+            <pc:docMk/>
+            <pc:sldMk cId="3885141102" sldId="262"/>
+            <ac:spMk id="3" creationId="{B5924E0F-A977-1710-779D-EEB74261AF34}"/>
+          </ac:spMkLst>
+        </pc:spChg>
+      </pc:sldChg>
+      <pc:sldChg chg="del">
+        <pc:chgData name="Gibbons, Carl" userId="d2b037bc-8fb4-4222-845c-61440543a456" providerId="ADAL" clId="{930742B8-5264-4285-844A-779DDFAABB41}" dt="2024-02-04T07:21:17.454" v="192" actId="2696"/>
+        <pc:sldMkLst>
+          <pc:docMk/>
+          <pc:sldMk cId="2993794741" sldId="265"/>
+        </pc:sldMkLst>
+      </pc:sldChg>
+      <pc:sldChg chg="del">
+        <pc:chgData name="Gibbons, Carl" userId="d2b037bc-8fb4-4222-845c-61440543a456" providerId="ADAL" clId="{930742B8-5264-4285-844A-779DDFAABB41}" dt="2024-02-04T07:21:17.454" v="192" actId="2696"/>
+        <pc:sldMkLst>
+          <pc:docMk/>
+          <pc:sldMk cId="1337022352" sldId="266"/>
+        </pc:sldMkLst>
+      </pc:sldChg>
+      <pc:sldChg chg="del">
+        <pc:chgData name="Gibbons, Carl" userId="d2b037bc-8fb4-4222-845c-61440543a456" providerId="ADAL" clId="{930742B8-5264-4285-844A-779DDFAABB41}" dt="2024-02-04T07:21:17.454" v="192" actId="2696"/>
+        <pc:sldMkLst>
+          <pc:docMk/>
+          <pc:sldMk cId="3576168196" sldId="267"/>
+        </pc:sldMkLst>
+      </pc:sldChg>
+      <pc:sldChg chg="del">
+        <pc:chgData name="Gibbons, Carl" userId="d2b037bc-8fb4-4222-845c-61440543a456" providerId="ADAL" clId="{930742B8-5264-4285-844A-779DDFAABB41}" dt="2024-02-04T07:21:17.454" v="192" actId="2696"/>
+        <pc:sldMkLst>
+          <pc:docMk/>
+          <pc:sldMk cId="1066671753" sldId="268"/>
+        </pc:sldMkLst>
+      </pc:sldChg>
+      <pc:sldChg chg="del">
+        <pc:chgData name="Gibbons, Carl" userId="d2b037bc-8fb4-4222-845c-61440543a456" providerId="ADAL" clId="{930742B8-5264-4285-844A-779DDFAABB41}" dt="2024-02-04T07:21:17.454" v="192" actId="2696"/>
+        <pc:sldMkLst>
+          <pc:docMk/>
+          <pc:sldMk cId="465083765" sldId="269"/>
+        </pc:sldMkLst>
       </pc:sldChg>
     </pc:docChg>
   </pc:docChgLst>
@@ -768,2148 +2924,6 @@
           </pc:sldLayoutMkLst>
         </pc:sldLayoutChg>
       </pc:sldMasterChg>
-    </pc:docChg>
-  </pc:docChgLst>
-  <pc:docChgLst>
-    <pc:chgData name="Gibbons, Carl" userId="d2b037bc-8fb4-4222-845c-61440543a456" providerId="ADAL" clId="{C1E6ABF6-BAED-4B26-97DB-20A1E8B7A1A4}"/>
-    <pc:docChg chg="custSel modSld">
-      <pc:chgData name="Gibbons, Carl" userId="d2b037bc-8fb4-4222-845c-61440543a456" providerId="ADAL" clId="{C1E6ABF6-BAED-4B26-97DB-20A1E8B7A1A4}" dt="2023-12-06T02:23:48.337" v="274" actId="20577"/>
-      <pc:docMkLst>
-        <pc:docMk/>
-      </pc:docMkLst>
-      <pc:sldChg chg="modSp mod">
-        <pc:chgData name="Gibbons, Carl" userId="d2b037bc-8fb4-4222-845c-61440543a456" providerId="ADAL" clId="{C1E6ABF6-BAED-4B26-97DB-20A1E8B7A1A4}" dt="2023-11-21T16:22:17.597" v="97" actId="20577"/>
-        <pc:sldMkLst>
-          <pc:docMk/>
-          <pc:sldMk cId="3308175748" sldId="256"/>
-        </pc:sldMkLst>
-        <pc:spChg chg="mod">
-          <ac:chgData name="Gibbons, Carl" userId="d2b037bc-8fb4-4222-845c-61440543a456" providerId="ADAL" clId="{C1E6ABF6-BAED-4B26-97DB-20A1E8B7A1A4}" dt="2023-11-21T05:49:34.464" v="2"/>
-          <ac:spMkLst>
-            <pc:docMk/>
-            <pc:sldMk cId="3308175748" sldId="256"/>
-            <ac:spMk id="2" creationId="{ACEA2649-DC6B-3373-A7E6-7F0E103D8B8B}"/>
-          </ac:spMkLst>
-        </pc:spChg>
-        <pc:spChg chg="mod">
-          <ac:chgData name="Gibbons, Carl" userId="d2b037bc-8fb4-4222-845c-61440543a456" providerId="ADAL" clId="{C1E6ABF6-BAED-4B26-97DB-20A1E8B7A1A4}" dt="2023-11-21T16:22:17.597" v="97" actId="20577"/>
-          <ac:spMkLst>
-            <pc:docMk/>
-            <pc:sldMk cId="3308175748" sldId="256"/>
-            <ac:spMk id="3" creationId="{EEC4D41B-E776-05F2-BE0B-89BB339485AB}"/>
-          </ac:spMkLst>
-        </pc:spChg>
-        <pc:spChg chg="mod">
-          <ac:chgData name="Gibbons, Carl" userId="d2b037bc-8fb4-4222-845c-61440543a456" providerId="ADAL" clId="{C1E6ABF6-BAED-4B26-97DB-20A1E8B7A1A4}" dt="2023-11-21T05:49:34.464" v="2"/>
-          <ac:spMkLst>
-            <pc:docMk/>
-            <pc:sldMk cId="3308175748" sldId="256"/>
-            <ac:spMk id="4" creationId="{4664ABB7-0B55-0242-2E51-B3286EE7B5EB}"/>
-          </ac:spMkLst>
-        </pc:spChg>
-      </pc:sldChg>
-      <pc:sldChg chg="modSp">
-        <pc:chgData name="Gibbons, Carl" userId="d2b037bc-8fb4-4222-845c-61440543a456" providerId="ADAL" clId="{C1E6ABF6-BAED-4B26-97DB-20A1E8B7A1A4}" dt="2023-11-21T05:49:34.464" v="2"/>
-        <pc:sldMkLst>
-          <pc:docMk/>
-          <pc:sldMk cId="2312486803" sldId="261"/>
-        </pc:sldMkLst>
-        <pc:spChg chg="mod">
-          <ac:chgData name="Gibbons, Carl" userId="d2b037bc-8fb4-4222-845c-61440543a456" providerId="ADAL" clId="{C1E6ABF6-BAED-4B26-97DB-20A1E8B7A1A4}" dt="2023-11-21T05:49:34.464" v="2"/>
-          <ac:spMkLst>
-            <pc:docMk/>
-            <pc:sldMk cId="2312486803" sldId="261"/>
-            <ac:spMk id="2" creationId="{31B75992-5098-A283-4925-2CCEBB801DC5}"/>
-          </ac:spMkLst>
-        </pc:spChg>
-      </pc:sldChg>
-      <pc:sldChg chg="modSp mod">
-        <pc:chgData name="Gibbons, Carl" userId="d2b037bc-8fb4-4222-845c-61440543a456" providerId="ADAL" clId="{C1E6ABF6-BAED-4B26-97DB-20A1E8B7A1A4}" dt="2023-11-21T07:48:19.790" v="77" actId="20577"/>
-        <pc:sldMkLst>
-          <pc:docMk/>
-          <pc:sldMk cId="378743348" sldId="270"/>
-        </pc:sldMkLst>
-        <pc:spChg chg="mod">
-          <ac:chgData name="Gibbons, Carl" userId="d2b037bc-8fb4-4222-845c-61440543a456" providerId="ADAL" clId="{C1E6ABF6-BAED-4B26-97DB-20A1E8B7A1A4}" dt="2023-11-21T07:48:19.790" v="77" actId="20577"/>
-          <ac:spMkLst>
-            <pc:docMk/>
-            <pc:sldMk cId="378743348" sldId="270"/>
-            <ac:spMk id="3" creationId="{80041865-9773-290D-EB35-F8AF8BFC505C}"/>
-          </ac:spMkLst>
-        </pc:spChg>
-      </pc:sldChg>
-      <pc:sldChg chg="modSp mod">
-        <pc:chgData name="Gibbons, Carl" userId="d2b037bc-8fb4-4222-845c-61440543a456" providerId="ADAL" clId="{C1E6ABF6-BAED-4B26-97DB-20A1E8B7A1A4}" dt="2023-12-06T02:23:48.337" v="274" actId="20577"/>
-        <pc:sldMkLst>
-          <pc:docMk/>
-          <pc:sldMk cId="657795359" sldId="277"/>
-        </pc:sldMkLst>
-        <pc:spChg chg="mod">
-          <ac:chgData name="Gibbons, Carl" userId="d2b037bc-8fb4-4222-845c-61440543a456" providerId="ADAL" clId="{C1E6ABF6-BAED-4B26-97DB-20A1E8B7A1A4}" dt="2023-11-21T05:49:34.464" v="2"/>
-          <ac:spMkLst>
-            <pc:docMk/>
-            <pc:sldMk cId="657795359" sldId="277"/>
-            <ac:spMk id="2" creationId="{1862E903-3C56-BB42-2361-009F2336475A}"/>
-          </ac:spMkLst>
-        </pc:spChg>
-        <pc:spChg chg="mod">
-          <ac:chgData name="Gibbons, Carl" userId="d2b037bc-8fb4-4222-845c-61440543a456" providerId="ADAL" clId="{C1E6ABF6-BAED-4B26-97DB-20A1E8B7A1A4}" dt="2023-12-06T02:23:48.337" v="274" actId="20577"/>
-          <ac:spMkLst>
-            <pc:docMk/>
-            <pc:sldMk cId="657795359" sldId="277"/>
-            <ac:spMk id="3" creationId="{90179172-96B3-95D0-A137-257770BE7642}"/>
-          </ac:spMkLst>
-        </pc:spChg>
-      </pc:sldChg>
-    </pc:docChg>
-  </pc:docChgLst>
-  <pc:docChgLst>
-    <pc:chgData name="Gibbons, Carl" userId="d2b037bc-8fb4-4222-845c-61440543a456" providerId="ADAL" clId="{6FB22382-79C8-4292-898E-4F4477C84372}"/>
-    <pc:docChg chg="custSel addSld modSld">
-      <pc:chgData name="Gibbons, Carl" userId="d2b037bc-8fb4-4222-845c-61440543a456" providerId="ADAL" clId="{6FB22382-79C8-4292-898E-4F4477C84372}" dt="2024-02-04T06:13:38.323" v="4155" actId="20577"/>
-      <pc:docMkLst>
-        <pc:docMk/>
-      </pc:docMkLst>
-      <pc:sldChg chg="modSp mod">
-        <pc:chgData name="Gibbons, Carl" userId="d2b037bc-8fb4-4222-845c-61440543a456" providerId="ADAL" clId="{6FB22382-79C8-4292-898E-4F4477C84372}" dt="2024-02-04T05:20:30.900" v="17" actId="20577"/>
-        <pc:sldMkLst>
-          <pc:docMk/>
-          <pc:sldMk cId="3308175748" sldId="256"/>
-        </pc:sldMkLst>
-        <pc:spChg chg="mod">
-          <ac:chgData name="Gibbons, Carl" userId="d2b037bc-8fb4-4222-845c-61440543a456" providerId="ADAL" clId="{6FB22382-79C8-4292-898E-4F4477C84372}" dt="2024-02-04T05:20:30.900" v="17" actId="20577"/>
-          <ac:spMkLst>
-            <pc:docMk/>
-            <pc:sldMk cId="3308175748" sldId="256"/>
-            <ac:spMk id="3" creationId="{EEC4D41B-E776-05F2-BE0B-89BB339485AB}"/>
-          </ac:spMkLst>
-        </pc:spChg>
-      </pc:sldChg>
-      <pc:sldChg chg="modSp mod">
-        <pc:chgData name="Gibbons, Carl" userId="d2b037bc-8fb4-4222-845c-61440543a456" providerId="ADAL" clId="{6FB22382-79C8-4292-898E-4F4477C84372}" dt="2024-02-04T06:13:38.323" v="4155" actId="20577"/>
-        <pc:sldMkLst>
-          <pc:docMk/>
-          <pc:sldMk cId="2312486803" sldId="261"/>
-        </pc:sldMkLst>
-        <pc:spChg chg="mod">
-          <ac:chgData name="Gibbons, Carl" userId="d2b037bc-8fb4-4222-845c-61440543a456" providerId="ADAL" clId="{6FB22382-79C8-4292-898E-4F4477C84372}" dt="2024-02-04T05:21:30.141" v="60" actId="20577"/>
-          <ac:spMkLst>
-            <pc:docMk/>
-            <pc:sldMk cId="2312486803" sldId="261"/>
-            <ac:spMk id="2" creationId="{31B75992-5098-A283-4925-2CCEBB801DC5}"/>
-          </ac:spMkLst>
-        </pc:spChg>
-        <pc:spChg chg="mod">
-          <ac:chgData name="Gibbons, Carl" userId="d2b037bc-8fb4-4222-845c-61440543a456" providerId="ADAL" clId="{6FB22382-79C8-4292-898E-4F4477C84372}" dt="2024-02-04T06:13:38.323" v="4155" actId="20577"/>
-          <ac:spMkLst>
-            <pc:docMk/>
-            <pc:sldMk cId="2312486803" sldId="261"/>
-            <ac:spMk id="3" creationId="{B5924E0F-A977-1710-779D-EEB74261AF34}"/>
-          </ac:spMkLst>
-        </pc:spChg>
-      </pc:sldChg>
-      <pc:sldChg chg="modSp mod">
-        <pc:chgData name="Gibbons, Carl" userId="d2b037bc-8fb4-4222-845c-61440543a456" providerId="ADAL" clId="{6FB22382-79C8-4292-898E-4F4477C84372}" dt="2024-02-04T06:07:58.163" v="3852" actId="20577"/>
-        <pc:sldMkLst>
-          <pc:docMk/>
-          <pc:sldMk cId="3885141102" sldId="262"/>
-        </pc:sldMkLst>
-        <pc:spChg chg="mod">
-          <ac:chgData name="Gibbons, Carl" userId="d2b037bc-8fb4-4222-845c-61440543a456" providerId="ADAL" clId="{6FB22382-79C8-4292-898E-4F4477C84372}" dt="2024-02-04T06:07:58.163" v="3852" actId="20577"/>
-          <ac:spMkLst>
-            <pc:docMk/>
-            <pc:sldMk cId="3885141102" sldId="262"/>
-            <ac:spMk id="3" creationId="{B5924E0F-A977-1710-779D-EEB74261AF34}"/>
-          </ac:spMkLst>
-        </pc:spChg>
-      </pc:sldChg>
-      <pc:sldChg chg="modSp mod">
-        <pc:chgData name="Gibbons, Carl" userId="d2b037bc-8fb4-4222-845c-61440543a456" providerId="ADAL" clId="{6FB22382-79C8-4292-898E-4F4477C84372}" dt="2024-02-04T05:35:49.521" v="1241" actId="20577"/>
-        <pc:sldMkLst>
-          <pc:docMk/>
-          <pc:sldMk cId="2993794741" sldId="265"/>
-        </pc:sldMkLst>
-        <pc:spChg chg="mod">
-          <ac:chgData name="Gibbons, Carl" userId="d2b037bc-8fb4-4222-845c-61440543a456" providerId="ADAL" clId="{6FB22382-79C8-4292-898E-4F4477C84372}" dt="2024-02-04T05:26:32.059" v="571" actId="20577"/>
-          <ac:spMkLst>
-            <pc:docMk/>
-            <pc:sldMk cId="2993794741" sldId="265"/>
-            <ac:spMk id="2" creationId="{31B75992-5098-A283-4925-2CCEBB801DC5}"/>
-          </ac:spMkLst>
-        </pc:spChg>
-        <pc:spChg chg="mod">
-          <ac:chgData name="Gibbons, Carl" userId="d2b037bc-8fb4-4222-845c-61440543a456" providerId="ADAL" clId="{6FB22382-79C8-4292-898E-4F4477C84372}" dt="2024-02-04T05:35:49.521" v="1241" actId="20577"/>
-          <ac:spMkLst>
-            <pc:docMk/>
-            <pc:sldMk cId="2993794741" sldId="265"/>
-            <ac:spMk id="3" creationId="{B5924E0F-A977-1710-779D-EEB74261AF34}"/>
-          </ac:spMkLst>
-        </pc:spChg>
-      </pc:sldChg>
-      <pc:sldChg chg="modSp mod">
-        <pc:chgData name="Gibbons, Carl" userId="d2b037bc-8fb4-4222-845c-61440543a456" providerId="ADAL" clId="{6FB22382-79C8-4292-898E-4F4477C84372}" dt="2024-02-04T05:45:18.786" v="1941" actId="20577"/>
-        <pc:sldMkLst>
-          <pc:docMk/>
-          <pc:sldMk cId="1337022352" sldId="266"/>
-        </pc:sldMkLst>
-        <pc:spChg chg="mod">
-          <ac:chgData name="Gibbons, Carl" userId="d2b037bc-8fb4-4222-845c-61440543a456" providerId="ADAL" clId="{6FB22382-79C8-4292-898E-4F4477C84372}" dt="2024-02-04T05:36:29.682" v="1255" actId="20577"/>
-          <ac:spMkLst>
-            <pc:docMk/>
-            <pc:sldMk cId="1337022352" sldId="266"/>
-            <ac:spMk id="2" creationId="{31B75992-5098-A283-4925-2CCEBB801DC5}"/>
-          </ac:spMkLst>
-        </pc:spChg>
-        <pc:spChg chg="mod">
-          <ac:chgData name="Gibbons, Carl" userId="d2b037bc-8fb4-4222-845c-61440543a456" providerId="ADAL" clId="{6FB22382-79C8-4292-898E-4F4477C84372}" dt="2024-02-04T05:45:18.786" v="1941" actId="20577"/>
-          <ac:spMkLst>
-            <pc:docMk/>
-            <pc:sldMk cId="1337022352" sldId="266"/>
-            <ac:spMk id="3" creationId="{B5924E0F-A977-1710-779D-EEB74261AF34}"/>
-          </ac:spMkLst>
-        </pc:spChg>
-      </pc:sldChg>
-      <pc:sldChg chg="modSp add mod">
-        <pc:chgData name="Gibbons, Carl" userId="d2b037bc-8fb4-4222-845c-61440543a456" providerId="ADAL" clId="{6FB22382-79C8-4292-898E-4F4477C84372}" dt="2024-02-04T05:44:39.205" v="1897" actId="12"/>
-        <pc:sldMkLst>
-          <pc:docMk/>
-          <pc:sldMk cId="3576168196" sldId="267"/>
-        </pc:sldMkLst>
-        <pc:spChg chg="mod">
-          <ac:chgData name="Gibbons, Carl" userId="d2b037bc-8fb4-4222-845c-61440543a456" providerId="ADAL" clId="{6FB22382-79C8-4292-898E-4F4477C84372}" dt="2024-02-04T05:41:13.380" v="1714" actId="20577"/>
-          <ac:spMkLst>
-            <pc:docMk/>
-            <pc:sldMk cId="3576168196" sldId="267"/>
-            <ac:spMk id="2" creationId="{31B75992-5098-A283-4925-2CCEBB801DC5}"/>
-          </ac:spMkLst>
-        </pc:spChg>
-        <pc:spChg chg="mod">
-          <ac:chgData name="Gibbons, Carl" userId="d2b037bc-8fb4-4222-845c-61440543a456" providerId="ADAL" clId="{6FB22382-79C8-4292-898E-4F4477C84372}" dt="2024-02-04T05:44:39.205" v="1897" actId="12"/>
-          <ac:spMkLst>
-            <pc:docMk/>
-            <pc:sldMk cId="3576168196" sldId="267"/>
-            <ac:spMk id="3" creationId="{B5924E0F-A977-1710-779D-EEB74261AF34}"/>
-          </ac:spMkLst>
-        </pc:spChg>
-      </pc:sldChg>
-      <pc:sldChg chg="addSp modSp new mod">
-        <pc:chgData name="Gibbons, Carl" userId="d2b037bc-8fb4-4222-845c-61440543a456" providerId="ADAL" clId="{6FB22382-79C8-4292-898E-4F4477C84372}" dt="2024-02-04T06:11:39.022" v="4076" actId="20577"/>
-        <pc:sldMkLst>
-          <pc:docMk/>
-          <pc:sldMk cId="1066671753" sldId="268"/>
-        </pc:sldMkLst>
-        <pc:spChg chg="mod">
-          <ac:chgData name="Gibbons, Carl" userId="d2b037bc-8fb4-4222-845c-61440543a456" providerId="ADAL" clId="{6FB22382-79C8-4292-898E-4F4477C84372}" dt="2024-02-04T05:45:07.756" v="1926" actId="20577"/>
-          <ac:spMkLst>
-            <pc:docMk/>
-            <pc:sldMk cId="1066671753" sldId="268"/>
-            <ac:spMk id="2" creationId="{1697FD53-1B2D-FA1E-85ED-8261A111660A}"/>
-          </ac:spMkLst>
-        </pc:spChg>
-        <pc:spChg chg="add mod">
-          <ac:chgData name="Gibbons, Carl" userId="d2b037bc-8fb4-4222-845c-61440543a456" providerId="ADAL" clId="{6FB22382-79C8-4292-898E-4F4477C84372}" dt="2024-02-04T06:11:39.022" v="4076" actId="20577"/>
-          <ac:spMkLst>
-            <pc:docMk/>
-            <pc:sldMk cId="1066671753" sldId="268"/>
-            <ac:spMk id="3" creationId="{76A2A896-1BFA-0E85-4155-672FD7F5CC95}"/>
-          </ac:spMkLst>
-        </pc:spChg>
-      </pc:sldChg>
-      <pc:sldChg chg="modSp mod">
-        <pc:chgData name="Gibbons, Carl" userId="d2b037bc-8fb4-4222-845c-61440543a456" providerId="ADAL" clId="{6FB22382-79C8-4292-898E-4F4477C84372}" dt="2024-02-04T06:10:10.836" v="3893" actId="12"/>
-        <pc:sldMkLst>
-          <pc:docMk/>
-          <pc:sldMk cId="465083765" sldId="269"/>
-        </pc:sldMkLst>
-        <pc:spChg chg="mod">
-          <ac:chgData name="Gibbons, Carl" userId="d2b037bc-8fb4-4222-845c-61440543a456" providerId="ADAL" clId="{6FB22382-79C8-4292-898E-4F4477C84372}" dt="2024-02-04T06:09:43.021" v="3884" actId="20577"/>
-          <ac:spMkLst>
-            <pc:docMk/>
-            <pc:sldMk cId="465083765" sldId="269"/>
-            <ac:spMk id="2" creationId="{1697FD53-1B2D-FA1E-85ED-8261A111660A}"/>
-          </ac:spMkLst>
-        </pc:spChg>
-        <pc:spChg chg="mod">
-          <ac:chgData name="Gibbons, Carl" userId="d2b037bc-8fb4-4222-845c-61440543a456" providerId="ADAL" clId="{6FB22382-79C8-4292-898E-4F4477C84372}" dt="2024-02-04T06:10:10.836" v="3893" actId="12"/>
-          <ac:spMkLst>
-            <pc:docMk/>
-            <pc:sldMk cId="465083765" sldId="269"/>
-            <ac:spMk id="3" creationId="{76A2A896-1BFA-0E85-4155-672FD7F5CC95}"/>
-          </ac:spMkLst>
-        </pc:spChg>
-      </pc:sldChg>
-    </pc:docChg>
-  </pc:docChgLst>
-  <pc:docChgLst>
-    <pc:chgData name="Gibbons, Carl" userId="d2b037bc-8fb4-4222-845c-61440543a456" providerId="ADAL" clId="{B22431BF-FF40-422E-84B9-DE35C0B96CC3}"/>
-    <pc:docChg chg="undo custSel delSld modSld">
-      <pc:chgData name="Gibbons, Carl" userId="d2b037bc-8fb4-4222-845c-61440543a456" providerId="ADAL" clId="{B22431BF-FF40-422E-84B9-DE35C0B96CC3}" dt="2024-01-04T23:02:20.392" v="6116" actId="20577"/>
-      <pc:docMkLst>
-        <pc:docMk/>
-      </pc:docMkLst>
-      <pc:sldChg chg="modSp mod">
-        <pc:chgData name="Gibbons, Carl" userId="d2b037bc-8fb4-4222-845c-61440543a456" providerId="ADAL" clId="{B22431BF-FF40-422E-84B9-DE35C0B96CC3}" dt="2023-12-29T21:56:55.022" v="36" actId="20577"/>
-        <pc:sldMkLst>
-          <pc:docMk/>
-          <pc:sldMk cId="3308175748" sldId="256"/>
-        </pc:sldMkLst>
-        <pc:spChg chg="mod">
-          <ac:chgData name="Gibbons, Carl" userId="d2b037bc-8fb4-4222-845c-61440543a456" providerId="ADAL" clId="{B22431BF-FF40-422E-84B9-DE35C0B96CC3}" dt="2023-12-29T21:56:55.022" v="36" actId="20577"/>
-          <ac:spMkLst>
-            <pc:docMk/>
-            <pc:sldMk cId="3308175748" sldId="256"/>
-            <ac:spMk id="3" creationId="{EEC4D41B-E776-05F2-BE0B-89BB339485AB}"/>
-          </ac:spMkLst>
-        </pc:spChg>
-      </pc:sldChg>
-      <pc:sldChg chg="modSp mod">
-        <pc:chgData name="Gibbons, Carl" userId="d2b037bc-8fb4-4222-845c-61440543a456" providerId="ADAL" clId="{B22431BF-FF40-422E-84B9-DE35C0B96CC3}" dt="2024-01-04T23:00:14.898" v="6013" actId="20577"/>
-        <pc:sldMkLst>
-          <pc:docMk/>
-          <pc:sldMk cId="2312486803" sldId="261"/>
-        </pc:sldMkLst>
-        <pc:spChg chg="mod">
-          <ac:chgData name="Gibbons, Carl" userId="d2b037bc-8fb4-4222-845c-61440543a456" providerId="ADAL" clId="{B22431BF-FF40-422E-84B9-DE35C0B96CC3}" dt="2023-12-29T22:08:30.114" v="43" actId="20577"/>
-          <ac:spMkLst>
-            <pc:docMk/>
-            <pc:sldMk cId="2312486803" sldId="261"/>
-            <ac:spMk id="2" creationId="{31B75992-5098-A283-4925-2CCEBB801DC5}"/>
-          </ac:spMkLst>
-        </pc:spChg>
-        <pc:spChg chg="mod">
-          <ac:chgData name="Gibbons, Carl" userId="d2b037bc-8fb4-4222-845c-61440543a456" providerId="ADAL" clId="{B22431BF-FF40-422E-84B9-DE35C0B96CC3}" dt="2024-01-04T23:00:14.898" v="6013" actId="20577"/>
-          <ac:spMkLst>
-            <pc:docMk/>
-            <pc:sldMk cId="2312486803" sldId="261"/>
-            <ac:spMk id="3" creationId="{B5924E0F-A977-1710-779D-EEB74261AF34}"/>
-          </ac:spMkLst>
-        </pc:spChg>
-      </pc:sldChg>
-      <pc:sldChg chg="del">
-        <pc:chgData name="Gibbons, Carl" userId="d2b037bc-8fb4-4222-845c-61440543a456" providerId="ADAL" clId="{B22431BF-FF40-422E-84B9-DE35C0B96CC3}" dt="2023-12-30T00:06:35.373" v="5939" actId="47"/>
-        <pc:sldMkLst>
-          <pc:docMk/>
-          <pc:sldMk cId="657795359" sldId="277"/>
-        </pc:sldMkLst>
-      </pc:sldChg>
-      <pc:sldChg chg="modSp mod">
-        <pc:chgData name="Gibbons, Carl" userId="d2b037bc-8fb4-4222-845c-61440543a456" providerId="ADAL" clId="{B22431BF-FF40-422E-84B9-DE35C0B96CC3}" dt="2023-12-29T22:43:19.687" v="2380" actId="20577"/>
-        <pc:sldMkLst>
-          <pc:docMk/>
-          <pc:sldMk cId="3989541258" sldId="278"/>
-        </pc:sldMkLst>
-        <pc:spChg chg="mod">
-          <ac:chgData name="Gibbons, Carl" userId="d2b037bc-8fb4-4222-845c-61440543a456" providerId="ADAL" clId="{B22431BF-FF40-422E-84B9-DE35C0B96CC3}" dt="2023-12-29T22:43:19.687" v="2380" actId="20577"/>
-          <ac:spMkLst>
-            <pc:docMk/>
-            <pc:sldMk cId="3989541258" sldId="278"/>
-            <ac:spMk id="2" creationId="{31B75992-5098-A283-4925-2CCEBB801DC5}"/>
-          </ac:spMkLst>
-        </pc:spChg>
-        <pc:spChg chg="mod">
-          <ac:chgData name="Gibbons, Carl" userId="d2b037bc-8fb4-4222-845c-61440543a456" providerId="ADAL" clId="{B22431BF-FF40-422E-84B9-DE35C0B96CC3}" dt="2023-12-29T22:42:57.446" v="2316" actId="21"/>
-          <ac:spMkLst>
-            <pc:docMk/>
-            <pc:sldMk cId="3989541258" sldId="278"/>
-            <ac:spMk id="3" creationId="{B5924E0F-A977-1710-779D-EEB74261AF34}"/>
-          </ac:spMkLst>
-        </pc:spChg>
-      </pc:sldChg>
-      <pc:sldChg chg="modSp mod">
-        <pc:chgData name="Gibbons, Carl" userId="d2b037bc-8fb4-4222-845c-61440543a456" providerId="ADAL" clId="{B22431BF-FF40-422E-84B9-DE35C0B96CC3}" dt="2024-01-04T23:02:20.392" v="6116" actId="20577"/>
-        <pc:sldMkLst>
-          <pc:docMk/>
-          <pc:sldMk cId="1861646120" sldId="293"/>
-        </pc:sldMkLst>
-        <pc:spChg chg="mod">
-          <ac:chgData name="Gibbons, Carl" userId="d2b037bc-8fb4-4222-845c-61440543a456" providerId="ADAL" clId="{B22431BF-FF40-422E-84B9-DE35C0B96CC3}" dt="2023-12-29T22:43:38.151" v="2422" actId="20577"/>
-          <ac:spMkLst>
-            <pc:docMk/>
-            <pc:sldMk cId="1861646120" sldId="293"/>
-            <ac:spMk id="2" creationId="{31B75992-5098-A283-4925-2CCEBB801DC5}"/>
-          </ac:spMkLst>
-        </pc:spChg>
-        <pc:spChg chg="mod">
-          <ac:chgData name="Gibbons, Carl" userId="d2b037bc-8fb4-4222-845c-61440543a456" providerId="ADAL" clId="{B22431BF-FF40-422E-84B9-DE35C0B96CC3}" dt="2024-01-04T23:02:20.392" v="6116" actId="20577"/>
-          <ac:spMkLst>
-            <pc:docMk/>
-            <pc:sldMk cId="1861646120" sldId="293"/>
-            <ac:spMk id="3" creationId="{B5924E0F-A977-1710-779D-EEB74261AF34}"/>
-          </ac:spMkLst>
-        </pc:spChg>
-      </pc:sldChg>
-      <pc:sldChg chg="modSp mod">
-        <pc:chgData name="Gibbons, Carl" userId="d2b037bc-8fb4-4222-845c-61440543a456" providerId="ADAL" clId="{B22431BF-FF40-422E-84B9-DE35C0B96CC3}" dt="2023-12-30T00:07:46.447" v="5951" actId="20577"/>
-        <pc:sldMkLst>
-          <pc:docMk/>
-          <pc:sldMk cId="2232562783" sldId="294"/>
-        </pc:sldMkLst>
-        <pc:spChg chg="mod">
-          <ac:chgData name="Gibbons, Carl" userId="d2b037bc-8fb4-4222-845c-61440543a456" providerId="ADAL" clId="{B22431BF-FF40-422E-84B9-DE35C0B96CC3}" dt="2023-12-30T00:07:46.447" v="5951" actId="20577"/>
-          <ac:spMkLst>
-            <pc:docMk/>
-            <pc:sldMk cId="2232562783" sldId="294"/>
-            <ac:spMk id="2" creationId="{31B75992-5098-A283-4925-2CCEBB801DC5}"/>
-          </ac:spMkLst>
-        </pc:spChg>
-        <pc:spChg chg="mod">
-          <ac:chgData name="Gibbons, Carl" userId="d2b037bc-8fb4-4222-845c-61440543a456" providerId="ADAL" clId="{B22431BF-FF40-422E-84B9-DE35C0B96CC3}" dt="2023-12-29T23:10:49.132" v="4131" actId="20577"/>
-          <ac:spMkLst>
-            <pc:docMk/>
-            <pc:sldMk cId="2232562783" sldId="294"/>
-            <ac:spMk id="3" creationId="{B5924E0F-A977-1710-779D-EEB74261AF34}"/>
-          </ac:spMkLst>
-        </pc:spChg>
-      </pc:sldChg>
-      <pc:sldChg chg="modSp del mod">
-        <pc:chgData name="Gibbons, Carl" userId="d2b037bc-8fb4-4222-845c-61440543a456" providerId="ADAL" clId="{B22431BF-FF40-422E-84B9-DE35C0B96CC3}" dt="2023-12-30T00:06:31.761" v="5934" actId="47"/>
-        <pc:sldMkLst>
-          <pc:docMk/>
-          <pc:sldMk cId="806767687" sldId="295"/>
-        </pc:sldMkLst>
-        <pc:spChg chg="mod">
-          <ac:chgData name="Gibbons, Carl" userId="d2b037bc-8fb4-4222-845c-61440543a456" providerId="ADAL" clId="{B22431BF-FF40-422E-84B9-DE35C0B96CC3}" dt="2023-12-29T23:17:23.085" v="4333" actId="20577"/>
-          <ac:spMkLst>
-            <pc:docMk/>
-            <pc:sldMk cId="806767687" sldId="295"/>
-            <ac:spMk id="3" creationId="{B5924E0F-A977-1710-779D-EEB74261AF34}"/>
-          </ac:spMkLst>
-        </pc:spChg>
-      </pc:sldChg>
-      <pc:sldChg chg="del">
-        <pc:chgData name="Gibbons, Carl" userId="d2b037bc-8fb4-4222-845c-61440543a456" providerId="ADAL" clId="{B22431BF-FF40-422E-84B9-DE35C0B96CC3}" dt="2023-12-30T00:06:32.570" v="5935" actId="47"/>
-        <pc:sldMkLst>
-          <pc:docMk/>
-          <pc:sldMk cId="3145157247" sldId="296"/>
-        </pc:sldMkLst>
-      </pc:sldChg>
-      <pc:sldChg chg="del">
-        <pc:chgData name="Gibbons, Carl" userId="d2b037bc-8fb4-4222-845c-61440543a456" providerId="ADAL" clId="{B22431BF-FF40-422E-84B9-DE35C0B96CC3}" dt="2023-12-30T00:06:33.242" v="5936" actId="47"/>
-        <pc:sldMkLst>
-          <pc:docMk/>
-          <pc:sldMk cId="2424714671" sldId="297"/>
-        </pc:sldMkLst>
-      </pc:sldChg>
-      <pc:sldChg chg="del">
-        <pc:chgData name="Gibbons, Carl" userId="d2b037bc-8fb4-4222-845c-61440543a456" providerId="ADAL" clId="{B22431BF-FF40-422E-84B9-DE35C0B96CC3}" dt="2023-12-30T00:06:33.834" v="5937" actId="47"/>
-        <pc:sldMkLst>
-          <pc:docMk/>
-          <pc:sldMk cId="3450195044" sldId="298"/>
-        </pc:sldMkLst>
-      </pc:sldChg>
-      <pc:sldChg chg="del">
-        <pc:chgData name="Gibbons, Carl" userId="d2b037bc-8fb4-4222-845c-61440543a456" providerId="ADAL" clId="{B22431BF-FF40-422E-84B9-DE35C0B96CC3}" dt="2023-12-30T00:06:34.432" v="5938" actId="47"/>
-        <pc:sldMkLst>
-          <pc:docMk/>
-          <pc:sldMk cId="3633122843" sldId="299"/>
-        </pc:sldMkLst>
-      </pc:sldChg>
-      <pc:sldChg chg="modSp mod">
-        <pc:chgData name="Gibbons, Carl" userId="d2b037bc-8fb4-4222-845c-61440543a456" providerId="ADAL" clId="{B22431BF-FF40-422E-84B9-DE35C0B96CC3}" dt="2023-12-30T00:07:51.836" v="5963" actId="20577"/>
-        <pc:sldMkLst>
-          <pc:docMk/>
-          <pc:sldMk cId="845747584" sldId="300"/>
-        </pc:sldMkLst>
-        <pc:spChg chg="mod">
-          <ac:chgData name="Gibbons, Carl" userId="d2b037bc-8fb4-4222-845c-61440543a456" providerId="ADAL" clId="{B22431BF-FF40-422E-84B9-DE35C0B96CC3}" dt="2023-12-30T00:07:51.836" v="5963" actId="20577"/>
-          <ac:spMkLst>
-            <pc:docMk/>
-            <pc:sldMk cId="845747584" sldId="300"/>
-            <ac:spMk id="2" creationId="{31B75992-5098-A283-4925-2CCEBB801DC5}"/>
-          </ac:spMkLst>
-        </pc:spChg>
-        <pc:spChg chg="mod">
-          <ac:chgData name="Gibbons, Carl" userId="d2b037bc-8fb4-4222-845c-61440543a456" providerId="ADAL" clId="{B22431BF-FF40-422E-84B9-DE35C0B96CC3}" dt="2023-12-29T23:21:57.151" v="4600" actId="20577"/>
-          <ac:spMkLst>
-            <pc:docMk/>
-            <pc:sldMk cId="845747584" sldId="300"/>
-            <ac:spMk id="3" creationId="{B5924E0F-A977-1710-779D-EEB74261AF34}"/>
-          </ac:spMkLst>
-        </pc:spChg>
-      </pc:sldChg>
-      <pc:sldChg chg="modSp mod">
-        <pc:chgData name="Gibbons, Carl" userId="d2b037bc-8fb4-4222-845c-61440543a456" providerId="ADAL" clId="{B22431BF-FF40-422E-84B9-DE35C0B96CC3}" dt="2023-12-30T00:07:56.869" v="5975" actId="20577"/>
-        <pc:sldMkLst>
-          <pc:docMk/>
-          <pc:sldMk cId="3372579319" sldId="301"/>
-        </pc:sldMkLst>
-        <pc:spChg chg="mod">
-          <ac:chgData name="Gibbons, Carl" userId="d2b037bc-8fb4-4222-845c-61440543a456" providerId="ADAL" clId="{B22431BF-FF40-422E-84B9-DE35C0B96CC3}" dt="2023-12-30T00:07:56.869" v="5975" actId="20577"/>
-          <ac:spMkLst>
-            <pc:docMk/>
-            <pc:sldMk cId="3372579319" sldId="301"/>
-            <ac:spMk id="2" creationId="{31B75992-5098-A283-4925-2CCEBB801DC5}"/>
-          </ac:spMkLst>
-        </pc:spChg>
-        <pc:spChg chg="mod">
-          <ac:chgData name="Gibbons, Carl" userId="d2b037bc-8fb4-4222-845c-61440543a456" providerId="ADAL" clId="{B22431BF-FF40-422E-84B9-DE35C0B96CC3}" dt="2023-12-30T00:06:13.959" v="5932" actId="20577"/>
-          <ac:spMkLst>
-            <pc:docMk/>
-            <pc:sldMk cId="3372579319" sldId="301"/>
-            <ac:spMk id="3" creationId="{B5924E0F-A977-1710-779D-EEB74261AF34}"/>
-          </ac:spMkLst>
-        </pc:spChg>
-      </pc:sldChg>
-      <pc:sldChg chg="modSp del mod">
-        <pc:chgData name="Gibbons, Carl" userId="d2b037bc-8fb4-4222-845c-61440543a456" providerId="ADAL" clId="{B22431BF-FF40-422E-84B9-DE35C0B96CC3}" dt="2023-12-30T00:06:30.511" v="5933" actId="47"/>
-        <pc:sldMkLst>
-          <pc:docMk/>
-          <pc:sldMk cId="3488854045" sldId="302"/>
-        </pc:sldMkLst>
-        <pc:spChg chg="mod">
-          <ac:chgData name="Gibbons, Carl" userId="d2b037bc-8fb4-4222-845c-61440543a456" providerId="ADAL" clId="{B22431BF-FF40-422E-84B9-DE35C0B96CC3}" dt="2023-12-29T23:32:30.137" v="5532" actId="20577"/>
-          <ac:spMkLst>
-            <pc:docMk/>
-            <pc:sldMk cId="3488854045" sldId="302"/>
-            <ac:spMk id="2" creationId="{31B75992-5098-A283-4925-2CCEBB801DC5}"/>
-          </ac:spMkLst>
-        </pc:spChg>
-        <pc:spChg chg="mod">
-          <ac:chgData name="Gibbons, Carl" userId="d2b037bc-8fb4-4222-845c-61440543a456" providerId="ADAL" clId="{B22431BF-FF40-422E-84B9-DE35C0B96CC3}" dt="2023-12-29T23:35:41.617" v="5912" actId="20577"/>
-          <ac:spMkLst>
-            <pc:docMk/>
-            <pc:sldMk cId="3488854045" sldId="302"/>
-            <ac:spMk id="3" creationId="{B5924E0F-A977-1710-779D-EEB74261AF34}"/>
-          </ac:spMkLst>
-        </pc:spChg>
-      </pc:sldChg>
-    </pc:docChg>
-  </pc:docChgLst>
-  <pc:docChgLst>
-    <pc:chgData name="Gibbons, Carl" userId="d2b037bc-8fb4-4222-845c-61440543a456" providerId="ADAL" clId="{930742B8-5264-4285-844A-779DDFAABB41}"/>
-    <pc:docChg chg="custSel delSld modSld">
-      <pc:chgData name="Gibbons, Carl" userId="d2b037bc-8fb4-4222-845c-61440543a456" providerId="ADAL" clId="{930742B8-5264-4285-844A-779DDFAABB41}" dt="2024-02-04T07:28:09.926" v="804" actId="2711"/>
-      <pc:docMkLst>
-        <pc:docMk/>
-      </pc:docMkLst>
-      <pc:sldChg chg="modSp mod">
-        <pc:chgData name="Gibbons, Carl" userId="d2b037bc-8fb4-4222-845c-61440543a456" providerId="ADAL" clId="{930742B8-5264-4285-844A-779DDFAABB41}" dt="2024-02-04T07:19:09.277" v="12" actId="20577"/>
-        <pc:sldMkLst>
-          <pc:docMk/>
-          <pc:sldMk cId="3308175748" sldId="256"/>
-        </pc:sldMkLst>
-        <pc:spChg chg="mod">
-          <ac:chgData name="Gibbons, Carl" userId="d2b037bc-8fb4-4222-845c-61440543a456" providerId="ADAL" clId="{930742B8-5264-4285-844A-779DDFAABB41}" dt="2024-02-04T07:19:09.277" v="12" actId="20577"/>
-          <ac:spMkLst>
-            <pc:docMk/>
-            <pc:sldMk cId="3308175748" sldId="256"/>
-            <ac:spMk id="3" creationId="{EEC4D41B-E776-05F2-BE0B-89BB339485AB}"/>
-          </ac:spMkLst>
-        </pc:spChg>
-      </pc:sldChg>
-      <pc:sldChg chg="modSp mod">
-        <pc:chgData name="Gibbons, Carl" userId="d2b037bc-8fb4-4222-845c-61440543a456" providerId="ADAL" clId="{930742B8-5264-4285-844A-779DDFAABB41}" dt="2024-02-04T07:28:09.926" v="804" actId="2711"/>
-        <pc:sldMkLst>
-          <pc:docMk/>
-          <pc:sldMk cId="2312486803" sldId="261"/>
-        </pc:sldMkLst>
-        <pc:spChg chg="mod">
-          <ac:chgData name="Gibbons, Carl" userId="d2b037bc-8fb4-4222-845c-61440543a456" providerId="ADAL" clId="{930742B8-5264-4285-844A-779DDFAABB41}" dt="2024-02-04T07:19:25.889" v="43" actId="20577"/>
-          <ac:spMkLst>
-            <pc:docMk/>
-            <pc:sldMk cId="2312486803" sldId="261"/>
-            <ac:spMk id="2" creationId="{31B75992-5098-A283-4925-2CCEBB801DC5}"/>
-          </ac:spMkLst>
-        </pc:spChg>
-        <pc:spChg chg="mod">
-          <ac:chgData name="Gibbons, Carl" userId="d2b037bc-8fb4-4222-845c-61440543a456" providerId="ADAL" clId="{930742B8-5264-4285-844A-779DDFAABB41}" dt="2024-02-04T07:28:09.926" v="804" actId="2711"/>
-          <ac:spMkLst>
-            <pc:docMk/>
-            <pc:sldMk cId="2312486803" sldId="261"/>
-            <ac:spMk id="3" creationId="{B5924E0F-A977-1710-779D-EEB74261AF34}"/>
-          </ac:spMkLst>
-        </pc:spChg>
-      </pc:sldChg>
-      <pc:sldChg chg="modSp mod">
-        <pc:chgData name="Gibbons, Carl" userId="d2b037bc-8fb4-4222-845c-61440543a456" providerId="ADAL" clId="{930742B8-5264-4285-844A-779DDFAABB41}" dt="2024-02-04T07:21:38.166" v="247" actId="20577"/>
-        <pc:sldMkLst>
-          <pc:docMk/>
-          <pc:sldMk cId="3885141102" sldId="262"/>
-        </pc:sldMkLst>
-        <pc:spChg chg="mod">
-          <ac:chgData name="Gibbons, Carl" userId="d2b037bc-8fb4-4222-845c-61440543a456" providerId="ADAL" clId="{930742B8-5264-4285-844A-779DDFAABB41}" dt="2024-02-04T07:21:38.166" v="247" actId="20577"/>
-          <ac:spMkLst>
-            <pc:docMk/>
-            <pc:sldMk cId="3885141102" sldId="262"/>
-            <ac:spMk id="3" creationId="{B5924E0F-A977-1710-779D-EEB74261AF34}"/>
-          </ac:spMkLst>
-        </pc:spChg>
-      </pc:sldChg>
-      <pc:sldChg chg="del">
-        <pc:chgData name="Gibbons, Carl" userId="d2b037bc-8fb4-4222-845c-61440543a456" providerId="ADAL" clId="{930742B8-5264-4285-844A-779DDFAABB41}" dt="2024-02-04T07:21:17.454" v="192" actId="2696"/>
-        <pc:sldMkLst>
-          <pc:docMk/>
-          <pc:sldMk cId="2993794741" sldId="265"/>
-        </pc:sldMkLst>
-      </pc:sldChg>
-      <pc:sldChg chg="del">
-        <pc:chgData name="Gibbons, Carl" userId="d2b037bc-8fb4-4222-845c-61440543a456" providerId="ADAL" clId="{930742B8-5264-4285-844A-779DDFAABB41}" dt="2024-02-04T07:21:17.454" v="192" actId="2696"/>
-        <pc:sldMkLst>
-          <pc:docMk/>
-          <pc:sldMk cId="1337022352" sldId="266"/>
-        </pc:sldMkLst>
-      </pc:sldChg>
-      <pc:sldChg chg="del">
-        <pc:chgData name="Gibbons, Carl" userId="d2b037bc-8fb4-4222-845c-61440543a456" providerId="ADAL" clId="{930742B8-5264-4285-844A-779DDFAABB41}" dt="2024-02-04T07:21:17.454" v="192" actId="2696"/>
-        <pc:sldMkLst>
-          <pc:docMk/>
-          <pc:sldMk cId="3576168196" sldId="267"/>
-        </pc:sldMkLst>
-      </pc:sldChg>
-      <pc:sldChg chg="del">
-        <pc:chgData name="Gibbons, Carl" userId="d2b037bc-8fb4-4222-845c-61440543a456" providerId="ADAL" clId="{930742B8-5264-4285-844A-779DDFAABB41}" dt="2024-02-04T07:21:17.454" v="192" actId="2696"/>
-        <pc:sldMkLst>
-          <pc:docMk/>
-          <pc:sldMk cId="1066671753" sldId="268"/>
-        </pc:sldMkLst>
-      </pc:sldChg>
-      <pc:sldChg chg="del">
-        <pc:chgData name="Gibbons, Carl" userId="d2b037bc-8fb4-4222-845c-61440543a456" providerId="ADAL" clId="{930742B8-5264-4285-844A-779DDFAABB41}" dt="2024-02-04T07:21:17.454" v="192" actId="2696"/>
-        <pc:sldMkLst>
-          <pc:docMk/>
-          <pc:sldMk cId="465083765" sldId="269"/>
-        </pc:sldMkLst>
-      </pc:sldChg>
-    </pc:docChg>
-  </pc:docChgLst>
-  <pc:docChgLst>
-    <pc:chgData name="Gibbons, Carl" userId="d2b037bc-8fb4-4222-845c-61440543a456" providerId="ADAL" clId="{8B117223-2596-4D61-9C62-CC9BD4B9A421}"/>
-    <pc:docChg chg="custSel addSld delSld modSld">
-      <pc:chgData name="Gibbons, Carl" userId="d2b037bc-8fb4-4222-845c-61440543a456" providerId="ADAL" clId="{8B117223-2596-4D61-9C62-CC9BD4B9A421}" dt="2024-01-24T22:00:55.310" v="2286" actId="20577"/>
-      <pc:docMkLst>
-        <pc:docMk/>
-      </pc:docMkLst>
-      <pc:sldChg chg="modSp mod">
-        <pc:chgData name="Gibbons, Carl" userId="d2b037bc-8fb4-4222-845c-61440543a456" providerId="ADAL" clId="{8B117223-2596-4D61-9C62-CC9BD4B9A421}" dt="2024-01-16T00:57:55.449" v="2005" actId="20577"/>
-        <pc:sldMkLst>
-          <pc:docMk/>
-          <pc:sldMk cId="3308175748" sldId="256"/>
-        </pc:sldMkLst>
-        <pc:spChg chg="mod">
-          <ac:chgData name="Gibbons, Carl" userId="d2b037bc-8fb4-4222-845c-61440543a456" providerId="ADAL" clId="{8B117223-2596-4D61-9C62-CC9BD4B9A421}" dt="2024-01-16T00:57:55.449" v="2005" actId="20577"/>
-          <ac:spMkLst>
-            <pc:docMk/>
-            <pc:sldMk cId="3308175748" sldId="256"/>
-            <ac:spMk id="3" creationId="{EEC4D41B-E776-05F2-BE0B-89BB339485AB}"/>
-          </ac:spMkLst>
-        </pc:spChg>
-      </pc:sldChg>
-      <pc:sldChg chg="modSp mod">
-        <pc:chgData name="Gibbons, Carl" userId="d2b037bc-8fb4-4222-845c-61440543a456" providerId="ADAL" clId="{8B117223-2596-4D61-9C62-CC9BD4B9A421}" dt="2024-01-24T22:00:55.310" v="2286" actId="20577"/>
-        <pc:sldMkLst>
-          <pc:docMk/>
-          <pc:sldMk cId="2312486803" sldId="261"/>
-        </pc:sldMkLst>
-        <pc:spChg chg="mod">
-          <ac:chgData name="Gibbons, Carl" userId="d2b037bc-8fb4-4222-845c-61440543a456" providerId="ADAL" clId="{8B117223-2596-4D61-9C62-CC9BD4B9A421}" dt="2024-01-16T00:15:29.289" v="286" actId="20577"/>
-          <ac:spMkLst>
-            <pc:docMk/>
-            <pc:sldMk cId="2312486803" sldId="261"/>
-            <ac:spMk id="2" creationId="{31B75992-5098-A283-4925-2CCEBB801DC5}"/>
-          </ac:spMkLst>
-        </pc:spChg>
-        <pc:spChg chg="mod">
-          <ac:chgData name="Gibbons, Carl" userId="d2b037bc-8fb4-4222-845c-61440543a456" providerId="ADAL" clId="{8B117223-2596-4D61-9C62-CC9BD4B9A421}" dt="2024-01-24T22:00:55.310" v="2286" actId="20577"/>
-          <ac:spMkLst>
-            <pc:docMk/>
-            <pc:sldMk cId="2312486803" sldId="261"/>
-            <ac:spMk id="3" creationId="{B5924E0F-A977-1710-779D-EEB74261AF34}"/>
-          </ac:spMkLst>
-        </pc:spChg>
-      </pc:sldChg>
-      <pc:sldChg chg="modSp add mod">
-        <pc:chgData name="Gibbons, Carl" userId="d2b037bc-8fb4-4222-845c-61440543a456" providerId="ADAL" clId="{8B117223-2596-4D61-9C62-CC9BD4B9A421}" dt="2024-01-16T01:00:51.762" v="2281" actId="313"/>
-        <pc:sldMkLst>
-          <pc:docMk/>
-          <pc:sldMk cId="3885141102" sldId="262"/>
-        </pc:sldMkLst>
-        <pc:spChg chg="mod">
-          <ac:chgData name="Gibbons, Carl" userId="d2b037bc-8fb4-4222-845c-61440543a456" providerId="ADAL" clId="{8B117223-2596-4D61-9C62-CC9BD4B9A421}" dt="2024-01-16T00:42:42.463" v="1503" actId="20577"/>
-          <ac:spMkLst>
-            <pc:docMk/>
-            <pc:sldMk cId="3885141102" sldId="262"/>
-            <ac:spMk id="2" creationId="{31B75992-5098-A283-4925-2CCEBB801DC5}"/>
-          </ac:spMkLst>
-        </pc:spChg>
-        <pc:spChg chg="mod">
-          <ac:chgData name="Gibbons, Carl" userId="d2b037bc-8fb4-4222-845c-61440543a456" providerId="ADAL" clId="{8B117223-2596-4D61-9C62-CC9BD4B9A421}" dt="2024-01-16T01:00:51.762" v="2281" actId="313"/>
-          <ac:spMkLst>
-            <pc:docMk/>
-            <pc:sldMk cId="3885141102" sldId="262"/>
-            <ac:spMk id="3" creationId="{B5924E0F-A977-1710-779D-EEB74261AF34}"/>
-          </ac:spMkLst>
-        </pc:spChg>
-      </pc:sldChg>
-      <pc:sldChg chg="add">
-        <pc:chgData name="Gibbons, Carl" userId="d2b037bc-8fb4-4222-845c-61440543a456" providerId="ADAL" clId="{8B117223-2596-4D61-9C62-CC9BD4B9A421}" dt="2024-01-16T00:58:20.162" v="2006"/>
-        <pc:sldMkLst>
-          <pc:docMk/>
-          <pc:sldMk cId="1719402288" sldId="263"/>
-        </pc:sldMkLst>
-      </pc:sldChg>
-      <pc:sldChg chg="del">
-        <pc:chgData name="Gibbons, Carl" userId="d2b037bc-8fb4-4222-845c-61440543a456" providerId="ADAL" clId="{8B117223-2596-4D61-9C62-CC9BD4B9A421}" dt="2024-01-16T00:11:26.015" v="227" actId="47"/>
-        <pc:sldMkLst>
-          <pc:docMk/>
-          <pc:sldMk cId="3989541258" sldId="278"/>
-        </pc:sldMkLst>
-      </pc:sldChg>
-      <pc:sldChg chg="del">
-        <pc:chgData name="Gibbons, Carl" userId="d2b037bc-8fb4-4222-845c-61440543a456" providerId="ADAL" clId="{8B117223-2596-4D61-9C62-CC9BD4B9A421}" dt="2024-01-16T00:11:26.575" v="228" actId="47"/>
-        <pc:sldMkLst>
-          <pc:docMk/>
-          <pc:sldMk cId="1861646120" sldId="293"/>
-        </pc:sldMkLst>
-      </pc:sldChg>
-      <pc:sldChg chg="del">
-        <pc:chgData name="Gibbons, Carl" userId="d2b037bc-8fb4-4222-845c-61440543a456" providerId="ADAL" clId="{8B117223-2596-4D61-9C62-CC9BD4B9A421}" dt="2024-01-16T00:11:27.206" v="229" actId="47"/>
-        <pc:sldMkLst>
-          <pc:docMk/>
-          <pc:sldMk cId="2232562783" sldId="294"/>
-        </pc:sldMkLst>
-      </pc:sldChg>
-      <pc:sldChg chg="del">
-        <pc:chgData name="Gibbons, Carl" userId="d2b037bc-8fb4-4222-845c-61440543a456" providerId="ADAL" clId="{8B117223-2596-4D61-9C62-CC9BD4B9A421}" dt="2024-01-16T00:11:27.766" v="230" actId="47"/>
-        <pc:sldMkLst>
-          <pc:docMk/>
-          <pc:sldMk cId="845747584" sldId="300"/>
-        </pc:sldMkLst>
-      </pc:sldChg>
-      <pc:sldChg chg="del">
-        <pc:chgData name="Gibbons, Carl" userId="d2b037bc-8fb4-4222-845c-61440543a456" providerId="ADAL" clId="{8B117223-2596-4D61-9C62-CC9BD4B9A421}" dt="2024-01-16T00:11:30.314" v="231" actId="47"/>
-        <pc:sldMkLst>
-          <pc:docMk/>
-          <pc:sldMk cId="3372579319" sldId="301"/>
-        </pc:sldMkLst>
-      </pc:sldChg>
-    </pc:docChg>
-  </pc:docChgLst>
-  <pc:docChgLst>
-    <pc:chgData name="Gibbons, Carl" userId="d2b037bc-8fb4-4222-845c-61440543a456" providerId="ADAL" clId="{CE68D2EA-6C33-4320-B171-B4C637EE57D5}"/>
-    <pc:docChg chg="undo custSel delSld modSld">
-      <pc:chgData name="Gibbons, Carl" userId="d2b037bc-8fb4-4222-845c-61440543a456" providerId="ADAL" clId="{CE68D2EA-6C33-4320-B171-B4C637EE57D5}" dt="2024-02-04T05:12:30.446" v="2225" actId="5793"/>
-      <pc:docMkLst>
-        <pc:docMk/>
-      </pc:docMkLst>
-      <pc:sldChg chg="modSp mod">
-        <pc:chgData name="Gibbons, Carl" userId="d2b037bc-8fb4-4222-845c-61440543a456" providerId="ADAL" clId="{CE68D2EA-6C33-4320-B171-B4C637EE57D5}" dt="2024-02-04T04:34:37.470" v="1" actId="20577"/>
-        <pc:sldMkLst>
-          <pc:docMk/>
-          <pc:sldMk cId="3308175748" sldId="256"/>
-        </pc:sldMkLst>
-        <pc:spChg chg="mod">
-          <ac:chgData name="Gibbons, Carl" userId="d2b037bc-8fb4-4222-845c-61440543a456" providerId="ADAL" clId="{CE68D2EA-6C33-4320-B171-B4C637EE57D5}" dt="2024-02-04T04:34:37.470" v="1" actId="20577"/>
-          <ac:spMkLst>
-            <pc:docMk/>
-            <pc:sldMk cId="3308175748" sldId="256"/>
-            <ac:spMk id="3" creationId="{EEC4D41B-E776-05F2-BE0B-89BB339485AB}"/>
-          </ac:spMkLst>
-        </pc:spChg>
-      </pc:sldChg>
-      <pc:sldChg chg="modSp mod">
-        <pc:chgData name="Gibbons, Carl" userId="d2b037bc-8fb4-4222-845c-61440543a456" providerId="ADAL" clId="{CE68D2EA-6C33-4320-B171-B4C637EE57D5}" dt="2024-02-04T04:45:39.551" v="829" actId="20577"/>
-        <pc:sldMkLst>
-          <pc:docMk/>
-          <pc:sldMk cId="2312486803" sldId="261"/>
-        </pc:sldMkLst>
-        <pc:spChg chg="mod">
-          <ac:chgData name="Gibbons, Carl" userId="d2b037bc-8fb4-4222-845c-61440543a456" providerId="ADAL" clId="{CE68D2EA-6C33-4320-B171-B4C637EE57D5}" dt="2024-02-04T04:35:06.801" v="27" actId="20577"/>
-          <ac:spMkLst>
-            <pc:docMk/>
-            <pc:sldMk cId="2312486803" sldId="261"/>
-            <ac:spMk id="2" creationId="{31B75992-5098-A283-4925-2CCEBB801DC5}"/>
-          </ac:spMkLst>
-        </pc:spChg>
-        <pc:spChg chg="mod">
-          <ac:chgData name="Gibbons, Carl" userId="d2b037bc-8fb4-4222-845c-61440543a456" providerId="ADAL" clId="{CE68D2EA-6C33-4320-B171-B4C637EE57D5}" dt="2024-02-04T04:45:39.551" v="829" actId="20577"/>
-          <ac:spMkLst>
-            <pc:docMk/>
-            <pc:sldMk cId="2312486803" sldId="261"/>
-            <ac:spMk id="3" creationId="{B5924E0F-A977-1710-779D-EEB74261AF34}"/>
-          </ac:spMkLst>
-        </pc:spChg>
-      </pc:sldChg>
-      <pc:sldChg chg="modSp mod">
-        <pc:chgData name="Gibbons, Carl" userId="d2b037bc-8fb4-4222-845c-61440543a456" providerId="ADAL" clId="{CE68D2EA-6C33-4320-B171-B4C637EE57D5}" dt="2024-02-04T05:12:30.446" v="2225" actId="5793"/>
-        <pc:sldMkLst>
-          <pc:docMk/>
-          <pc:sldMk cId="3885141102" sldId="262"/>
-        </pc:sldMkLst>
-        <pc:spChg chg="mod">
-          <ac:chgData name="Gibbons, Carl" userId="d2b037bc-8fb4-4222-845c-61440543a456" providerId="ADAL" clId="{CE68D2EA-6C33-4320-B171-B4C637EE57D5}" dt="2024-02-04T05:12:30.446" v="2225" actId="5793"/>
-          <ac:spMkLst>
-            <pc:docMk/>
-            <pc:sldMk cId="3885141102" sldId="262"/>
-            <ac:spMk id="3" creationId="{B5924E0F-A977-1710-779D-EEB74261AF34}"/>
-          </ac:spMkLst>
-        </pc:spChg>
-      </pc:sldChg>
-      <pc:sldChg chg="del">
-        <pc:chgData name="Gibbons, Carl" userId="d2b037bc-8fb4-4222-845c-61440543a456" providerId="ADAL" clId="{CE68D2EA-6C33-4320-B171-B4C637EE57D5}" dt="2024-02-04T05:02:32.591" v="1790" actId="2696"/>
-        <pc:sldMkLst>
-          <pc:docMk/>
-          <pc:sldMk cId="1719402288" sldId="263"/>
-        </pc:sldMkLst>
-      </pc:sldChg>
-      <pc:sldChg chg="modSp mod">
-        <pc:chgData name="Gibbons, Carl" userId="d2b037bc-8fb4-4222-845c-61440543a456" providerId="ADAL" clId="{CE68D2EA-6C33-4320-B171-B4C637EE57D5}" dt="2024-02-04T05:01:45.101" v="1789" actId="2711"/>
-        <pc:sldMkLst>
-          <pc:docMk/>
-          <pc:sldMk cId="2993794741" sldId="265"/>
-        </pc:sldMkLst>
-        <pc:spChg chg="mod">
-          <ac:chgData name="Gibbons, Carl" userId="d2b037bc-8fb4-4222-845c-61440543a456" providerId="ADAL" clId="{CE68D2EA-6C33-4320-B171-B4C637EE57D5}" dt="2024-02-04T04:46:22.730" v="881" actId="20577"/>
-          <ac:spMkLst>
-            <pc:docMk/>
-            <pc:sldMk cId="2993794741" sldId="265"/>
-            <ac:spMk id="2" creationId="{31B75992-5098-A283-4925-2CCEBB801DC5}"/>
-          </ac:spMkLst>
-        </pc:spChg>
-        <pc:spChg chg="mod">
-          <ac:chgData name="Gibbons, Carl" userId="d2b037bc-8fb4-4222-845c-61440543a456" providerId="ADAL" clId="{CE68D2EA-6C33-4320-B171-B4C637EE57D5}" dt="2024-02-04T05:01:45.101" v="1789" actId="2711"/>
-          <ac:spMkLst>
-            <pc:docMk/>
-            <pc:sldMk cId="2993794741" sldId="265"/>
-            <ac:spMk id="3" creationId="{B5924E0F-A977-1710-779D-EEB74261AF34}"/>
-          </ac:spMkLst>
-        </pc:spChg>
-      </pc:sldChg>
-    </pc:docChg>
-  </pc:docChgLst>
-  <pc:docChgLst>
-    <pc:chgData name="Gibbons, Carl" userId="d2b037bc-8fb4-4222-845c-61440543a456" providerId="ADAL" clId="{8C497311-FA0D-4174-880A-DAA4EEB2BF3B}"/>
-    <pc:docChg chg="custSel delSld modSld">
-      <pc:chgData name="Gibbons, Carl" userId="d2b037bc-8fb4-4222-845c-61440543a456" providerId="ADAL" clId="{8C497311-FA0D-4174-880A-DAA4EEB2BF3B}" dt="2023-12-29T17:07:57.293" v="7187" actId="20577"/>
-      <pc:docMkLst>
-        <pc:docMk/>
-      </pc:docMkLst>
-      <pc:sldChg chg="modSp mod">
-        <pc:chgData name="Gibbons, Carl" userId="d2b037bc-8fb4-4222-845c-61440543a456" providerId="ADAL" clId="{8C497311-FA0D-4174-880A-DAA4EEB2BF3B}" dt="2023-12-29T17:06:57.427" v="7098" actId="20577"/>
-        <pc:sldMkLst>
-          <pc:docMk/>
-          <pc:sldMk cId="3308175748" sldId="256"/>
-        </pc:sldMkLst>
-        <pc:spChg chg="mod">
-          <ac:chgData name="Gibbons, Carl" userId="d2b037bc-8fb4-4222-845c-61440543a456" providerId="ADAL" clId="{8C497311-FA0D-4174-880A-DAA4EEB2BF3B}" dt="2023-12-29T17:06:57.427" v="7098" actId="20577"/>
-          <ac:spMkLst>
-            <pc:docMk/>
-            <pc:sldMk cId="3308175748" sldId="256"/>
-            <ac:spMk id="3" creationId="{EEC4D41B-E776-05F2-BE0B-89BB339485AB}"/>
-          </ac:spMkLst>
-        </pc:spChg>
-      </pc:sldChg>
-      <pc:sldChg chg="modSp mod">
-        <pc:chgData name="Gibbons, Carl" userId="d2b037bc-8fb4-4222-845c-61440543a456" providerId="ADAL" clId="{8C497311-FA0D-4174-880A-DAA4EEB2BF3B}" dt="2023-12-29T15:08:44.674" v="3403" actId="20577"/>
-        <pc:sldMkLst>
-          <pc:docMk/>
-          <pc:sldMk cId="2312486803" sldId="261"/>
-        </pc:sldMkLst>
-        <pc:spChg chg="mod">
-          <ac:chgData name="Gibbons, Carl" userId="d2b037bc-8fb4-4222-845c-61440543a456" providerId="ADAL" clId="{8C497311-FA0D-4174-880A-DAA4EEB2BF3B}" dt="2023-12-29T14:20:41.496" v="51" actId="20577"/>
-          <ac:spMkLst>
-            <pc:docMk/>
-            <pc:sldMk cId="2312486803" sldId="261"/>
-            <ac:spMk id="2" creationId="{31B75992-5098-A283-4925-2CCEBB801DC5}"/>
-          </ac:spMkLst>
-        </pc:spChg>
-        <pc:spChg chg="mod">
-          <ac:chgData name="Gibbons, Carl" userId="d2b037bc-8fb4-4222-845c-61440543a456" providerId="ADAL" clId="{8C497311-FA0D-4174-880A-DAA4EEB2BF3B}" dt="2023-12-29T15:08:44.674" v="3403" actId="20577"/>
-          <ac:spMkLst>
-            <pc:docMk/>
-            <pc:sldMk cId="2312486803" sldId="261"/>
-            <ac:spMk id="3" creationId="{B5924E0F-A977-1710-779D-EEB74261AF34}"/>
-          </ac:spMkLst>
-        </pc:spChg>
-      </pc:sldChg>
-      <pc:sldChg chg="delSp modSp mod">
-        <pc:chgData name="Gibbons, Carl" userId="d2b037bc-8fb4-4222-845c-61440543a456" providerId="ADAL" clId="{8C497311-FA0D-4174-880A-DAA4EEB2BF3B}" dt="2023-12-29T17:07:57.293" v="7187" actId="20577"/>
-        <pc:sldMkLst>
-          <pc:docMk/>
-          <pc:sldMk cId="657795359" sldId="277"/>
-        </pc:sldMkLst>
-        <pc:spChg chg="mod">
-          <ac:chgData name="Gibbons, Carl" userId="d2b037bc-8fb4-4222-845c-61440543a456" providerId="ADAL" clId="{8C497311-FA0D-4174-880A-DAA4EEB2BF3B}" dt="2023-12-29T17:07:57.293" v="7187" actId="20577"/>
-          <ac:spMkLst>
-            <pc:docMk/>
-            <pc:sldMk cId="657795359" sldId="277"/>
-            <ac:spMk id="2" creationId="{1862E903-3C56-BB42-2361-009F2336475A}"/>
-          </ac:spMkLst>
-        </pc:spChg>
-        <pc:spChg chg="del mod">
-          <ac:chgData name="Gibbons, Carl" userId="d2b037bc-8fb4-4222-845c-61440543a456" providerId="ADAL" clId="{8C497311-FA0D-4174-880A-DAA4EEB2BF3B}" dt="2023-12-29T17:07:50.480" v="7185"/>
-          <ac:spMkLst>
-            <pc:docMk/>
-            <pc:sldMk cId="657795359" sldId="277"/>
-            <ac:spMk id="3" creationId="{90179172-96B3-95D0-A137-257770BE7642}"/>
-          </ac:spMkLst>
-        </pc:spChg>
-      </pc:sldChg>
-      <pc:sldChg chg="modSp mod">
-        <pc:chgData name="Gibbons, Carl" userId="d2b037bc-8fb4-4222-845c-61440543a456" providerId="ADAL" clId="{8C497311-FA0D-4174-880A-DAA4EEB2BF3B}" dt="2023-12-29T15:35:37.192" v="6042" actId="5793"/>
-        <pc:sldMkLst>
-          <pc:docMk/>
-          <pc:sldMk cId="3989541258" sldId="278"/>
-        </pc:sldMkLst>
-        <pc:spChg chg="mod">
-          <ac:chgData name="Gibbons, Carl" userId="d2b037bc-8fb4-4222-845c-61440543a456" providerId="ADAL" clId="{8C497311-FA0D-4174-880A-DAA4EEB2BF3B}" dt="2023-12-29T15:09:22.213" v="3411" actId="20577"/>
-          <ac:spMkLst>
-            <pc:docMk/>
-            <pc:sldMk cId="3989541258" sldId="278"/>
-            <ac:spMk id="2" creationId="{31B75992-5098-A283-4925-2CCEBB801DC5}"/>
-          </ac:spMkLst>
-        </pc:spChg>
-        <pc:spChg chg="mod">
-          <ac:chgData name="Gibbons, Carl" userId="d2b037bc-8fb4-4222-845c-61440543a456" providerId="ADAL" clId="{8C497311-FA0D-4174-880A-DAA4EEB2BF3B}" dt="2023-12-29T15:35:37.192" v="6042" actId="5793"/>
-          <ac:spMkLst>
-            <pc:docMk/>
-            <pc:sldMk cId="3989541258" sldId="278"/>
-            <ac:spMk id="3" creationId="{B5924E0F-A977-1710-779D-EEB74261AF34}"/>
-          </ac:spMkLst>
-        </pc:spChg>
-      </pc:sldChg>
-      <pc:sldChg chg="del">
-        <pc:chgData name="Gibbons, Carl" userId="d2b037bc-8fb4-4222-845c-61440543a456" providerId="ADAL" clId="{8C497311-FA0D-4174-880A-DAA4EEB2BF3B}" dt="2023-12-29T17:07:06.467" v="7099" actId="47"/>
-        <pc:sldMkLst>
-          <pc:docMk/>
-          <pc:sldMk cId="2335633195" sldId="279"/>
-        </pc:sldMkLst>
-      </pc:sldChg>
-      <pc:sldChg chg="del">
-        <pc:chgData name="Gibbons, Carl" userId="d2b037bc-8fb4-4222-845c-61440543a456" providerId="ADAL" clId="{8C497311-FA0D-4174-880A-DAA4EEB2BF3B}" dt="2023-12-29T17:07:07.395" v="7100" actId="47"/>
-        <pc:sldMkLst>
-          <pc:docMk/>
-          <pc:sldMk cId="1284534978" sldId="280"/>
-        </pc:sldMkLst>
-      </pc:sldChg>
-      <pc:sldChg chg="del">
-        <pc:chgData name="Gibbons, Carl" userId="d2b037bc-8fb4-4222-845c-61440543a456" providerId="ADAL" clId="{8C497311-FA0D-4174-880A-DAA4EEB2BF3B}" dt="2023-12-29T17:07:07.895" v="7101" actId="47"/>
-        <pc:sldMkLst>
-          <pc:docMk/>
-          <pc:sldMk cId="1802585387" sldId="281"/>
-        </pc:sldMkLst>
-      </pc:sldChg>
-      <pc:sldChg chg="del">
-        <pc:chgData name="Gibbons, Carl" userId="d2b037bc-8fb4-4222-845c-61440543a456" providerId="ADAL" clId="{8C497311-FA0D-4174-880A-DAA4EEB2BF3B}" dt="2023-12-29T17:07:08.365" v="7102" actId="47"/>
-        <pc:sldMkLst>
-          <pc:docMk/>
-          <pc:sldMk cId="724803187" sldId="282"/>
-        </pc:sldMkLst>
-      </pc:sldChg>
-      <pc:sldChg chg="del">
-        <pc:chgData name="Gibbons, Carl" userId="d2b037bc-8fb4-4222-845c-61440543a456" providerId="ADAL" clId="{8C497311-FA0D-4174-880A-DAA4EEB2BF3B}" dt="2023-12-29T17:07:08.842" v="7103" actId="47"/>
-        <pc:sldMkLst>
-          <pc:docMk/>
-          <pc:sldMk cId="1926009205" sldId="283"/>
-        </pc:sldMkLst>
-      </pc:sldChg>
-      <pc:sldChg chg="del">
-        <pc:chgData name="Gibbons, Carl" userId="d2b037bc-8fb4-4222-845c-61440543a456" providerId="ADAL" clId="{8C497311-FA0D-4174-880A-DAA4EEB2BF3B}" dt="2023-12-29T17:07:09.362" v="7104" actId="47"/>
-        <pc:sldMkLst>
-          <pc:docMk/>
-          <pc:sldMk cId="2366216895" sldId="284"/>
-        </pc:sldMkLst>
-      </pc:sldChg>
-      <pc:sldChg chg="del">
-        <pc:chgData name="Gibbons, Carl" userId="d2b037bc-8fb4-4222-845c-61440543a456" providerId="ADAL" clId="{8C497311-FA0D-4174-880A-DAA4EEB2BF3B}" dt="2023-12-29T17:07:09.925" v="7105" actId="47"/>
-        <pc:sldMkLst>
-          <pc:docMk/>
-          <pc:sldMk cId="3371896289" sldId="285"/>
-        </pc:sldMkLst>
-      </pc:sldChg>
-      <pc:sldChg chg="del">
-        <pc:chgData name="Gibbons, Carl" userId="d2b037bc-8fb4-4222-845c-61440543a456" providerId="ADAL" clId="{8C497311-FA0D-4174-880A-DAA4EEB2BF3B}" dt="2023-12-29T17:07:10.474" v="7106" actId="47"/>
-        <pc:sldMkLst>
-          <pc:docMk/>
-          <pc:sldMk cId="3193160409" sldId="286"/>
-        </pc:sldMkLst>
-      </pc:sldChg>
-      <pc:sldChg chg="del">
-        <pc:chgData name="Gibbons, Carl" userId="d2b037bc-8fb4-4222-845c-61440543a456" providerId="ADAL" clId="{8C497311-FA0D-4174-880A-DAA4EEB2BF3B}" dt="2023-12-29T17:07:11.056" v="7107" actId="47"/>
-        <pc:sldMkLst>
-          <pc:docMk/>
-          <pc:sldMk cId="2688338374" sldId="287"/>
-        </pc:sldMkLst>
-      </pc:sldChg>
-      <pc:sldChg chg="del">
-        <pc:chgData name="Gibbons, Carl" userId="d2b037bc-8fb4-4222-845c-61440543a456" providerId="ADAL" clId="{8C497311-FA0D-4174-880A-DAA4EEB2BF3B}" dt="2023-12-29T17:07:11.624" v="7108" actId="47"/>
-        <pc:sldMkLst>
-          <pc:docMk/>
-          <pc:sldMk cId="2142935017" sldId="288"/>
-        </pc:sldMkLst>
-      </pc:sldChg>
-      <pc:sldChg chg="del">
-        <pc:chgData name="Gibbons, Carl" userId="d2b037bc-8fb4-4222-845c-61440543a456" providerId="ADAL" clId="{8C497311-FA0D-4174-880A-DAA4EEB2BF3B}" dt="2023-12-29T17:07:12.218" v="7109" actId="47"/>
-        <pc:sldMkLst>
-          <pc:docMk/>
-          <pc:sldMk cId="2784625941" sldId="289"/>
-        </pc:sldMkLst>
-      </pc:sldChg>
-      <pc:sldChg chg="del">
-        <pc:chgData name="Gibbons, Carl" userId="d2b037bc-8fb4-4222-845c-61440543a456" providerId="ADAL" clId="{8C497311-FA0D-4174-880A-DAA4EEB2BF3B}" dt="2023-12-29T17:07:12.802" v="7110" actId="47"/>
-        <pc:sldMkLst>
-          <pc:docMk/>
-          <pc:sldMk cId="1677974689" sldId="290"/>
-        </pc:sldMkLst>
-      </pc:sldChg>
-      <pc:sldChg chg="del">
-        <pc:chgData name="Gibbons, Carl" userId="d2b037bc-8fb4-4222-845c-61440543a456" providerId="ADAL" clId="{8C497311-FA0D-4174-880A-DAA4EEB2BF3B}" dt="2023-12-29T17:07:13.420" v="7111" actId="47"/>
-        <pc:sldMkLst>
-          <pc:docMk/>
-          <pc:sldMk cId="4219326696" sldId="291"/>
-        </pc:sldMkLst>
-      </pc:sldChg>
-      <pc:sldChg chg="del">
-        <pc:chgData name="Gibbons, Carl" userId="d2b037bc-8fb4-4222-845c-61440543a456" providerId="ADAL" clId="{8C497311-FA0D-4174-880A-DAA4EEB2BF3B}" dt="2023-12-29T17:07:14.054" v="7112" actId="47"/>
-        <pc:sldMkLst>
-          <pc:docMk/>
-          <pc:sldMk cId="33911121" sldId="292"/>
-        </pc:sldMkLst>
-      </pc:sldChg>
-      <pc:sldChg chg="modSp mod">
-        <pc:chgData name="Gibbons, Carl" userId="d2b037bc-8fb4-4222-845c-61440543a456" providerId="ADAL" clId="{8C497311-FA0D-4174-880A-DAA4EEB2BF3B}" dt="2023-12-29T15:43:57.081" v="7062" actId="20577"/>
-        <pc:sldMkLst>
-          <pc:docMk/>
-          <pc:sldMk cId="1861646120" sldId="293"/>
-        </pc:sldMkLst>
-        <pc:spChg chg="mod">
-          <ac:chgData name="Gibbons, Carl" userId="d2b037bc-8fb4-4222-845c-61440543a456" providerId="ADAL" clId="{8C497311-FA0D-4174-880A-DAA4EEB2BF3B}" dt="2023-12-29T15:36:21.703" v="6112" actId="20577"/>
-          <ac:spMkLst>
-            <pc:docMk/>
-            <pc:sldMk cId="1861646120" sldId="293"/>
-            <ac:spMk id="2" creationId="{31B75992-5098-A283-4925-2CCEBB801DC5}"/>
-          </ac:spMkLst>
-        </pc:spChg>
-        <pc:spChg chg="mod">
-          <ac:chgData name="Gibbons, Carl" userId="d2b037bc-8fb4-4222-845c-61440543a456" providerId="ADAL" clId="{8C497311-FA0D-4174-880A-DAA4EEB2BF3B}" dt="2023-12-29T15:43:57.081" v="7062" actId="20577"/>
-          <ac:spMkLst>
-            <pc:docMk/>
-            <pc:sldMk cId="1861646120" sldId="293"/>
-            <ac:spMk id="3" creationId="{B5924E0F-A977-1710-779D-EEB74261AF34}"/>
-          </ac:spMkLst>
-        </pc:spChg>
-      </pc:sldChg>
-    </pc:docChg>
-  </pc:docChgLst>
-  <pc:docChgLst>
-    <pc:chgData name="Gibbons, Carl" userId="d2b037bc-8fb4-4222-845c-61440543a456" providerId="ADAL" clId="{4505F98C-4CC4-4983-9729-597D2A150C85}"/>
-    <pc:docChg chg="undo custSel addSld delSld modSld">
-      <pc:chgData name="Gibbons, Carl" userId="d2b037bc-8fb4-4222-845c-61440543a456" providerId="ADAL" clId="{4505F98C-4CC4-4983-9729-597D2A150C85}" dt="2023-12-29T02:21:47.448" v="17685" actId="20577"/>
-      <pc:docMkLst>
-        <pc:docMk/>
-      </pc:docMkLst>
-      <pc:sldChg chg="modSp mod">
-        <pc:chgData name="Gibbons, Carl" userId="d2b037bc-8fb4-4222-845c-61440543a456" providerId="ADAL" clId="{4505F98C-4CC4-4983-9729-597D2A150C85}" dt="2023-12-28T22:02:31.848" v="28" actId="20577"/>
-        <pc:sldMkLst>
-          <pc:docMk/>
-          <pc:sldMk cId="3308175748" sldId="256"/>
-        </pc:sldMkLst>
-        <pc:spChg chg="mod">
-          <ac:chgData name="Gibbons, Carl" userId="d2b037bc-8fb4-4222-845c-61440543a456" providerId="ADAL" clId="{4505F98C-4CC4-4983-9729-597D2A150C85}" dt="2023-12-28T22:02:31.848" v="28" actId="20577"/>
-          <ac:spMkLst>
-            <pc:docMk/>
-            <pc:sldMk cId="3308175748" sldId="256"/>
-            <ac:spMk id="3" creationId="{EEC4D41B-E776-05F2-BE0B-89BB339485AB}"/>
-          </ac:spMkLst>
-        </pc:spChg>
-      </pc:sldChg>
-      <pc:sldChg chg="modSp mod">
-        <pc:chgData name="Gibbons, Carl" userId="d2b037bc-8fb4-4222-845c-61440543a456" providerId="ADAL" clId="{4505F98C-4CC4-4983-9729-597D2A150C85}" dt="2023-12-28T22:45:53.299" v="4302" actId="20577"/>
-        <pc:sldMkLst>
-          <pc:docMk/>
-          <pc:sldMk cId="2312486803" sldId="261"/>
-        </pc:sldMkLst>
-        <pc:spChg chg="mod">
-          <ac:chgData name="Gibbons, Carl" userId="d2b037bc-8fb4-4222-845c-61440543a456" providerId="ADAL" clId="{4505F98C-4CC4-4983-9729-597D2A150C85}" dt="2023-12-28T22:02:40.492" v="50" actId="20577"/>
-          <ac:spMkLst>
-            <pc:docMk/>
-            <pc:sldMk cId="2312486803" sldId="261"/>
-            <ac:spMk id="2" creationId="{31B75992-5098-A283-4925-2CCEBB801DC5}"/>
-          </ac:spMkLst>
-        </pc:spChg>
-        <pc:spChg chg="mod">
-          <ac:chgData name="Gibbons, Carl" userId="d2b037bc-8fb4-4222-845c-61440543a456" providerId="ADAL" clId="{4505F98C-4CC4-4983-9729-597D2A150C85}" dt="2023-12-28T22:45:53.299" v="4302" actId="20577"/>
-          <ac:spMkLst>
-            <pc:docMk/>
-            <pc:sldMk cId="2312486803" sldId="261"/>
-            <ac:spMk id="3" creationId="{B5924E0F-A977-1710-779D-EEB74261AF34}"/>
-          </ac:spMkLst>
-        </pc:spChg>
-      </pc:sldChg>
-      <pc:sldChg chg="modSp mod">
-        <pc:chgData name="Gibbons, Carl" userId="d2b037bc-8fb4-4222-845c-61440543a456" providerId="ADAL" clId="{4505F98C-4CC4-4983-9729-597D2A150C85}" dt="2023-12-29T02:18:39.170" v="17623" actId="20577"/>
-        <pc:sldMkLst>
-          <pc:docMk/>
-          <pc:sldMk cId="657795359" sldId="277"/>
-        </pc:sldMkLst>
-        <pc:spChg chg="mod">
-          <ac:chgData name="Gibbons, Carl" userId="d2b037bc-8fb4-4222-845c-61440543a456" providerId="ADAL" clId="{4505F98C-4CC4-4983-9729-597D2A150C85}" dt="2023-12-29T02:18:39.170" v="17623" actId="20577"/>
-          <ac:spMkLst>
-            <pc:docMk/>
-            <pc:sldMk cId="657795359" sldId="277"/>
-            <ac:spMk id="3" creationId="{90179172-96B3-95D0-A137-257770BE7642}"/>
-          </ac:spMkLst>
-        </pc:spChg>
-      </pc:sldChg>
-      <pc:sldChg chg="modSp mod">
-        <pc:chgData name="Gibbons, Carl" userId="d2b037bc-8fb4-4222-845c-61440543a456" providerId="ADAL" clId="{4505F98C-4CC4-4983-9729-597D2A150C85}" dt="2023-12-29T02:21:47.448" v="17685" actId="20577"/>
-        <pc:sldMkLst>
-          <pc:docMk/>
-          <pc:sldMk cId="3989541258" sldId="278"/>
-        </pc:sldMkLst>
-        <pc:spChg chg="mod">
-          <ac:chgData name="Gibbons, Carl" userId="d2b037bc-8fb4-4222-845c-61440543a456" providerId="ADAL" clId="{4505F98C-4CC4-4983-9729-597D2A150C85}" dt="2023-12-28T22:23:56.363" v="2262" actId="20577"/>
-          <ac:spMkLst>
-            <pc:docMk/>
-            <pc:sldMk cId="3989541258" sldId="278"/>
-            <ac:spMk id="2" creationId="{31B75992-5098-A283-4925-2CCEBB801DC5}"/>
-          </ac:spMkLst>
-        </pc:spChg>
-        <pc:spChg chg="mod">
-          <ac:chgData name="Gibbons, Carl" userId="d2b037bc-8fb4-4222-845c-61440543a456" providerId="ADAL" clId="{4505F98C-4CC4-4983-9729-597D2A150C85}" dt="2023-12-29T02:21:47.448" v="17685" actId="20577"/>
-          <ac:spMkLst>
-            <pc:docMk/>
-            <pc:sldMk cId="3989541258" sldId="278"/>
-            <ac:spMk id="3" creationId="{B5924E0F-A977-1710-779D-EEB74261AF34}"/>
-          </ac:spMkLst>
-        </pc:spChg>
-      </pc:sldChg>
-      <pc:sldChg chg="modSp mod">
-        <pc:chgData name="Gibbons, Carl" userId="d2b037bc-8fb4-4222-845c-61440543a456" providerId="ADAL" clId="{4505F98C-4CC4-4983-9729-597D2A150C85}" dt="2023-12-29T00:21:55.646" v="8344" actId="20577"/>
-        <pc:sldMkLst>
-          <pc:docMk/>
-          <pc:sldMk cId="2335633195" sldId="279"/>
-        </pc:sldMkLst>
-        <pc:spChg chg="mod">
-          <ac:chgData name="Gibbons, Carl" userId="d2b037bc-8fb4-4222-845c-61440543a456" providerId="ADAL" clId="{4505F98C-4CC4-4983-9729-597D2A150C85}" dt="2023-12-29T00:21:55.646" v="8344" actId="20577"/>
-          <ac:spMkLst>
-            <pc:docMk/>
-            <pc:sldMk cId="2335633195" sldId="279"/>
-            <ac:spMk id="2" creationId="{31B75992-5098-A283-4925-2CCEBB801DC5}"/>
-          </ac:spMkLst>
-        </pc:spChg>
-        <pc:spChg chg="mod">
-          <ac:chgData name="Gibbons, Carl" userId="d2b037bc-8fb4-4222-845c-61440543a456" providerId="ADAL" clId="{4505F98C-4CC4-4983-9729-597D2A150C85}" dt="2023-12-28T22:56:22.080" v="4730" actId="20577"/>
-          <ac:spMkLst>
-            <pc:docMk/>
-            <pc:sldMk cId="2335633195" sldId="279"/>
-            <ac:spMk id="3" creationId="{B5924E0F-A977-1710-779D-EEB74261AF34}"/>
-          </ac:spMkLst>
-        </pc:spChg>
-      </pc:sldChg>
-      <pc:sldChg chg="modSp add mod">
-        <pc:chgData name="Gibbons, Carl" userId="d2b037bc-8fb4-4222-845c-61440543a456" providerId="ADAL" clId="{4505F98C-4CC4-4983-9729-597D2A150C85}" dt="2023-12-28T23:39:19.135" v="5592" actId="20577"/>
-        <pc:sldMkLst>
-          <pc:docMk/>
-          <pc:sldMk cId="1284534978" sldId="280"/>
-        </pc:sldMkLst>
-        <pc:spChg chg="mod">
-          <ac:chgData name="Gibbons, Carl" userId="d2b037bc-8fb4-4222-845c-61440543a456" providerId="ADAL" clId="{4505F98C-4CC4-4983-9729-597D2A150C85}" dt="2023-12-28T23:26:13.166" v="4743" actId="20577"/>
-          <ac:spMkLst>
-            <pc:docMk/>
-            <pc:sldMk cId="1284534978" sldId="280"/>
-            <ac:spMk id="2" creationId="{31B75992-5098-A283-4925-2CCEBB801DC5}"/>
-          </ac:spMkLst>
-        </pc:spChg>
-        <pc:spChg chg="mod">
-          <ac:chgData name="Gibbons, Carl" userId="d2b037bc-8fb4-4222-845c-61440543a456" providerId="ADAL" clId="{4505F98C-4CC4-4983-9729-597D2A150C85}" dt="2023-12-28T23:39:19.135" v="5592" actId="20577"/>
-          <ac:spMkLst>
-            <pc:docMk/>
-            <pc:sldMk cId="1284534978" sldId="280"/>
-            <ac:spMk id="3" creationId="{B5924E0F-A977-1710-779D-EEB74261AF34}"/>
-          </ac:spMkLst>
-        </pc:spChg>
-      </pc:sldChg>
-      <pc:sldChg chg="modSp mod">
-        <pc:chgData name="Gibbons, Carl" userId="d2b037bc-8fb4-4222-845c-61440543a456" providerId="ADAL" clId="{4505F98C-4CC4-4983-9729-597D2A150C85}" dt="2023-12-28T23:42:19.634" v="5967" actId="20577"/>
-        <pc:sldMkLst>
-          <pc:docMk/>
-          <pc:sldMk cId="1802585387" sldId="281"/>
-        </pc:sldMkLst>
-        <pc:spChg chg="mod">
-          <ac:chgData name="Gibbons, Carl" userId="d2b037bc-8fb4-4222-845c-61440543a456" providerId="ADAL" clId="{4505F98C-4CC4-4983-9729-597D2A150C85}" dt="2023-12-28T23:34:47.360" v="5351" actId="20577"/>
-          <ac:spMkLst>
-            <pc:docMk/>
-            <pc:sldMk cId="1802585387" sldId="281"/>
-            <ac:spMk id="2" creationId="{31B75992-5098-A283-4925-2CCEBB801DC5}"/>
-          </ac:spMkLst>
-        </pc:spChg>
-        <pc:spChg chg="mod">
-          <ac:chgData name="Gibbons, Carl" userId="d2b037bc-8fb4-4222-845c-61440543a456" providerId="ADAL" clId="{4505F98C-4CC4-4983-9729-597D2A150C85}" dt="2023-12-28T23:42:19.634" v="5967" actId="20577"/>
-          <ac:spMkLst>
-            <pc:docMk/>
-            <pc:sldMk cId="1802585387" sldId="281"/>
-            <ac:spMk id="3" creationId="{B5924E0F-A977-1710-779D-EEB74261AF34}"/>
-          </ac:spMkLst>
-        </pc:spChg>
-      </pc:sldChg>
-      <pc:sldChg chg="modSp mod">
-        <pc:chgData name="Gibbons, Carl" userId="d2b037bc-8fb4-4222-845c-61440543a456" providerId="ADAL" clId="{4505F98C-4CC4-4983-9729-597D2A150C85}" dt="2023-12-28T23:54:03.356" v="6623"/>
-        <pc:sldMkLst>
-          <pc:docMk/>
-          <pc:sldMk cId="724803187" sldId="282"/>
-        </pc:sldMkLst>
-        <pc:spChg chg="mod">
-          <ac:chgData name="Gibbons, Carl" userId="d2b037bc-8fb4-4222-845c-61440543a456" providerId="ADAL" clId="{4505F98C-4CC4-4983-9729-597D2A150C85}" dt="2023-12-28T23:39:52.399" v="5606" actId="20577"/>
-          <ac:spMkLst>
-            <pc:docMk/>
-            <pc:sldMk cId="724803187" sldId="282"/>
-            <ac:spMk id="2" creationId="{31B75992-5098-A283-4925-2CCEBB801DC5}"/>
-          </ac:spMkLst>
-        </pc:spChg>
-        <pc:spChg chg="mod">
-          <ac:chgData name="Gibbons, Carl" userId="d2b037bc-8fb4-4222-845c-61440543a456" providerId="ADAL" clId="{4505F98C-4CC4-4983-9729-597D2A150C85}" dt="2023-12-28T23:54:03.356" v="6623"/>
-          <ac:spMkLst>
-            <pc:docMk/>
-            <pc:sldMk cId="724803187" sldId="282"/>
-            <ac:spMk id="3" creationId="{B5924E0F-A977-1710-779D-EEB74261AF34}"/>
-          </ac:spMkLst>
-        </pc:spChg>
-      </pc:sldChg>
-      <pc:sldChg chg="modSp mod">
-        <pc:chgData name="Gibbons, Carl" userId="d2b037bc-8fb4-4222-845c-61440543a456" providerId="ADAL" clId="{4505F98C-4CC4-4983-9729-597D2A150C85}" dt="2023-12-29T02:19:53.158" v="17637" actId="20577"/>
-        <pc:sldMkLst>
-          <pc:docMk/>
-          <pc:sldMk cId="1926009205" sldId="283"/>
-        </pc:sldMkLst>
-        <pc:spChg chg="mod">
-          <ac:chgData name="Gibbons, Carl" userId="d2b037bc-8fb4-4222-845c-61440543a456" providerId="ADAL" clId="{4505F98C-4CC4-4983-9729-597D2A150C85}" dt="2023-12-29T00:22:07.704" v="8354" actId="20577"/>
-          <ac:spMkLst>
-            <pc:docMk/>
-            <pc:sldMk cId="1926009205" sldId="283"/>
-            <ac:spMk id="2" creationId="{31B75992-5098-A283-4925-2CCEBB801DC5}"/>
-          </ac:spMkLst>
-        </pc:spChg>
-        <pc:spChg chg="mod">
-          <ac:chgData name="Gibbons, Carl" userId="d2b037bc-8fb4-4222-845c-61440543a456" providerId="ADAL" clId="{4505F98C-4CC4-4983-9729-597D2A150C85}" dt="2023-12-29T02:19:53.158" v="17637" actId="20577"/>
-          <ac:spMkLst>
-            <pc:docMk/>
-            <pc:sldMk cId="1926009205" sldId="283"/>
-            <ac:spMk id="3" creationId="{B5924E0F-A977-1710-779D-EEB74261AF34}"/>
-          </ac:spMkLst>
-        </pc:spChg>
-      </pc:sldChg>
-      <pc:sldChg chg="del">
-        <pc:chgData name="Gibbons, Carl" userId="d2b037bc-8fb4-4222-845c-61440543a456" providerId="ADAL" clId="{4505F98C-4CC4-4983-9729-597D2A150C85}" dt="2023-12-28T22:17:09.732" v="1699" actId="47"/>
-        <pc:sldMkLst>
-          <pc:docMk/>
-          <pc:sldMk cId="2959024232" sldId="283"/>
-        </pc:sldMkLst>
-      </pc:sldChg>
-      <pc:sldChg chg="modSp mod">
-        <pc:chgData name="Gibbons, Carl" userId="d2b037bc-8fb4-4222-845c-61440543a456" providerId="ADAL" clId="{4505F98C-4CC4-4983-9729-597D2A150C85}" dt="2023-12-29T00:22:15.499" v="8364" actId="20577"/>
-        <pc:sldMkLst>
-          <pc:docMk/>
-          <pc:sldMk cId="2366216895" sldId="284"/>
-        </pc:sldMkLst>
-        <pc:spChg chg="mod">
-          <ac:chgData name="Gibbons, Carl" userId="d2b037bc-8fb4-4222-845c-61440543a456" providerId="ADAL" clId="{4505F98C-4CC4-4983-9729-597D2A150C85}" dt="2023-12-29T00:22:15.499" v="8364" actId="20577"/>
-          <ac:spMkLst>
-            <pc:docMk/>
-            <pc:sldMk cId="2366216895" sldId="284"/>
-            <ac:spMk id="2" creationId="{31B75992-5098-A283-4925-2CCEBB801DC5}"/>
-          </ac:spMkLst>
-        </pc:spChg>
-        <pc:spChg chg="mod">
-          <ac:chgData name="Gibbons, Carl" userId="d2b037bc-8fb4-4222-845c-61440543a456" providerId="ADAL" clId="{4505F98C-4CC4-4983-9729-597D2A150C85}" dt="2023-12-29T00:20:51.612" v="8260" actId="20577"/>
-          <ac:spMkLst>
-            <pc:docMk/>
-            <pc:sldMk cId="2366216895" sldId="284"/>
-            <ac:spMk id="3" creationId="{B5924E0F-A977-1710-779D-EEB74261AF34}"/>
-          </ac:spMkLst>
-        </pc:spChg>
-      </pc:sldChg>
-      <pc:sldChg chg="del">
-        <pc:chgData name="Gibbons, Carl" userId="d2b037bc-8fb4-4222-845c-61440543a456" providerId="ADAL" clId="{4505F98C-4CC4-4983-9729-597D2A150C85}" dt="2023-12-28T22:17:08.965" v="1698" actId="47"/>
-        <pc:sldMkLst>
-          <pc:docMk/>
-          <pc:sldMk cId="3114675387" sldId="284"/>
-        </pc:sldMkLst>
-      </pc:sldChg>
-      <pc:sldChg chg="del">
-        <pc:chgData name="Gibbons, Carl" userId="d2b037bc-8fb4-4222-845c-61440543a456" providerId="ADAL" clId="{4505F98C-4CC4-4983-9729-597D2A150C85}" dt="2023-12-28T22:17:08.106" v="1697" actId="47"/>
-        <pc:sldMkLst>
-          <pc:docMk/>
-          <pc:sldMk cId="1243134729" sldId="285"/>
-        </pc:sldMkLst>
-      </pc:sldChg>
-      <pc:sldChg chg="modSp mod">
-        <pc:chgData name="Gibbons, Carl" userId="d2b037bc-8fb4-4222-845c-61440543a456" providerId="ADAL" clId="{4505F98C-4CC4-4983-9729-597D2A150C85}" dt="2023-12-29T01:14:23.500" v="12327" actId="20577"/>
-        <pc:sldMkLst>
-          <pc:docMk/>
-          <pc:sldMk cId="3371896289" sldId="285"/>
-        </pc:sldMkLst>
-        <pc:spChg chg="mod">
-          <ac:chgData name="Gibbons, Carl" userId="d2b037bc-8fb4-4222-845c-61440543a456" providerId="ADAL" clId="{4505F98C-4CC4-4983-9729-597D2A150C85}" dt="2023-12-29T00:22:25.432" v="8374" actId="20577"/>
-          <ac:spMkLst>
-            <pc:docMk/>
-            <pc:sldMk cId="3371896289" sldId="285"/>
-            <ac:spMk id="2" creationId="{31B75992-5098-A283-4925-2CCEBB801DC5}"/>
-          </ac:spMkLst>
-        </pc:spChg>
-        <pc:spChg chg="mod">
-          <ac:chgData name="Gibbons, Carl" userId="d2b037bc-8fb4-4222-845c-61440543a456" providerId="ADAL" clId="{4505F98C-4CC4-4983-9729-597D2A150C85}" dt="2023-12-29T01:14:23.500" v="12327" actId="20577"/>
-          <ac:spMkLst>
-            <pc:docMk/>
-            <pc:sldMk cId="3371896289" sldId="285"/>
-            <ac:spMk id="3" creationId="{B5924E0F-A977-1710-779D-EEB74261AF34}"/>
-          </ac:spMkLst>
-        </pc:spChg>
-      </pc:sldChg>
-      <pc:sldChg chg="add del">
-        <pc:chgData name="Gibbons, Carl" userId="d2b037bc-8fb4-4222-845c-61440543a456" providerId="ADAL" clId="{4505F98C-4CC4-4983-9729-597D2A150C85}" dt="2023-12-29T00:13:59.438" v="7954" actId="2696"/>
-        <pc:sldMkLst>
-          <pc:docMk/>
-          <pc:sldMk cId="3635199420" sldId="285"/>
-        </pc:sldMkLst>
-      </pc:sldChg>
-      <pc:sldChg chg="del">
-        <pc:chgData name="Gibbons, Carl" userId="d2b037bc-8fb4-4222-845c-61440543a456" providerId="ADAL" clId="{4505F98C-4CC4-4983-9729-597D2A150C85}" dt="2023-12-28T22:17:10.620" v="1700" actId="47"/>
-        <pc:sldMkLst>
-          <pc:docMk/>
-          <pc:sldMk cId="954591853" sldId="286"/>
-        </pc:sldMkLst>
-      </pc:sldChg>
-      <pc:sldChg chg="modSp mod">
-        <pc:chgData name="Gibbons, Carl" userId="d2b037bc-8fb4-4222-845c-61440543a456" providerId="ADAL" clId="{4505F98C-4CC4-4983-9729-597D2A150C85}" dt="2023-12-29T01:14:14.317" v="12318" actId="20577"/>
-        <pc:sldMkLst>
-          <pc:docMk/>
-          <pc:sldMk cId="3193160409" sldId="286"/>
-        </pc:sldMkLst>
-        <pc:spChg chg="mod">
-          <ac:chgData name="Gibbons, Carl" userId="d2b037bc-8fb4-4222-845c-61440543a456" providerId="ADAL" clId="{4505F98C-4CC4-4983-9729-597D2A150C85}" dt="2023-12-29T00:33:44.511" v="9517" actId="20577"/>
-          <ac:spMkLst>
-            <pc:docMk/>
-            <pc:sldMk cId="3193160409" sldId="286"/>
-            <ac:spMk id="2" creationId="{31B75992-5098-A283-4925-2CCEBB801DC5}"/>
-          </ac:spMkLst>
-        </pc:spChg>
-        <pc:spChg chg="mod">
-          <ac:chgData name="Gibbons, Carl" userId="d2b037bc-8fb4-4222-845c-61440543a456" providerId="ADAL" clId="{4505F98C-4CC4-4983-9729-597D2A150C85}" dt="2023-12-29T01:14:14.317" v="12318" actId="20577"/>
-          <ac:spMkLst>
-            <pc:docMk/>
-            <pc:sldMk cId="3193160409" sldId="286"/>
-            <ac:spMk id="3" creationId="{B5924E0F-A977-1710-779D-EEB74261AF34}"/>
-          </ac:spMkLst>
-        </pc:spChg>
-      </pc:sldChg>
-      <pc:sldChg chg="del">
-        <pc:chgData name="Gibbons, Carl" userId="d2b037bc-8fb4-4222-845c-61440543a456" providerId="ADAL" clId="{4505F98C-4CC4-4983-9729-597D2A150C85}" dt="2023-12-28T22:17:12.413" v="1702" actId="47"/>
-        <pc:sldMkLst>
-          <pc:docMk/>
-          <pc:sldMk cId="2614091779" sldId="287"/>
-        </pc:sldMkLst>
-      </pc:sldChg>
-      <pc:sldChg chg="modSp mod">
-        <pc:chgData name="Gibbons, Carl" userId="d2b037bc-8fb4-4222-845c-61440543a456" providerId="ADAL" clId="{4505F98C-4CC4-4983-9729-597D2A150C85}" dt="2023-12-29T02:19:05.385" v="17624"/>
-        <pc:sldMkLst>
-          <pc:docMk/>
-          <pc:sldMk cId="2688338374" sldId="287"/>
-        </pc:sldMkLst>
-        <pc:spChg chg="mod">
-          <ac:chgData name="Gibbons, Carl" userId="d2b037bc-8fb4-4222-845c-61440543a456" providerId="ADAL" clId="{4505F98C-4CC4-4983-9729-597D2A150C85}" dt="2023-12-29T00:41:11.438" v="10364" actId="20577"/>
-          <ac:spMkLst>
-            <pc:docMk/>
-            <pc:sldMk cId="2688338374" sldId="287"/>
-            <ac:spMk id="2" creationId="{31B75992-5098-A283-4925-2CCEBB801DC5}"/>
-          </ac:spMkLst>
-        </pc:spChg>
-        <pc:spChg chg="mod">
-          <ac:chgData name="Gibbons, Carl" userId="d2b037bc-8fb4-4222-845c-61440543a456" providerId="ADAL" clId="{4505F98C-4CC4-4983-9729-597D2A150C85}" dt="2023-12-29T02:19:05.385" v="17624"/>
-          <ac:spMkLst>
-            <pc:docMk/>
-            <pc:sldMk cId="2688338374" sldId="287"/>
-            <ac:spMk id="3" creationId="{B5924E0F-A977-1710-779D-EEB74261AF34}"/>
-          </ac:spMkLst>
-        </pc:spChg>
-      </pc:sldChg>
-      <pc:sldChg chg="del">
-        <pc:chgData name="Gibbons, Carl" userId="d2b037bc-8fb4-4222-845c-61440543a456" providerId="ADAL" clId="{4505F98C-4CC4-4983-9729-597D2A150C85}" dt="2023-12-28T22:17:11.407" v="1701" actId="47"/>
-        <pc:sldMkLst>
-          <pc:docMk/>
-          <pc:sldMk cId="1341659426" sldId="288"/>
-        </pc:sldMkLst>
-      </pc:sldChg>
-      <pc:sldChg chg="modSp add mod">
-        <pc:chgData name="Gibbons, Carl" userId="d2b037bc-8fb4-4222-845c-61440543a456" providerId="ADAL" clId="{4505F98C-4CC4-4983-9729-597D2A150C85}" dt="2023-12-29T01:45:37.293" v="15006"/>
-        <pc:sldMkLst>
-          <pc:docMk/>
-          <pc:sldMk cId="2142935017" sldId="288"/>
-        </pc:sldMkLst>
-        <pc:spChg chg="mod">
-          <ac:chgData name="Gibbons, Carl" userId="d2b037bc-8fb4-4222-845c-61440543a456" providerId="ADAL" clId="{4505F98C-4CC4-4983-9729-597D2A150C85}" dt="2023-12-29T01:16:27.501" v="12383" actId="20577"/>
-          <ac:spMkLst>
-            <pc:docMk/>
-            <pc:sldMk cId="2142935017" sldId="288"/>
-            <ac:spMk id="2" creationId="{31B75992-5098-A283-4925-2CCEBB801DC5}"/>
-          </ac:spMkLst>
-        </pc:spChg>
-        <pc:spChg chg="mod">
-          <ac:chgData name="Gibbons, Carl" userId="d2b037bc-8fb4-4222-845c-61440543a456" providerId="ADAL" clId="{4505F98C-4CC4-4983-9729-597D2A150C85}" dt="2023-12-29T01:45:37.293" v="15006"/>
-          <ac:spMkLst>
-            <pc:docMk/>
-            <pc:sldMk cId="2142935017" sldId="288"/>
-            <ac:spMk id="3" creationId="{B5924E0F-A977-1710-779D-EEB74261AF34}"/>
-          </ac:spMkLst>
-        </pc:spChg>
-      </pc:sldChg>
-      <pc:sldChg chg="modSp mod">
-        <pc:chgData name="Gibbons, Carl" userId="d2b037bc-8fb4-4222-845c-61440543a456" providerId="ADAL" clId="{4505F98C-4CC4-4983-9729-597D2A150C85}" dt="2023-12-29T01:50:54.342" v="15124" actId="20577"/>
-        <pc:sldMkLst>
-          <pc:docMk/>
-          <pc:sldMk cId="2784625941" sldId="289"/>
-        </pc:sldMkLst>
-        <pc:spChg chg="mod">
-          <ac:chgData name="Gibbons, Carl" userId="d2b037bc-8fb4-4222-845c-61440543a456" providerId="ADAL" clId="{4505F98C-4CC4-4983-9729-597D2A150C85}" dt="2023-12-29T01:23:40.688" v="13177" actId="20577"/>
-          <ac:spMkLst>
-            <pc:docMk/>
-            <pc:sldMk cId="2784625941" sldId="289"/>
-            <ac:spMk id="2" creationId="{31B75992-5098-A283-4925-2CCEBB801DC5}"/>
-          </ac:spMkLst>
-        </pc:spChg>
-        <pc:spChg chg="mod">
-          <ac:chgData name="Gibbons, Carl" userId="d2b037bc-8fb4-4222-845c-61440543a456" providerId="ADAL" clId="{4505F98C-4CC4-4983-9729-597D2A150C85}" dt="2023-12-29T01:50:54.342" v="15124" actId="20577"/>
-          <ac:spMkLst>
-            <pc:docMk/>
-            <pc:sldMk cId="2784625941" sldId="289"/>
-            <ac:spMk id="3" creationId="{B5924E0F-A977-1710-779D-EEB74261AF34}"/>
-          </ac:spMkLst>
-        </pc:spChg>
-      </pc:sldChg>
-      <pc:sldChg chg="del">
-        <pc:chgData name="Gibbons, Carl" userId="d2b037bc-8fb4-4222-845c-61440543a456" providerId="ADAL" clId="{4505F98C-4CC4-4983-9729-597D2A150C85}" dt="2023-12-28T22:17:05.773" v="1696" actId="47"/>
-        <pc:sldMkLst>
-          <pc:docMk/>
-          <pc:sldMk cId="2966054478" sldId="289"/>
-        </pc:sldMkLst>
-      </pc:sldChg>
-      <pc:sldChg chg="del">
-        <pc:chgData name="Gibbons, Carl" userId="d2b037bc-8fb4-4222-845c-61440543a456" providerId="ADAL" clId="{4505F98C-4CC4-4983-9729-597D2A150C85}" dt="2023-12-28T22:17:13.315" v="1703" actId="47"/>
-        <pc:sldMkLst>
-          <pc:docMk/>
-          <pc:sldMk cId="1014272238" sldId="290"/>
-        </pc:sldMkLst>
-      </pc:sldChg>
-      <pc:sldChg chg="modSp add mod">
-        <pc:chgData name="Gibbons, Carl" userId="d2b037bc-8fb4-4222-845c-61440543a456" providerId="ADAL" clId="{4505F98C-4CC4-4983-9729-597D2A150C85}" dt="2023-12-29T01:50:36.539" v="15123" actId="20577"/>
-        <pc:sldMkLst>
-          <pc:docMk/>
-          <pc:sldMk cId="1677974689" sldId="290"/>
-        </pc:sldMkLst>
-        <pc:spChg chg="mod">
-          <ac:chgData name="Gibbons, Carl" userId="d2b037bc-8fb4-4222-845c-61440543a456" providerId="ADAL" clId="{4505F98C-4CC4-4983-9729-597D2A150C85}" dt="2023-12-29T01:37:36.931" v="14365" actId="20577"/>
-          <ac:spMkLst>
-            <pc:docMk/>
-            <pc:sldMk cId="1677974689" sldId="290"/>
-            <ac:spMk id="2" creationId="{31B75992-5098-A283-4925-2CCEBB801DC5}"/>
-          </ac:spMkLst>
-        </pc:spChg>
-        <pc:spChg chg="mod">
-          <ac:chgData name="Gibbons, Carl" userId="d2b037bc-8fb4-4222-845c-61440543a456" providerId="ADAL" clId="{4505F98C-4CC4-4983-9729-597D2A150C85}" dt="2023-12-29T01:50:36.539" v="15123" actId="20577"/>
-          <ac:spMkLst>
-            <pc:docMk/>
-            <pc:sldMk cId="1677974689" sldId="290"/>
-            <ac:spMk id="3" creationId="{B5924E0F-A977-1710-779D-EEB74261AF34}"/>
-          </ac:spMkLst>
-        </pc:spChg>
-      </pc:sldChg>
-      <pc:sldChg chg="del">
-        <pc:chgData name="Gibbons, Carl" userId="d2b037bc-8fb4-4222-845c-61440543a456" providerId="ADAL" clId="{4505F98C-4CC4-4983-9729-597D2A150C85}" dt="2023-12-28T22:17:05.079" v="1695" actId="47"/>
-        <pc:sldMkLst>
-          <pc:docMk/>
-          <pc:sldMk cId="3689580349" sldId="291"/>
-        </pc:sldMkLst>
-      </pc:sldChg>
-      <pc:sldChg chg="modSp add mod">
-        <pc:chgData name="Gibbons, Carl" userId="d2b037bc-8fb4-4222-845c-61440543a456" providerId="ADAL" clId="{4505F98C-4CC4-4983-9729-597D2A150C85}" dt="2023-12-29T02:03:57.372" v="16335" actId="20577"/>
-        <pc:sldMkLst>
-          <pc:docMk/>
-          <pc:sldMk cId="4219326696" sldId="291"/>
-        </pc:sldMkLst>
-        <pc:spChg chg="mod">
-          <ac:chgData name="Gibbons, Carl" userId="d2b037bc-8fb4-4222-845c-61440543a456" providerId="ADAL" clId="{4505F98C-4CC4-4983-9729-597D2A150C85}" dt="2023-12-29T01:51:52.820" v="15161" actId="20577"/>
-          <ac:spMkLst>
-            <pc:docMk/>
-            <pc:sldMk cId="4219326696" sldId="291"/>
-            <ac:spMk id="2" creationId="{31B75992-5098-A283-4925-2CCEBB801DC5}"/>
-          </ac:spMkLst>
-        </pc:spChg>
-        <pc:spChg chg="mod">
-          <ac:chgData name="Gibbons, Carl" userId="d2b037bc-8fb4-4222-845c-61440543a456" providerId="ADAL" clId="{4505F98C-4CC4-4983-9729-597D2A150C85}" dt="2023-12-29T02:03:57.372" v="16335" actId="20577"/>
-          <ac:spMkLst>
-            <pc:docMk/>
-            <pc:sldMk cId="4219326696" sldId="291"/>
-            <ac:spMk id="3" creationId="{B5924E0F-A977-1710-779D-EEB74261AF34}"/>
-          </ac:spMkLst>
-        </pc:spChg>
-      </pc:sldChg>
-      <pc:sldChg chg="modSp add mod">
-        <pc:chgData name="Gibbons, Carl" userId="d2b037bc-8fb4-4222-845c-61440543a456" providerId="ADAL" clId="{4505F98C-4CC4-4983-9729-597D2A150C85}" dt="2023-12-29T02:16:48.887" v="17543" actId="20577"/>
-        <pc:sldMkLst>
-          <pc:docMk/>
-          <pc:sldMk cId="33911121" sldId="292"/>
-        </pc:sldMkLst>
-        <pc:spChg chg="mod">
-          <ac:chgData name="Gibbons, Carl" userId="d2b037bc-8fb4-4222-845c-61440543a456" providerId="ADAL" clId="{4505F98C-4CC4-4983-9729-597D2A150C85}" dt="2023-12-29T02:06:26.879" v="16405" actId="20577"/>
-          <ac:spMkLst>
-            <pc:docMk/>
-            <pc:sldMk cId="33911121" sldId="292"/>
-            <ac:spMk id="2" creationId="{1862E903-3C56-BB42-2361-009F2336475A}"/>
-          </ac:spMkLst>
-        </pc:spChg>
-        <pc:spChg chg="mod">
-          <ac:chgData name="Gibbons, Carl" userId="d2b037bc-8fb4-4222-845c-61440543a456" providerId="ADAL" clId="{4505F98C-4CC4-4983-9729-597D2A150C85}" dt="2023-12-29T02:16:48.887" v="17543" actId="20577"/>
-          <ac:spMkLst>
-            <pc:docMk/>
-            <pc:sldMk cId="33911121" sldId="292"/>
-            <ac:spMk id="3" creationId="{90179172-96B3-95D0-A137-257770BE7642}"/>
-          </ac:spMkLst>
-        </pc:spChg>
-      </pc:sldChg>
-      <pc:sldChg chg="del">
-        <pc:chgData name="Gibbons, Carl" userId="d2b037bc-8fb4-4222-845c-61440543a456" providerId="ADAL" clId="{4505F98C-4CC4-4983-9729-597D2A150C85}" dt="2023-12-28T22:17:14.720" v="1704" actId="47"/>
-        <pc:sldMkLst>
-          <pc:docMk/>
-          <pc:sldMk cId="2738411615" sldId="292"/>
-        </pc:sldMkLst>
-      </pc:sldChg>
-      <pc:sldChg chg="del">
-        <pc:chgData name="Gibbons, Carl" userId="d2b037bc-8fb4-4222-845c-61440543a456" providerId="ADAL" clId="{4505F98C-4CC4-4983-9729-597D2A150C85}" dt="2023-12-28T22:17:04.103" v="1694" actId="47"/>
-        <pc:sldMkLst>
-          <pc:docMk/>
-          <pc:sldMk cId="852415543" sldId="293"/>
-        </pc:sldMkLst>
-      </pc:sldChg>
-    </pc:docChg>
-  </pc:docChgLst>
-  <pc:docChgLst>
-    <pc:chgData name="Gibbons, Carl" userId="d2b037bc-8fb4-4222-845c-61440543a456" providerId="ADAL" clId="{06905CFC-A46E-472D-890F-9117438C8D89}"/>
-    <pc:docChg chg="custSel addSld delSld modSld">
-      <pc:chgData name="Gibbons, Carl" userId="d2b037bc-8fb4-4222-845c-61440543a456" providerId="ADAL" clId="{06905CFC-A46E-472D-890F-9117438C8D89}" dt="2024-02-04T04:33:39.872" v="4931" actId="20577"/>
-      <pc:docMkLst>
-        <pc:docMk/>
-      </pc:docMkLst>
-      <pc:sldChg chg="modSp mod">
-        <pc:chgData name="Gibbons, Carl" userId="d2b037bc-8fb4-4222-845c-61440543a456" providerId="ADAL" clId="{06905CFC-A46E-472D-890F-9117438C8D89}" dt="2024-02-04T02:59:56.129" v="48" actId="20577"/>
-        <pc:sldMkLst>
-          <pc:docMk/>
-          <pc:sldMk cId="3308175748" sldId="256"/>
-        </pc:sldMkLst>
-        <pc:spChg chg="mod">
-          <ac:chgData name="Gibbons, Carl" userId="d2b037bc-8fb4-4222-845c-61440543a456" providerId="ADAL" clId="{06905CFC-A46E-472D-890F-9117438C8D89}" dt="2024-02-04T02:59:56.129" v="48" actId="20577"/>
-          <ac:spMkLst>
-            <pc:docMk/>
-            <pc:sldMk cId="3308175748" sldId="256"/>
-            <ac:spMk id="3" creationId="{EEC4D41B-E776-05F2-BE0B-89BB339485AB}"/>
-          </ac:spMkLst>
-        </pc:spChg>
-      </pc:sldChg>
-      <pc:sldChg chg="modSp mod">
-        <pc:chgData name="Gibbons, Carl" userId="d2b037bc-8fb4-4222-845c-61440543a456" providerId="ADAL" clId="{06905CFC-A46E-472D-890F-9117438C8D89}" dt="2024-02-04T03:54:18.112" v="2151" actId="15"/>
-        <pc:sldMkLst>
-          <pc:docMk/>
-          <pc:sldMk cId="2312486803" sldId="261"/>
-        </pc:sldMkLst>
-        <pc:spChg chg="mod">
-          <ac:chgData name="Gibbons, Carl" userId="d2b037bc-8fb4-4222-845c-61440543a456" providerId="ADAL" clId="{06905CFC-A46E-472D-890F-9117438C8D89}" dt="2024-02-04T03:52:20.850" v="2087" actId="20577"/>
-          <ac:spMkLst>
-            <pc:docMk/>
-            <pc:sldMk cId="2312486803" sldId="261"/>
-            <ac:spMk id="2" creationId="{31B75992-5098-A283-4925-2CCEBB801DC5}"/>
-          </ac:spMkLst>
-        </pc:spChg>
-        <pc:spChg chg="mod">
-          <ac:chgData name="Gibbons, Carl" userId="d2b037bc-8fb4-4222-845c-61440543a456" providerId="ADAL" clId="{06905CFC-A46E-472D-890F-9117438C8D89}" dt="2024-02-04T03:54:18.112" v="2151" actId="15"/>
-          <ac:spMkLst>
-            <pc:docMk/>
-            <pc:sldMk cId="2312486803" sldId="261"/>
-            <ac:spMk id="3" creationId="{B5924E0F-A977-1710-779D-EEB74261AF34}"/>
-          </ac:spMkLst>
-        </pc:spChg>
-      </pc:sldChg>
-      <pc:sldChg chg="modSp mod">
-        <pc:chgData name="Gibbons, Carl" userId="d2b037bc-8fb4-4222-845c-61440543a456" providerId="ADAL" clId="{06905CFC-A46E-472D-890F-9117438C8D89}" dt="2024-02-04T04:33:39.872" v="4931" actId="20577"/>
-        <pc:sldMkLst>
-          <pc:docMk/>
-          <pc:sldMk cId="3885141102" sldId="262"/>
-        </pc:sldMkLst>
-        <pc:spChg chg="mod">
-          <ac:chgData name="Gibbons, Carl" userId="d2b037bc-8fb4-4222-845c-61440543a456" providerId="ADAL" clId="{06905CFC-A46E-472D-890F-9117438C8D89}" dt="2024-02-04T04:33:39.872" v="4931" actId="20577"/>
-          <ac:spMkLst>
-            <pc:docMk/>
-            <pc:sldMk cId="3885141102" sldId="262"/>
-            <ac:spMk id="3" creationId="{B5924E0F-A977-1710-779D-EEB74261AF34}"/>
-          </ac:spMkLst>
-        </pc:spChg>
-      </pc:sldChg>
-      <pc:sldChg chg="modSp mod">
-        <pc:chgData name="Gibbons, Carl" userId="d2b037bc-8fb4-4222-845c-61440543a456" providerId="ADAL" clId="{06905CFC-A46E-472D-890F-9117438C8D89}" dt="2024-02-04T04:32:40.613" v="4865" actId="20577"/>
-        <pc:sldMkLst>
-          <pc:docMk/>
-          <pc:sldMk cId="1719402288" sldId="263"/>
-        </pc:sldMkLst>
-        <pc:spChg chg="mod">
-          <ac:chgData name="Gibbons, Carl" userId="d2b037bc-8fb4-4222-845c-61440543a456" providerId="ADAL" clId="{06905CFC-A46E-472D-890F-9117438C8D89}" dt="2024-02-04T04:12:26.573" v="3314" actId="20577"/>
-          <ac:spMkLst>
-            <pc:docMk/>
-            <pc:sldMk cId="1719402288" sldId="263"/>
-            <ac:spMk id="2" creationId="{31B75992-5098-A283-4925-2CCEBB801DC5}"/>
-          </ac:spMkLst>
-        </pc:spChg>
-        <pc:spChg chg="mod">
-          <ac:chgData name="Gibbons, Carl" userId="d2b037bc-8fb4-4222-845c-61440543a456" providerId="ADAL" clId="{06905CFC-A46E-472D-890F-9117438C8D89}" dt="2024-02-04T04:32:40.613" v="4865" actId="20577"/>
-          <ac:spMkLst>
-            <pc:docMk/>
-            <pc:sldMk cId="1719402288" sldId="263"/>
-            <ac:spMk id="3" creationId="{B5924E0F-A977-1710-779D-EEB74261AF34}"/>
-          </ac:spMkLst>
-        </pc:spChg>
-      </pc:sldChg>
-      <pc:sldChg chg="modSp new del mod">
-        <pc:chgData name="Gibbons, Carl" userId="d2b037bc-8fb4-4222-845c-61440543a456" providerId="ADAL" clId="{06905CFC-A46E-472D-890F-9117438C8D89}" dt="2024-02-04T03:52:51.701" v="2091" actId="2696"/>
-        <pc:sldMkLst>
-          <pc:docMk/>
-          <pc:sldMk cId="122773691" sldId="264"/>
-        </pc:sldMkLst>
-        <pc:spChg chg="mod">
-          <ac:chgData name="Gibbons, Carl" userId="d2b037bc-8fb4-4222-845c-61440543a456" providerId="ADAL" clId="{06905CFC-A46E-472D-890F-9117438C8D89}" dt="2024-02-04T03:52:47.108" v="2090" actId="27636"/>
-          <ac:spMkLst>
-            <pc:docMk/>
-            <pc:sldMk cId="122773691" sldId="264"/>
-            <ac:spMk id="2" creationId="{25B9B666-A3B3-5530-8F45-BA2562A6655A}"/>
-          </ac:spMkLst>
-        </pc:spChg>
-      </pc:sldChg>
-      <pc:sldChg chg="modSp add mod">
-        <pc:chgData name="Gibbons, Carl" userId="d2b037bc-8fb4-4222-845c-61440543a456" providerId="ADAL" clId="{06905CFC-A46E-472D-890F-9117438C8D89}" dt="2024-02-04T04:11:43.510" v="3278" actId="20577"/>
-        <pc:sldMkLst>
-          <pc:docMk/>
-          <pc:sldMk cId="2993794741" sldId="265"/>
-        </pc:sldMkLst>
-        <pc:spChg chg="mod">
-          <ac:chgData name="Gibbons, Carl" userId="d2b037bc-8fb4-4222-845c-61440543a456" providerId="ADAL" clId="{06905CFC-A46E-472D-890F-9117438C8D89}" dt="2024-02-04T03:53:00.875" v="2111" actId="20577"/>
-          <ac:spMkLst>
-            <pc:docMk/>
-            <pc:sldMk cId="2993794741" sldId="265"/>
-            <ac:spMk id="2" creationId="{31B75992-5098-A283-4925-2CCEBB801DC5}"/>
-          </ac:spMkLst>
-        </pc:spChg>
-        <pc:spChg chg="mod">
-          <ac:chgData name="Gibbons, Carl" userId="d2b037bc-8fb4-4222-845c-61440543a456" providerId="ADAL" clId="{06905CFC-A46E-472D-890F-9117438C8D89}" dt="2024-02-04T04:11:43.510" v="3278" actId="20577"/>
-          <ac:spMkLst>
-            <pc:docMk/>
-            <pc:sldMk cId="2993794741" sldId="265"/>
-            <ac:spMk id="3" creationId="{B5924E0F-A977-1710-779D-EEB74261AF34}"/>
-          </ac:spMkLst>
-        </pc:spChg>
-      </pc:sldChg>
-    </pc:docChg>
-  </pc:docChgLst>
-  <pc:docChgLst>
-    <pc:chgData name="Gibbons, Carl" userId="d2b037bc-8fb4-4222-845c-61440543a456" providerId="ADAL" clId="{14F797DE-E75B-4062-A6FB-AA9F07155580}"/>
-    <pc:docChg chg="undo custSel addSld modSld">
-      <pc:chgData name="Gibbons, Carl" userId="d2b037bc-8fb4-4222-845c-61440543a456" providerId="ADAL" clId="{14F797DE-E75B-4062-A6FB-AA9F07155580}" dt="2023-12-29T21:55:15.574" v="6853" actId="255"/>
-      <pc:docMkLst>
-        <pc:docMk/>
-      </pc:docMkLst>
-      <pc:sldChg chg="modSp mod">
-        <pc:chgData name="Gibbons, Carl" userId="d2b037bc-8fb4-4222-845c-61440543a456" providerId="ADAL" clId="{14F797DE-E75B-4062-A6FB-AA9F07155580}" dt="2023-12-29T17:10:38.181" v="10" actId="20577"/>
-        <pc:sldMkLst>
-          <pc:docMk/>
-          <pc:sldMk cId="3308175748" sldId="256"/>
-        </pc:sldMkLst>
-        <pc:spChg chg="mod">
-          <ac:chgData name="Gibbons, Carl" userId="d2b037bc-8fb4-4222-845c-61440543a456" providerId="ADAL" clId="{14F797DE-E75B-4062-A6FB-AA9F07155580}" dt="2023-12-29T17:10:38.181" v="10" actId="20577"/>
-          <ac:spMkLst>
-            <pc:docMk/>
-            <pc:sldMk cId="3308175748" sldId="256"/>
-            <ac:spMk id="3" creationId="{EEC4D41B-E776-05F2-BE0B-89BB339485AB}"/>
-          </ac:spMkLst>
-        </pc:spChg>
-      </pc:sldChg>
-      <pc:sldChg chg="modSp mod">
-        <pc:chgData name="Gibbons, Carl" userId="d2b037bc-8fb4-4222-845c-61440543a456" providerId="ADAL" clId="{14F797DE-E75B-4062-A6FB-AA9F07155580}" dt="2023-12-29T17:51:52.012" v="2089" actId="20577"/>
-        <pc:sldMkLst>
-          <pc:docMk/>
-          <pc:sldMk cId="2312486803" sldId="261"/>
-        </pc:sldMkLst>
-        <pc:spChg chg="mod">
-          <ac:chgData name="Gibbons, Carl" userId="d2b037bc-8fb4-4222-845c-61440543a456" providerId="ADAL" clId="{14F797DE-E75B-4062-A6FB-AA9F07155580}" dt="2023-12-29T17:23:59.510" v="341" actId="20577"/>
-          <ac:spMkLst>
-            <pc:docMk/>
-            <pc:sldMk cId="2312486803" sldId="261"/>
-            <ac:spMk id="2" creationId="{31B75992-5098-A283-4925-2CCEBB801DC5}"/>
-          </ac:spMkLst>
-        </pc:spChg>
-        <pc:spChg chg="mod">
-          <ac:chgData name="Gibbons, Carl" userId="d2b037bc-8fb4-4222-845c-61440543a456" providerId="ADAL" clId="{14F797DE-E75B-4062-A6FB-AA9F07155580}" dt="2023-12-29T17:51:52.012" v="2089" actId="20577"/>
-          <ac:spMkLst>
-            <pc:docMk/>
-            <pc:sldMk cId="2312486803" sldId="261"/>
-            <ac:spMk id="3" creationId="{B5924E0F-A977-1710-779D-EEB74261AF34}"/>
-          </ac:spMkLst>
-        </pc:spChg>
-      </pc:sldChg>
-      <pc:sldChg chg="addSp modSp mod">
-        <pc:chgData name="Gibbons, Carl" userId="d2b037bc-8fb4-4222-845c-61440543a456" providerId="ADAL" clId="{14F797DE-E75B-4062-A6FB-AA9F07155580}" dt="2023-12-29T21:53:53.831" v="6845" actId="20577"/>
-        <pc:sldMkLst>
-          <pc:docMk/>
-          <pc:sldMk cId="657795359" sldId="277"/>
-        </pc:sldMkLst>
-        <pc:spChg chg="mod">
-          <ac:chgData name="Gibbons, Carl" userId="d2b037bc-8fb4-4222-845c-61440543a456" providerId="ADAL" clId="{14F797DE-E75B-4062-A6FB-AA9F07155580}" dt="2023-12-29T21:45:47.422" v="6393" actId="20577"/>
-          <ac:spMkLst>
-            <pc:docMk/>
-            <pc:sldMk cId="657795359" sldId="277"/>
-            <ac:spMk id="2" creationId="{1862E903-3C56-BB42-2361-009F2336475A}"/>
-          </ac:spMkLst>
-        </pc:spChg>
-        <pc:spChg chg="add mod">
-          <ac:chgData name="Gibbons, Carl" userId="d2b037bc-8fb4-4222-845c-61440543a456" providerId="ADAL" clId="{14F797DE-E75B-4062-A6FB-AA9F07155580}" dt="2023-12-29T21:53:53.831" v="6845" actId="20577"/>
-          <ac:spMkLst>
-            <pc:docMk/>
-            <pc:sldMk cId="657795359" sldId="277"/>
-            <ac:spMk id="3" creationId="{D9D594D6-F4EE-B0AB-C128-26D2D32F8E21}"/>
-          </ac:spMkLst>
-        </pc:spChg>
-      </pc:sldChg>
-      <pc:sldChg chg="modSp mod">
-        <pc:chgData name="Gibbons, Carl" userId="d2b037bc-8fb4-4222-845c-61440543a456" providerId="ADAL" clId="{14F797DE-E75B-4062-A6FB-AA9F07155580}" dt="2023-12-29T18:26:31.431" v="3669" actId="20577"/>
-        <pc:sldMkLst>
-          <pc:docMk/>
-          <pc:sldMk cId="3989541258" sldId="278"/>
-        </pc:sldMkLst>
-        <pc:spChg chg="mod">
-          <ac:chgData name="Gibbons, Carl" userId="d2b037bc-8fb4-4222-845c-61440543a456" providerId="ADAL" clId="{14F797DE-E75B-4062-A6FB-AA9F07155580}" dt="2023-12-29T17:53:20.837" v="2147" actId="20577"/>
-          <ac:spMkLst>
-            <pc:docMk/>
-            <pc:sldMk cId="3989541258" sldId="278"/>
-            <ac:spMk id="2" creationId="{31B75992-5098-A283-4925-2CCEBB801DC5}"/>
-          </ac:spMkLst>
-        </pc:spChg>
-        <pc:spChg chg="mod">
-          <ac:chgData name="Gibbons, Carl" userId="d2b037bc-8fb4-4222-845c-61440543a456" providerId="ADAL" clId="{14F797DE-E75B-4062-A6FB-AA9F07155580}" dt="2023-12-29T18:26:31.431" v="3669" actId="20577"/>
-          <ac:spMkLst>
-            <pc:docMk/>
-            <pc:sldMk cId="3989541258" sldId="278"/>
-            <ac:spMk id="3" creationId="{B5924E0F-A977-1710-779D-EEB74261AF34}"/>
-          </ac:spMkLst>
-        </pc:spChg>
-      </pc:sldChg>
-      <pc:sldChg chg="modSp mod">
-        <pc:chgData name="Gibbons, Carl" userId="d2b037bc-8fb4-4222-845c-61440543a456" providerId="ADAL" clId="{14F797DE-E75B-4062-A6FB-AA9F07155580}" dt="2023-12-29T21:55:15.574" v="6853" actId="255"/>
-        <pc:sldMkLst>
-          <pc:docMk/>
-          <pc:sldMk cId="1861646120" sldId="293"/>
-        </pc:sldMkLst>
-        <pc:spChg chg="mod">
-          <ac:chgData name="Gibbons, Carl" userId="d2b037bc-8fb4-4222-845c-61440543a456" providerId="ADAL" clId="{14F797DE-E75B-4062-A6FB-AA9F07155580}" dt="2023-12-29T18:01:10.039" v="2767" actId="20577"/>
-          <ac:spMkLst>
-            <pc:docMk/>
-            <pc:sldMk cId="1861646120" sldId="293"/>
-            <ac:spMk id="2" creationId="{31B75992-5098-A283-4925-2CCEBB801DC5}"/>
-          </ac:spMkLst>
-        </pc:spChg>
-        <pc:spChg chg="mod">
-          <ac:chgData name="Gibbons, Carl" userId="d2b037bc-8fb4-4222-845c-61440543a456" providerId="ADAL" clId="{14F797DE-E75B-4062-A6FB-AA9F07155580}" dt="2023-12-29T21:55:15.574" v="6853" actId="255"/>
-          <ac:spMkLst>
-            <pc:docMk/>
-            <pc:sldMk cId="1861646120" sldId="293"/>
-            <ac:spMk id="3" creationId="{B5924E0F-A977-1710-779D-EEB74261AF34}"/>
-          </ac:spMkLst>
-        </pc:spChg>
-      </pc:sldChg>
-      <pc:sldChg chg="modSp mod">
-        <pc:chgData name="Gibbons, Carl" userId="d2b037bc-8fb4-4222-845c-61440543a456" providerId="ADAL" clId="{14F797DE-E75B-4062-A6FB-AA9F07155580}" dt="2023-12-29T21:55:08.313" v="6852" actId="255"/>
-        <pc:sldMkLst>
-          <pc:docMk/>
-          <pc:sldMk cId="2232562783" sldId="294"/>
-        </pc:sldMkLst>
-        <pc:spChg chg="mod">
-          <ac:chgData name="Gibbons, Carl" userId="d2b037bc-8fb4-4222-845c-61440543a456" providerId="ADAL" clId="{14F797DE-E75B-4062-A6FB-AA9F07155580}" dt="2023-12-29T18:24:14.937" v="3546" actId="20577"/>
-          <ac:spMkLst>
-            <pc:docMk/>
-            <pc:sldMk cId="2232562783" sldId="294"/>
-            <ac:spMk id="2" creationId="{31B75992-5098-A283-4925-2CCEBB801DC5}"/>
-          </ac:spMkLst>
-        </pc:spChg>
-        <pc:spChg chg="mod">
-          <ac:chgData name="Gibbons, Carl" userId="d2b037bc-8fb4-4222-845c-61440543a456" providerId="ADAL" clId="{14F797DE-E75B-4062-A6FB-AA9F07155580}" dt="2023-12-29T21:55:08.313" v="6852" actId="255"/>
-          <ac:spMkLst>
-            <pc:docMk/>
-            <pc:sldMk cId="2232562783" sldId="294"/>
-            <ac:spMk id="3" creationId="{B5924E0F-A977-1710-779D-EEB74261AF34}"/>
-          </ac:spMkLst>
-        </pc:spChg>
-      </pc:sldChg>
-      <pc:sldChg chg="modSp add mod">
-        <pc:chgData name="Gibbons, Carl" userId="d2b037bc-8fb4-4222-845c-61440543a456" providerId="ADAL" clId="{14F797DE-E75B-4062-A6FB-AA9F07155580}" dt="2023-12-29T21:55:02.689" v="6851" actId="255"/>
-        <pc:sldMkLst>
-          <pc:docMk/>
-          <pc:sldMk cId="806767687" sldId="295"/>
-        </pc:sldMkLst>
-        <pc:spChg chg="mod">
-          <ac:chgData name="Gibbons, Carl" userId="d2b037bc-8fb4-4222-845c-61440543a456" providerId="ADAL" clId="{14F797DE-E75B-4062-A6FB-AA9F07155580}" dt="2023-12-29T18:50:33.208" v="4036" actId="113"/>
-          <ac:spMkLst>
-            <pc:docMk/>
-            <pc:sldMk cId="806767687" sldId="295"/>
-            <ac:spMk id="2" creationId="{31B75992-5098-A283-4925-2CCEBB801DC5}"/>
-          </ac:spMkLst>
-        </pc:spChg>
-        <pc:spChg chg="mod">
-          <ac:chgData name="Gibbons, Carl" userId="d2b037bc-8fb4-4222-845c-61440543a456" providerId="ADAL" clId="{14F797DE-E75B-4062-A6FB-AA9F07155580}" dt="2023-12-29T21:55:02.689" v="6851" actId="255"/>
-          <ac:spMkLst>
-            <pc:docMk/>
-            <pc:sldMk cId="806767687" sldId="295"/>
-            <ac:spMk id="3" creationId="{B5924E0F-A977-1710-779D-EEB74261AF34}"/>
-          </ac:spMkLst>
-        </pc:spChg>
-      </pc:sldChg>
-      <pc:sldChg chg="modSp mod">
-        <pc:chgData name="Gibbons, Carl" userId="d2b037bc-8fb4-4222-845c-61440543a456" providerId="ADAL" clId="{14F797DE-E75B-4062-A6FB-AA9F07155580}" dt="2023-12-29T21:54:48.370" v="6850" actId="255"/>
-        <pc:sldMkLst>
-          <pc:docMk/>
-          <pc:sldMk cId="3145157247" sldId="296"/>
-        </pc:sldMkLst>
-        <pc:spChg chg="mod">
-          <ac:chgData name="Gibbons, Carl" userId="d2b037bc-8fb4-4222-845c-61440543a456" providerId="ADAL" clId="{14F797DE-E75B-4062-A6FB-AA9F07155580}" dt="2023-12-29T21:07:20.782" v="4695" actId="20577"/>
-          <ac:spMkLst>
-            <pc:docMk/>
-            <pc:sldMk cId="3145157247" sldId="296"/>
-            <ac:spMk id="2" creationId="{31B75992-5098-A283-4925-2CCEBB801DC5}"/>
-          </ac:spMkLst>
-        </pc:spChg>
-        <pc:spChg chg="mod">
-          <ac:chgData name="Gibbons, Carl" userId="d2b037bc-8fb4-4222-845c-61440543a456" providerId="ADAL" clId="{14F797DE-E75B-4062-A6FB-AA9F07155580}" dt="2023-12-29T21:54:48.370" v="6850" actId="255"/>
-          <ac:spMkLst>
-            <pc:docMk/>
-            <pc:sldMk cId="3145157247" sldId="296"/>
-            <ac:spMk id="3" creationId="{B5924E0F-A977-1710-779D-EEB74261AF34}"/>
-          </ac:spMkLst>
-        </pc:spChg>
-      </pc:sldChg>
-      <pc:sldChg chg="modSp mod">
-        <pc:chgData name="Gibbons, Carl" userId="d2b037bc-8fb4-4222-845c-61440543a456" providerId="ADAL" clId="{14F797DE-E75B-4062-A6FB-AA9F07155580}" dt="2023-12-29T21:54:42.630" v="6849" actId="255"/>
-        <pc:sldMkLst>
-          <pc:docMk/>
-          <pc:sldMk cId="2424714671" sldId="297"/>
-        </pc:sldMkLst>
-        <pc:spChg chg="mod">
-          <ac:chgData name="Gibbons, Carl" userId="d2b037bc-8fb4-4222-845c-61440543a456" providerId="ADAL" clId="{14F797DE-E75B-4062-A6FB-AA9F07155580}" dt="2023-12-29T21:07:54.964" v="4712" actId="20577"/>
-          <ac:spMkLst>
-            <pc:docMk/>
-            <pc:sldMk cId="2424714671" sldId="297"/>
-            <ac:spMk id="2" creationId="{31B75992-5098-A283-4925-2CCEBB801DC5}"/>
-          </ac:spMkLst>
-        </pc:spChg>
-        <pc:spChg chg="mod">
-          <ac:chgData name="Gibbons, Carl" userId="d2b037bc-8fb4-4222-845c-61440543a456" providerId="ADAL" clId="{14F797DE-E75B-4062-A6FB-AA9F07155580}" dt="2023-12-29T21:54:42.630" v="6849" actId="255"/>
-          <ac:spMkLst>
-            <pc:docMk/>
-            <pc:sldMk cId="2424714671" sldId="297"/>
-            <ac:spMk id="3" creationId="{B5924E0F-A977-1710-779D-EEB74261AF34}"/>
-          </ac:spMkLst>
-        </pc:spChg>
-      </pc:sldChg>
-      <pc:sldChg chg="modSp mod">
-        <pc:chgData name="Gibbons, Carl" userId="d2b037bc-8fb4-4222-845c-61440543a456" providerId="ADAL" clId="{14F797DE-E75B-4062-A6FB-AA9F07155580}" dt="2023-12-29T21:54:28.975" v="6848" actId="255"/>
-        <pc:sldMkLst>
-          <pc:docMk/>
-          <pc:sldMk cId="3450195044" sldId="298"/>
-        </pc:sldMkLst>
-        <pc:spChg chg="mod">
-          <ac:chgData name="Gibbons, Carl" userId="d2b037bc-8fb4-4222-845c-61440543a456" providerId="ADAL" clId="{14F797DE-E75B-4062-A6FB-AA9F07155580}" dt="2023-12-29T21:23:42.216" v="5202" actId="20577"/>
-          <ac:spMkLst>
-            <pc:docMk/>
-            <pc:sldMk cId="3450195044" sldId="298"/>
-            <ac:spMk id="2" creationId="{31B75992-5098-A283-4925-2CCEBB801DC5}"/>
-          </ac:spMkLst>
-        </pc:spChg>
-        <pc:spChg chg="mod">
-          <ac:chgData name="Gibbons, Carl" userId="d2b037bc-8fb4-4222-845c-61440543a456" providerId="ADAL" clId="{14F797DE-E75B-4062-A6FB-AA9F07155580}" dt="2023-12-29T21:54:28.975" v="6848" actId="255"/>
-          <ac:spMkLst>
-            <pc:docMk/>
-            <pc:sldMk cId="3450195044" sldId="298"/>
-            <ac:spMk id="3" creationId="{B5924E0F-A977-1710-779D-EEB74261AF34}"/>
-          </ac:spMkLst>
-        </pc:spChg>
-      </pc:sldChg>
-      <pc:sldChg chg="modSp mod">
-        <pc:chgData name="Gibbons, Carl" userId="d2b037bc-8fb4-4222-845c-61440543a456" providerId="ADAL" clId="{14F797DE-E75B-4062-A6FB-AA9F07155580}" dt="2023-12-29T21:54:18.720" v="6846" actId="255"/>
-        <pc:sldMkLst>
-          <pc:docMk/>
-          <pc:sldMk cId="3633122843" sldId="299"/>
-        </pc:sldMkLst>
-        <pc:spChg chg="mod">
-          <ac:chgData name="Gibbons, Carl" userId="d2b037bc-8fb4-4222-845c-61440543a456" providerId="ADAL" clId="{14F797DE-E75B-4062-A6FB-AA9F07155580}" dt="2023-12-29T21:31:23.761" v="5684" actId="20577"/>
-          <ac:spMkLst>
-            <pc:docMk/>
-            <pc:sldMk cId="3633122843" sldId="299"/>
-            <ac:spMk id="2" creationId="{31B75992-5098-A283-4925-2CCEBB801DC5}"/>
-          </ac:spMkLst>
-        </pc:spChg>
-        <pc:spChg chg="mod">
-          <ac:chgData name="Gibbons, Carl" userId="d2b037bc-8fb4-4222-845c-61440543a456" providerId="ADAL" clId="{14F797DE-E75B-4062-A6FB-AA9F07155580}" dt="2023-12-29T21:54:18.720" v="6846" actId="255"/>
-          <ac:spMkLst>
-            <pc:docMk/>
-            <pc:sldMk cId="3633122843" sldId="299"/>
-            <ac:spMk id="3" creationId="{B5924E0F-A977-1710-779D-EEB74261AF34}"/>
-          </ac:spMkLst>
-        </pc:spChg>
-      </pc:sldChg>
-    </pc:docChg>
-  </pc:docChgLst>
-  <pc:docChgLst>
-    <pc:chgData name="Gibbons, Carl" userId="d2b037bc-8fb4-4222-845c-61440543a456" providerId="ADAL" clId="{3D73FC3D-A932-426E-A7E0-475220CAB957}"/>
-    <pc:docChg chg="undo redo custSel addSld delSld modSld">
-      <pc:chgData name="Gibbons, Carl" userId="d2b037bc-8fb4-4222-845c-61440543a456" providerId="ADAL" clId="{3D73FC3D-A932-426E-A7E0-475220CAB957}" dt="2023-12-24T03:24:28.415" v="11663" actId="20577"/>
-      <pc:docMkLst>
-        <pc:docMk/>
-      </pc:docMkLst>
-      <pc:sldChg chg="modSp mod">
-        <pc:chgData name="Gibbons, Carl" userId="d2b037bc-8fb4-4222-845c-61440543a456" providerId="ADAL" clId="{3D73FC3D-A932-426E-A7E0-475220CAB957}" dt="2023-12-23T23:38:20.022" v="49" actId="20577"/>
-        <pc:sldMkLst>
-          <pc:docMk/>
-          <pc:sldMk cId="3308175748" sldId="256"/>
-        </pc:sldMkLst>
-        <pc:spChg chg="mod">
-          <ac:chgData name="Gibbons, Carl" userId="d2b037bc-8fb4-4222-845c-61440543a456" providerId="ADAL" clId="{3D73FC3D-A932-426E-A7E0-475220CAB957}" dt="2023-12-23T23:38:20.022" v="49" actId="20577"/>
-          <ac:spMkLst>
-            <pc:docMk/>
-            <pc:sldMk cId="3308175748" sldId="256"/>
-            <ac:spMk id="3" creationId="{EEC4D41B-E776-05F2-BE0B-89BB339485AB}"/>
-          </ac:spMkLst>
-        </pc:spChg>
-      </pc:sldChg>
-      <pc:sldChg chg="modSp mod">
-        <pc:chgData name="Gibbons, Carl" userId="d2b037bc-8fb4-4222-845c-61440543a456" providerId="ADAL" clId="{3D73FC3D-A932-426E-A7E0-475220CAB957}" dt="2023-12-24T01:13:09.893" v="3743" actId="20577"/>
-        <pc:sldMkLst>
-          <pc:docMk/>
-          <pc:sldMk cId="519357719" sldId="260"/>
-        </pc:sldMkLst>
-        <pc:spChg chg="mod">
-          <ac:chgData name="Gibbons, Carl" userId="d2b037bc-8fb4-4222-845c-61440543a456" providerId="ADAL" clId="{3D73FC3D-A932-426E-A7E0-475220CAB957}" dt="2023-12-24T00:45:38.249" v="1787" actId="20577"/>
-          <ac:spMkLst>
-            <pc:docMk/>
-            <pc:sldMk cId="519357719" sldId="260"/>
-            <ac:spMk id="2" creationId="{E8E7C5B6-3D55-D6F8-C2DE-9B6E32C23A9C}"/>
-          </ac:spMkLst>
-        </pc:spChg>
-        <pc:spChg chg="mod">
-          <ac:chgData name="Gibbons, Carl" userId="d2b037bc-8fb4-4222-845c-61440543a456" providerId="ADAL" clId="{3D73FC3D-A932-426E-A7E0-475220CAB957}" dt="2023-12-24T01:13:09.893" v="3743" actId="20577"/>
-          <ac:spMkLst>
-            <pc:docMk/>
-            <pc:sldMk cId="519357719" sldId="260"/>
-            <ac:spMk id="3" creationId="{17D02A72-79B4-B4A1-5F2B-4922B2F25909}"/>
-          </ac:spMkLst>
-        </pc:spChg>
-      </pc:sldChg>
-      <pc:sldChg chg="addSp modSp mod">
-        <pc:chgData name="Gibbons, Carl" userId="d2b037bc-8fb4-4222-845c-61440543a456" providerId="ADAL" clId="{3D73FC3D-A932-426E-A7E0-475220CAB957}" dt="2023-12-24T00:00:09.105" v="711" actId="20577"/>
-        <pc:sldMkLst>
-          <pc:docMk/>
-          <pc:sldMk cId="2312486803" sldId="261"/>
-        </pc:sldMkLst>
-        <pc:spChg chg="mod">
-          <ac:chgData name="Gibbons, Carl" userId="d2b037bc-8fb4-4222-845c-61440543a456" providerId="ADAL" clId="{3D73FC3D-A932-426E-A7E0-475220CAB957}" dt="2023-12-23T23:50:04.782" v="85" actId="20577"/>
-          <ac:spMkLst>
-            <pc:docMk/>
-            <pc:sldMk cId="2312486803" sldId="261"/>
-            <ac:spMk id="2" creationId="{31B75992-5098-A283-4925-2CCEBB801DC5}"/>
-          </ac:spMkLst>
-        </pc:spChg>
-        <pc:spChg chg="mod">
-          <ac:chgData name="Gibbons, Carl" userId="d2b037bc-8fb4-4222-845c-61440543a456" providerId="ADAL" clId="{3D73FC3D-A932-426E-A7E0-475220CAB957}" dt="2023-12-24T00:00:09.105" v="711" actId="20577"/>
-          <ac:spMkLst>
-            <pc:docMk/>
-            <pc:sldMk cId="2312486803" sldId="261"/>
-            <ac:spMk id="3" creationId="{B5924E0F-A977-1710-779D-EEB74261AF34}"/>
-          </ac:spMkLst>
-        </pc:spChg>
-        <pc:picChg chg="add mod">
-          <ac:chgData name="Gibbons, Carl" userId="d2b037bc-8fb4-4222-845c-61440543a456" providerId="ADAL" clId="{3D73FC3D-A932-426E-A7E0-475220CAB957}" dt="2023-12-23T23:51:02.278" v="91" actId="1076"/>
-          <ac:picMkLst>
-            <pc:docMk/>
-            <pc:sldMk cId="2312486803" sldId="261"/>
-            <ac:picMk id="5" creationId="{95F1B758-8221-A28F-F68D-1A79ADBC274D}"/>
-          </ac:picMkLst>
-        </pc:picChg>
-      </pc:sldChg>
-      <pc:sldChg chg="modSp mod">
-        <pc:chgData name="Gibbons, Carl" userId="d2b037bc-8fb4-4222-845c-61440543a456" providerId="ADAL" clId="{3D73FC3D-A932-426E-A7E0-475220CAB957}" dt="2023-12-24T00:44:00.546" v="1681" actId="20577"/>
-        <pc:sldMkLst>
-          <pc:docMk/>
-          <pc:sldMk cId="378743348" sldId="270"/>
-        </pc:sldMkLst>
-        <pc:spChg chg="mod">
-          <ac:chgData name="Gibbons, Carl" userId="d2b037bc-8fb4-4222-845c-61440543a456" providerId="ADAL" clId="{3D73FC3D-A932-426E-A7E0-475220CAB957}" dt="2023-12-24T00:42:29.049" v="1647" actId="114"/>
-          <ac:spMkLst>
-            <pc:docMk/>
-            <pc:sldMk cId="378743348" sldId="270"/>
-            <ac:spMk id="2" creationId="{C5822466-AC61-5579-F313-7B8A3FE65CC8}"/>
-          </ac:spMkLst>
-        </pc:spChg>
-        <pc:spChg chg="mod">
-          <ac:chgData name="Gibbons, Carl" userId="d2b037bc-8fb4-4222-845c-61440543a456" providerId="ADAL" clId="{3D73FC3D-A932-426E-A7E0-475220CAB957}" dt="2023-12-24T00:44:00.546" v="1681" actId="20577"/>
-          <ac:spMkLst>
-            <pc:docMk/>
-            <pc:sldMk cId="378743348" sldId="270"/>
-            <ac:spMk id="3" creationId="{80041865-9773-290D-EB35-F8AF8BFC505C}"/>
-          </ac:spMkLst>
-        </pc:spChg>
-      </pc:sldChg>
-      <pc:sldChg chg="modSp mod">
-        <pc:chgData name="Gibbons, Carl" userId="d2b037bc-8fb4-4222-845c-61440543a456" providerId="ADAL" clId="{3D73FC3D-A932-426E-A7E0-475220CAB957}" dt="2023-12-24T03:24:28.415" v="11663" actId="20577"/>
-        <pc:sldMkLst>
-          <pc:docMk/>
-          <pc:sldMk cId="657795359" sldId="277"/>
-        </pc:sldMkLst>
-        <pc:spChg chg="mod">
-          <ac:chgData name="Gibbons, Carl" userId="d2b037bc-8fb4-4222-845c-61440543a456" providerId="ADAL" clId="{3D73FC3D-A932-426E-A7E0-475220CAB957}" dt="2023-12-24T03:22:59.669" v="11407" actId="20577"/>
-          <ac:spMkLst>
-            <pc:docMk/>
-            <pc:sldMk cId="657795359" sldId="277"/>
-            <ac:spMk id="2" creationId="{1862E903-3C56-BB42-2361-009F2336475A}"/>
-          </ac:spMkLst>
-        </pc:spChg>
-        <pc:spChg chg="mod">
-          <ac:chgData name="Gibbons, Carl" userId="d2b037bc-8fb4-4222-845c-61440543a456" providerId="ADAL" clId="{3D73FC3D-A932-426E-A7E0-475220CAB957}" dt="2023-12-24T03:24:28.415" v="11663" actId="20577"/>
-          <ac:spMkLst>
-            <pc:docMk/>
-            <pc:sldMk cId="657795359" sldId="277"/>
-            <ac:spMk id="3" creationId="{90179172-96B3-95D0-A137-257770BE7642}"/>
-          </ac:spMkLst>
-        </pc:spChg>
-      </pc:sldChg>
-      <pc:sldChg chg="modSp mod">
-        <pc:chgData name="Gibbons, Carl" userId="d2b037bc-8fb4-4222-845c-61440543a456" providerId="ADAL" clId="{3D73FC3D-A932-426E-A7E0-475220CAB957}" dt="2023-12-24T01:34:56.666" v="4550" actId="20577"/>
-        <pc:sldMkLst>
-          <pc:docMk/>
-          <pc:sldMk cId="376509629" sldId="278"/>
-        </pc:sldMkLst>
-        <pc:spChg chg="mod">
-          <ac:chgData name="Gibbons, Carl" userId="d2b037bc-8fb4-4222-845c-61440543a456" providerId="ADAL" clId="{3D73FC3D-A932-426E-A7E0-475220CAB957}" dt="2023-12-24T01:29:35.543" v="4429" actId="20577"/>
-          <ac:spMkLst>
-            <pc:docMk/>
-            <pc:sldMk cId="376509629" sldId="278"/>
-            <ac:spMk id="2" creationId="{E8E7C5B6-3D55-D6F8-C2DE-9B6E32C23A9C}"/>
-          </ac:spMkLst>
-        </pc:spChg>
-        <pc:spChg chg="mod">
-          <ac:chgData name="Gibbons, Carl" userId="d2b037bc-8fb4-4222-845c-61440543a456" providerId="ADAL" clId="{3D73FC3D-A932-426E-A7E0-475220CAB957}" dt="2023-12-24T01:34:56.666" v="4550" actId="20577"/>
-          <ac:spMkLst>
-            <pc:docMk/>
-            <pc:sldMk cId="376509629" sldId="278"/>
-            <ac:spMk id="3" creationId="{17D02A72-79B4-B4A1-5F2B-4922B2F25909}"/>
-          </ac:spMkLst>
-        </pc:spChg>
-      </pc:sldChg>
-      <pc:sldChg chg="modSp add mod">
-        <pc:chgData name="Gibbons, Carl" userId="d2b037bc-8fb4-4222-845c-61440543a456" providerId="ADAL" clId="{3D73FC3D-A932-426E-A7E0-475220CAB957}" dt="2023-12-24T01:50:22.304" v="5579" actId="20577"/>
-        <pc:sldMkLst>
-          <pc:docMk/>
-          <pc:sldMk cId="3153831418" sldId="279"/>
-        </pc:sldMkLst>
-        <pc:spChg chg="mod">
-          <ac:chgData name="Gibbons, Carl" userId="d2b037bc-8fb4-4222-845c-61440543a456" providerId="ADAL" clId="{3D73FC3D-A932-426E-A7E0-475220CAB957}" dt="2023-12-24T01:36:49.541" v="4576" actId="20577"/>
-          <ac:spMkLst>
-            <pc:docMk/>
-            <pc:sldMk cId="3153831418" sldId="279"/>
-            <ac:spMk id="2" creationId="{E8E7C5B6-3D55-D6F8-C2DE-9B6E32C23A9C}"/>
-          </ac:spMkLst>
-        </pc:spChg>
-        <pc:spChg chg="mod">
-          <ac:chgData name="Gibbons, Carl" userId="d2b037bc-8fb4-4222-845c-61440543a456" providerId="ADAL" clId="{3D73FC3D-A932-426E-A7E0-475220CAB957}" dt="2023-12-24T01:50:22.304" v="5579" actId="20577"/>
-          <ac:spMkLst>
-            <pc:docMk/>
-            <pc:sldMk cId="3153831418" sldId="279"/>
-            <ac:spMk id="3" creationId="{17D02A72-79B4-B4A1-5F2B-4922B2F25909}"/>
-          </ac:spMkLst>
-        </pc:spChg>
-      </pc:sldChg>
-      <pc:sldChg chg="del">
-        <pc:chgData name="Gibbons, Carl" userId="d2b037bc-8fb4-4222-845c-61440543a456" providerId="ADAL" clId="{3D73FC3D-A932-426E-A7E0-475220CAB957}" dt="2023-12-24T01:36:36.846" v="4551"/>
-        <pc:sldMkLst>
-          <pc:docMk/>
-          <pc:sldMk cId="3319441950" sldId="279"/>
-        </pc:sldMkLst>
-      </pc:sldChg>
-      <pc:sldChg chg="addSp delSp modSp mod">
-        <pc:chgData name="Gibbons, Carl" userId="d2b037bc-8fb4-4222-845c-61440543a456" providerId="ADAL" clId="{3D73FC3D-A932-426E-A7E0-475220CAB957}" dt="2023-12-24T02:38:37.357" v="8076" actId="22"/>
-        <pc:sldMkLst>
-          <pc:docMk/>
-          <pc:sldMk cId="1730491475" sldId="280"/>
-        </pc:sldMkLst>
-        <pc:spChg chg="mod">
-          <ac:chgData name="Gibbons, Carl" userId="d2b037bc-8fb4-4222-845c-61440543a456" providerId="ADAL" clId="{3D73FC3D-A932-426E-A7E0-475220CAB957}" dt="2023-12-24T01:50:32.554" v="5581" actId="20577"/>
-          <ac:spMkLst>
-            <pc:docMk/>
-            <pc:sldMk cId="1730491475" sldId="280"/>
-            <ac:spMk id="2" creationId="{E8E7C5B6-3D55-D6F8-C2DE-9B6E32C23A9C}"/>
-          </ac:spMkLst>
-        </pc:spChg>
-        <pc:spChg chg="mod">
-          <ac:chgData name="Gibbons, Carl" userId="d2b037bc-8fb4-4222-845c-61440543a456" providerId="ADAL" clId="{3D73FC3D-A932-426E-A7E0-475220CAB957}" dt="2023-12-24T02:35:28.836" v="8074" actId="12"/>
-          <ac:spMkLst>
-            <pc:docMk/>
-            <pc:sldMk cId="1730491475" sldId="280"/>
-            <ac:spMk id="3" creationId="{17D02A72-79B4-B4A1-5F2B-4922B2F25909}"/>
-          </ac:spMkLst>
-        </pc:spChg>
-        <pc:spChg chg="add del">
-          <ac:chgData name="Gibbons, Carl" userId="d2b037bc-8fb4-4222-845c-61440543a456" providerId="ADAL" clId="{3D73FC3D-A932-426E-A7E0-475220CAB957}" dt="2023-12-24T02:38:37.357" v="8076" actId="22"/>
-          <ac:spMkLst>
-            <pc:docMk/>
-            <pc:sldMk cId="1730491475" sldId="280"/>
-            <ac:spMk id="5" creationId="{8BB9020B-ED8A-501F-CC80-C270A0022D15}"/>
-          </ac:spMkLst>
-        </pc:spChg>
-      </pc:sldChg>
-      <pc:sldChg chg="modSp mod">
-        <pc:chgData name="Gibbons, Carl" userId="d2b037bc-8fb4-4222-845c-61440543a456" providerId="ADAL" clId="{3D73FC3D-A932-426E-A7E0-475220CAB957}" dt="2023-12-24T03:05:20.109" v="10364" actId="20577"/>
-        <pc:sldMkLst>
-          <pc:docMk/>
-          <pc:sldMk cId="2142935958" sldId="281"/>
-        </pc:sldMkLst>
-        <pc:spChg chg="mod">
-          <ac:chgData name="Gibbons, Carl" userId="d2b037bc-8fb4-4222-845c-61440543a456" providerId="ADAL" clId="{3D73FC3D-A932-426E-A7E0-475220CAB957}" dt="2023-12-24T02:43:01.996" v="8436" actId="20577"/>
-          <ac:spMkLst>
-            <pc:docMk/>
-            <pc:sldMk cId="2142935958" sldId="281"/>
-            <ac:spMk id="2" creationId="{E8E7C5B6-3D55-D6F8-C2DE-9B6E32C23A9C}"/>
-          </ac:spMkLst>
-        </pc:spChg>
-        <pc:spChg chg="mod">
-          <ac:chgData name="Gibbons, Carl" userId="d2b037bc-8fb4-4222-845c-61440543a456" providerId="ADAL" clId="{3D73FC3D-A932-426E-A7E0-475220CAB957}" dt="2023-12-24T03:05:20.109" v="10364" actId="20577"/>
-          <ac:spMkLst>
-            <pc:docMk/>
-            <pc:sldMk cId="2142935958" sldId="281"/>
-            <ac:spMk id="3" creationId="{17D02A72-79B4-B4A1-5F2B-4922B2F25909}"/>
-          </ac:spMkLst>
-        </pc:spChg>
-      </pc:sldChg>
-      <pc:sldChg chg="modSp mod">
-        <pc:chgData name="Gibbons, Carl" userId="d2b037bc-8fb4-4222-845c-61440543a456" providerId="ADAL" clId="{3D73FC3D-A932-426E-A7E0-475220CAB957}" dt="2023-12-24T03:22:15.893" v="11397" actId="2711"/>
-        <pc:sldMkLst>
-          <pc:docMk/>
-          <pc:sldMk cId="1371681654" sldId="282"/>
-        </pc:sldMkLst>
-        <pc:spChg chg="mod">
-          <ac:chgData name="Gibbons, Carl" userId="d2b037bc-8fb4-4222-845c-61440543a456" providerId="ADAL" clId="{3D73FC3D-A932-426E-A7E0-475220CAB957}" dt="2023-12-24T03:12:22.296" v="10563" actId="1036"/>
-          <ac:spMkLst>
-            <pc:docMk/>
-            <pc:sldMk cId="1371681654" sldId="282"/>
-            <ac:spMk id="2" creationId="{E8E7C5B6-3D55-D6F8-C2DE-9B6E32C23A9C}"/>
-          </ac:spMkLst>
-        </pc:spChg>
-        <pc:spChg chg="mod">
-          <ac:chgData name="Gibbons, Carl" userId="d2b037bc-8fb4-4222-845c-61440543a456" providerId="ADAL" clId="{3D73FC3D-A932-426E-A7E0-475220CAB957}" dt="2023-12-24T03:22:15.893" v="11397" actId="2711"/>
-          <ac:spMkLst>
-            <pc:docMk/>
-            <pc:sldMk cId="1371681654" sldId="282"/>
-            <ac:spMk id="3" creationId="{17D02A72-79B4-B4A1-5F2B-4922B2F25909}"/>
-          </ac:spMkLst>
-        </pc:spChg>
-      </pc:sldChg>
     </pc:docChg>
   </pc:docChgLst>
 </pc:chgInfo>
@@ -3062,7 +3076,7 @@
           <a:p>
             <a:fld id="{421996D4-4A1C-4BBC-AA2B-FD5B7FC395A0}" type="datetime1">
               <a:rPr lang="en-US" smtClean="0"/>
-              <a:t>2/4/2024</a:t>
+              <a:t>5/16/2024</a:t>
             </a:fld>
             <a:endParaRPr lang="en-US"/>
           </a:p>
@@ -3260,7 +3274,7 @@
           <a:p>
             <a:fld id="{CB43818D-5554-4105-BE04-CEE32DEBDA0A}" type="datetime1">
               <a:rPr lang="en-US" smtClean="0"/>
-              <a:t>2/4/2024</a:t>
+              <a:t>5/16/2024</a:t>
             </a:fld>
             <a:endParaRPr lang="en-US"/>
           </a:p>
@@ -3468,7 +3482,7 @@
           <a:p>
             <a:fld id="{AFAC11C6-1708-41BC-9474-3D7842023D96}" type="datetime1">
               <a:rPr lang="en-US" smtClean="0"/>
-              <a:t>2/4/2024</a:t>
+              <a:t>5/16/2024</a:t>
             </a:fld>
             <a:endParaRPr lang="en-US"/>
           </a:p>
@@ -3747,7 +3761,7 @@
           <a:p>
             <a:fld id="{490605F8-8C86-41F5-9F5E-04EDB8C2540B}" type="datetime1">
               <a:rPr lang="en-US" smtClean="0"/>
-              <a:t>2/4/2024</a:t>
+              <a:t>5/16/2024</a:t>
             </a:fld>
             <a:endParaRPr lang="en-US"/>
           </a:p>
@@ -4022,7 +4036,7 @@
           <a:p>
             <a:fld id="{CA355DA2-1E89-41CC-B722-CBFC08F260AE}" type="datetime1">
               <a:rPr lang="en-US" smtClean="0"/>
-              <a:t>2/4/2024</a:t>
+              <a:t>5/16/2024</a:t>
             </a:fld>
             <a:endParaRPr lang="en-US"/>
           </a:p>
@@ -4287,7 +4301,7 @@
           <a:p>
             <a:fld id="{7F6AFD48-C472-404E-B7B5-BA44CCF2F55D}" type="datetime1">
               <a:rPr lang="en-US" smtClean="0"/>
-              <a:t>2/4/2024</a:t>
+              <a:t>5/16/2024</a:t>
             </a:fld>
             <a:endParaRPr lang="en-US"/>
           </a:p>
@@ -4699,7 +4713,7 @@
           <a:p>
             <a:fld id="{B33F52E9-9255-4CAF-909C-660126F1B079}" type="datetime1">
               <a:rPr lang="en-US" smtClean="0"/>
-              <a:t>2/4/2024</a:t>
+              <a:t>5/16/2024</a:t>
             </a:fld>
             <a:endParaRPr lang="en-US"/>
           </a:p>
@@ -4840,7 +4854,7 @@
           <a:p>
             <a:fld id="{67F9F019-D13C-4797-8A9F-7B02D5B8121E}" type="datetime1">
               <a:rPr lang="en-US" smtClean="0"/>
-              <a:t>2/4/2024</a:t>
+              <a:t>5/16/2024</a:t>
             </a:fld>
             <a:endParaRPr lang="en-US"/>
           </a:p>
@@ -4953,7 +4967,7 @@
           <a:p>
             <a:fld id="{FDA143B9-A6C4-436D-945A-FF5B3EA2EF39}" type="datetime1">
               <a:rPr lang="en-US" smtClean="0"/>
-              <a:t>2/4/2024</a:t>
+              <a:t>5/16/2024</a:t>
             </a:fld>
             <a:endParaRPr lang="en-US"/>
           </a:p>
@@ -5264,7 +5278,7 @@
           <a:p>
             <a:fld id="{457E18FE-B6F9-4F6A-835B-8251F04458A0}" type="datetime1">
               <a:rPr lang="en-US" smtClean="0"/>
-              <a:t>2/4/2024</a:t>
+              <a:t>5/16/2024</a:t>
             </a:fld>
             <a:endParaRPr lang="en-US"/>
           </a:p>
@@ -5552,7 +5566,7 @@
           <a:p>
             <a:fld id="{5F2690CE-112A-455B-AD5F-E26CEA6A5331}" type="datetime1">
               <a:rPr lang="en-US" smtClean="0"/>
-              <a:t>2/4/2024</a:t>
+              <a:t>5/16/2024</a:t>
             </a:fld>
             <a:endParaRPr lang="en-US"/>
           </a:p>
@@ -5793,7 +5807,7 @@
           <a:p>
             <a:fld id="{9C4E342D-98AB-407C-88D4-A20ED0F70E1C}" type="datetime1">
               <a:rPr lang="en-US" smtClean="0"/>
-              <a:t>2/4/2024</a:t>
+              <a:t>5/16/2024</a:t>
             </a:fld>
             <a:endParaRPr lang="en-US"/>
           </a:p>
@@ -6526,8 +6540,13 @@
             <a:pPr algn="r"/>
             <a:r>
               <a:rPr lang="en-US" i="1" dirty="0"/>
-              <a:t>Pro-Tip:</a:t>
-            </a:r>
+              <a:t>PT </a:t>
+            </a:r>
+            <a:r>
+              <a:rPr lang="en-US" i="1"/>
+              <a:t>(Pro-Tip):</a:t>
+            </a:r>
+            <a:endParaRPr lang="en-US" i="1" dirty="0"/>
           </a:p>
           <a:p>
             <a:pPr algn="r"/>

--- a/CYBER360-4.5-Transcripts.pptx
+++ b/CYBER360-4.5-Transcripts.pptx
@@ -117,6 +117,127 @@
 <file path=ppt/changesInfos/changesInfo1.xml><?xml version="1.0" encoding="utf-8"?>
 <pc:chgInfo xmlns:a="http://schemas.openxmlformats.org/drawingml/2006/main" xmlns:r="http://schemas.openxmlformats.org/officeDocument/2006/relationships" xmlns:ac="http://schemas.microsoft.com/office/drawing/2013/main/command" xmlns:pc="http://schemas.microsoft.com/office/powerpoint/2013/main/command">
   <pc:docChgLst>
+    <pc:chgData name="Gibbons, Carl" userId="d2b037bc-8fb4-4222-845c-61440543a456" providerId="ADAL" clId="{930742B8-5264-4285-844A-779DDFAABB41}"/>
+    <pc:docChg chg="custSel delSld modSld">
+      <pc:chgData name="Gibbons, Carl" userId="d2b037bc-8fb4-4222-845c-61440543a456" providerId="ADAL" clId="{930742B8-5264-4285-844A-779DDFAABB41}" dt="2024-02-04T07:28:09.926" v="804" actId="2711"/>
+      <pc:docMkLst>
+        <pc:docMk/>
+      </pc:docMkLst>
+      <pc:sldChg chg="modSp mod">
+        <pc:chgData name="Gibbons, Carl" userId="d2b037bc-8fb4-4222-845c-61440543a456" providerId="ADAL" clId="{930742B8-5264-4285-844A-779DDFAABB41}" dt="2024-02-04T07:19:09.277" v="12" actId="20577"/>
+        <pc:sldMkLst>
+          <pc:docMk/>
+          <pc:sldMk cId="3308175748" sldId="256"/>
+        </pc:sldMkLst>
+        <pc:spChg chg="mod">
+          <ac:chgData name="Gibbons, Carl" userId="d2b037bc-8fb4-4222-845c-61440543a456" providerId="ADAL" clId="{930742B8-5264-4285-844A-779DDFAABB41}" dt="2024-02-04T07:19:09.277" v="12" actId="20577"/>
+          <ac:spMkLst>
+            <pc:docMk/>
+            <pc:sldMk cId="3308175748" sldId="256"/>
+            <ac:spMk id="3" creationId="{EEC4D41B-E776-05F2-BE0B-89BB339485AB}"/>
+          </ac:spMkLst>
+        </pc:spChg>
+      </pc:sldChg>
+      <pc:sldChg chg="modSp mod">
+        <pc:chgData name="Gibbons, Carl" userId="d2b037bc-8fb4-4222-845c-61440543a456" providerId="ADAL" clId="{930742B8-5264-4285-844A-779DDFAABB41}" dt="2024-02-04T07:28:09.926" v="804" actId="2711"/>
+        <pc:sldMkLst>
+          <pc:docMk/>
+          <pc:sldMk cId="2312486803" sldId="261"/>
+        </pc:sldMkLst>
+        <pc:spChg chg="mod">
+          <ac:chgData name="Gibbons, Carl" userId="d2b037bc-8fb4-4222-845c-61440543a456" providerId="ADAL" clId="{930742B8-5264-4285-844A-779DDFAABB41}" dt="2024-02-04T07:19:25.889" v="43" actId="20577"/>
+          <ac:spMkLst>
+            <pc:docMk/>
+            <pc:sldMk cId="2312486803" sldId="261"/>
+            <ac:spMk id="2" creationId="{31B75992-5098-A283-4925-2CCEBB801DC5}"/>
+          </ac:spMkLst>
+        </pc:spChg>
+        <pc:spChg chg="mod">
+          <ac:chgData name="Gibbons, Carl" userId="d2b037bc-8fb4-4222-845c-61440543a456" providerId="ADAL" clId="{930742B8-5264-4285-844A-779DDFAABB41}" dt="2024-02-04T07:28:09.926" v="804" actId="2711"/>
+          <ac:spMkLst>
+            <pc:docMk/>
+            <pc:sldMk cId="2312486803" sldId="261"/>
+            <ac:spMk id="3" creationId="{B5924E0F-A977-1710-779D-EEB74261AF34}"/>
+          </ac:spMkLst>
+        </pc:spChg>
+      </pc:sldChg>
+      <pc:sldChg chg="modSp mod">
+        <pc:chgData name="Gibbons, Carl" userId="d2b037bc-8fb4-4222-845c-61440543a456" providerId="ADAL" clId="{930742B8-5264-4285-844A-779DDFAABB41}" dt="2024-02-04T07:21:38.166" v="247" actId="20577"/>
+        <pc:sldMkLst>
+          <pc:docMk/>
+          <pc:sldMk cId="3885141102" sldId="262"/>
+        </pc:sldMkLst>
+        <pc:spChg chg="mod">
+          <ac:chgData name="Gibbons, Carl" userId="d2b037bc-8fb4-4222-845c-61440543a456" providerId="ADAL" clId="{930742B8-5264-4285-844A-779DDFAABB41}" dt="2024-02-04T07:21:38.166" v="247" actId="20577"/>
+          <ac:spMkLst>
+            <pc:docMk/>
+            <pc:sldMk cId="3885141102" sldId="262"/>
+            <ac:spMk id="3" creationId="{B5924E0F-A977-1710-779D-EEB74261AF34}"/>
+          </ac:spMkLst>
+        </pc:spChg>
+      </pc:sldChg>
+      <pc:sldChg chg="del">
+        <pc:chgData name="Gibbons, Carl" userId="d2b037bc-8fb4-4222-845c-61440543a456" providerId="ADAL" clId="{930742B8-5264-4285-844A-779DDFAABB41}" dt="2024-02-04T07:21:17.454" v="192" actId="2696"/>
+        <pc:sldMkLst>
+          <pc:docMk/>
+          <pc:sldMk cId="2993794741" sldId="265"/>
+        </pc:sldMkLst>
+      </pc:sldChg>
+      <pc:sldChg chg="del">
+        <pc:chgData name="Gibbons, Carl" userId="d2b037bc-8fb4-4222-845c-61440543a456" providerId="ADAL" clId="{930742B8-5264-4285-844A-779DDFAABB41}" dt="2024-02-04T07:21:17.454" v="192" actId="2696"/>
+        <pc:sldMkLst>
+          <pc:docMk/>
+          <pc:sldMk cId="1337022352" sldId="266"/>
+        </pc:sldMkLst>
+      </pc:sldChg>
+      <pc:sldChg chg="del">
+        <pc:chgData name="Gibbons, Carl" userId="d2b037bc-8fb4-4222-845c-61440543a456" providerId="ADAL" clId="{930742B8-5264-4285-844A-779DDFAABB41}" dt="2024-02-04T07:21:17.454" v="192" actId="2696"/>
+        <pc:sldMkLst>
+          <pc:docMk/>
+          <pc:sldMk cId="3576168196" sldId="267"/>
+        </pc:sldMkLst>
+      </pc:sldChg>
+      <pc:sldChg chg="del">
+        <pc:chgData name="Gibbons, Carl" userId="d2b037bc-8fb4-4222-845c-61440543a456" providerId="ADAL" clId="{930742B8-5264-4285-844A-779DDFAABB41}" dt="2024-02-04T07:21:17.454" v="192" actId="2696"/>
+        <pc:sldMkLst>
+          <pc:docMk/>
+          <pc:sldMk cId="1066671753" sldId="268"/>
+        </pc:sldMkLst>
+      </pc:sldChg>
+      <pc:sldChg chg="del">
+        <pc:chgData name="Gibbons, Carl" userId="d2b037bc-8fb4-4222-845c-61440543a456" providerId="ADAL" clId="{930742B8-5264-4285-844A-779DDFAABB41}" dt="2024-02-04T07:21:17.454" v="192" actId="2696"/>
+        <pc:sldMkLst>
+          <pc:docMk/>
+          <pc:sldMk cId="465083765" sldId="269"/>
+        </pc:sldMkLst>
+      </pc:sldChg>
+    </pc:docChg>
+  </pc:docChgLst>
+  <pc:docChgLst>
+    <pc:chgData name="Gibbons, Carl" userId="d2b037bc-8fb4-4222-845c-61440543a456" providerId="ADAL" clId="{02B4F3B3-8AE6-4826-9561-D00C48702F3E}"/>
+    <pc:docChg chg="modSld">
+      <pc:chgData name="Gibbons, Carl" userId="d2b037bc-8fb4-4222-845c-61440543a456" providerId="ADAL" clId="{02B4F3B3-8AE6-4826-9561-D00C48702F3E}" dt="2024-05-17T03:14:20.929" v="4" actId="20577"/>
+      <pc:docMkLst>
+        <pc:docMk/>
+      </pc:docMkLst>
+      <pc:sldChg chg="modSp mod">
+        <pc:chgData name="Gibbons, Carl" userId="d2b037bc-8fb4-4222-845c-61440543a456" providerId="ADAL" clId="{02B4F3B3-8AE6-4826-9561-D00C48702F3E}" dt="2024-05-17T03:14:20.929" v="4" actId="20577"/>
+        <pc:sldMkLst>
+          <pc:docMk/>
+          <pc:sldMk cId="2312486803" sldId="261"/>
+        </pc:sldMkLst>
+        <pc:spChg chg="mod">
+          <ac:chgData name="Gibbons, Carl" userId="d2b037bc-8fb4-4222-845c-61440543a456" providerId="ADAL" clId="{02B4F3B3-8AE6-4826-9561-D00C48702F3E}" dt="2024-05-17T03:14:20.929" v="4" actId="20577"/>
+          <ac:spMkLst>
+            <pc:docMk/>
+            <pc:sldMk cId="2312486803" sldId="261"/>
+            <ac:spMk id="3" creationId="{B5924E0F-A977-1710-779D-EEB74261AF34}"/>
+          </ac:spMkLst>
+        </pc:spChg>
+      </pc:sldChg>
+    </pc:docChg>
+  </pc:docChgLst>
+  <pc:docChgLst>
     <pc:chgData name="Gibbons, Carl" userId="d2b037bc-8fb4-4222-845c-61440543a456" providerId="ADAL" clId="{B22431BF-FF40-422E-84B9-DE35C0B96CC3}"/>
     <pc:docChg chg="undo custSel delSld modSld">
       <pc:chgData name="Gibbons, Carl" userId="d2b037bc-8fb4-4222-845c-61440543a456" providerId="ADAL" clId="{B22431BF-FF40-422E-84B9-DE35C0B96CC3}" dt="2024-01-04T23:02:20.392" v="6116" actId="20577"/>
@@ -346,6 +467,2275 @@
             <pc:docMk/>
             <pc:sldMk cId="3488854045" sldId="302"/>
             <ac:spMk id="3" creationId="{B5924E0F-A977-1710-779D-EEB74261AF34}"/>
+          </ac:spMkLst>
+        </pc:spChg>
+      </pc:sldChg>
+    </pc:docChg>
+  </pc:docChgLst>
+  <pc:docChgLst>
+    <pc:chgData name="Gibbons, Carl" userId="d2b037bc-8fb4-4222-845c-61440543a456" providerId="ADAL" clId="{3CE3119B-1917-4F7B-A5AD-6C146E3F914B}"/>
+    <pc:docChg chg="undo custSel addSld delSld modSld sldOrd">
+      <pc:chgData name="Gibbons, Carl" userId="d2b037bc-8fb4-4222-845c-61440543a456" providerId="ADAL" clId="{3CE3119B-1917-4F7B-A5AD-6C146E3F914B}" dt="2023-12-28T21:57:42.900" v="13126" actId="20577"/>
+      <pc:docMkLst>
+        <pc:docMk/>
+      </pc:docMkLst>
+      <pc:sldChg chg="modSp mod">
+        <pc:chgData name="Gibbons, Carl" userId="d2b037bc-8fb4-4222-845c-61440543a456" providerId="ADAL" clId="{3CE3119B-1917-4F7B-A5AD-6C146E3F914B}" dt="2023-12-24T03:25:35.899" v="17" actId="20577"/>
+        <pc:sldMkLst>
+          <pc:docMk/>
+          <pc:sldMk cId="3308175748" sldId="256"/>
+        </pc:sldMkLst>
+        <pc:spChg chg="mod">
+          <ac:chgData name="Gibbons, Carl" userId="d2b037bc-8fb4-4222-845c-61440543a456" providerId="ADAL" clId="{3CE3119B-1917-4F7B-A5AD-6C146E3F914B}" dt="2023-12-24T03:25:35.899" v="17" actId="20577"/>
+          <ac:spMkLst>
+            <pc:docMk/>
+            <pc:sldMk cId="3308175748" sldId="256"/>
+            <ac:spMk id="3" creationId="{EEC4D41B-E776-05F2-BE0B-89BB339485AB}"/>
+          </ac:spMkLst>
+        </pc:spChg>
+      </pc:sldChg>
+      <pc:sldChg chg="del">
+        <pc:chgData name="Gibbons, Carl" userId="d2b037bc-8fb4-4222-845c-61440543a456" providerId="ADAL" clId="{3CE3119B-1917-4F7B-A5AD-6C146E3F914B}" dt="2023-12-24T04:15:13.652" v="2206" actId="47"/>
+        <pc:sldMkLst>
+          <pc:docMk/>
+          <pc:sldMk cId="519357719" sldId="260"/>
+        </pc:sldMkLst>
+      </pc:sldChg>
+      <pc:sldChg chg="delSp modSp mod">
+        <pc:chgData name="Gibbons, Carl" userId="d2b037bc-8fb4-4222-845c-61440543a456" providerId="ADAL" clId="{3CE3119B-1917-4F7B-A5AD-6C146E3F914B}" dt="2023-12-28T19:44:28.921" v="4873" actId="20577"/>
+        <pc:sldMkLst>
+          <pc:docMk/>
+          <pc:sldMk cId="2312486803" sldId="261"/>
+        </pc:sldMkLst>
+        <pc:spChg chg="mod">
+          <ac:chgData name="Gibbons, Carl" userId="d2b037bc-8fb4-4222-845c-61440543a456" providerId="ADAL" clId="{3CE3119B-1917-4F7B-A5AD-6C146E3F914B}" dt="2023-12-24T03:44:40.577" v="592" actId="20577"/>
+          <ac:spMkLst>
+            <pc:docMk/>
+            <pc:sldMk cId="2312486803" sldId="261"/>
+            <ac:spMk id="2" creationId="{31B75992-5098-A283-4925-2CCEBB801DC5}"/>
+          </ac:spMkLst>
+        </pc:spChg>
+        <pc:spChg chg="mod">
+          <ac:chgData name="Gibbons, Carl" userId="d2b037bc-8fb4-4222-845c-61440543a456" providerId="ADAL" clId="{3CE3119B-1917-4F7B-A5AD-6C146E3F914B}" dt="2023-12-28T19:44:28.921" v="4873" actId="20577"/>
+          <ac:spMkLst>
+            <pc:docMk/>
+            <pc:sldMk cId="2312486803" sldId="261"/>
+            <ac:spMk id="3" creationId="{B5924E0F-A977-1710-779D-EEB74261AF34}"/>
+          </ac:spMkLst>
+        </pc:spChg>
+        <pc:picChg chg="del">
+          <ac:chgData name="Gibbons, Carl" userId="d2b037bc-8fb4-4222-845c-61440543a456" providerId="ADAL" clId="{3CE3119B-1917-4F7B-A5AD-6C146E3F914B}" dt="2023-12-24T03:25:42.885" v="18" actId="478"/>
+          <ac:picMkLst>
+            <pc:docMk/>
+            <pc:sldMk cId="2312486803" sldId="261"/>
+            <ac:picMk id="5" creationId="{95F1B758-8221-A28F-F68D-1A79ADBC274D}"/>
+          </ac:picMkLst>
+        </pc:picChg>
+      </pc:sldChg>
+      <pc:sldChg chg="del">
+        <pc:chgData name="Gibbons, Carl" userId="d2b037bc-8fb4-4222-845c-61440543a456" providerId="ADAL" clId="{3CE3119B-1917-4F7B-A5AD-6C146E3F914B}" dt="2023-12-24T04:15:12.349" v="2205" actId="47"/>
+        <pc:sldMkLst>
+          <pc:docMk/>
+          <pc:sldMk cId="378743348" sldId="270"/>
+        </pc:sldMkLst>
+      </pc:sldChg>
+      <pc:sldChg chg="modSp mod">
+        <pc:chgData name="Gibbons, Carl" userId="d2b037bc-8fb4-4222-845c-61440543a456" providerId="ADAL" clId="{3CE3119B-1917-4F7B-A5AD-6C146E3F914B}" dt="2023-12-28T21:57:42.900" v="13126" actId="20577"/>
+        <pc:sldMkLst>
+          <pc:docMk/>
+          <pc:sldMk cId="657795359" sldId="277"/>
+        </pc:sldMkLst>
+        <pc:spChg chg="mod">
+          <ac:chgData name="Gibbons, Carl" userId="d2b037bc-8fb4-4222-845c-61440543a456" providerId="ADAL" clId="{3CE3119B-1917-4F7B-A5AD-6C146E3F914B}" dt="2023-12-28T21:57:42.900" v="13126" actId="20577"/>
+          <ac:spMkLst>
+            <pc:docMk/>
+            <pc:sldMk cId="657795359" sldId="277"/>
+            <ac:spMk id="2" creationId="{1862E903-3C56-BB42-2361-009F2336475A}"/>
+          </ac:spMkLst>
+        </pc:spChg>
+        <pc:spChg chg="mod">
+          <ac:chgData name="Gibbons, Carl" userId="d2b037bc-8fb4-4222-845c-61440543a456" providerId="ADAL" clId="{3CE3119B-1917-4F7B-A5AD-6C146E3F914B}" dt="2023-12-28T21:57:39.566" v="13125" actId="20577"/>
+          <ac:spMkLst>
+            <pc:docMk/>
+            <pc:sldMk cId="657795359" sldId="277"/>
+            <ac:spMk id="3" creationId="{90179172-96B3-95D0-A137-257770BE7642}"/>
+          </ac:spMkLst>
+        </pc:spChg>
+      </pc:sldChg>
+      <pc:sldChg chg="del">
+        <pc:chgData name="Gibbons, Carl" userId="d2b037bc-8fb4-4222-845c-61440543a456" providerId="ADAL" clId="{3CE3119B-1917-4F7B-A5AD-6C146E3F914B}" dt="2023-12-24T04:15:14.863" v="2207" actId="47"/>
+        <pc:sldMkLst>
+          <pc:docMk/>
+          <pc:sldMk cId="376509629" sldId="278"/>
+        </pc:sldMkLst>
+      </pc:sldChg>
+      <pc:sldChg chg="del">
+        <pc:chgData name="Gibbons, Carl" userId="d2b037bc-8fb4-4222-845c-61440543a456" providerId="ADAL" clId="{3CE3119B-1917-4F7B-A5AD-6C146E3F914B}" dt="2023-12-24T04:15:16.084" v="2208" actId="47"/>
+        <pc:sldMkLst>
+          <pc:docMk/>
+          <pc:sldMk cId="3153831418" sldId="279"/>
+        </pc:sldMkLst>
+      </pc:sldChg>
+      <pc:sldChg chg="del">
+        <pc:chgData name="Gibbons, Carl" userId="d2b037bc-8fb4-4222-845c-61440543a456" providerId="ADAL" clId="{3CE3119B-1917-4F7B-A5AD-6C146E3F914B}" dt="2023-12-24T04:15:16.999" v="2209" actId="47"/>
+        <pc:sldMkLst>
+          <pc:docMk/>
+          <pc:sldMk cId="1730491475" sldId="280"/>
+        </pc:sldMkLst>
+      </pc:sldChg>
+      <pc:sldChg chg="del">
+        <pc:chgData name="Gibbons, Carl" userId="d2b037bc-8fb4-4222-845c-61440543a456" providerId="ADAL" clId="{3CE3119B-1917-4F7B-A5AD-6C146E3F914B}" dt="2023-12-24T04:15:17.902" v="2210" actId="47"/>
+        <pc:sldMkLst>
+          <pc:docMk/>
+          <pc:sldMk cId="2142935958" sldId="281"/>
+        </pc:sldMkLst>
+      </pc:sldChg>
+      <pc:sldChg chg="del">
+        <pc:chgData name="Gibbons, Carl" userId="d2b037bc-8fb4-4222-845c-61440543a456" providerId="ADAL" clId="{3CE3119B-1917-4F7B-A5AD-6C146E3F914B}" dt="2023-12-24T04:15:18.904" v="2211" actId="47"/>
+        <pc:sldMkLst>
+          <pc:docMk/>
+          <pc:sldMk cId="1371681654" sldId="282"/>
+        </pc:sldMkLst>
+      </pc:sldChg>
+      <pc:sldChg chg="addSp modSp mod">
+        <pc:chgData name="Gibbons, Carl" userId="d2b037bc-8fb4-4222-845c-61440543a456" providerId="ADAL" clId="{3CE3119B-1917-4F7B-A5AD-6C146E3F914B}" dt="2023-12-24T04:21:46.824" v="2699" actId="20577"/>
+        <pc:sldMkLst>
+          <pc:docMk/>
+          <pc:sldMk cId="2959024232" sldId="283"/>
+        </pc:sldMkLst>
+        <pc:spChg chg="mod">
+          <ac:chgData name="Gibbons, Carl" userId="d2b037bc-8fb4-4222-845c-61440543a456" providerId="ADAL" clId="{3CE3119B-1917-4F7B-A5AD-6C146E3F914B}" dt="2023-12-24T03:51:38.841" v="820" actId="20577"/>
+          <ac:spMkLst>
+            <pc:docMk/>
+            <pc:sldMk cId="2959024232" sldId="283"/>
+            <ac:spMk id="2" creationId="{31B75992-5098-A283-4925-2CCEBB801DC5}"/>
+          </ac:spMkLst>
+        </pc:spChg>
+        <pc:spChg chg="mod">
+          <ac:chgData name="Gibbons, Carl" userId="d2b037bc-8fb4-4222-845c-61440543a456" providerId="ADAL" clId="{3CE3119B-1917-4F7B-A5AD-6C146E3F914B}" dt="2023-12-24T03:50:43.198" v="773" actId="20577"/>
+          <ac:spMkLst>
+            <pc:docMk/>
+            <pc:sldMk cId="2959024232" sldId="283"/>
+            <ac:spMk id="3" creationId="{B5924E0F-A977-1710-779D-EEB74261AF34}"/>
+          </ac:spMkLst>
+        </pc:spChg>
+        <pc:spChg chg="add mod">
+          <ac:chgData name="Gibbons, Carl" userId="d2b037bc-8fb4-4222-845c-61440543a456" providerId="ADAL" clId="{3CE3119B-1917-4F7B-A5AD-6C146E3F914B}" dt="2023-12-24T03:51:05.835" v="812" actId="20577"/>
+          <ac:spMkLst>
+            <pc:docMk/>
+            <pc:sldMk cId="2959024232" sldId="283"/>
+            <ac:spMk id="4" creationId="{6B5EF911-ED83-01C5-8F00-FD1AD80E90D2}"/>
+          </ac:spMkLst>
+        </pc:spChg>
+        <pc:spChg chg="add mod">
+          <ac:chgData name="Gibbons, Carl" userId="d2b037bc-8fb4-4222-845c-61440543a456" providerId="ADAL" clId="{3CE3119B-1917-4F7B-A5AD-6C146E3F914B}" dt="2023-12-24T04:21:46.824" v="2699" actId="20577"/>
+          <ac:spMkLst>
+            <pc:docMk/>
+            <pc:sldMk cId="2959024232" sldId="283"/>
+            <ac:spMk id="5" creationId="{746F0B3D-627C-BF49-CF83-A524927EBEDE}"/>
+          </ac:spMkLst>
+        </pc:spChg>
+      </pc:sldChg>
+      <pc:sldChg chg="delSp modSp mod">
+        <pc:chgData name="Gibbons, Carl" userId="d2b037bc-8fb4-4222-845c-61440543a456" providerId="ADAL" clId="{3CE3119B-1917-4F7B-A5AD-6C146E3F914B}" dt="2023-12-28T21:03:44.041" v="10649" actId="20577"/>
+        <pc:sldMkLst>
+          <pc:docMk/>
+          <pc:sldMk cId="3114675387" sldId="284"/>
+        </pc:sldMkLst>
+        <pc:spChg chg="mod">
+          <ac:chgData name="Gibbons, Carl" userId="d2b037bc-8fb4-4222-845c-61440543a456" providerId="ADAL" clId="{3CE3119B-1917-4F7B-A5AD-6C146E3F914B}" dt="2023-12-24T04:15:28.805" v="2213" actId="20577"/>
+          <ac:spMkLst>
+            <pc:docMk/>
+            <pc:sldMk cId="3114675387" sldId="284"/>
+            <ac:spMk id="2" creationId="{31B75992-5098-A283-4925-2CCEBB801DC5}"/>
+          </ac:spMkLst>
+        </pc:spChg>
+        <pc:spChg chg="mod">
+          <ac:chgData name="Gibbons, Carl" userId="d2b037bc-8fb4-4222-845c-61440543a456" providerId="ADAL" clId="{3CE3119B-1917-4F7B-A5AD-6C146E3F914B}" dt="2023-12-28T21:03:44.041" v="10649" actId="20577"/>
+          <ac:spMkLst>
+            <pc:docMk/>
+            <pc:sldMk cId="3114675387" sldId="284"/>
+            <ac:spMk id="3" creationId="{B5924E0F-A977-1710-779D-EEB74261AF34}"/>
+          </ac:spMkLst>
+        </pc:spChg>
+        <pc:spChg chg="del mod">
+          <ac:chgData name="Gibbons, Carl" userId="d2b037bc-8fb4-4222-845c-61440543a456" providerId="ADAL" clId="{3CE3119B-1917-4F7B-A5AD-6C146E3F914B}" dt="2023-12-24T04:17:34.876" v="2369" actId="478"/>
+          <ac:spMkLst>
+            <pc:docMk/>
+            <pc:sldMk cId="3114675387" sldId="284"/>
+            <ac:spMk id="4" creationId="{6B5EF911-ED83-01C5-8F00-FD1AD80E90D2}"/>
+          </ac:spMkLst>
+        </pc:spChg>
+        <pc:spChg chg="mod">
+          <ac:chgData name="Gibbons, Carl" userId="d2b037bc-8fb4-4222-845c-61440543a456" providerId="ADAL" clId="{3CE3119B-1917-4F7B-A5AD-6C146E3F914B}" dt="2023-12-24T04:25:41.312" v="2946" actId="20577"/>
+          <ac:spMkLst>
+            <pc:docMk/>
+            <pc:sldMk cId="3114675387" sldId="284"/>
+            <ac:spMk id="5" creationId="{746F0B3D-627C-BF49-CF83-A524927EBEDE}"/>
+          </ac:spMkLst>
+        </pc:spChg>
+      </pc:sldChg>
+      <pc:sldChg chg="modSp mod">
+        <pc:chgData name="Gibbons, Carl" userId="d2b037bc-8fb4-4222-845c-61440543a456" providerId="ADAL" clId="{3CE3119B-1917-4F7B-A5AD-6C146E3F914B}" dt="2023-12-28T20:27:51.520" v="8472" actId="20577"/>
+        <pc:sldMkLst>
+          <pc:docMk/>
+          <pc:sldMk cId="1243134729" sldId="285"/>
+        </pc:sldMkLst>
+        <pc:spChg chg="mod">
+          <ac:chgData name="Gibbons, Carl" userId="d2b037bc-8fb4-4222-845c-61440543a456" providerId="ADAL" clId="{3CE3119B-1917-4F7B-A5AD-6C146E3F914B}" dt="2023-12-28T18:55:00.802" v="3019" actId="20577"/>
+          <ac:spMkLst>
+            <pc:docMk/>
+            <pc:sldMk cId="1243134729" sldId="285"/>
+            <ac:spMk id="2" creationId="{31B75992-5098-A283-4925-2CCEBB801DC5}"/>
+          </ac:spMkLst>
+        </pc:spChg>
+        <pc:spChg chg="mod">
+          <ac:chgData name="Gibbons, Carl" userId="d2b037bc-8fb4-4222-845c-61440543a456" providerId="ADAL" clId="{3CE3119B-1917-4F7B-A5AD-6C146E3F914B}" dt="2023-12-28T19:11:28.137" v="4139" actId="20577"/>
+          <ac:spMkLst>
+            <pc:docMk/>
+            <pc:sldMk cId="1243134729" sldId="285"/>
+            <ac:spMk id="3" creationId="{B5924E0F-A977-1710-779D-EEB74261AF34}"/>
+          </ac:spMkLst>
+        </pc:spChg>
+        <pc:spChg chg="mod">
+          <ac:chgData name="Gibbons, Carl" userId="d2b037bc-8fb4-4222-845c-61440543a456" providerId="ADAL" clId="{3CE3119B-1917-4F7B-A5AD-6C146E3F914B}" dt="2023-12-28T20:27:51.520" v="8472" actId="20577"/>
+          <ac:spMkLst>
+            <pc:docMk/>
+            <pc:sldMk cId="1243134729" sldId="285"/>
+            <ac:spMk id="5" creationId="{746F0B3D-627C-BF49-CF83-A524927EBEDE}"/>
+          </ac:spMkLst>
+        </pc:spChg>
+      </pc:sldChg>
+      <pc:sldChg chg="modSp mod ord">
+        <pc:chgData name="Gibbons, Carl" userId="d2b037bc-8fb4-4222-845c-61440543a456" providerId="ADAL" clId="{3CE3119B-1917-4F7B-A5AD-6C146E3F914B}" dt="2023-12-28T20:26:55.852" v="8407" actId="20577"/>
+        <pc:sldMkLst>
+          <pc:docMk/>
+          <pc:sldMk cId="954591853" sldId="286"/>
+        </pc:sldMkLst>
+        <pc:spChg chg="mod">
+          <ac:chgData name="Gibbons, Carl" userId="d2b037bc-8fb4-4222-845c-61440543a456" providerId="ADAL" clId="{3CE3119B-1917-4F7B-A5AD-6C146E3F914B}" dt="2023-12-28T19:12:25.523" v="4250" actId="20577"/>
+          <ac:spMkLst>
+            <pc:docMk/>
+            <pc:sldMk cId="954591853" sldId="286"/>
+            <ac:spMk id="2" creationId="{31B75992-5098-A283-4925-2CCEBB801DC5}"/>
+          </ac:spMkLst>
+        </pc:spChg>
+        <pc:spChg chg="mod">
+          <ac:chgData name="Gibbons, Carl" userId="d2b037bc-8fb4-4222-845c-61440543a456" providerId="ADAL" clId="{3CE3119B-1917-4F7B-A5AD-6C146E3F914B}" dt="2023-12-28T20:11:15.517" v="7216" actId="20577"/>
+          <ac:spMkLst>
+            <pc:docMk/>
+            <pc:sldMk cId="954591853" sldId="286"/>
+            <ac:spMk id="3" creationId="{B5924E0F-A977-1710-779D-EEB74261AF34}"/>
+          </ac:spMkLst>
+        </pc:spChg>
+        <pc:spChg chg="mod">
+          <ac:chgData name="Gibbons, Carl" userId="d2b037bc-8fb4-4222-845c-61440543a456" providerId="ADAL" clId="{3CE3119B-1917-4F7B-A5AD-6C146E3F914B}" dt="2023-12-28T20:26:55.852" v="8407" actId="20577"/>
+          <ac:spMkLst>
+            <pc:docMk/>
+            <pc:sldMk cId="954591853" sldId="286"/>
+            <ac:spMk id="5" creationId="{746F0B3D-627C-BF49-CF83-A524927EBEDE}"/>
+          </ac:spMkLst>
+        </pc:spChg>
+      </pc:sldChg>
+      <pc:sldChg chg="addSp modSp mod">
+        <pc:chgData name="Gibbons, Carl" userId="d2b037bc-8fb4-4222-845c-61440543a456" providerId="ADAL" clId="{3CE3119B-1917-4F7B-A5AD-6C146E3F914B}" dt="2023-12-28T20:10:30.792" v="7202" actId="122"/>
+        <pc:sldMkLst>
+          <pc:docMk/>
+          <pc:sldMk cId="2614091779" sldId="287"/>
+        </pc:sldMkLst>
+        <pc:spChg chg="mod">
+          <ac:chgData name="Gibbons, Carl" userId="d2b037bc-8fb4-4222-845c-61440543a456" providerId="ADAL" clId="{3CE3119B-1917-4F7B-A5AD-6C146E3F914B}" dt="2023-12-28T19:52:51.742" v="5814" actId="20577"/>
+          <ac:spMkLst>
+            <pc:docMk/>
+            <pc:sldMk cId="2614091779" sldId="287"/>
+            <ac:spMk id="2" creationId="{31B75992-5098-A283-4925-2CCEBB801DC5}"/>
+          </ac:spMkLst>
+        </pc:spChg>
+        <pc:spChg chg="mod">
+          <ac:chgData name="Gibbons, Carl" userId="d2b037bc-8fb4-4222-845c-61440543a456" providerId="ADAL" clId="{3CE3119B-1917-4F7B-A5AD-6C146E3F914B}" dt="2023-12-28T19:48:55.211" v="5618" actId="14100"/>
+          <ac:spMkLst>
+            <pc:docMk/>
+            <pc:sldMk cId="2614091779" sldId="287"/>
+            <ac:spMk id="3" creationId="{B5924E0F-A977-1710-779D-EEB74261AF34}"/>
+          </ac:spMkLst>
+        </pc:spChg>
+        <pc:graphicFrameChg chg="add mod modGraphic">
+          <ac:chgData name="Gibbons, Carl" userId="d2b037bc-8fb4-4222-845c-61440543a456" providerId="ADAL" clId="{3CE3119B-1917-4F7B-A5AD-6C146E3F914B}" dt="2023-12-28T20:10:30.792" v="7202" actId="122"/>
+          <ac:graphicFrameMkLst>
+            <pc:docMk/>
+            <pc:sldMk cId="2614091779" sldId="287"/>
+            <ac:graphicFrameMk id="4" creationId="{3CFEF9C3-22C7-2157-EBC8-9116E36A6081}"/>
+          </ac:graphicFrameMkLst>
+        </pc:graphicFrameChg>
+      </pc:sldChg>
+      <pc:sldChg chg="delSp modSp mod">
+        <pc:chgData name="Gibbons, Carl" userId="d2b037bc-8fb4-4222-845c-61440543a456" providerId="ADAL" clId="{3CE3119B-1917-4F7B-A5AD-6C146E3F914B}" dt="2023-12-28T20:10:52.990" v="7204" actId="114"/>
+        <pc:sldMkLst>
+          <pc:docMk/>
+          <pc:sldMk cId="1341659426" sldId="288"/>
+        </pc:sldMkLst>
+        <pc:spChg chg="mod">
+          <ac:chgData name="Gibbons, Carl" userId="d2b037bc-8fb4-4222-845c-61440543a456" providerId="ADAL" clId="{3CE3119B-1917-4F7B-A5AD-6C146E3F914B}" dt="2023-12-28T19:53:19.425" v="5816" actId="20577"/>
+          <ac:spMkLst>
+            <pc:docMk/>
+            <pc:sldMk cId="1341659426" sldId="288"/>
+            <ac:spMk id="2" creationId="{31B75992-5098-A283-4925-2CCEBB801DC5}"/>
+          </ac:spMkLst>
+        </pc:spChg>
+        <pc:spChg chg="mod">
+          <ac:chgData name="Gibbons, Carl" userId="d2b037bc-8fb4-4222-845c-61440543a456" providerId="ADAL" clId="{3CE3119B-1917-4F7B-A5AD-6C146E3F914B}" dt="2023-12-28T20:10:52.990" v="7204" actId="114"/>
+          <ac:spMkLst>
+            <pc:docMk/>
+            <pc:sldMk cId="1341659426" sldId="288"/>
+            <ac:spMk id="3" creationId="{B5924E0F-A977-1710-779D-EEB74261AF34}"/>
+          </ac:spMkLst>
+        </pc:spChg>
+        <pc:graphicFrameChg chg="del modGraphic">
+          <ac:chgData name="Gibbons, Carl" userId="d2b037bc-8fb4-4222-845c-61440543a456" providerId="ADAL" clId="{3CE3119B-1917-4F7B-A5AD-6C146E3F914B}" dt="2023-12-28T19:53:27.454" v="5818" actId="21"/>
+          <ac:graphicFrameMkLst>
+            <pc:docMk/>
+            <pc:sldMk cId="1341659426" sldId="288"/>
+            <ac:graphicFrameMk id="4" creationId="{3CFEF9C3-22C7-2157-EBC8-9116E36A6081}"/>
+          </ac:graphicFrameMkLst>
+        </pc:graphicFrameChg>
+      </pc:sldChg>
+      <pc:sldChg chg="addSp modSp new mod">
+        <pc:chgData name="Gibbons, Carl" userId="d2b037bc-8fb4-4222-845c-61440543a456" providerId="ADAL" clId="{3CE3119B-1917-4F7B-A5AD-6C146E3F914B}" dt="2023-12-28T21:20:58.470" v="11391" actId="27636"/>
+        <pc:sldMkLst>
+          <pc:docMk/>
+          <pc:sldMk cId="2966054478" sldId="289"/>
+        </pc:sldMkLst>
+        <pc:spChg chg="mod">
+          <ac:chgData name="Gibbons, Carl" userId="d2b037bc-8fb4-4222-845c-61440543a456" providerId="ADAL" clId="{3CE3119B-1917-4F7B-A5AD-6C146E3F914B}" dt="2023-12-28T21:20:58.470" v="11391" actId="27636"/>
+          <ac:spMkLst>
+            <pc:docMk/>
+            <pc:sldMk cId="2966054478" sldId="289"/>
+            <ac:spMk id="2" creationId="{264BAEB2-591D-DEE6-3C00-0BAAC69880F0}"/>
+          </ac:spMkLst>
+        </pc:spChg>
+        <pc:spChg chg="add mod">
+          <ac:chgData name="Gibbons, Carl" userId="d2b037bc-8fb4-4222-845c-61440543a456" providerId="ADAL" clId="{3CE3119B-1917-4F7B-A5AD-6C146E3F914B}" dt="2023-12-28T21:02:37.455" v="10592" actId="20577"/>
+          <ac:spMkLst>
+            <pc:docMk/>
+            <pc:sldMk cId="2966054478" sldId="289"/>
+            <ac:spMk id="3" creationId="{0620B8A1-699E-C7B4-0A32-7D9C4529CA27}"/>
+          </ac:spMkLst>
+        </pc:spChg>
+      </pc:sldChg>
+      <pc:sldChg chg="modSp mod">
+        <pc:chgData name="Gibbons, Carl" userId="d2b037bc-8fb4-4222-845c-61440543a456" providerId="ADAL" clId="{3CE3119B-1917-4F7B-A5AD-6C146E3F914B}" dt="2023-12-28T20:25:14.044" v="8347" actId="20577"/>
+        <pc:sldMkLst>
+          <pc:docMk/>
+          <pc:sldMk cId="1014272238" sldId="290"/>
+        </pc:sldMkLst>
+        <pc:spChg chg="mod">
+          <ac:chgData name="Gibbons, Carl" userId="d2b037bc-8fb4-4222-845c-61440543a456" providerId="ADAL" clId="{3CE3119B-1917-4F7B-A5AD-6C146E3F914B}" dt="2023-12-28T20:14:14.888" v="7303" actId="20577"/>
+          <ac:spMkLst>
+            <pc:docMk/>
+            <pc:sldMk cId="1014272238" sldId="290"/>
+            <ac:spMk id="2" creationId="{31B75992-5098-A283-4925-2CCEBB801DC5}"/>
+          </ac:spMkLst>
+        </pc:spChg>
+        <pc:spChg chg="mod">
+          <ac:chgData name="Gibbons, Carl" userId="d2b037bc-8fb4-4222-845c-61440543a456" providerId="ADAL" clId="{3CE3119B-1917-4F7B-A5AD-6C146E3F914B}" dt="2023-12-28T20:25:14.044" v="8347" actId="20577"/>
+          <ac:spMkLst>
+            <pc:docMk/>
+            <pc:sldMk cId="1014272238" sldId="290"/>
+            <ac:spMk id="3" creationId="{B5924E0F-A977-1710-779D-EEB74261AF34}"/>
+          </ac:spMkLst>
+        </pc:spChg>
+      </pc:sldChg>
+      <pc:sldChg chg="modSp mod">
+        <pc:chgData name="Gibbons, Carl" userId="d2b037bc-8fb4-4222-845c-61440543a456" providerId="ADAL" clId="{3CE3119B-1917-4F7B-A5AD-6C146E3F914B}" dt="2023-12-28T21:21:03.949" v="11393" actId="27636"/>
+        <pc:sldMkLst>
+          <pc:docMk/>
+          <pc:sldMk cId="3689580349" sldId="291"/>
+        </pc:sldMkLst>
+        <pc:spChg chg="mod">
+          <ac:chgData name="Gibbons, Carl" userId="d2b037bc-8fb4-4222-845c-61440543a456" providerId="ADAL" clId="{3CE3119B-1917-4F7B-A5AD-6C146E3F914B}" dt="2023-12-28T21:21:03.949" v="11393" actId="27636"/>
+          <ac:spMkLst>
+            <pc:docMk/>
+            <pc:sldMk cId="3689580349" sldId="291"/>
+            <ac:spMk id="2" creationId="{264BAEB2-591D-DEE6-3C00-0BAAC69880F0}"/>
+          </ac:spMkLst>
+        </pc:spChg>
+        <pc:spChg chg="mod">
+          <ac:chgData name="Gibbons, Carl" userId="d2b037bc-8fb4-4222-845c-61440543a456" providerId="ADAL" clId="{3CE3119B-1917-4F7B-A5AD-6C146E3F914B}" dt="2023-12-28T21:02:59.174" v="10621" actId="20577"/>
+          <ac:spMkLst>
+            <pc:docMk/>
+            <pc:sldMk cId="3689580349" sldId="291"/>
+            <ac:spMk id="3" creationId="{0620B8A1-699E-C7B4-0A32-7D9C4529CA27}"/>
+          </ac:spMkLst>
+        </pc:spChg>
+      </pc:sldChg>
+      <pc:sldChg chg="modSp mod">
+        <pc:chgData name="Gibbons, Carl" userId="d2b037bc-8fb4-4222-845c-61440543a456" providerId="ADAL" clId="{3CE3119B-1917-4F7B-A5AD-6C146E3F914B}" dt="2023-12-28T21:30:34.709" v="11884" actId="20577"/>
+        <pc:sldMkLst>
+          <pc:docMk/>
+          <pc:sldMk cId="2738411615" sldId="292"/>
+        </pc:sldMkLst>
+        <pc:spChg chg="mod">
+          <ac:chgData name="Gibbons, Carl" userId="d2b037bc-8fb4-4222-845c-61440543a456" providerId="ADAL" clId="{3CE3119B-1917-4F7B-A5AD-6C146E3F914B}" dt="2023-12-28T21:27:00.893" v="11646" actId="20577"/>
+          <ac:spMkLst>
+            <pc:docMk/>
+            <pc:sldMk cId="2738411615" sldId="292"/>
+            <ac:spMk id="2" creationId="{31B75992-5098-A283-4925-2CCEBB801DC5}"/>
+          </ac:spMkLst>
+        </pc:spChg>
+        <pc:spChg chg="mod">
+          <ac:chgData name="Gibbons, Carl" userId="d2b037bc-8fb4-4222-845c-61440543a456" providerId="ADAL" clId="{3CE3119B-1917-4F7B-A5AD-6C146E3F914B}" dt="2023-12-28T21:30:34.709" v="11884" actId="20577"/>
+          <ac:spMkLst>
+            <pc:docMk/>
+            <pc:sldMk cId="2738411615" sldId="292"/>
+            <ac:spMk id="3" creationId="{B5924E0F-A977-1710-779D-EEB74261AF34}"/>
+          </ac:spMkLst>
+        </pc:spChg>
+      </pc:sldChg>
+      <pc:sldChg chg="modSp mod">
+        <pc:chgData name="Gibbons, Carl" userId="d2b037bc-8fb4-4222-845c-61440543a456" providerId="ADAL" clId="{3CE3119B-1917-4F7B-A5AD-6C146E3F914B}" dt="2023-12-28T21:56:49.002" v="13100" actId="20577"/>
+        <pc:sldMkLst>
+          <pc:docMk/>
+          <pc:sldMk cId="852415543" sldId="293"/>
+        </pc:sldMkLst>
+        <pc:spChg chg="mod">
+          <ac:chgData name="Gibbons, Carl" userId="d2b037bc-8fb4-4222-845c-61440543a456" providerId="ADAL" clId="{3CE3119B-1917-4F7B-A5AD-6C146E3F914B}" dt="2023-12-28T21:32:23.582" v="11900" actId="20577"/>
+          <ac:spMkLst>
+            <pc:docMk/>
+            <pc:sldMk cId="852415543" sldId="293"/>
+            <ac:spMk id="2" creationId="{264BAEB2-591D-DEE6-3C00-0BAAC69880F0}"/>
+          </ac:spMkLst>
+        </pc:spChg>
+        <pc:spChg chg="mod">
+          <ac:chgData name="Gibbons, Carl" userId="d2b037bc-8fb4-4222-845c-61440543a456" providerId="ADAL" clId="{3CE3119B-1917-4F7B-A5AD-6C146E3F914B}" dt="2023-12-28T21:56:49.002" v="13100" actId="20577"/>
+          <ac:spMkLst>
+            <pc:docMk/>
+            <pc:sldMk cId="852415543" sldId="293"/>
+            <ac:spMk id="3" creationId="{0620B8A1-699E-C7B4-0A32-7D9C4529CA27}"/>
+          </ac:spMkLst>
+        </pc:spChg>
+      </pc:sldChg>
+      <pc:sldMasterChg chg="delSldLayout">
+        <pc:chgData name="Gibbons, Carl" userId="d2b037bc-8fb4-4222-845c-61440543a456" providerId="ADAL" clId="{3CE3119B-1917-4F7B-A5AD-6C146E3F914B}" dt="2023-12-24T04:15:18.904" v="2211" actId="47"/>
+        <pc:sldMasterMkLst>
+          <pc:docMk/>
+          <pc:sldMasterMk cId="3616380004" sldId="2147483712"/>
+        </pc:sldMasterMkLst>
+        <pc:sldLayoutChg chg="del">
+          <pc:chgData name="Gibbons, Carl" userId="d2b037bc-8fb4-4222-845c-61440543a456" providerId="ADAL" clId="{3CE3119B-1917-4F7B-A5AD-6C146E3F914B}" dt="2023-12-24T04:15:18.904" v="2211" actId="47"/>
+          <pc:sldLayoutMkLst>
+            <pc:docMk/>
+            <pc:sldMasterMk cId="3616380004" sldId="2147483712"/>
+            <pc:sldLayoutMk cId="2633931619" sldId="2147483725"/>
+          </pc:sldLayoutMkLst>
+        </pc:sldLayoutChg>
+      </pc:sldMasterChg>
+    </pc:docChg>
+  </pc:docChgLst>
+  <pc:docChgLst>
+    <pc:chgData name="Gibbons, Carl" userId="d2b037bc-8fb4-4222-845c-61440543a456" providerId="ADAL" clId="{14F797DE-E75B-4062-A6FB-AA9F07155580}"/>
+    <pc:docChg chg="undo custSel addSld modSld">
+      <pc:chgData name="Gibbons, Carl" userId="d2b037bc-8fb4-4222-845c-61440543a456" providerId="ADAL" clId="{14F797DE-E75B-4062-A6FB-AA9F07155580}" dt="2023-12-29T21:55:15.574" v="6853" actId="255"/>
+      <pc:docMkLst>
+        <pc:docMk/>
+      </pc:docMkLst>
+      <pc:sldChg chg="modSp mod">
+        <pc:chgData name="Gibbons, Carl" userId="d2b037bc-8fb4-4222-845c-61440543a456" providerId="ADAL" clId="{14F797DE-E75B-4062-A6FB-AA9F07155580}" dt="2023-12-29T17:10:38.181" v="10" actId="20577"/>
+        <pc:sldMkLst>
+          <pc:docMk/>
+          <pc:sldMk cId="3308175748" sldId="256"/>
+        </pc:sldMkLst>
+        <pc:spChg chg="mod">
+          <ac:chgData name="Gibbons, Carl" userId="d2b037bc-8fb4-4222-845c-61440543a456" providerId="ADAL" clId="{14F797DE-E75B-4062-A6FB-AA9F07155580}" dt="2023-12-29T17:10:38.181" v="10" actId="20577"/>
+          <ac:spMkLst>
+            <pc:docMk/>
+            <pc:sldMk cId="3308175748" sldId="256"/>
+            <ac:spMk id="3" creationId="{EEC4D41B-E776-05F2-BE0B-89BB339485AB}"/>
+          </ac:spMkLst>
+        </pc:spChg>
+      </pc:sldChg>
+      <pc:sldChg chg="modSp mod">
+        <pc:chgData name="Gibbons, Carl" userId="d2b037bc-8fb4-4222-845c-61440543a456" providerId="ADAL" clId="{14F797DE-E75B-4062-A6FB-AA9F07155580}" dt="2023-12-29T17:51:52.012" v="2089" actId="20577"/>
+        <pc:sldMkLst>
+          <pc:docMk/>
+          <pc:sldMk cId="2312486803" sldId="261"/>
+        </pc:sldMkLst>
+        <pc:spChg chg="mod">
+          <ac:chgData name="Gibbons, Carl" userId="d2b037bc-8fb4-4222-845c-61440543a456" providerId="ADAL" clId="{14F797DE-E75B-4062-A6FB-AA9F07155580}" dt="2023-12-29T17:23:59.510" v="341" actId="20577"/>
+          <ac:spMkLst>
+            <pc:docMk/>
+            <pc:sldMk cId="2312486803" sldId="261"/>
+            <ac:spMk id="2" creationId="{31B75992-5098-A283-4925-2CCEBB801DC5}"/>
+          </ac:spMkLst>
+        </pc:spChg>
+        <pc:spChg chg="mod">
+          <ac:chgData name="Gibbons, Carl" userId="d2b037bc-8fb4-4222-845c-61440543a456" providerId="ADAL" clId="{14F797DE-E75B-4062-A6FB-AA9F07155580}" dt="2023-12-29T17:51:52.012" v="2089" actId="20577"/>
+          <ac:spMkLst>
+            <pc:docMk/>
+            <pc:sldMk cId="2312486803" sldId="261"/>
+            <ac:spMk id="3" creationId="{B5924E0F-A977-1710-779D-EEB74261AF34}"/>
+          </ac:spMkLst>
+        </pc:spChg>
+      </pc:sldChg>
+      <pc:sldChg chg="addSp modSp mod">
+        <pc:chgData name="Gibbons, Carl" userId="d2b037bc-8fb4-4222-845c-61440543a456" providerId="ADAL" clId="{14F797DE-E75B-4062-A6FB-AA9F07155580}" dt="2023-12-29T21:53:53.831" v="6845" actId="20577"/>
+        <pc:sldMkLst>
+          <pc:docMk/>
+          <pc:sldMk cId="657795359" sldId="277"/>
+        </pc:sldMkLst>
+        <pc:spChg chg="mod">
+          <ac:chgData name="Gibbons, Carl" userId="d2b037bc-8fb4-4222-845c-61440543a456" providerId="ADAL" clId="{14F797DE-E75B-4062-A6FB-AA9F07155580}" dt="2023-12-29T21:45:47.422" v="6393" actId="20577"/>
+          <ac:spMkLst>
+            <pc:docMk/>
+            <pc:sldMk cId="657795359" sldId="277"/>
+            <ac:spMk id="2" creationId="{1862E903-3C56-BB42-2361-009F2336475A}"/>
+          </ac:spMkLst>
+        </pc:spChg>
+        <pc:spChg chg="add mod">
+          <ac:chgData name="Gibbons, Carl" userId="d2b037bc-8fb4-4222-845c-61440543a456" providerId="ADAL" clId="{14F797DE-E75B-4062-A6FB-AA9F07155580}" dt="2023-12-29T21:53:53.831" v="6845" actId="20577"/>
+          <ac:spMkLst>
+            <pc:docMk/>
+            <pc:sldMk cId="657795359" sldId="277"/>
+            <ac:spMk id="3" creationId="{D9D594D6-F4EE-B0AB-C128-26D2D32F8E21}"/>
+          </ac:spMkLst>
+        </pc:spChg>
+      </pc:sldChg>
+      <pc:sldChg chg="modSp mod">
+        <pc:chgData name="Gibbons, Carl" userId="d2b037bc-8fb4-4222-845c-61440543a456" providerId="ADAL" clId="{14F797DE-E75B-4062-A6FB-AA9F07155580}" dt="2023-12-29T18:26:31.431" v="3669" actId="20577"/>
+        <pc:sldMkLst>
+          <pc:docMk/>
+          <pc:sldMk cId="3989541258" sldId="278"/>
+        </pc:sldMkLst>
+        <pc:spChg chg="mod">
+          <ac:chgData name="Gibbons, Carl" userId="d2b037bc-8fb4-4222-845c-61440543a456" providerId="ADAL" clId="{14F797DE-E75B-4062-A6FB-AA9F07155580}" dt="2023-12-29T17:53:20.837" v="2147" actId="20577"/>
+          <ac:spMkLst>
+            <pc:docMk/>
+            <pc:sldMk cId="3989541258" sldId="278"/>
+            <ac:spMk id="2" creationId="{31B75992-5098-A283-4925-2CCEBB801DC5}"/>
+          </ac:spMkLst>
+        </pc:spChg>
+        <pc:spChg chg="mod">
+          <ac:chgData name="Gibbons, Carl" userId="d2b037bc-8fb4-4222-845c-61440543a456" providerId="ADAL" clId="{14F797DE-E75B-4062-A6FB-AA9F07155580}" dt="2023-12-29T18:26:31.431" v="3669" actId="20577"/>
+          <ac:spMkLst>
+            <pc:docMk/>
+            <pc:sldMk cId="3989541258" sldId="278"/>
+            <ac:spMk id="3" creationId="{B5924E0F-A977-1710-779D-EEB74261AF34}"/>
+          </ac:spMkLst>
+        </pc:spChg>
+      </pc:sldChg>
+      <pc:sldChg chg="modSp mod">
+        <pc:chgData name="Gibbons, Carl" userId="d2b037bc-8fb4-4222-845c-61440543a456" providerId="ADAL" clId="{14F797DE-E75B-4062-A6FB-AA9F07155580}" dt="2023-12-29T21:55:15.574" v="6853" actId="255"/>
+        <pc:sldMkLst>
+          <pc:docMk/>
+          <pc:sldMk cId="1861646120" sldId="293"/>
+        </pc:sldMkLst>
+        <pc:spChg chg="mod">
+          <ac:chgData name="Gibbons, Carl" userId="d2b037bc-8fb4-4222-845c-61440543a456" providerId="ADAL" clId="{14F797DE-E75B-4062-A6FB-AA9F07155580}" dt="2023-12-29T18:01:10.039" v="2767" actId="20577"/>
+          <ac:spMkLst>
+            <pc:docMk/>
+            <pc:sldMk cId="1861646120" sldId="293"/>
+            <ac:spMk id="2" creationId="{31B75992-5098-A283-4925-2CCEBB801DC5}"/>
+          </ac:spMkLst>
+        </pc:spChg>
+        <pc:spChg chg="mod">
+          <ac:chgData name="Gibbons, Carl" userId="d2b037bc-8fb4-4222-845c-61440543a456" providerId="ADAL" clId="{14F797DE-E75B-4062-A6FB-AA9F07155580}" dt="2023-12-29T21:55:15.574" v="6853" actId="255"/>
+          <ac:spMkLst>
+            <pc:docMk/>
+            <pc:sldMk cId="1861646120" sldId="293"/>
+            <ac:spMk id="3" creationId="{B5924E0F-A977-1710-779D-EEB74261AF34}"/>
+          </ac:spMkLst>
+        </pc:spChg>
+      </pc:sldChg>
+      <pc:sldChg chg="modSp mod">
+        <pc:chgData name="Gibbons, Carl" userId="d2b037bc-8fb4-4222-845c-61440543a456" providerId="ADAL" clId="{14F797DE-E75B-4062-A6FB-AA9F07155580}" dt="2023-12-29T21:55:08.313" v="6852" actId="255"/>
+        <pc:sldMkLst>
+          <pc:docMk/>
+          <pc:sldMk cId="2232562783" sldId="294"/>
+        </pc:sldMkLst>
+        <pc:spChg chg="mod">
+          <ac:chgData name="Gibbons, Carl" userId="d2b037bc-8fb4-4222-845c-61440543a456" providerId="ADAL" clId="{14F797DE-E75B-4062-A6FB-AA9F07155580}" dt="2023-12-29T18:24:14.937" v="3546" actId="20577"/>
+          <ac:spMkLst>
+            <pc:docMk/>
+            <pc:sldMk cId="2232562783" sldId="294"/>
+            <ac:spMk id="2" creationId="{31B75992-5098-A283-4925-2CCEBB801DC5}"/>
+          </ac:spMkLst>
+        </pc:spChg>
+        <pc:spChg chg="mod">
+          <ac:chgData name="Gibbons, Carl" userId="d2b037bc-8fb4-4222-845c-61440543a456" providerId="ADAL" clId="{14F797DE-E75B-4062-A6FB-AA9F07155580}" dt="2023-12-29T21:55:08.313" v="6852" actId="255"/>
+          <ac:spMkLst>
+            <pc:docMk/>
+            <pc:sldMk cId="2232562783" sldId="294"/>
+            <ac:spMk id="3" creationId="{B5924E0F-A977-1710-779D-EEB74261AF34}"/>
+          </ac:spMkLst>
+        </pc:spChg>
+      </pc:sldChg>
+      <pc:sldChg chg="modSp add mod">
+        <pc:chgData name="Gibbons, Carl" userId="d2b037bc-8fb4-4222-845c-61440543a456" providerId="ADAL" clId="{14F797DE-E75B-4062-A6FB-AA9F07155580}" dt="2023-12-29T21:55:02.689" v="6851" actId="255"/>
+        <pc:sldMkLst>
+          <pc:docMk/>
+          <pc:sldMk cId="806767687" sldId="295"/>
+        </pc:sldMkLst>
+        <pc:spChg chg="mod">
+          <ac:chgData name="Gibbons, Carl" userId="d2b037bc-8fb4-4222-845c-61440543a456" providerId="ADAL" clId="{14F797DE-E75B-4062-A6FB-AA9F07155580}" dt="2023-12-29T18:50:33.208" v="4036" actId="113"/>
+          <ac:spMkLst>
+            <pc:docMk/>
+            <pc:sldMk cId="806767687" sldId="295"/>
+            <ac:spMk id="2" creationId="{31B75992-5098-A283-4925-2CCEBB801DC5}"/>
+          </ac:spMkLst>
+        </pc:spChg>
+        <pc:spChg chg="mod">
+          <ac:chgData name="Gibbons, Carl" userId="d2b037bc-8fb4-4222-845c-61440543a456" providerId="ADAL" clId="{14F797DE-E75B-4062-A6FB-AA9F07155580}" dt="2023-12-29T21:55:02.689" v="6851" actId="255"/>
+          <ac:spMkLst>
+            <pc:docMk/>
+            <pc:sldMk cId="806767687" sldId="295"/>
+            <ac:spMk id="3" creationId="{B5924E0F-A977-1710-779D-EEB74261AF34}"/>
+          </ac:spMkLst>
+        </pc:spChg>
+      </pc:sldChg>
+      <pc:sldChg chg="modSp mod">
+        <pc:chgData name="Gibbons, Carl" userId="d2b037bc-8fb4-4222-845c-61440543a456" providerId="ADAL" clId="{14F797DE-E75B-4062-A6FB-AA9F07155580}" dt="2023-12-29T21:54:48.370" v="6850" actId="255"/>
+        <pc:sldMkLst>
+          <pc:docMk/>
+          <pc:sldMk cId="3145157247" sldId="296"/>
+        </pc:sldMkLst>
+        <pc:spChg chg="mod">
+          <ac:chgData name="Gibbons, Carl" userId="d2b037bc-8fb4-4222-845c-61440543a456" providerId="ADAL" clId="{14F797DE-E75B-4062-A6FB-AA9F07155580}" dt="2023-12-29T21:07:20.782" v="4695" actId="20577"/>
+          <ac:spMkLst>
+            <pc:docMk/>
+            <pc:sldMk cId="3145157247" sldId="296"/>
+            <ac:spMk id="2" creationId="{31B75992-5098-A283-4925-2CCEBB801DC5}"/>
+          </ac:spMkLst>
+        </pc:spChg>
+        <pc:spChg chg="mod">
+          <ac:chgData name="Gibbons, Carl" userId="d2b037bc-8fb4-4222-845c-61440543a456" providerId="ADAL" clId="{14F797DE-E75B-4062-A6FB-AA9F07155580}" dt="2023-12-29T21:54:48.370" v="6850" actId="255"/>
+          <ac:spMkLst>
+            <pc:docMk/>
+            <pc:sldMk cId="3145157247" sldId="296"/>
+            <ac:spMk id="3" creationId="{B5924E0F-A977-1710-779D-EEB74261AF34}"/>
+          </ac:spMkLst>
+        </pc:spChg>
+      </pc:sldChg>
+      <pc:sldChg chg="modSp mod">
+        <pc:chgData name="Gibbons, Carl" userId="d2b037bc-8fb4-4222-845c-61440543a456" providerId="ADAL" clId="{14F797DE-E75B-4062-A6FB-AA9F07155580}" dt="2023-12-29T21:54:42.630" v="6849" actId="255"/>
+        <pc:sldMkLst>
+          <pc:docMk/>
+          <pc:sldMk cId="2424714671" sldId="297"/>
+        </pc:sldMkLst>
+        <pc:spChg chg="mod">
+          <ac:chgData name="Gibbons, Carl" userId="d2b037bc-8fb4-4222-845c-61440543a456" providerId="ADAL" clId="{14F797DE-E75B-4062-A6FB-AA9F07155580}" dt="2023-12-29T21:07:54.964" v="4712" actId="20577"/>
+          <ac:spMkLst>
+            <pc:docMk/>
+            <pc:sldMk cId="2424714671" sldId="297"/>
+            <ac:spMk id="2" creationId="{31B75992-5098-A283-4925-2CCEBB801DC5}"/>
+          </ac:spMkLst>
+        </pc:spChg>
+        <pc:spChg chg="mod">
+          <ac:chgData name="Gibbons, Carl" userId="d2b037bc-8fb4-4222-845c-61440543a456" providerId="ADAL" clId="{14F797DE-E75B-4062-A6FB-AA9F07155580}" dt="2023-12-29T21:54:42.630" v="6849" actId="255"/>
+          <ac:spMkLst>
+            <pc:docMk/>
+            <pc:sldMk cId="2424714671" sldId="297"/>
+            <ac:spMk id="3" creationId="{B5924E0F-A977-1710-779D-EEB74261AF34}"/>
+          </ac:spMkLst>
+        </pc:spChg>
+      </pc:sldChg>
+      <pc:sldChg chg="modSp mod">
+        <pc:chgData name="Gibbons, Carl" userId="d2b037bc-8fb4-4222-845c-61440543a456" providerId="ADAL" clId="{14F797DE-E75B-4062-A6FB-AA9F07155580}" dt="2023-12-29T21:54:28.975" v="6848" actId="255"/>
+        <pc:sldMkLst>
+          <pc:docMk/>
+          <pc:sldMk cId="3450195044" sldId="298"/>
+        </pc:sldMkLst>
+        <pc:spChg chg="mod">
+          <ac:chgData name="Gibbons, Carl" userId="d2b037bc-8fb4-4222-845c-61440543a456" providerId="ADAL" clId="{14F797DE-E75B-4062-A6FB-AA9F07155580}" dt="2023-12-29T21:23:42.216" v="5202" actId="20577"/>
+          <ac:spMkLst>
+            <pc:docMk/>
+            <pc:sldMk cId="3450195044" sldId="298"/>
+            <ac:spMk id="2" creationId="{31B75992-5098-A283-4925-2CCEBB801DC5}"/>
+          </ac:spMkLst>
+        </pc:spChg>
+        <pc:spChg chg="mod">
+          <ac:chgData name="Gibbons, Carl" userId="d2b037bc-8fb4-4222-845c-61440543a456" providerId="ADAL" clId="{14F797DE-E75B-4062-A6FB-AA9F07155580}" dt="2023-12-29T21:54:28.975" v="6848" actId="255"/>
+          <ac:spMkLst>
+            <pc:docMk/>
+            <pc:sldMk cId="3450195044" sldId="298"/>
+            <ac:spMk id="3" creationId="{B5924E0F-A977-1710-779D-EEB74261AF34}"/>
+          </ac:spMkLst>
+        </pc:spChg>
+      </pc:sldChg>
+      <pc:sldChg chg="modSp mod">
+        <pc:chgData name="Gibbons, Carl" userId="d2b037bc-8fb4-4222-845c-61440543a456" providerId="ADAL" clId="{14F797DE-E75B-4062-A6FB-AA9F07155580}" dt="2023-12-29T21:54:18.720" v="6846" actId="255"/>
+        <pc:sldMkLst>
+          <pc:docMk/>
+          <pc:sldMk cId="3633122843" sldId="299"/>
+        </pc:sldMkLst>
+        <pc:spChg chg="mod">
+          <ac:chgData name="Gibbons, Carl" userId="d2b037bc-8fb4-4222-845c-61440543a456" providerId="ADAL" clId="{14F797DE-E75B-4062-A6FB-AA9F07155580}" dt="2023-12-29T21:31:23.761" v="5684" actId="20577"/>
+          <ac:spMkLst>
+            <pc:docMk/>
+            <pc:sldMk cId="3633122843" sldId="299"/>
+            <ac:spMk id="2" creationId="{31B75992-5098-A283-4925-2CCEBB801DC5}"/>
+          </ac:spMkLst>
+        </pc:spChg>
+        <pc:spChg chg="mod">
+          <ac:chgData name="Gibbons, Carl" userId="d2b037bc-8fb4-4222-845c-61440543a456" providerId="ADAL" clId="{14F797DE-E75B-4062-A6FB-AA9F07155580}" dt="2023-12-29T21:54:18.720" v="6846" actId="255"/>
+          <ac:spMkLst>
+            <pc:docMk/>
+            <pc:sldMk cId="3633122843" sldId="299"/>
+            <ac:spMk id="3" creationId="{B5924E0F-A977-1710-779D-EEB74261AF34}"/>
+          </ac:spMkLst>
+        </pc:spChg>
+      </pc:sldChg>
+    </pc:docChg>
+  </pc:docChgLst>
+  <pc:docChgLst>
+    <pc:chgData name="Gibbons, Carl" userId="d2b037bc-8fb4-4222-845c-61440543a456" providerId="ADAL" clId="{6FB22382-79C8-4292-898E-4F4477C84372}"/>
+    <pc:docChg chg="custSel addSld modSld">
+      <pc:chgData name="Gibbons, Carl" userId="d2b037bc-8fb4-4222-845c-61440543a456" providerId="ADAL" clId="{6FB22382-79C8-4292-898E-4F4477C84372}" dt="2024-02-04T06:13:38.323" v="4155" actId="20577"/>
+      <pc:docMkLst>
+        <pc:docMk/>
+      </pc:docMkLst>
+      <pc:sldChg chg="modSp mod">
+        <pc:chgData name="Gibbons, Carl" userId="d2b037bc-8fb4-4222-845c-61440543a456" providerId="ADAL" clId="{6FB22382-79C8-4292-898E-4F4477C84372}" dt="2024-02-04T05:20:30.900" v="17" actId="20577"/>
+        <pc:sldMkLst>
+          <pc:docMk/>
+          <pc:sldMk cId="3308175748" sldId="256"/>
+        </pc:sldMkLst>
+        <pc:spChg chg="mod">
+          <ac:chgData name="Gibbons, Carl" userId="d2b037bc-8fb4-4222-845c-61440543a456" providerId="ADAL" clId="{6FB22382-79C8-4292-898E-4F4477C84372}" dt="2024-02-04T05:20:30.900" v="17" actId="20577"/>
+          <ac:spMkLst>
+            <pc:docMk/>
+            <pc:sldMk cId="3308175748" sldId="256"/>
+            <ac:spMk id="3" creationId="{EEC4D41B-E776-05F2-BE0B-89BB339485AB}"/>
+          </ac:spMkLst>
+        </pc:spChg>
+      </pc:sldChg>
+      <pc:sldChg chg="modSp mod">
+        <pc:chgData name="Gibbons, Carl" userId="d2b037bc-8fb4-4222-845c-61440543a456" providerId="ADAL" clId="{6FB22382-79C8-4292-898E-4F4477C84372}" dt="2024-02-04T06:13:38.323" v="4155" actId="20577"/>
+        <pc:sldMkLst>
+          <pc:docMk/>
+          <pc:sldMk cId="2312486803" sldId="261"/>
+        </pc:sldMkLst>
+        <pc:spChg chg="mod">
+          <ac:chgData name="Gibbons, Carl" userId="d2b037bc-8fb4-4222-845c-61440543a456" providerId="ADAL" clId="{6FB22382-79C8-4292-898E-4F4477C84372}" dt="2024-02-04T05:21:30.141" v="60" actId="20577"/>
+          <ac:spMkLst>
+            <pc:docMk/>
+            <pc:sldMk cId="2312486803" sldId="261"/>
+            <ac:spMk id="2" creationId="{31B75992-5098-A283-4925-2CCEBB801DC5}"/>
+          </ac:spMkLst>
+        </pc:spChg>
+        <pc:spChg chg="mod">
+          <ac:chgData name="Gibbons, Carl" userId="d2b037bc-8fb4-4222-845c-61440543a456" providerId="ADAL" clId="{6FB22382-79C8-4292-898E-4F4477C84372}" dt="2024-02-04T06:13:38.323" v="4155" actId="20577"/>
+          <ac:spMkLst>
+            <pc:docMk/>
+            <pc:sldMk cId="2312486803" sldId="261"/>
+            <ac:spMk id="3" creationId="{B5924E0F-A977-1710-779D-EEB74261AF34}"/>
+          </ac:spMkLst>
+        </pc:spChg>
+      </pc:sldChg>
+      <pc:sldChg chg="modSp mod">
+        <pc:chgData name="Gibbons, Carl" userId="d2b037bc-8fb4-4222-845c-61440543a456" providerId="ADAL" clId="{6FB22382-79C8-4292-898E-4F4477C84372}" dt="2024-02-04T06:07:58.163" v="3852" actId="20577"/>
+        <pc:sldMkLst>
+          <pc:docMk/>
+          <pc:sldMk cId="3885141102" sldId="262"/>
+        </pc:sldMkLst>
+        <pc:spChg chg="mod">
+          <ac:chgData name="Gibbons, Carl" userId="d2b037bc-8fb4-4222-845c-61440543a456" providerId="ADAL" clId="{6FB22382-79C8-4292-898E-4F4477C84372}" dt="2024-02-04T06:07:58.163" v="3852" actId="20577"/>
+          <ac:spMkLst>
+            <pc:docMk/>
+            <pc:sldMk cId="3885141102" sldId="262"/>
+            <ac:spMk id="3" creationId="{B5924E0F-A977-1710-779D-EEB74261AF34}"/>
+          </ac:spMkLst>
+        </pc:spChg>
+      </pc:sldChg>
+      <pc:sldChg chg="modSp mod">
+        <pc:chgData name="Gibbons, Carl" userId="d2b037bc-8fb4-4222-845c-61440543a456" providerId="ADAL" clId="{6FB22382-79C8-4292-898E-4F4477C84372}" dt="2024-02-04T05:35:49.521" v="1241" actId="20577"/>
+        <pc:sldMkLst>
+          <pc:docMk/>
+          <pc:sldMk cId="2993794741" sldId="265"/>
+        </pc:sldMkLst>
+        <pc:spChg chg="mod">
+          <ac:chgData name="Gibbons, Carl" userId="d2b037bc-8fb4-4222-845c-61440543a456" providerId="ADAL" clId="{6FB22382-79C8-4292-898E-4F4477C84372}" dt="2024-02-04T05:26:32.059" v="571" actId="20577"/>
+          <ac:spMkLst>
+            <pc:docMk/>
+            <pc:sldMk cId="2993794741" sldId="265"/>
+            <ac:spMk id="2" creationId="{31B75992-5098-A283-4925-2CCEBB801DC5}"/>
+          </ac:spMkLst>
+        </pc:spChg>
+        <pc:spChg chg="mod">
+          <ac:chgData name="Gibbons, Carl" userId="d2b037bc-8fb4-4222-845c-61440543a456" providerId="ADAL" clId="{6FB22382-79C8-4292-898E-4F4477C84372}" dt="2024-02-04T05:35:49.521" v="1241" actId="20577"/>
+          <ac:spMkLst>
+            <pc:docMk/>
+            <pc:sldMk cId="2993794741" sldId="265"/>
+            <ac:spMk id="3" creationId="{B5924E0F-A977-1710-779D-EEB74261AF34}"/>
+          </ac:spMkLst>
+        </pc:spChg>
+      </pc:sldChg>
+      <pc:sldChg chg="modSp mod">
+        <pc:chgData name="Gibbons, Carl" userId="d2b037bc-8fb4-4222-845c-61440543a456" providerId="ADAL" clId="{6FB22382-79C8-4292-898E-4F4477C84372}" dt="2024-02-04T05:45:18.786" v="1941" actId="20577"/>
+        <pc:sldMkLst>
+          <pc:docMk/>
+          <pc:sldMk cId="1337022352" sldId="266"/>
+        </pc:sldMkLst>
+        <pc:spChg chg="mod">
+          <ac:chgData name="Gibbons, Carl" userId="d2b037bc-8fb4-4222-845c-61440543a456" providerId="ADAL" clId="{6FB22382-79C8-4292-898E-4F4477C84372}" dt="2024-02-04T05:36:29.682" v="1255" actId="20577"/>
+          <ac:spMkLst>
+            <pc:docMk/>
+            <pc:sldMk cId="1337022352" sldId="266"/>
+            <ac:spMk id="2" creationId="{31B75992-5098-A283-4925-2CCEBB801DC5}"/>
+          </ac:spMkLst>
+        </pc:spChg>
+        <pc:spChg chg="mod">
+          <ac:chgData name="Gibbons, Carl" userId="d2b037bc-8fb4-4222-845c-61440543a456" providerId="ADAL" clId="{6FB22382-79C8-4292-898E-4F4477C84372}" dt="2024-02-04T05:45:18.786" v="1941" actId="20577"/>
+          <ac:spMkLst>
+            <pc:docMk/>
+            <pc:sldMk cId="1337022352" sldId="266"/>
+            <ac:spMk id="3" creationId="{B5924E0F-A977-1710-779D-EEB74261AF34}"/>
+          </ac:spMkLst>
+        </pc:spChg>
+      </pc:sldChg>
+      <pc:sldChg chg="modSp add mod">
+        <pc:chgData name="Gibbons, Carl" userId="d2b037bc-8fb4-4222-845c-61440543a456" providerId="ADAL" clId="{6FB22382-79C8-4292-898E-4F4477C84372}" dt="2024-02-04T05:44:39.205" v="1897" actId="12"/>
+        <pc:sldMkLst>
+          <pc:docMk/>
+          <pc:sldMk cId="3576168196" sldId="267"/>
+        </pc:sldMkLst>
+        <pc:spChg chg="mod">
+          <ac:chgData name="Gibbons, Carl" userId="d2b037bc-8fb4-4222-845c-61440543a456" providerId="ADAL" clId="{6FB22382-79C8-4292-898E-4F4477C84372}" dt="2024-02-04T05:41:13.380" v="1714" actId="20577"/>
+          <ac:spMkLst>
+            <pc:docMk/>
+            <pc:sldMk cId="3576168196" sldId="267"/>
+            <ac:spMk id="2" creationId="{31B75992-5098-A283-4925-2CCEBB801DC5}"/>
+          </ac:spMkLst>
+        </pc:spChg>
+        <pc:spChg chg="mod">
+          <ac:chgData name="Gibbons, Carl" userId="d2b037bc-8fb4-4222-845c-61440543a456" providerId="ADAL" clId="{6FB22382-79C8-4292-898E-4F4477C84372}" dt="2024-02-04T05:44:39.205" v="1897" actId="12"/>
+          <ac:spMkLst>
+            <pc:docMk/>
+            <pc:sldMk cId="3576168196" sldId="267"/>
+            <ac:spMk id="3" creationId="{B5924E0F-A977-1710-779D-EEB74261AF34}"/>
+          </ac:spMkLst>
+        </pc:spChg>
+      </pc:sldChg>
+      <pc:sldChg chg="addSp modSp new mod">
+        <pc:chgData name="Gibbons, Carl" userId="d2b037bc-8fb4-4222-845c-61440543a456" providerId="ADAL" clId="{6FB22382-79C8-4292-898E-4F4477C84372}" dt="2024-02-04T06:11:39.022" v="4076" actId="20577"/>
+        <pc:sldMkLst>
+          <pc:docMk/>
+          <pc:sldMk cId="1066671753" sldId="268"/>
+        </pc:sldMkLst>
+        <pc:spChg chg="mod">
+          <ac:chgData name="Gibbons, Carl" userId="d2b037bc-8fb4-4222-845c-61440543a456" providerId="ADAL" clId="{6FB22382-79C8-4292-898E-4F4477C84372}" dt="2024-02-04T05:45:07.756" v="1926" actId="20577"/>
+          <ac:spMkLst>
+            <pc:docMk/>
+            <pc:sldMk cId="1066671753" sldId="268"/>
+            <ac:spMk id="2" creationId="{1697FD53-1B2D-FA1E-85ED-8261A111660A}"/>
+          </ac:spMkLst>
+        </pc:spChg>
+        <pc:spChg chg="add mod">
+          <ac:chgData name="Gibbons, Carl" userId="d2b037bc-8fb4-4222-845c-61440543a456" providerId="ADAL" clId="{6FB22382-79C8-4292-898E-4F4477C84372}" dt="2024-02-04T06:11:39.022" v="4076" actId="20577"/>
+          <ac:spMkLst>
+            <pc:docMk/>
+            <pc:sldMk cId="1066671753" sldId="268"/>
+            <ac:spMk id="3" creationId="{76A2A896-1BFA-0E85-4155-672FD7F5CC95}"/>
+          </ac:spMkLst>
+        </pc:spChg>
+      </pc:sldChg>
+      <pc:sldChg chg="modSp mod">
+        <pc:chgData name="Gibbons, Carl" userId="d2b037bc-8fb4-4222-845c-61440543a456" providerId="ADAL" clId="{6FB22382-79C8-4292-898E-4F4477C84372}" dt="2024-02-04T06:10:10.836" v="3893" actId="12"/>
+        <pc:sldMkLst>
+          <pc:docMk/>
+          <pc:sldMk cId="465083765" sldId="269"/>
+        </pc:sldMkLst>
+        <pc:spChg chg="mod">
+          <ac:chgData name="Gibbons, Carl" userId="d2b037bc-8fb4-4222-845c-61440543a456" providerId="ADAL" clId="{6FB22382-79C8-4292-898E-4F4477C84372}" dt="2024-02-04T06:09:43.021" v="3884" actId="20577"/>
+          <ac:spMkLst>
+            <pc:docMk/>
+            <pc:sldMk cId="465083765" sldId="269"/>
+            <ac:spMk id="2" creationId="{1697FD53-1B2D-FA1E-85ED-8261A111660A}"/>
+          </ac:spMkLst>
+        </pc:spChg>
+        <pc:spChg chg="mod">
+          <ac:chgData name="Gibbons, Carl" userId="d2b037bc-8fb4-4222-845c-61440543a456" providerId="ADAL" clId="{6FB22382-79C8-4292-898E-4F4477C84372}" dt="2024-02-04T06:10:10.836" v="3893" actId="12"/>
+          <ac:spMkLst>
+            <pc:docMk/>
+            <pc:sldMk cId="465083765" sldId="269"/>
+            <ac:spMk id="3" creationId="{76A2A896-1BFA-0E85-4155-672FD7F5CC95}"/>
+          </ac:spMkLst>
+        </pc:spChg>
+      </pc:sldChg>
+    </pc:docChg>
+  </pc:docChgLst>
+  <pc:docChgLst>
+    <pc:chgData name="Gibbons, Carl" userId="d2b037bc-8fb4-4222-845c-61440543a456" providerId="ADAL" clId="{4505F98C-4CC4-4983-9729-597D2A150C85}"/>
+    <pc:docChg chg="undo custSel addSld delSld modSld">
+      <pc:chgData name="Gibbons, Carl" userId="d2b037bc-8fb4-4222-845c-61440543a456" providerId="ADAL" clId="{4505F98C-4CC4-4983-9729-597D2A150C85}" dt="2023-12-29T02:21:47.448" v="17685" actId="20577"/>
+      <pc:docMkLst>
+        <pc:docMk/>
+      </pc:docMkLst>
+      <pc:sldChg chg="modSp mod">
+        <pc:chgData name="Gibbons, Carl" userId="d2b037bc-8fb4-4222-845c-61440543a456" providerId="ADAL" clId="{4505F98C-4CC4-4983-9729-597D2A150C85}" dt="2023-12-28T22:02:31.848" v="28" actId="20577"/>
+        <pc:sldMkLst>
+          <pc:docMk/>
+          <pc:sldMk cId="3308175748" sldId="256"/>
+        </pc:sldMkLst>
+        <pc:spChg chg="mod">
+          <ac:chgData name="Gibbons, Carl" userId="d2b037bc-8fb4-4222-845c-61440543a456" providerId="ADAL" clId="{4505F98C-4CC4-4983-9729-597D2A150C85}" dt="2023-12-28T22:02:31.848" v="28" actId="20577"/>
+          <ac:spMkLst>
+            <pc:docMk/>
+            <pc:sldMk cId="3308175748" sldId="256"/>
+            <ac:spMk id="3" creationId="{EEC4D41B-E776-05F2-BE0B-89BB339485AB}"/>
+          </ac:spMkLst>
+        </pc:spChg>
+      </pc:sldChg>
+      <pc:sldChg chg="modSp mod">
+        <pc:chgData name="Gibbons, Carl" userId="d2b037bc-8fb4-4222-845c-61440543a456" providerId="ADAL" clId="{4505F98C-4CC4-4983-9729-597D2A150C85}" dt="2023-12-28T22:45:53.299" v="4302" actId="20577"/>
+        <pc:sldMkLst>
+          <pc:docMk/>
+          <pc:sldMk cId="2312486803" sldId="261"/>
+        </pc:sldMkLst>
+        <pc:spChg chg="mod">
+          <ac:chgData name="Gibbons, Carl" userId="d2b037bc-8fb4-4222-845c-61440543a456" providerId="ADAL" clId="{4505F98C-4CC4-4983-9729-597D2A150C85}" dt="2023-12-28T22:02:40.492" v="50" actId="20577"/>
+          <ac:spMkLst>
+            <pc:docMk/>
+            <pc:sldMk cId="2312486803" sldId="261"/>
+            <ac:spMk id="2" creationId="{31B75992-5098-A283-4925-2CCEBB801DC5}"/>
+          </ac:spMkLst>
+        </pc:spChg>
+        <pc:spChg chg="mod">
+          <ac:chgData name="Gibbons, Carl" userId="d2b037bc-8fb4-4222-845c-61440543a456" providerId="ADAL" clId="{4505F98C-4CC4-4983-9729-597D2A150C85}" dt="2023-12-28T22:45:53.299" v="4302" actId="20577"/>
+          <ac:spMkLst>
+            <pc:docMk/>
+            <pc:sldMk cId="2312486803" sldId="261"/>
+            <ac:spMk id="3" creationId="{B5924E0F-A977-1710-779D-EEB74261AF34}"/>
+          </ac:spMkLst>
+        </pc:spChg>
+      </pc:sldChg>
+      <pc:sldChg chg="modSp mod">
+        <pc:chgData name="Gibbons, Carl" userId="d2b037bc-8fb4-4222-845c-61440543a456" providerId="ADAL" clId="{4505F98C-4CC4-4983-9729-597D2A150C85}" dt="2023-12-29T02:18:39.170" v="17623" actId="20577"/>
+        <pc:sldMkLst>
+          <pc:docMk/>
+          <pc:sldMk cId="657795359" sldId="277"/>
+        </pc:sldMkLst>
+        <pc:spChg chg="mod">
+          <ac:chgData name="Gibbons, Carl" userId="d2b037bc-8fb4-4222-845c-61440543a456" providerId="ADAL" clId="{4505F98C-4CC4-4983-9729-597D2A150C85}" dt="2023-12-29T02:18:39.170" v="17623" actId="20577"/>
+          <ac:spMkLst>
+            <pc:docMk/>
+            <pc:sldMk cId="657795359" sldId="277"/>
+            <ac:spMk id="3" creationId="{90179172-96B3-95D0-A137-257770BE7642}"/>
+          </ac:spMkLst>
+        </pc:spChg>
+      </pc:sldChg>
+      <pc:sldChg chg="modSp mod">
+        <pc:chgData name="Gibbons, Carl" userId="d2b037bc-8fb4-4222-845c-61440543a456" providerId="ADAL" clId="{4505F98C-4CC4-4983-9729-597D2A150C85}" dt="2023-12-29T02:21:47.448" v="17685" actId="20577"/>
+        <pc:sldMkLst>
+          <pc:docMk/>
+          <pc:sldMk cId="3989541258" sldId="278"/>
+        </pc:sldMkLst>
+        <pc:spChg chg="mod">
+          <ac:chgData name="Gibbons, Carl" userId="d2b037bc-8fb4-4222-845c-61440543a456" providerId="ADAL" clId="{4505F98C-4CC4-4983-9729-597D2A150C85}" dt="2023-12-28T22:23:56.363" v="2262" actId="20577"/>
+          <ac:spMkLst>
+            <pc:docMk/>
+            <pc:sldMk cId="3989541258" sldId="278"/>
+            <ac:spMk id="2" creationId="{31B75992-5098-A283-4925-2CCEBB801DC5}"/>
+          </ac:spMkLst>
+        </pc:spChg>
+        <pc:spChg chg="mod">
+          <ac:chgData name="Gibbons, Carl" userId="d2b037bc-8fb4-4222-845c-61440543a456" providerId="ADAL" clId="{4505F98C-4CC4-4983-9729-597D2A150C85}" dt="2023-12-29T02:21:47.448" v="17685" actId="20577"/>
+          <ac:spMkLst>
+            <pc:docMk/>
+            <pc:sldMk cId="3989541258" sldId="278"/>
+            <ac:spMk id="3" creationId="{B5924E0F-A977-1710-779D-EEB74261AF34}"/>
+          </ac:spMkLst>
+        </pc:spChg>
+      </pc:sldChg>
+      <pc:sldChg chg="modSp mod">
+        <pc:chgData name="Gibbons, Carl" userId="d2b037bc-8fb4-4222-845c-61440543a456" providerId="ADAL" clId="{4505F98C-4CC4-4983-9729-597D2A150C85}" dt="2023-12-29T00:21:55.646" v="8344" actId="20577"/>
+        <pc:sldMkLst>
+          <pc:docMk/>
+          <pc:sldMk cId="2335633195" sldId="279"/>
+        </pc:sldMkLst>
+        <pc:spChg chg="mod">
+          <ac:chgData name="Gibbons, Carl" userId="d2b037bc-8fb4-4222-845c-61440543a456" providerId="ADAL" clId="{4505F98C-4CC4-4983-9729-597D2A150C85}" dt="2023-12-29T00:21:55.646" v="8344" actId="20577"/>
+          <ac:spMkLst>
+            <pc:docMk/>
+            <pc:sldMk cId="2335633195" sldId="279"/>
+            <ac:spMk id="2" creationId="{31B75992-5098-A283-4925-2CCEBB801DC5}"/>
+          </ac:spMkLst>
+        </pc:spChg>
+        <pc:spChg chg="mod">
+          <ac:chgData name="Gibbons, Carl" userId="d2b037bc-8fb4-4222-845c-61440543a456" providerId="ADAL" clId="{4505F98C-4CC4-4983-9729-597D2A150C85}" dt="2023-12-28T22:56:22.080" v="4730" actId="20577"/>
+          <ac:spMkLst>
+            <pc:docMk/>
+            <pc:sldMk cId="2335633195" sldId="279"/>
+            <ac:spMk id="3" creationId="{B5924E0F-A977-1710-779D-EEB74261AF34}"/>
+          </ac:spMkLst>
+        </pc:spChg>
+      </pc:sldChg>
+      <pc:sldChg chg="modSp add mod">
+        <pc:chgData name="Gibbons, Carl" userId="d2b037bc-8fb4-4222-845c-61440543a456" providerId="ADAL" clId="{4505F98C-4CC4-4983-9729-597D2A150C85}" dt="2023-12-28T23:39:19.135" v="5592" actId="20577"/>
+        <pc:sldMkLst>
+          <pc:docMk/>
+          <pc:sldMk cId="1284534978" sldId="280"/>
+        </pc:sldMkLst>
+        <pc:spChg chg="mod">
+          <ac:chgData name="Gibbons, Carl" userId="d2b037bc-8fb4-4222-845c-61440543a456" providerId="ADAL" clId="{4505F98C-4CC4-4983-9729-597D2A150C85}" dt="2023-12-28T23:26:13.166" v="4743" actId="20577"/>
+          <ac:spMkLst>
+            <pc:docMk/>
+            <pc:sldMk cId="1284534978" sldId="280"/>
+            <ac:spMk id="2" creationId="{31B75992-5098-A283-4925-2CCEBB801DC5}"/>
+          </ac:spMkLst>
+        </pc:spChg>
+        <pc:spChg chg="mod">
+          <ac:chgData name="Gibbons, Carl" userId="d2b037bc-8fb4-4222-845c-61440543a456" providerId="ADAL" clId="{4505F98C-4CC4-4983-9729-597D2A150C85}" dt="2023-12-28T23:39:19.135" v="5592" actId="20577"/>
+          <ac:spMkLst>
+            <pc:docMk/>
+            <pc:sldMk cId="1284534978" sldId="280"/>
+            <ac:spMk id="3" creationId="{B5924E0F-A977-1710-779D-EEB74261AF34}"/>
+          </ac:spMkLst>
+        </pc:spChg>
+      </pc:sldChg>
+      <pc:sldChg chg="modSp mod">
+        <pc:chgData name="Gibbons, Carl" userId="d2b037bc-8fb4-4222-845c-61440543a456" providerId="ADAL" clId="{4505F98C-4CC4-4983-9729-597D2A150C85}" dt="2023-12-28T23:42:19.634" v="5967" actId="20577"/>
+        <pc:sldMkLst>
+          <pc:docMk/>
+          <pc:sldMk cId="1802585387" sldId="281"/>
+        </pc:sldMkLst>
+        <pc:spChg chg="mod">
+          <ac:chgData name="Gibbons, Carl" userId="d2b037bc-8fb4-4222-845c-61440543a456" providerId="ADAL" clId="{4505F98C-4CC4-4983-9729-597D2A150C85}" dt="2023-12-28T23:34:47.360" v="5351" actId="20577"/>
+          <ac:spMkLst>
+            <pc:docMk/>
+            <pc:sldMk cId="1802585387" sldId="281"/>
+            <ac:spMk id="2" creationId="{31B75992-5098-A283-4925-2CCEBB801DC5}"/>
+          </ac:spMkLst>
+        </pc:spChg>
+        <pc:spChg chg="mod">
+          <ac:chgData name="Gibbons, Carl" userId="d2b037bc-8fb4-4222-845c-61440543a456" providerId="ADAL" clId="{4505F98C-4CC4-4983-9729-597D2A150C85}" dt="2023-12-28T23:42:19.634" v="5967" actId="20577"/>
+          <ac:spMkLst>
+            <pc:docMk/>
+            <pc:sldMk cId="1802585387" sldId="281"/>
+            <ac:spMk id="3" creationId="{B5924E0F-A977-1710-779D-EEB74261AF34}"/>
+          </ac:spMkLst>
+        </pc:spChg>
+      </pc:sldChg>
+      <pc:sldChg chg="modSp mod">
+        <pc:chgData name="Gibbons, Carl" userId="d2b037bc-8fb4-4222-845c-61440543a456" providerId="ADAL" clId="{4505F98C-4CC4-4983-9729-597D2A150C85}" dt="2023-12-28T23:54:03.356" v="6623"/>
+        <pc:sldMkLst>
+          <pc:docMk/>
+          <pc:sldMk cId="724803187" sldId="282"/>
+        </pc:sldMkLst>
+        <pc:spChg chg="mod">
+          <ac:chgData name="Gibbons, Carl" userId="d2b037bc-8fb4-4222-845c-61440543a456" providerId="ADAL" clId="{4505F98C-4CC4-4983-9729-597D2A150C85}" dt="2023-12-28T23:39:52.399" v="5606" actId="20577"/>
+          <ac:spMkLst>
+            <pc:docMk/>
+            <pc:sldMk cId="724803187" sldId="282"/>
+            <ac:spMk id="2" creationId="{31B75992-5098-A283-4925-2CCEBB801DC5}"/>
+          </ac:spMkLst>
+        </pc:spChg>
+        <pc:spChg chg="mod">
+          <ac:chgData name="Gibbons, Carl" userId="d2b037bc-8fb4-4222-845c-61440543a456" providerId="ADAL" clId="{4505F98C-4CC4-4983-9729-597D2A150C85}" dt="2023-12-28T23:54:03.356" v="6623"/>
+          <ac:spMkLst>
+            <pc:docMk/>
+            <pc:sldMk cId="724803187" sldId="282"/>
+            <ac:spMk id="3" creationId="{B5924E0F-A977-1710-779D-EEB74261AF34}"/>
+          </ac:spMkLst>
+        </pc:spChg>
+      </pc:sldChg>
+      <pc:sldChg chg="modSp mod">
+        <pc:chgData name="Gibbons, Carl" userId="d2b037bc-8fb4-4222-845c-61440543a456" providerId="ADAL" clId="{4505F98C-4CC4-4983-9729-597D2A150C85}" dt="2023-12-29T02:19:53.158" v="17637" actId="20577"/>
+        <pc:sldMkLst>
+          <pc:docMk/>
+          <pc:sldMk cId="1926009205" sldId="283"/>
+        </pc:sldMkLst>
+        <pc:spChg chg="mod">
+          <ac:chgData name="Gibbons, Carl" userId="d2b037bc-8fb4-4222-845c-61440543a456" providerId="ADAL" clId="{4505F98C-4CC4-4983-9729-597D2A150C85}" dt="2023-12-29T00:22:07.704" v="8354" actId="20577"/>
+          <ac:spMkLst>
+            <pc:docMk/>
+            <pc:sldMk cId="1926009205" sldId="283"/>
+            <ac:spMk id="2" creationId="{31B75992-5098-A283-4925-2CCEBB801DC5}"/>
+          </ac:spMkLst>
+        </pc:spChg>
+        <pc:spChg chg="mod">
+          <ac:chgData name="Gibbons, Carl" userId="d2b037bc-8fb4-4222-845c-61440543a456" providerId="ADAL" clId="{4505F98C-4CC4-4983-9729-597D2A150C85}" dt="2023-12-29T02:19:53.158" v="17637" actId="20577"/>
+          <ac:spMkLst>
+            <pc:docMk/>
+            <pc:sldMk cId="1926009205" sldId="283"/>
+            <ac:spMk id="3" creationId="{B5924E0F-A977-1710-779D-EEB74261AF34}"/>
+          </ac:spMkLst>
+        </pc:spChg>
+      </pc:sldChg>
+      <pc:sldChg chg="del">
+        <pc:chgData name="Gibbons, Carl" userId="d2b037bc-8fb4-4222-845c-61440543a456" providerId="ADAL" clId="{4505F98C-4CC4-4983-9729-597D2A150C85}" dt="2023-12-28T22:17:09.732" v="1699" actId="47"/>
+        <pc:sldMkLst>
+          <pc:docMk/>
+          <pc:sldMk cId="2959024232" sldId="283"/>
+        </pc:sldMkLst>
+      </pc:sldChg>
+      <pc:sldChg chg="modSp mod">
+        <pc:chgData name="Gibbons, Carl" userId="d2b037bc-8fb4-4222-845c-61440543a456" providerId="ADAL" clId="{4505F98C-4CC4-4983-9729-597D2A150C85}" dt="2023-12-29T00:22:15.499" v="8364" actId="20577"/>
+        <pc:sldMkLst>
+          <pc:docMk/>
+          <pc:sldMk cId="2366216895" sldId="284"/>
+        </pc:sldMkLst>
+        <pc:spChg chg="mod">
+          <ac:chgData name="Gibbons, Carl" userId="d2b037bc-8fb4-4222-845c-61440543a456" providerId="ADAL" clId="{4505F98C-4CC4-4983-9729-597D2A150C85}" dt="2023-12-29T00:22:15.499" v="8364" actId="20577"/>
+          <ac:spMkLst>
+            <pc:docMk/>
+            <pc:sldMk cId="2366216895" sldId="284"/>
+            <ac:spMk id="2" creationId="{31B75992-5098-A283-4925-2CCEBB801DC5}"/>
+          </ac:spMkLst>
+        </pc:spChg>
+        <pc:spChg chg="mod">
+          <ac:chgData name="Gibbons, Carl" userId="d2b037bc-8fb4-4222-845c-61440543a456" providerId="ADAL" clId="{4505F98C-4CC4-4983-9729-597D2A150C85}" dt="2023-12-29T00:20:51.612" v="8260" actId="20577"/>
+          <ac:spMkLst>
+            <pc:docMk/>
+            <pc:sldMk cId="2366216895" sldId="284"/>
+            <ac:spMk id="3" creationId="{B5924E0F-A977-1710-779D-EEB74261AF34}"/>
+          </ac:spMkLst>
+        </pc:spChg>
+      </pc:sldChg>
+      <pc:sldChg chg="del">
+        <pc:chgData name="Gibbons, Carl" userId="d2b037bc-8fb4-4222-845c-61440543a456" providerId="ADAL" clId="{4505F98C-4CC4-4983-9729-597D2A150C85}" dt="2023-12-28T22:17:08.965" v="1698" actId="47"/>
+        <pc:sldMkLst>
+          <pc:docMk/>
+          <pc:sldMk cId="3114675387" sldId="284"/>
+        </pc:sldMkLst>
+      </pc:sldChg>
+      <pc:sldChg chg="del">
+        <pc:chgData name="Gibbons, Carl" userId="d2b037bc-8fb4-4222-845c-61440543a456" providerId="ADAL" clId="{4505F98C-4CC4-4983-9729-597D2A150C85}" dt="2023-12-28T22:17:08.106" v="1697" actId="47"/>
+        <pc:sldMkLst>
+          <pc:docMk/>
+          <pc:sldMk cId="1243134729" sldId="285"/>
+        </pc:sldMkLst>
+      </pc:sldChg>
+      <pc:sldChg chg="modSp mod">
+        <pc:chgData name="Gibbons, Carl" userId="d2b037bc-8fb4-4222-845c-61440543a456" providerId="ADAL" clId="{4505F98C-4CC4-4983-9729-597D2A150C85}" dt="2023-12-29T01:14:23.500" v="12327" actId="20577"/>
+        <pc:sldMkLst>
+          <pc:docMk/>
+          <pc:sldMk cId="3371896289" sldId="285"/>
+        </pc:sldMkLst>
+        <pc:spChg chg="mod">
+          <ac:chgData name="Gibbons, Carl" userId="d2b037bc-8fb4-4222-845c-61440543a456" providerId="ADAL" clId="{4505F98C-4CC4-4983-9729-597D2A150C85}" dt="2023-12-29T00:22:25.432" v="8374" actId="20577"/>
+          <ac:spMkLst>
+            <pc:docMk/>
+            <pc:sldMk cId="3371896289" sldId="285"/>
+            <ac:spMk id="2" creationId="{31B75992-5098-A283-4925-2CCEBB801DC5}"/>
+          </ac:spMkLst>
+        </pc:spChg>
+        <pc:spChg chg="mod">
+          <ac:chgData name="Gibbons, Carl" userId="d2b037bc-8fb4-4222-845c-61440543a456" providerId="ADAL" clId="{4505F98C-4CC4-4983-9729-597D2A150C85}" dt="2023-12-29T01:14:23.500" v="12327" actId="20577"/>
+          <ac:spMkLst>
+            <pc:docMk/>
+            <pc:sldMk cId="3371896289" sldId="285"/>
+            <ac:spMk id="3" creationId="{B5924E0F-A977-1710-779D-EEB74261AF34}"/>
+          </ac:spMkLst>
+        </pc:spChg>
+      </pc:sldChg>
+      <pc:sldChg chg="add del">
+        <pc:chgData name="Gibbons, Carl" userId="d2b037bc-8fb4-4222-845c-61440543a456" providerId="ADAL" clId="{4505F98C-4CC4-4983-9729-597D2A150C85}" dt="2023-12-29T00:13:59.438" v="7954" actId="2696"/>
+        <pc:sldMkLst>
+          <pc:docMk/>
+          <pc:sldMk cId="3635199420" sldId="285"/>
+        </pc:sldMkLst>
+      </pc:sldChg>
+      <pc:sldChg chg="del">
+        <pc:chgData name="Gibbons, Carl" userId="d2b037bc-8fb4-4222-845c-61440543a456" providerId="ADAL" clId="{4505F98C-4CC4-4983-9729-597D2A150C85}" dt="2023-12-28T22:17:10.620" v="1700" actId="47"/>
+        <pc:sldMkLst>
+          <pc:docMk/>
+          <pc:sldMk cId="954591853" sldId="286"/>
+        </pc:sldMkLst>
+      </pc:sldChg>
+      <pc:sldChg chg="modSp mod">
+        <pc:chgData name="Gibbons, Carl" userId="d2b037bc-8fb4-4222-845c-61440543a456" providerId="ADAL" clId="{4505F98C-4CC4-4983-9729-597D2A150C85}" dt="2023-12-29T01:14:14.317" v="12318" actId="20577"/>
+        <pc:sldMkLst>
+          <pc:docMk/>
+          <pc:sldMk cId="3193160409" sldId="286"/>
+        </pc:sldMkLst>
+        <pc:spChg chg="mod">
+          <ac:chgData name="Gibbons, Carl" userId="d2b037bc-8fb4-4222-845c-61440543a456" providerId="ADAL" clId="{4505F98C-4CC4-4983-9729-597D2A150C85}" dt="2023-12-29T00:33:44.511" v="9517" actId="20577"/>
+          <ac:spMkLst>
+            <pc:docMk/>
+            <pc:sldMk cId="3193160409" sldId="286"/>
+            <ac:spMk id="2" creationId="{31B75992-5098-A283-4925-2CCEBB801DC5}"/>
+          </ac:spMkLst>
+        </pc:spChg>
+        <pc:spChg chg="mod">
+          <ac:chgData name="Gibbons, Carl" userId="d2b037bc-8fb4-4222-845c-61440543a456" providerId="ADAL" clId="{4505F98C-4CC4-4983-9729-597D2A150C85}" dt="2023-12-29T01:14:14.317" v="12318" actId="20577"/>
+          <ac:spMkLst>
+            <pc:docMk/>
+            <pc:sldMk cId="3193160409" sldId="286"/>
+            <ac:spMk id="3" creationId="{B5924E0F-A977-1710-779D-EEB74261AF34}"/>
+          </ac:spMkLst>
+        </pc:spChg>
+      </pc:sldChg>
+      <pc:sldChg chg="del">
+        <pc:chgData name="Gibbons, Carl" userId="d2b037bc-8fb4-4222-845c-61440543a456" providerId="ADAL" clId="{4505F98C-4CC4-4983-9729-597D2A150C85}" dt="2023-12-28T22:17:12.413" v="1702" actId="47"/>
+        <pc:sldMkLst>
+          <pc:docMk/>
+          <pc:sldMk cId="2614091779" sldId="287"/>
+        </pc:sldMkLst>
+      </pc:sldChg>
+      <pc:sldChg chg="modSp mod">
+        <pc:chgData name="Gibbons, Carl" userId="d2b037bc-8fb4-4222-845c-61440543a456" providerId="ADAL" clId="{4505F98C-4CC4-4983-9729-597D2A150C85}" dt="2023-12-29T02:19:05.385" v="17624"/>
+        <pc:sldMkLst>
+          <pc:docMk/>
+          <pc:sldMk cId="2688338374" sldId="287"/>
+        </pc:sldMkLst>
+        <pc:spChg chg="mod">
+          <ac:chgData name="Gibbons, Carl" userId="d2b037bc-8fb4-4222-845c-61440543a456" providerId="ADAL" clId="{4505F98C-4CC4-4983-9729-597D2A150C85}" dt="2023-12-29T00:41:11.438" v="10364" actId="20577"/>
+          <ac:spMkLst>
+            <pc:docMk/>
+            <pc:sldMk cId="2688338374" sldId="287"/>
+            <ac:spMk id="2" creationId="{31B75992-5098-A283-4925-2CCEBB801DC5}"/>
+          </ac:spMkLst>
+        </pc:spChg>
+        <pc:spChg chg="mod">
+          <ac:chgData name="Gibbons, Carl" userId="d2b037bc-8fb4-4222-845c-61440543a456" providerId="ADAL" clId="{4505F98C-4CC4-4983-9729-597D2A150C85}" dt="2023-12-29T02:19:05.385" v="17624"/>
+          <ac:spMkLst>
+            <pc:docMk/>
+            <pc:sldMk cId="2688338374" sldId="287"/>
+            <ac:spMk id="3" creationId="{B5924E0F-A977-1710-779D-EEB74261AF34}"/>
+          </ac:spMkLst>
+        </pc:spChg>
+      </pc:sldChg>
+      <pc:sldChg chg="del">
+        <pc:chgData name="Gibbons, Carl" userId="d2b037bc-8fb4-4222-845c-61440543a456" providerId="ADAL" clId="{4505F98C-4CC4-4983-9729-597D2A150C85}" dt="2023-12-28T22:17:11.407" v="1701" actId="47"/>
+        <pc:sldMkLst>
+          <pc:docMk/>
+          <pc:sldMk cId="1341659426" sldId="288"/>
+        </pc:sldMkLst>
+      </pc:sldChg>
+      <pc:sldChg chg="modSp add mod">
+        <pc:chgData name="Gibbons, Carl" userId="d2b037bc-8fb4-4222-845c-61440543a456" providerId="ADAL" clId="{4505F98C-4CC4-4983-9729-597D2A150C85}" dt="2023-12-29T01:45:37.293" v="15006"/>
+        <pc:sldMkLst>
+          <pc:docMk/>
+          <pc:sldMk cId="2142935017" sldId="288"/>
+        </pc:sldMkLst>
+        <pc:spChg chg="mod">
+          <ac:chgData name="Gibbons, Carl" userId="d2b037bc-8fb4-4222-845c-61440543a456" providerId="ADAL" clId="{4505F98C-4CC4-4983-9729-597D2A150C85}" dt="2023-12-29T01:16:27.501" v="12383" actId="20577"/>
+          <ac:spMkLst>
+            <pc:docMk/>
+            <pc:sldMk cId="2142935017" sldId="288"/>
+            <ac:spMk id="2" creationId="{31B75992-5098-A283-4925-2CCEBB801DC5}"/>
+          </ac:spMkLst>
+        </pc:spChg>
+        <pc:spChg chg="mod">
+          <ac:chgData name="Gibbons, Carl" userId="d2b037bc-8fb4-4222-845c-61440543a456" providerId="ADAL" clId="{4505F98C-4CC4-4983-9729-597D2A150C85}" dt="2023-12-29T01:45:37.293" v="15006"/>
+          <ac:spMkLst>
+            <pc:docMk/>
+            <pc:sldMk cId="2142935017" sldId="288"/>
+            <ac:spMk id="3" creationId="{B5924E0F-A977-1710-779D-EEB74261AF34}"/>
+          </ac:spMkLst>
+        </pc:spChg>
+      </pc:sldChg>
+      <pc:sldChg chg="modSp mod">
+        <pc:chgData name="Gibbons, Carl" userId="d2b037bc-8fb4-4222-845c-61440543a456" providerId="ADAL" clId="{4505F98C-4CC4-4983-9729-597D2A150C85}" dt="2023-12-29T01:50:54.342" v="15124" actId="20577"/>
+        <pc:sldMkLst>
+          <pc:docMk/>
+          <pc:sldMk cId="2784625941" sldId="289"/>
+        </pc:sldMkLst>
+        <pc:spChg chg="mod">
+          <ac:chgData name="Gibbons, Carl" userId="d2b037bc-8fb4-4222-845c-61440543a456" providerId="ADAL" clId="{4505F98C-4CC4-4983-9729-597D2A150C85}" dt="2023-12-29T01:23:40.688" v="13177" actId="20577"/>
+          <ac:spMkLst>
+            <pc:docMk/>
+            <pc:sldMk cId="2784625941" sldId="289"/>
+            <ac:spMk id="2" creationId="{31B75992-5098-A283-4925-2CCEBB801DC5}"/>
+          </ac:spMkLst>
+        </pc:spChg>
+        <pc:spChg chg="mod">
+          <ac:chgData name="Gibbons, Carl" userId="d2b037bc-8fb4-4222-845c-61440543a456" providerId="ADAL" clId="{4505F98C-4CC4-4983-9729-597D2A150C85}" dt="2023-12-29T01:50:54.342" v="15124" actId="20577"/>
+          <ac:spMkLst>
+            <pc:docMk/>
+            <pc:sldMk cId="2784625941" sldId="289"/>
+            <ac:spMk id="3" creationId="{B5924E0F-A977-1710-779D-EEB74261AF34}"/>
+          </ac:spMkLst>
+        </pc:spChg>
+      </pc:sldChg>
+      <pc:sldChg chg="del">
+        <pc:chgData name="Gibbons, Carl" userId="d2b037bc-8fb4-4222-845c-61440543a456" providerId="ADAL" clId="{4505F98C-4CC4-4983-9729-597D2A150C85}" dt="2023-12-28T22:17:05.773" v="1696" actId="47"/>
+        <pc:sldMkLst>
+          <pc:docMk/>
+          <pc:sldMk cId="2966054478" sldId="289"/>
+        </pc:sldMkLst>
+      </pc:sldChg>
+      <pc:sldChg chg="del">
+        <pc:chgData name="Gibbons, Carl" userId="d2b037bc-8fb4-4222-845c-61440543a456" providerId="ADAL" clId="{4505F98C-4CC4-4983-9729-597D2A150C85}" dt="2023-12-28T22:17:13.315" v="1703" actId="47"/>
+        <pc:sldMkLst>
+          <pc:docMk/>
+          <pc:sldMk cId="1014272238" sldId="290"/>
+        </pc:sldMkLst>
+      </pc:sldChg>
+      <pc:sldChg chg="modSp add mod">
+        <pc:chgData name="Gibbons, Carl" userId="d2b037bc-8fb4-4222-845c-61440543a456" providerId="ADAL" clId="{4505F98C-4CC4-4983-9729-597D2A150C85}" dt="2023-12-29T01:50:36.539" v="15123" actId="20577"/>
+        <pc:sldMkLst>
+          <pc:docMk/>
+          <pc:sldMk cId="1677974689" sldId="290"/>
+        </pc:sldMkLst>
+        <pc:spChg chg="mod">
+          <ac:chgData name="Gibbons, Carl" userId="d2b037bc-8fb4-4222-845c-61440543a456" providerId="ADAL" clId="{4505F98C-4CC4-4983-9729-597D2A150C85}" dt="2023-12-29T01:37:36.931" v="14365" actId="20577"/>
+          <ac:spMkLst>
+            <pc:docMk/>
+            <pc:sldMk cId="1677974689" sldId="290"/>
+            <ac:spMk id="2" creationId="{31B75992-5098-A283-4925-2CCEBB801DC5}"/>
+          </ac:spMkLst>
+        </pc:spChg>
+        <pc:spChg chg="mod">
+          <ac:chgData name="Gibbons, Carl" userId="d2b037bc-8fb4-4222-845c-61440543a456" providerId="ADAL" clId="{4505F98C-4CC4-4983-9729-597D2A150C85}" dt="2023-12-29T01:50:36.539" v="15123" actId="20577"/>
+          <ac:spMkLst>
+            <pc:docMk/>
+            <pc:sldMk cId="1677974689" sldId="290"/>
+            <ac:spMk id="3" creationId="{B5924E0F-A977-1710-779D-EEB74261AF34}"/>
+          </ac:spMkLst>
+        </pc:spChg>
+      </pc:sldChg>
+      <pc:sldChg chg="del">
+        <pc:chgData name="Gibbons, Carl" userId="d2b037bc-8fb4-4222-845c-61440543a456" providerId="ADAL" clId="{4505F98C-4CC4-4983-9729-597D2A150C85}" dt="2023-12-28T22:17:05.079" v="1695" actId="47"/>
+        <pc:sldMkLst>
+          <pc:docMk/>
+          <pc:sldMk cId="3689580349" sldId="291"/>
+        </pc:sldMkLst>
+      </pc:sldChg>
+      <pc:sldChg chg="modSp add mod">
+        <pc:chgData name="Gibbons, Carl" userId="d2b037bc-8fb4-4222-845c-61440543a456" providerId="ADAL" clId="{4505F98C-4CC4-4983-9729-597D2A150C85}" dt="2023-12-29T02:03:57.372" v="16335" actId="20577"/>
+        <pc:sldMkLst>
+          <pc:docMk/>
+          <pc:sldMk cId="4219326696" sldId="291"/>
+        </pc:sldMkLst>
+        <pc:spChg chg="mod">
+          <ac:chgData name="Gibbons, Carl" userId="d2b037bc-8fb4-4222-845c-61440543a456" providerId="ADAL" clId="{4505F98C-4CC4-4983-9729-597D2A150C85}" dt="2023-12-29T01:51:52.820" v="15161" actId="20577"/>
+          <ac:spMkLst>
+            <pc:docMk/>
+            <pc:sldMk cId="4219326696" sldId="291"/>
+            <ac:spMk id="2" creationId="{31B75992-5098-A283-4925-2CCEBB801DC5}"/>
+          </ac:spMkLst>
+        </pc:spChg>
+        <pc:spChg chg="mod">
+          <ac:chgData name="Gibbons, Carl" userId="d2b037bc-8fb4-4222-845c-61440543a456" providerId="ADAL" clId="{4505F98C-4CC4-4983-9729-597D2A150C85}" dt="2023-12-29T02:03:57.372" v="16335" actId="20577"/>
+          <ac:spMkLst>
+            <pc:docMk/>
+            <pc:sldMk cId="4219326696" sldId="291"/>
+            <ac:spMk id="3" creationId="{B5924E0F-A977-1710-779D-EEB74261AF34}"/>
+          </ac:spMkLst>
+        </pc:spChg>
+      </pc:sldChg>
+      <pc:sldChg chg="modSp add mod">
+        <pc:chgData name="Gibbons, Carl" userId="d2b037bc-8fb4-4222-845c-61440543a456" providerId="ADAL" clId="{4505F98C-4CC4-4983-9729-597D2A150C85}" dt="2023-12-29T02:16:48.887" v="17543" actId="20577"/>
+        <pc:sldMkLst>
+          <pc:docMk/>
+          <pc:sldMk cId="33911121" sldId="292"/>
+        </pc:sldMkLst>
+        <pc:spChg chg="mod">
+          <ac:chgData name="Gibbons, Carl" userId="d2b037bc-8fb4-4222-845c-61440543a456" providerId="ADAL" clId="{4505F98C-4CC4-4983-9729-597D2A150C85}" dt="2023-12-29T02:06:26.879" v="16405" actId="20577"/>
+          <ac:spMkLst>
+            <pc:docMk/>
+            <pc:sldMk cId="33911121" sldId="292"/>
+            <ac:spMk id="2" creationId="{1862E903-3C56-BB42-2361-009F2336475A}"/>
+          </ac:spMkLst>
+        </pc:spChg>
+        <pc:spChg chg="mod">
+          <ac:chgData name="Gibbons, Carl" userId="d2b037bc-8fb4-4222-845c-61440543a456" providerId="ADAL" clId="{4505F98C-4CC4-4983-9729-597D2A150C85}" dt="2023-12-29T02:16:48.887" v="17543" actId="20577"/>
+          <ac:spMkLst>
+            <pc:docMk/>
+            <pc:sldMk cId="33911121" sldId="292"/>
+            <ac:spMk id="3" creationId="{90179172-96B3-95D0-A137-257770BE7642}"/>
+          </ac:spMkLst>
+        </pc:spChg>
+      </pc:sldChg>
+      <pc:sldChg chg="del">
+        <pc:chgData name="Gibbons, Carl" userId="d2b037bc-8fb4-4222-845c-61440543a456" providerId="ADAL" clId="{4505F98C-4CC4-4983-9729-597D2A150C85}" dt="2023-12-28T22:17:14.720" v="1704" actId="47"/>
+        <pc:sldMkLst>
+          <pc:docMk/>
+          <pc:sldMk cId="2738411615" sldId="292"/>
+        </pc:sldMkLst>
+      </pc:sldChg>
+      <pc:sldChg chg="del">
+        <pc:chgData name="Gibbons, Carl" userId="d2b037bc-8fb4-4222-845c-61440543a456" providerId="ADAL" clId="{4505F98C-4CC4-4983-9729-597D2A150C85}" dt="2023-12-28T22:17:04.103" v="1694" actId="47"/>
+        <pc:sldMkLst>
+          <pc:docMk/>
+          <pc:sldMk cId="852415543" sldId="293"/>
+        </pc:sldMkLst>
+      </pc:sldChg>
+    </pc:docChg>
+  </pc:docChgLst>
+  <pc:docChgLst>
+    <pc:chgData name="Gibbons, Carl" userId="d2b037bc-8fb4-4222-845c-61440543a456" providerId="ADAL" clId="{8B117223-2596-4D61-9C62-CC9BD4B9A421}"/>
+    <pc:docChg chg="custSel addSld delSld modSld">
+      <pc:chgData name="Gibbons, Carl" userId="d2b037bc-8fb4-4222-845c-61440543a456" providerId="ADAL" clId="{8B117223-2596-4D61-9C62-CC9BD4B9A421}" dt="2024-01-24T22:00:55.310" v="2286" actId="20577"/>
+      <pc:docMkLst>
+        <pc:docMk/>
+      </pc:docMkLst>
+      <pc:sldChg chg="modSp mod">
+        <pc:chgData name="Gibbons, Carl" userId="d2b037bc-8fb4-4222-845c-61440543a456" providerId="ADAL" clId="{8B117223-2596-4D61-9C62-CC9BD4B9A421}" dt="2024-01-16T00:57:55.449" v="2005" actId="20577"/>
+        <pc:sldMkLst>
+          <pc:docMk/>
+          <pc:sldMk cId="3308175748" sldId="256"/>
+        </pc:sldMkLst>
+        <pc:spChg chg="mod">
+          <ac:chgData name="Gibbons, Carl" userId="d2b037bc-8fb4-4222-845c-61440543a456" providerId="ADAL" clId="{8B117223-2596-4D61-9C62-CC9BD4B9A421}" dt="2024-01-16T00:57:55.449" v="2005" actId="20577"/>
+          <ac:spMkLst>
+            <pc:docMk/>
+            <pc:sldMk cId="3308175748" sldId="256"/>
+            <ac:spMk id="3" creationId="{EEC4D41B-E776-05F2-BE0B-89BB339485AB}"/>
+          </ac:spMkLst>
+        </pc:spChg>
+      </pc:sldChg>
+      <pc:sldChg chg="modSp mod">
+        <pc:chgData name="Gibbons, Carl" userId="d2b037bc-8fb4-4222-845c-61440543a456" providerId="ADAL" clId="{8B117223-2596-4D61-9C62-CC9BD4B9A421}" dt="2024-01-24T22:00:55.310" v="2286" actId="20577"/>
+        <pc:sldMkLst>
+          <pc:docMk/>
+          <pc:sldMk cId="2312486803" sldId="261"/>
+        </pc:sldMkLst>
+        <pc:spChg chg="mod">
+          <ac:chgData name="Gibbons, Carl" userId="d2b037bc-8fb4-4222-845c-61440543a456" providerId="ADAL" clId="{8B117223-2596-4D61-9C62-CC9BD4B9A421}" dt="2024-01-16T00:15:29.289" v="286" actId="20577"/>
+          <ac:spMkLst>
+            <pc:docMk/>
+            <pc:sldMk cId="2312486803" sldId="261"/>
+            <ac:spMk id="2" creationId="{31B75992-5098-A283-4925-2CCEBB801DC5}"/>
+          </ac:spMkLst>
+        </pc:spChg>
+        <pc:spChg chg="mod">
+          <ac:chgData name="Gibbons, Carl" userId="d2b037bc-8fb4-4222-845c-61440543a456" providerId="ADAL" clId="{8B117223-2596-4D61-9C62-CC9BD4B9A421}" dt="2024-01-24T22:00:55.310" v="2286" actId="20577"/>
+          <ac:spMkLst>
+            <pc:docMk/>
+            <pc:sldMk cId="2312486803" sldId="261"/>
+            <ac:spMk id="3" creationId="{B5924E0F-A977-1710-779D-EEB74261AF34}"/>
+          </ac:spMkLst>
+        </pc:spChg>
+      </pc:sldChg>
+      <pc:sldChg chg="modSp add mod">
+        <pc:chgData name="Gibbons, Carl" userId="d2b037bc-8fb4-4222-845c-61440543a456" providerId="ADAL" clId="{8B117223-2596-4D61-9C62-CC9BD4B9A421}" dt="2024-01-16T01:00:51.762" v="2281" actId="313"/>
+        <pc:sldMkLst>
+          <pc:docMk/>
+          <pc:sldMk cId="3885141102" sldId="262"/>
+        </pc:sldMkLst>
+        <pc:spChg chg="mod">
+          <ac:chgData name="Gibbons, Carl" userId="d2b037bc-8fb4-4222-845c-61440543a456" providerId="ADAL" clId="{8B117223-2596-4D61-9C62-CC9BD4B9A421}" dt="2024-01-16T00:42:42.463" v="1503" actId="20577"/>
+          <ac:spMkLst>
+            <pc:docMk/>
+            <pc:sldMk cId="3885141102" sldId="262"/>
+            <ac:spMk id="2" creationId="{31B75992-5098-A283-4925-2CCEBB801DC5}"/>
+          </ac:spMkLst>
+        </pc:spChg>
+        <pc:spChg chg="mod">
+          <ac:chgData name="Gibbons, Carl" userId="d2b037bc-8fb4-4222-845c-61440543a456" providerId="ADAL" clId="{8B117223-2596-4D61-9C62-CC9BD4B9A421}" dt="2024-01-16T01:00:51.762" v="2281" actId="313"/>
+          <ac:spMkLst>
+            <pc:docMk/>
+            <pc:sldMk cId="3885141102" sldId="262"/>
+            <ac:spMk id="3" creationId="{B5924E0F-A977-1710-779D-EEB74261AF34}"/>
+          </ac:spMkLst>
+        </pc:spChg>
+      </pc:sldChg>
+      <pc:sldChg chg="add">
+        <pc:chgData name="Gibbons, Carl" userId="d2b037bc-8fb4-4222-845c-61440543a456" providerId="ADAL" clId="{8B117223-2596-4D61-9C62-CC9BD4B9A421}" dt="2024-01-16T00:58:20.162" v="2006"/>
+        <pc:sldMkLst>
+          <pc:docMk/>
+          <pc:sldMk cId="1719402288" sldId="263"/>
+        </pc:sldMkLst>
+      </pc:sldChg>
+      <pc:sldChg chg="del">
+        <pc:chgData name="Gibbons, Carl" userId="d2b037bc-8fb4-4222-845c-61440543a456" providerId="ADAL" clId="{8B117223-2596-4D61-9C62-CC9BD4B9A421}" dt="2024-01-16T00:11:26.015" v="227" actId="47"/>
+        <pc:sldMkLst>
+          <pc:docMk/>
+          <pc:sldMk cId="3989541258" sldId="278"/>
+        </pc:sldMkLst>
+      </pc:sldChg>
+      <pc:sldChg chg="del">
+        <pc:chgData name="Gibbons, Carl" userId="d2b037bc-8fb4-4222-845c-61440543a456" providerId="ADAL" clId="{8B117223-2596-4D61-9C62-CC9BD4B9A421}" dt="2024-01-16T00:11:26.575" v="228" actId="47"/>
+        <pc:sldMkLst>
+          <pc:docMk/>
+          <pc:sldMk cId="1861646120" sldId="293"/>
+        </pc:sldMkLst>
+      </pc:sldChg>
+      <pc:sldChg chg="del">
+        <pc:chgData name="Gibbons, Carl" userId="d2b037bc-8fb4-4222-845c-61440543a456" providerId="ADAL" clId="{8B117223-2596-4D61-9C62-CC9BD4B9A421}" dt="2024-01-16T00:11:27.206" v="229" actId="47"/>
+        <pc:sldMkLst>
+          <pc:docMk/>
+          <pc:sldMk cId="2232562783" sldId="294"/>
+        </pc:sldMkLst>
+      </pc:sldChg>
+      <pc:sldChg chg="del">
+        <pc:chgData name="Gibbons, Carl" userId="d2b037bc-8fb4-4222-845c-61440543a456" providerId="ADAL" clId="{8B117223-2596-4D61-9C62-CC9BD4B9A421}" dt="2024-01-16T00:11:27.766" v="230" actId="47"/>
+        <pc:sldMkLst>
+          <pc:docMk/>
+          <pc:sldMk cId="845747584" sldId="300"/>
+        </pc:sldMkLst>
+      </pc:sldChg>
+      <pc:sldChg chg="del">
+        <pc:chgData name="Gibbons, Carl" userId="d2b037bc-8fb4-4222-845c-61440543a456" providerId="ADAL" clId="{8B117223-2596-4D61-9C62-CC9BD4B9A421}" dt="2024-01-16T00:11:30.314" v="231" actId="47"/>
+        <pc:sldMkLst>
+          <pc:docMk/>
+          <pc:sldMk cId="3372579319" sldId="301"/>
+        </pc:sldMkLst>
+      </pc:sldChg>
+    </pc:docChg>
+  </pc:docChgLst>
+  <pc:docChgLst>
+    <pc:chgData name="Gibbons, Carl" userId="d2b037bc-8fb4-4222-845c-61440543a456" providerId="ADAL" clId="{C1E6ABF6-BAED-4B26-97DB-20A1E8B7A1A4}"/>
+    <pc:docChg chg="custSel modSld">
+      <pc:chgData name="Gibbons, Carl" userId="d2b037bc-8fb4-4222-845c-61440543a456" providerId="ADAL" clId="{C1E6ABF6-BAED-4B26-97DB-20A1E8B7A1A4}" dt="2023-12-06T02:23:48.337" v="274" actId="20577"/>
+      <pc:docMkLst>
+        <pc:docMk/>
+      </pc:docMkLst>
+      <pc:sldChg chg="modSp mod">
+        <pc:chgData name="Gibbons, Carl" userId="d2b037bc-8fb4-4222-845c-61440543a456" providerId="ADAL" clId="{C1E6ABF6-BAED-4B26-97DB-20A1E8B7A1A4}" dt="2023-11-21T16:22:17.597" v="97" actId="20577"/>
+        <pc:sldMkLst>
+          <pc:docMk/>
+          <pc:sldMk cId="3308175748" sldId="256"/>
+        </pc:sldMkLst>
+        <pc:spChg chg="mod">
+          <ac:chgData name="Gibbons, Carl" userId="d2b037bc-8fb4-4222-845c-61440543a456" providerId="ADAL" clId="{C1E6ABF6-BAED-4B26-97DB-20A1E8B7A1A4}" dt="2023-11-21T05:49:34.464" v="2"/>
+          <ac:spMkLst>
+            <pc:docMk/>
+            <pc:sldMk cId="3308175748" sldId="256"/>
+            <ac:spMk id="2" creationId="{ACEA2649-DC6B-3373-A7E6-7F0E103D8B8B}"/>
+          </ac:spMkLst>
+        </pc:spChg>
+        <pc:spChg chg="mod">
+          <ac:chgData name="Gibbons, Carl" userId="d2b037bc-8fb4-4222-845c-61440543a456" providerId="ADAL" clId="{C1E6ABF6-BAED-4B26-97DB-20A1E8B7A1A4}" dt="2023-11-21T16:22:17.597" v="97" actId="20577"/>
+          <ac:spMkLst>
+            <pc:docMk/>
+            <pc:sldMk cId="3308175748" sldId="256"/>
+            <ac:spMk id="3" creationId="{EEC4D41B-E776-05F2-BE0B-89BB339485AB}"/>
+          </ac:spMkLst>
+        </pc:spChg>
+        <pc:spChg chg="mod">
+          <ac:chgData name="Gibbons, Carl" userId="d2b037bc-8fb4-4222-845c-61440543a456" providerId="ADAL" clId="{C1E6ABF6-BAED-4B26-97DB-20A1E8B7A1A4}" dt="2023-11-21T05:49:34.464" v="2"/>
+          <ac:spMkLst>
+            <pc:docMk/>
+            <pc:sldMk cId="3308175748" sldId="256"/>
+            <ac:spMk id="4" creationId="{4664ABB7-0B55-0242-2E51-B3286EE7B5EB}"/>
+          </ac:spMkLst>
+        </pc:spChg>
+      </pc:sldChg>
+      <pc:sldChg chg="modSp">
+        <pc:chgData name="Gibbons, Carl" userId="d2b037bc-8fb4-4222-845c-61440543a456" providerId="ADAL" clId="{C1E6ABF6-BAED-4B26-97DB-20A1E8B7A1A4}" dt="2023-11-21T05:49:34.464" v="2"/>
+        <pc:sldMkLst>
+          <pc:docMk/>
+          <pc:sldMk cId="2312486803" sldId="261"/>
+        </pc:sldMkLst>
+        <pc:spChg chg="mod">
+          <ac:chgData name="Gibbons, Carl" userId="d2b037bc-8fb4-4222-845c-61440543a456" providerId="ADAL" clId="{C1E6ABF6-BAED-4B26-97DB-20A1E8B7A1A4}" dt="2023-11-21T05:49:34.464" v="2"/>
+          <ac:spMkLst>
+            <pc:docMk/>
+            <pc:sldMk cId="2312486803" sldId="261"/>
+            <ac:spMk id="2" creationId="{31B75992-5098-A283-4925-2CCEBB801DC5}"/>
+          </ac:spMkLst>
+        </pc:spChg>
+      </pc:sldChg>
+      <pc:sldChg chg="modSp mod">
+        <pc:chgData name="Gibbons, Carl" userId="d2b037bc-8fb4-4222-845c-61440543a456" providerId="ADAL" clId="{C1E6ABF6-BAED-4B26-97DB-20A1E8B7A1A4}" dt="2023-11-21T07:48:19.790" v="77" actId="20577"/>
+        <pc:sldMkLst>
+          <pc:docMk/>
+          <pc:sldMk cId="378743348" sldId="270"/>
+        </pc:sldMkLst>
+        <pc:spChg chg="mod">
+          <ac:chgData name="Gibbons, Carl" userId="d2b037bc-8fb4-4222-845c-61440543a456" providerId="ADAL" clId="{C1E6ABF6-BAED-4B26-97DB-20A1E8B7A1A4}" dt="2023-11-21T07:48:19.790" v="77" actId="20577"/>
+          <ac:spMkLst>
+            <pc:docMk/>
+            <pc:sldMk cId="378743348" sldId="270"/>
+            <ac:spMk id="3" creationId="{80041865-9773-290D-EB35-F8AF8BFC505C}"/>
+          </ac:spMkLst>
+        </pc:spChg>
+      </pc:sldChg>
+      <pc:sldChg chg="modSp mod">
+        <pc:chgData name="Gibbons, Carl" userId="d2b037bc-8fb4-4222-845c-61440543a456" providerId="ADAL" clId="{C1E6ABF6-BAED-4B26-97DB-20A1E8B7A1A4}" dt="2023-12-06T02:23:48.337" v="274" actId="20577"/>
+        <pc:sldMkLst>
+          <pc:docMk/>
+          <pc:sldMk cId="657795359" sldId="277"/>
+        </pc:sldMkLst>
+        <pc:spChg chg="mod">
+          <ac:chgData name="Gibbons, Carl" userId="d2b037bc-8fb4-4222-845c-61440543a456" providerId="ADAL" clId="{C1E6ABF6-BAED-4B26-97DB-20A1E8B7A1A4}" dt="2023-11-21T05:49:34.464" v="2"/>
+          <ac:spMkLst>
+            <pc:docMk/>
+            <pc:sldMk cId="657795359" sldId="277"/>
+            <ac:spMk id="2" creationId="{1862E903-3C56-BB42-2361-009F2336475A}"/>
+          </ac:spMkLst>
+        </pc:spChg>
+        <pc:spChg chg="mod">
+          <ac:chgData name="Gibbons, Carl" userId="d2b037bc-8fb4-4222-845c-61440543a456" providerId="ADAL" clId="{C1E6ABF6-BAED-4B26-97DB-20A1E8B7A1A4}" dt="2023-12-06T02:23:48.337" v="274" actId="20577"/>
+          <ac:spMkLst>
+            <pc:docMk/>
+            <pc:sldMk cId="657795359" sldId="277"/>
+            <ac:spMk id="3" creationId="{90179172-96B3-95D0-A137-257770BE7642}"/>
+          </ac:spMkLst>
+        </pc:spChg>
+      </pc:sldChg>
+    </pc:docChg>
+  </pc:docChgLst>
+  <pc:docChgLst>
+    <pc:chgData name="Gibbons, Carl" userId="d2b037bc-8fb4-4222-845c-61440543a456" providerId="ADAL" clId="{CE68D2EA-6C33-4320-B171-B4C637EE57D5}"/>
+    <pc:docChg chg="undo custSel delSld modSld">
+      <pc:chgData name="Gibbons, Carl" userId="d2b037bc-8fb4-4222-845c-61440543a456" providerId="ADAL" clId="{CE68D2EA-6C33-4320-B171-B4C637EE57D5}" dt="2024-02-04T05:12:30.446" v="2225" actId="5793"/>
+      <pc:docMkLst>
+        <pc:docMk/>
+      </pc:docMkLst>
+      <pc:sldChg chg="modSp mod">
+        <pc:chgData name="Gibbons, Carl" userId="d2b037bc-8fb4-4222-845c-61440543a456" providerId="ADAL" clId="{CE68D2EA-6C33-4320-B171-B4C637EE57D5}" dt="2024-02-04T04:34:37.470" v="1" actId="20577"/>
+        <pc:sldMkLst>
+          <pc:docMk/>
+          <pc:sldMk cId="3308175748" sldId="256"/>
+        </pc:sldMkLst>
+        <pc:spChg chg="mod">
+          <ac:chgData name="Gibbons, Carl" userId="d2b037bc-8fb4-4222-845c-61440543a456" providerId="ADAL" clId="{CE68D2EA-6C33-4320-B171-B4C637EE57D5}" dt="2024-02-04T04:34:37.470" v="1" actId="20577"/>
+          <ac:spMkLst>
+            <pc:docMk/>
+            <pc:sldMk cId="3308175748" sldId="256"/>
+            <ac:spMk id="3" creationId="{EEC4D41B-E776-05F2-BE0B-89BB339485AB}"/>
+          </ac:spMkLst>
+        </pc:spChg>
+      </pc:sldChg>
+      <pc:sldChg chg="modSp mod">
+        <pc:chgData name="Gibbons, Carl" userId="d2b037bc-8fb4-4222-845c-61440543a456" providerId="ADAL" clId="{CE68D2EA-6C33-4320-B171-B4C637EE57D5}" dt="2024-02-04T04:45:39.551" v="829" actId="20577"/>
+        <pc:sldMkLst>
+          <pc:docMk/>
+          <pc:sldMk cId="2312486803" sldId="261"/>
+        </pc:sldMkLst>
+        <pc:spChg chg="mod">
+          <ac:chgData name="Gibbons, Carl" userId="d2b037bc-8fb4-4222-845c-61440543a456" providerId="ADAL" clId="{CE68D2EA-6C33-4320-B171-B4C637EE57D5}" dt="2024-02-04T04:35:06.801" v="27" actId="20577"/>
+          <ac:spMkLst>
+            <pc:docMk/>
+            <pc:sldMk cId="2312486803" sldId="261"/>
+            <ac:spMk id="2" creationId="{31B75992-5098-A283-4925-2CCEBB801DC5}"/>
+          </ac:spMkLst>
+        </pc:spChg>
+        <pc:spChg chg="mod">
+          <ac:chgData name="Gibbons, Carl" userId="d2b037bc-8fb4-4222-845c-61440543a456" providerId="ADAL" clId="{CE68D2EA-6C33-4320-B171-B4C637EE57D5}" dt="2024-02-04T04:45:39.551" v="829" actId="20577"/>
+          <ac:spMkLst>
+            <pc:docMk/>
+            <pc:sldMk cId="2312486803" sldId="261"/>
+            <ac:spMk id="3" creationId="{B5924E0F-A977-1710-779D-EEB74261AF34}"/>
+          </ac:spMkLst>
+        </pc:spChg>
+      </pc:sldChg>
+      <pc:sldChg chg="modSp mod">
+        <pc:chgData name="Gibbons, Carl" userId="d2b037bc-8fb4-4222-845c-61440543a456" providerId="ADAL" clId="{CE68D2EA-6C33-4320-B171-B4C637EE57D5}" dt="2024-02-04T05:12:30.446" v="2225" actId="5793"/>
+        <pc:sldMkLst>
+          <pc:docMk/>
+          <pc:sldMk cId="3885141102" sldId="262"/>
+        </pc:sldMkLst>
+        <pc:spChg chg="mod">
+          <ac:chgData name="Gibbons, Carl" userId="d2b037bc-8fb4-4222-845c-61440543a456" providerId="ADAL" clId="{CE68D2EA-6C33-4320-B171-B4C637EE57D5}" dt="2024-02-04T05:12:30.446" v="2225" actId="5793"/>
+          <ac:spMkLst>
+            <pc:docMk/>
+            <pc:sldMk cId="3885141102" sldId="262"/>
+            <ac:spMk id="3" creationId="{B5924E0F-A977-1710-779D-EEB74261AF34}"/>
+          </ac:spMkLst>
+        </pc:spChg>
+      </pc:sldChg>
+      <pc:sldChg chg="del">
+        <pc:chgData name="Gibbons, Carl" userId="d2b037bc-8fb4-4222-845c-61440543a456" providerId="ADAL" clId="{CE68D2EA-6C33-4320-B171-B4C637EE57D5}" dt="2024-02-04T05:02:32.591" v="1790" actId="2696"/>
+        <pc:sldMkLst>
+          <pc:docMk/>
+          <pc:sldMk cId="1719402288" sldId="263"/>
+        </pc:sldMkLst>
+      </pc:sldChg>
+      <pc:sldChg chg="modSp mod">
+        <pc:chgData name="Gibbons, Carl" userId="d2b037bc-8fb4-4222-845c-61440543a456" providerId="ADAL" clId="{CE68D2EA-6C33-4320-B171-B4C637EE57D5}" dt="2024-02-04T05:01:45.101" v="1789" actId="2711"/>
+        <pc:sldMkLst>
+          <pc:docMk/>
+          <pc:sldMk cId="2993794741" sldId="265"/>
+        </pc:sldMkLst>
+        <pc:spChg chg="mod">
+          <ac:chgData name="Gibbons, Carl" userId="d2b037bc-8fb4-4222-845c-61440543a456" providerId="ADAL" clId="{CE68D2EA-6C33-4320-B171-B4C637EE57D5}" dt="2024-02-04T04:46:22.730" v="881" actId="20577"/>
+          <ac:spMkLst>
+            <pc:docMk/>
+            <pc:sldMk cId="2993794741" sldId="265"/>
+            <ac:spMk id="2" creationId="{31B75992-5098-A283-4925-2CCEBB801DC5}"/>
+          </ac:spMkLst>
+        </pc:spChg>
+        <pc:spChg chg="mod">
+          <ac:chgData name="Gibbons, Carl" userId="d2b037bc-8fb4-4222-845c-61440543a456" providerId="ADAL" clId="{CE68D2EA-6C33-4320-B171-B4C637EE57D5}" dt="2024-02-04T05:01:45.101" v="1789" actId="2711"/>
+          <ac:spMkLst>
+            <pc:docMk/>
+            <pc:sldMk cId="2993794741" sldId="265"/>
+            <ac:spMk id="3" creationId="{B5924E0F-A977-1710-779D-EEB74261AF34}"/>
+          </ac:spMkLst>
+        </pc:spChg>
+      </pc:sldChg>
+    </pc:docChg>
+  </pc:docChgLst>
+  <pc:docChgLst>
+    <pc:chgData name="Gibbons, Carl" userId="d2b037bc-8fb4-4222-845c-61440543a456" providerId="ADAL" clId="{8C497311-FA0D-4174-880A-DAA4EEB2BF3B}"/>
+    <pc:docChg chg="custSel delSld modSld">
+      <pc:chgData name="Gibbons, Carl" userId="d2b037bc-8fb4-4222-845c-61440543a456" providerId="ADAL" clId="{8C497311-FA0D-4174-880A-DAA4EEB2BF3B}" dt="2023-12-29T17:07:57.293" v="7187" actId="20577"/>
+      <pc:docMkLst>
+        <pc:docMk/>
+      </pc:docMkLst>
+      <pc:sldChg chg="modSp mod">
+        <pc:chgData name="Gibbons, Carl" userId="d2b037bc-8fb4-4222-845c-61440543a456" providerId="ADAL" clId="{8C497311-FA0D-4174-880A-DAA4EEB2BF3B}" dt="2023-12-29T17:06:57.427" v="7098" actId="20577"/>
+        <pc:sldMkLst>
+          <pc:docMk/>
+          <pc:sldMk cId="3308175748" sldId="256"/>
+        </pc:sldMkLst>
+        <pc:spChg chg="mod">
+          <ac:chgData name="Gibbons, Carl" userId="d2b037bc-8fb4-4222-845c-61440543a456" providerId="ADAL" clId="{8C497311-FA0D-4174-880A-DAA4EEB2BF3B}" dt="2023-12-29T17:06:57.427" v="7098" actId="20577"/>
+          <ac:spMkLst>
+            <pc:docMk/>
+            <pc:sldMk cId="3308175748" sldId="256"/>
+            <ac:spMk id="3" creationId="{EEC4D41B-E776-05F2-BE0B-89BB339485AB}"/>
+          </ac:spMkLst>
+        </pc:spChg>
+      </pc:sldChg>
+      <pc:sldChg chg="modSp mod">
+        <pc:chgData name="Gibbons, Carl" userId="d2b037bc-8fb4-4222-845c-61440543a456" providerId="ADAL" clId="{8C497311-FA0D-4174-880A-DAA4EEB2BF3B}" dt="2023-12-29T15:08:44.674" v="3403" actId="20577"/>
+        <pc:sldMkLst>
+          <pc:docMk/>
+          <pc:sldMk cId="2312486803" sldId="261"/>
+        </pc:sldMkLst>
+        <pc:spChg chg="mod">
+          <ac:chgData name="Gibbons, Carl" userId="d2b037bc-8fb4-4222-845c-61440543a456" providerId="ADAL" clId="{8C497311-FA0D-4174-880A-DAA4EEB2BF3B}" dt="2023-12-29T14:20:41.496" v="51" actId="20577"/>
+          <ac:spMkLst>
+            <pc:docMk/>
+            <pc:sldMk cId="2312486803" sldId="261"/>
+            <ac:spMk id="2" creationId="{31B75992-5098-A283-4925-2CCEBB801DC5}"/>
+          </ac:spMkLst>
+        </pc:spChg>
+        <pc:spChg chg="mod">
+          <ac:chgData name="Gibbons, Carl" userId="d2b037bc-8fb4-4222-845c-61440543a456" providerId="ADAL" clId="{8C497311-FA0D-4174-880A-DAA4EEB2BF3B}" dt="2023-12-29T15:08:44.674" v="3403" actId="20577"/>
+          <ac:spMkLst>
+            <pc:docMk/>
+            <pc:sldMk cId="2312486803" sldId="261"/>
+            <ac:spMk id="3" creationId="{B5924E0F-A977-1710-779D-EEB74261AF34}"/>
+          </ac:spMkLst>
+        </pc:spChg>
+      </pc:sldChg>
+      <pc:sldChg chg="delSp modSp mod">
+        <pc:chgData name="Gibbons, Carl" userId="d2b037bc-8fb4-4222-845c-61440543a456" providerId="ADAL" clId="{8C497311-FA0D-4174-880A-DAA4EEB2BF3B}" dt="2023-12-29T17:07:57.293" v="7187" actId="20577"/>
+        <pc:sldMkLst>
+          <pc:docMk/>
+          <pc:sldMk cId="657795359" sldId="277"/>
+        </pc:sldMkLst>
+        <pc:spChg chg="mod">
+          <ac:chgData name="Gibbons, Carl" userId="d2b037bc-8fb4-4222-845c-61440543a456" providerId="ADAL" clId="{8C497311-FA0D-4174-880A-DAA4EEB2BF3B}" dt="2023-12-29T17:07:57.293" v="7187" actId="20577"/>
+          <ac:spMkLst>
+            <pc:docMk/>
+            <pc:sldMk cId="657795359" sldId="277"/>
+            <ac:spMk id="2" creationId="{1862E903-3C56-BB42-2361-009F2336475A}"/>
+          </ac:spMkLst>
+        </pc:spChg>
+        <pc:spChg chg="del mod">
+          <ac:chgData name="Gibbons, Carl" userId="d2b037bc-8fb4-4222-845c-61440543a456" providerId="ADAL" clId="{8C497311-FA0D-4174-880A-DAA4EEB2BF3B}" dt="2023-12-29T17:07:50.480" v="7185"/>
+          <ac:spMkLst>
+            <pc:docMk/>
+            <pc:sldMk cId="657795359" sldId="277"/>
+            <ac:spMk id="3" creationId="{90179172-96B3-95D0-A137-257770BE7642}"/>
+          </ac:spMkLst>
+        </pc:spChg>
+      </pc:sldChg>
+      <pc:sldChg chg="modSp mod">
+        <pc:chgData name="Gibbons, Carl" userId="d2b037bc-8fb4-4222-845c-61440543a456" providerId="ADAL" clId="{8C497311-FA0D-4174-880A-DAA4EEB2BF3B}" dt="2023-12-29T15:35:37.192" v="6042" actId="5793"/>
+        <pc:sldMkLst>
+          <pc:docMk/>
+          <pc:sldMk cId="3989541258" sldId="278"/>
+        </pc:sldMkLst>
+        <pc:spChg chg="mod">
+          <ac:chgData name="Gibbons, Carl" userId="d2b037bc-8fb4-4222-845c-61440543a456" providerId="ADAL" clId="{8C497311-FA0D-4174-880A-DAA4EEB2BF3B}" dt="2023-12-29T15:09:22.213" v="3411" actId="20577"/>
+          <ac:spMkLst>
+            <pc:docMk/>
+            <pc:sldMk cId="3989541258" sldId="278"/>
+            <ac:spMk id="2" creationId="{31B75992-5098-A283-4925-2CCEBB801DC5}"/>
+          </ac:spMkLst>
+        </pc:spChg>
+        <pc:spChg chg="mod">
+          <ac:chgData name="Gibbons, Carl" userId="d2b037bc-8fb4-4222-845c-61440543a456" providerId="ADAL" clId="{8C497311-FA0D-4174-880A-DAA4EEB2BF3B}" dt="2023-12-29T15:35:37.192" v="6042" actId="5793"/>
+          <ac:spMkLst>
+            <pc:docMk/>
+            <pc:sldMk cId="3989541258" sldId="278"/>
+            <ac:spMk id="3" creationId="{B5924E0F-A977-1710-779D-EEB74261AF34}"/>
+          </ac:spMkLst>
+        </pc:spChg>
+      </pc:sldChg>
+      <pc:sldChg chg="del">
+        <pc:chgData name="Gibbons, Carl" userId="d2b037bc-8fb4-4222-845c-61440543a456" providerId="ADAL" clId="{8C497311-FA0D-4174-880A-DAA4EEB2BF3B}" dt="2023-12-29T17:07:06.467" v="7099" actId="47"/>
+        <pc:sldMkLst>
+          <pc:docMk/>
+          <pc:sldMk cId="2335633195" sldId="279"/>
+        </pc:sldMkLst>
+      </pc:sldChg>
+      <pc:sldChg chg="del">
+        <pc:chgData name="Gibbons, Carl" userId="d2b037bc-8fb4-4222-845c-61440543a456" providerId="ADAL" clId="{8C497311-FA0D-4174-880A-DAA4EEB2BF3B}" dt="2023-12-29T17:07:07.395" v="7100" actId="47"/>
+        <pc:sldMkLst>
+          <pc:docMk/>
+          <pc:sldMk cId="1284534978" sldId="280"/>
+        </pc:sldMkLst>
+      </pc:sldChg>
+      <pc:sldChg chg="del">
+        <pc:chgData name="Gibbons, Carl" userId="d2b037bc-8fb4-4222-845c-61440543a456" providerId="ADAL" clId="{8C497311-FA0D-4174-880A-DAA4EEB2BF3B}" dt="2023-12-29T17:07:07.895" v="7101" actId="47"/>
+        <pc:sldMkLst>
+          <pc:docMk/>
+          <pc:sldMk cId="1802585387" sldId="281"/>
+        </pc:sldMkLst>
+      </pc:sldChg>
+      <pc:sldChg chg="del">
+        <pc:chgData name="Gibbons, Carl" userId="d2b037bc-8fb4-4222-845c-61440543a456" providerId="ADAL" clId="{8C497311-FA0D-4174-880A-DAA4EEB2BF3B}" dt="2023-12-29T17:07:08.365" v="7102" actId="47"/>
+        <pc:sldMkLst>
+          <pc:docMk/>
+          <pc:sldMk cId="724803187" sldId="282"/>
+        </pc:sldMkLst>
+      </pc:sldChg>
+      <pc:sldChg chg="del">
+        <pc:chgData name="Gibbons, Carl" userId="d2b037bc-8fb4-4222-845c-61440543a456" providerId="ADAL" clId="{8C497311-FA0D-4174-880A-DAA4EEB2BF3B}" dt="2023-12-29T17:07:08.842" v="7103" actId="47"/>
+        <pc:sldMkLst>
+          <pc:docMk/>
+          <pc:sldMk cId="1926009205" sldId="283"/>
+        </pc:sldMkLst>
+      </pc:sldChg>
+      <pc:sldChg chg="del">
+        <pc:chgData name="Gibbons, Carl" userId="d2b037bc-8fb4-4222-845c-61440543a456" providerId="ADAL" clId="{8C497311-FA0D-4174-880A-DAA4EEB2BF3B}" dt="2023-12-29T17:07:09.362" v="7104" actId="47"/>
+        <pc:sldMkLst>
+          <pc:docMk/>
+          <pc:sldMk cId="2366216895" sldId="284"/>
+        </pc:sldMkLst>
+      </pc:sldChg>
+      <pc:sldChg chg="del">
+        <pc:chgData name="Gibbons, Carl" userId="d2b037bc-8fb4-4222-845c-61440543a456" providerId="ADAL" clId="{8C497311-FA0D-4174-880A-DAA4EEB2BF3B}" dt="2023-12-29T17:07:09.925" v="7105" actId="47"/>
+        <pc:sldMkLst>
+          <pc:docMk/>
+          <pc:sldMk cId="3371896289" sldId="285"/>
+        </pc:sldMkLst>
+      </pc:sldChg>
+      <pc:sldChg chg="del">
+        <pc:chgData name="Gibbons, Carl" userId="d2b037bc-8fb4-4222-845c-61440543a456" providerId="ADAL" clId="{8C497311-FA0D-4174-880A-DAA4EEB2BF3B}" dt="2023-12-29T17:07:10.474" v="7106" actId="47"/>
+        <pc:sldMkLst>
+          <pc:docMk/>
+          <pc:sldMk cId="3193160409" sldId="286"/>
+        </pc:sldMkLst>
+      </pc:sldChg>
+      <pc:sldChg chg="del">
+        <pc:chgData name="Gibbons, Carl" userId="d2b037bc-8fb4-4222-845c-61440543a456" providerId="ADAL" clId="{8C497311-FA0D-4174-880A-DAA4EEB2BF3B}" dt="2023-12-29T17:07:11.056" v="7107" actId="47"/>
+        <pc:sldMkLst>
+          <pc:docMk/>
+          <pc:sldMk cId="2688338374" sldId="287"/>
+        </pc:sldMkLst>
+      </pc:sldChg>
+      <pc:sldChg chg="del">
+        <pc:chgData name="Gibbons, Carl" userId="d2b037bc-8fb4-4222-845c-61440543a456" providerId="ADAL" clId="{8C497311-FA0D-4174-880A-DAA4EEB2BF3B}" dt="2023-12-29T17:07:11.624" v="7108" actId="47"/>
+        <pc:sldMkLst>
+          <pc:docMk/>
+          <pc:sldMk cId="2142935017" sldId="288"/>
+        </pc:sldMkLst>
+      </pc:sldChg>
+      <pc:sldChg chg="del">
+        <pc:chgData name="Gibbons, Carl" userId="d2b037bc-8fb4-4222-845c-61440543a456" providerId="ADAL" clId="{8C497311-FA0D-4174-880A-DAA4EEB2BF3B}" dt="2023-12-29T17:07:12.218" v="7109" actId="47"/>
+        <pc:sldMkLst>
+          <pc:docMk/>
+          <pc:sldMk cId="2784625941" sldId="289"/>
+        </pc:sldMkLst>
+      </pc:sldChg>
+      <pc:sldChg chg="del">
+        <pc:chgData name="Gibbons, Carl" userId="d2b037bc-8fb4-4222-845c-61440543a456" providerId="ADAL" clId="{8C497311-FA0D-4174-880A-DAA4EEB2BF3B}" dt="2023-12-29T17:07:12.802" v="7110" actId="47"/>
+        <pc:sldMkLst>
+          <pc:docMk/>
+          <pc:sldMk cId="1677974689" sldId="290"/>
+        </pc:sldMkLst>
+      </pc:sldChg>
+      <pc:sldChg chg="del">
+        <pc:chgData name="Gibbons, Carl" userId="d2b037bc-8fb4-4222-845c-61440543a456" providerId="ADAL" clId="{8C497311-FA0D-4174-880A-DAA4EEB2BF3B}" dt="2023-12-29T17:07:13.420" v="7111" actId="47"/>
+        <pc:sldMkLst>
+          <pc:docMk/>
+          <pc:sldMk cId="4219326696" sldId="291"/>
+        </pc:sldMkLst>
+      </pc:sldChg>
+      <pc:sldChg chg="del">
+        <pc:chgData name="Gibbons, Carl" userId="d2b037bc-8fb4-4222-845c-61440543a456" providerId="ADAL" clId="{8C497311-FA0D-4174-880A-DAA4EEB2BF3B}" dt="2023-12-29T17:07:14.054" v="7112" actId="47"/>
+        <pc:sldMkLst>
+          <pc:docMk/>
+          <pc:sldMk cId="33911121" sldId="292"/>
+        </pc:sldMkLst>
+      </pc:sldChg>
+      <pc:sldChg chg="modSp mod">
+        <pc:chgData name="Gibbons, Carl" userId="d2b037bc-8fb4-4222-845c-61440543a456" providerId="ADAL" clId="{8C497311-FA0D-4174-880A-DAA4EEB2BF3B}" dt="2023-12-29T15:43:57.081" v="7062" actId="20577"/>
+        <pc:sldMkLst>
+          <pc:docMk/>
+          <pc:sldMk cId="1861646120" sldId="293"/>
+        </pc:sldMkLst>
+        <pc:spChg chg="mod">
+          <ac:chgData name="Gibbons, Carl" userId="d2b037bc-8fb4-4222-845c-61440543a456" providerId="ADAL" clId="{8C497311-FA0D-4174-880A-DAA4EEB2BF3B}" dt="2023-12-29T15:36:21.703" v="6112" actId="20577"/>
+          <ac:spMkLst>
+            <pc:docMk/>
+            <pc:sldMk cId="1861646120" sldId="293"/>
+            <ac:spMk id="2" creationId="{31B75992-5098-A283-4925-2CCEBB801DC5}"/>
+          </ac:spMkLst>
+        </pc:spChg>
+        <pc:spChg chg="mod">
+          <ac:chgData name="Gibbons, Carl" userId="d2b037bc-8fb4-4222-845c-61440543a456" providerId="ADAL" clId="{8C497311-FA0D-4174-880A-DAA4EEB2BF3B}" dt="2023-12-29T15:43:57.081" v="7062" actId="20577"/>
+          <ac:spMkLst>
+            <pc:docMk/>
+            <pc:sldMk cId="1861646120" sldId="293"/>
+            <ac:spMk id="3" creationId="{B5924E0F-A977-1710-779D-EEB74261AF34}"/>
+          </ac:spMkLst>
+        </pc:spChg>
+      </pc:sldChg>
+    </pc:docChg>
+  </pc:docChgLst>
+  <pc:docChgLst>
+    <pc:chgData name="Gibbons, Carl" userId="d2b037bc-8fb4-4222-845c-61440543a456" providerId="ADAL" clId="{06905CFC-A46E-472D-890F-9117438C8D89}"/>
+    <pc:docChg chg="custSel addSld delSld modSld">
+      <pc:chgData name="Gibbons, Carl" userId="d2b037bc-8fb4-4222-845c-61440543a456" providerId="ADAL" clId="{06905CFC-A46E-472D-890F-9117438C8D89}" dt="2024-02-04T04:33:39.872" v="4931" actId="20577"/>
+      <pc:docMkLst>
+        <pc:docMk/>
+      </pc:docMkLst>
+      <pc:sldChg chg="modSp mod">
+        <pc:chgData name="Gibbons, Carl" userId="d2b037bc-8fb4-4222-845c-61440543a456" providerId="ADAL" clId="{06905CFC-A46E-472D-890F-9117438C8D89}" dt="2024-02-04T02:59:56.129" v="48" actId="20577"/>
+        <pc:sldMkLst>
+          <pc:docMk/>
+          <pc:sldMk cId="3308175748" sldId="256"/>
+        </pc:sldMkLst>
+        <pc:spChg chg="mod">
+          <ac:chgData name="Gibbons, Carl" userId="d2b037bc-8fb4-4222-845c-61440543a456" providerId="ADAL" clId="{06905CFC-A46E-472D-890F-9117438C8D89}" dt="2024-02-04T02:59:56.129" v="48" actId="20577"/>
+          <ac:spMkLst>
+            <pc:docMk/>
+            <pc:sldMk cId="3308175748" sldId="256"/>
+            <ac:spMk id="3" creationId="{EEC4D41B-E776-05F2-BE0B-89BB339485AB}"/>
+          </ac:spMkLst>
+        </pc:spChg>
+      </pc:sldChg>
+      <pc:sldChg chg="modSp mod">
+        <pc:chgData name="Gibbons, Carl" userId="d2b037bc-8fb4-4222-845c-61440543a456" providerId="ADAL" clId="{06905CFC-A46E-472D-890F-9117438C8D89}" dt="2024-02-04T03:54:18.112" v="2151" actId="15"/>
+        <pc:sldMkLst>
+          <pc:docMk/>
+          <pc:sldMk cId="2312486803" sldId="261"/>
+        </pc:sldMkLst>
+        <pc:spChg chg="mod">
+          <ac:chgData name="Gibbons, Carl" userId="d2b037bc-8fb4-4222-845c-61440543a456" providerId="ADAL" clId="{06905CFC-A46E-472D-890F-9117438C8D89}" dt="2024-02-04T03:52:20.850" v="2087" actId="20577"/>
+          <ac:spMkLst>
+            <pc:docMk/>
+            <pc:sldMk cId="2312486803" sldId="261"/>
+            <ac:spMk id="2" creationId="{31B75992-5098-A283-4925-2CCEBB801DC5}"/>
+          </ac:spMkLst>
+        </pc:spChg>
+        <pc:spChg chg="mod">
+          <ac:chgData name="Gibbons, Carl" userId="d2b037bc-8fb4-4222-845c-61440543a456" providerId="ADAL" clId="{06905CFC-A46E-472D-890F-9117438C8D89}" dt="2024-02-04T03:54:18.112" v="2151" actId="15"/>
+          <ac:spMkLst>
+            <pc:docMk/>
+            <pc:sldMk cId="2312486803" sldId="261"/>
+            <ac:spMk id="3" creationId="{B5924E0F-A977-1710-779D-EEB74261AF34}"/>
+          </ac:spMkLst>
+        </pc:spChg>
+      </pc:sldChg>
+      <pc:sldChg chg="modSp mod">
+        <pc:chgData name="Gibbons, Carl" userId="d2b037bc-8fb4-4222-845c-61440543a456" providerId="ADAL" clId="{06905CFC-A46E-472D-890F-9117438C8D89}" dt="2024-02-04T04:33:39.872" v="4931" actId="20577"/>
+        <pc:sldMkLst>
+          <pc:docMk/>
+          <pc:sldMk cId="3885141102" sldId="262"/>
+        </pc:sldMkLst>
+        <pc:spChg chg="mod">
+          <ac:chgData name="Gibbons, Carl" userId="d2b037bc-8fb4-4222-845c-61440543a456" providerId="ADAL" clId="{06905CFC-A46E-472D-890F-9117438C8D89}" dt="2024-02-04T04:33:39.872" v="4931" actId="20577"/>
+          <ac:spMkLst>
+            <pc:docMk/>
+            <pc:sldMk cId="3885141102" sldId="262"/>
+            <ac:spMk id="3" creationId="{B5924E0F-A977-1710-779D-EEB74261AF34}"/>
+          </ac:spMkLst>
+        </pc:spChg>
+      </pc:sldChg>
+      <pc:sldChg chg="modSp mod">
+        <pc:chgData name="Gibbons, Carl" userId="d2b037bc-8fb4-4222-845c-61440543a456" providerId="ADAL" clId="{06905CFC-A46E-472D-890F-9117438C8D89}" dt="2024-02-04T04:32:40.613" v="4865" actId="20577"/>
+        <pc:sldMkLst>
+          <pc:docMk/>
+          <pc:sldMk cId="1719402288" sldId="263"/>
+        </pc:sldMkLst>
+        <pc:spChg chg="mod">
+          <ac:chgData name="Gibbons, Carl" userId="d2b037bc-8fb4-4222-845c-61440543a456" providerId="ADAL" clId="{06905CFC-A46E-472D-890F-9117438C8D89}" dt="2024-02-04T04:12:26.573" v="3314" actId="20577"/>
+          <ac:spMkLst>
+            <pc:docMk/>
+            <pc:sldMk cId="1719402288" sldId="263"/>
+            <ac:spMk id="2" creationId="{31B75992-5098-A283-4925-2CCEBB801DC5}"/>
+          </ac:spMkLst>
+        </pc:spChg>
+        <pc:spChg chg="mod">
+          <ac:chgData name="Gibbons, Carl" userId="d2b037bc-8fb4-4222-845c-61440543a456" providerId="ADAL" clId="{06905CFC-A46E-472D-890F-9117438C8D89}" dt="2024-02-04T04:32:40.613" v="4865" actId="20577"/>
+          <ac:spMkLst>
+            <pc:docMk/>
+            <pc:sldMk cId="1719402288" sldId="263"/>
+            <ac:spMk id="3" creationId="{B5924E0F-A977-1710-779D-EEB74261AF34}"/>
+          </ac:spMkLst>
+        </pc:spChg>
+      </pc:sldChg>
+      <pc:sldChg chg="modSp new del mod">
+        <pc:chgData name="Gibbons, Carl" userId="d2b037bc-8fb4-4222-845c-61440543a456" providerId="ADAL" clId="{06905CFC-A46E-472D-890F-9117438C8D89}" dt="2024-02-04T03:52:51.701" v="2091" actId="2696"/>
+        <pc:sldMkLst>
+          <pc:docMk/>
+          <pc:sldMk cId="122773691" sldId="264"/>
+        </pc:sldMkLst>
+        <pc:spChg chg="mod">
+          <ac:chgData name="Gibbons, Carl" userId="d2b037bc-8fb4-4222-845c-61440543a456" providerId="ADAL" clId="{06905CFC-A46E-472D-890F-9117438C8D89}" dt="2024-02-04T03:52:47.108" v="2090" actId="27636"/>
+          <ac:spMkLst>
+            <pc:docMk/>
+            <pc:sldMk cId="122773691" sldId="264"/>
+            <ac:spMk id="2" creationId="{25B9B666-A3B3-5530-8F45-BA2562A6655A}"/>
+          </ac:spMkLst>
+        </pc:spChg>
+      </pc:sldChg>
+      <pc:sldChg chg="modSp add mod">
+        <pc:chgData name="Gibbons, Carl" userId="d2b037bc-8fb4-4222-845c-61440543a456" providerId="ADAL" clId="{06905CFC-A46E-472D-890F-9117438C8D89}" dt="2024-02-04T04:11:43.510" v="3278" actId="20577"/>
+        <pc:sldMkLst>
+          <pc:docMk/>
+          <pc:sldMk cId="2993794741" sldId="265"/>
+        </pc:sldMkLst>
+        <pc:spChg chg="mod">
+          <ac:chgData name="Gibbons, Carl" userId="d2b037bc-8fb4-4222-845c-61440543a456" providerId="ADAL" clId="{06905CFC-A46E-472D-890F-9117438C8D89}" dt="2024-02-04T03:53:00.875" v="2111" actId="20577"/>
+          <ac:spMkLst>
+            <pc:docMk/>
+            <pc:sldMk cId="2993794741" sldId="265"/>
+            <ac:spMk id="2" creationId="{31B75992-5098-A283-4925-2CCEBB801DC5}"/>
+          </ac:spMkLst>
+        </pc:spChg>
+        <pc:spChg chg="mod">
+          <ac:chgData name="Gibbons, Carl" userId="d2b037bc-8fb4-4222-845c-61440543a456" providerId="ADAL" clId="{06905CFC-A46E-472D-890F-9117438C8D89}" dt="2024-02-04T04:11:43.510" v="3278" actId="20577"/>
+          <ac:spMkLst>
+            <pc:docMk/>
+            <pc:sldMk cId="2993794741" sldId="265"/>
+            <ac:spMk id="3" creationId="{B5924E0F-A977-1710-779D-EEB74261AF34}"/>
+          </ac:spMkLst>
+        </pc:spChg>
+      </pc:sldChg>
+    </pc:docChg>
+  </pc:docChgLst>
+  <pc:docChgLst>
+    <pc:chgData name="Gibbons, Carl" userId="d2b037bc-8fb4-4222-845c-61440543a456" providerId="ADAL" clId="{3D73FC3D-A932-426E-A7E0-475220CAB957}"/>
+    <pc:docChg chg="undo redo custSel addSld delSld modSld">
+      <pc:chgData name="Gibbons, Carl" userId="d2b037bc-8fb4-4222-845c-61440543a456" providerId="ADAL" clId="{3D73FC3D-A932-426E-A7E0-475220CAB957}" dt="2023-12-24T03:24:28.415" v="11663" actId="20577"/>
+      <pc:docMkLst>
+        <pc:docMk/>
+      </pc:docMkLst>
+      <pc:sldChg chg="modSp mod">
+        <pc:chgData name="Gibbons, Carl" userId="d2b037bc-8fb4-4222-845c-61440543a456" providerId="ADAL" clId="{3D73FC3D-A932-426E-A7E0-475220CAB957}" dt="2023-12-23T23:38:20.022" v="49" actId="20577"/>
+        <pc:sldMkLst>
+          <pc:docMk/>
+          <pc:sldMk cId="3308175748" sldId="256"/>
+        </pc:sldMkLst>
+        <pc:spChg chg="mod">
+          <ac:chgData name="Gibbons, Carl" userId="d2b037bc-8fb4-4222-845c-61440543a456" providerId="ADAL" clId="{3D73FC3D-A932-426E-A7E0-475220CAB957}" dt="2023-12-23T23:38:20.022" v="49" actId="20577"/>
+          <ac:spMkLst>
+            <pc:docMk/>
+            <pc:sldMk cId="3308175748" sldId="256"/>
+            <ac:spMk id="3" creationId="{EEC4D41B-E776-05F2-BE0B-89BB339485AB}"/>
+          </ac:spMkLst>
+        </pc:spChg>
+      </pc:sldChg>
+      <pc:sldChg chg="modSp mod">
+        <pc:chgData name="Gibbons, Carl" userId="d2b037bc-8fb4-4222-845c-61440543a456" providerId="ADAL" clId="{3D73FC3D-A932-426E-A7E0-475220CAB957}" dt="2023-12-24T01:13:09.893" v="3743" actId="20577"/>
+        <pc:sldMkLst>
+          <pc:docMk/>
+          <pc:sldMk cId="519357719" sldId="260"/>
+        </pc:sldMkLst>
+        <pc:spChg chg="mod">
+          <ac:chgData name="Gibbons, Carl" userId="d2b037bc-8fb4-4222-845c-61440543a456" providerId="ADAL" clId="{3D73FC3D-A932-426E-A7E0-475220CAB957}" dt="2023-12-24T00:45:38.249" v="1787" actId="20577"/>
+          <ac:spMkLst>
+            <pc:docMk/>
+            <pc:sldMk cId="519357719" sldId="260"/>
+            <ac:spMk id="2" creationId="{E8E7C5B6-3D55-D6F8-C2DE-9B6E32C23A9C}"/>
+          </ac:spMkLst>
+        </pc:spChg>
+        <pc:spChg chg="mod">
+          <ac:chgData name="Gibbons, Carl" userId="d2b037bc-8fb4-4222-845c-61440543a456" providerId="ADAL" clId="{3D73FC3D-A932-426E-A7E0-475220CAB957}" dt="2023-12-24T01:13:09.893" v="3743" actId="20577"/>
+          <ac:spMkLst>
+            <pc:docMk/>
+            <pc:sldMk cId="519357719" sldId="260"/>
+            <ac:spMk id="3" creationId="{17D02A72-79B4-B4A1-5F2B-4922B2F25909}"/>
+          </ac:spMkLst>
+        </pc:spChg>
+      </pc:sldChg>
+      <pc:sldChg chg="addSp modSp mod">
+        <pc:chgData name="Gibbons, Carl" userId="d2b037bc-8fb4-4222-845c-61440543a456" providerId="ADAL" clId="{3D73FC3D-A932-426E-A7E0-475220CAB957}" dt="2023-12-24T00:00:09.105" v="711" actId="20577"/>
+        <pc:sldMkLst>
+          <pc:docMk/>
+          <pc:sldMk cId="2312486803" sldId="261"/>
+        </pc:sldMkLst>
+        <pc:spChg chg="mod">
+          <ac:chgData name="Gibbons, Carl" userId="d2b037bc-8fb4-4222-845c-61440543a456" providerId="ADAL" clId="{3D73FC3D-A932-426E-A7E0-475220CAB957}" dt="2023-12-23T23:50:04.782" v="85" actId="20577"/>
+          <ac:spMkLst>
+            <pc:docMk/>
+            <pc:sldMk cId="2312486803" sldId="261"/>
+            <ac:spMk id="2" creationId="{31B75992-5098-A283-4925-2CCEBB801DC5}"/>
+          </ac:spMkLst>
+        </pc:spChg>
+        <pc:spChg chg="mod">
+          <ac:chgData name="Gibbons, Carl" userId="d2b037bc-8fb4-4222-845c-61440543a456" providerId="ADAL" clId="{3D73FC3D-A932-426E-A7E0-475220CAB957}" dt="2023-12-24T00:00:09.105" v="711" actId="20577"/>
+          <ac:spMkLst>
+            <pc:docMk/>
+            <pc:sldMk cId="2312486803" sldId="261"/>
+            <ac:spMk id="3" creationId="{B5924E0F-A977-1710-779D-EEB74261AF34}"/>
+          </ac:spMkLst>
+        </pc:spChg>
+        <pc:picChg chg="add mod">
+          <ac:chgData name="Gibbons, Carl" userId="d2b037bc-8fb4-4222-845c-61440543a456" providerId="ADAL" clId="{3D73FC3D-A932-426E-A7E0-475220CAB957}" dt="2023-12-23T23:51:02.278" v="91" actId="1076"/>
+          <ac:picMkLst>
+            <pc:docMk/>
+            <pc:sldMk cId="2312486803" sldId="261"/>
+            <ac:picMk id="5" creationId="{95F1B758-8221-A28F-F68D-1A79ADBC274D}"/>
+          </ac:picMkLst>
+        </pc:picChg>
+      </pc:sldChg>
+      <pc:sldChg chg="modSp mod">
+        <pc:chgData name="Gibbons, Carl" userId="d2b037bc-8fb4-4222-845c-61440543a456" providerId="ADAL" clId="{3D73FC3D-A932-426E-A7E0-475220CAB957}" dt="2023-12-24T00:44:00.546" v="1681" actId="20577"/>
+        <pc:sldMkLst>
+          <pc:docMk/>
+          <pc:sldMk cId="378743348" sldId="270"/>
+        </pc:sldMkLst>
+        <pc:spChg chg="mod">
+          <ac:chgData name="Gibbons, Carl" userId="d2b037bc-8fb4-4222-845c-61440543a456" providerId="ADAL" clId="{3D73FC3D-A932-426E-A7E0-475220CAB957}" dt="2023-12-24T00:42:29.049" v="1647" actId="114"/>
+          <ac:spMkLst>
+            <pc:docMk/>
+            <pc:sldMk cId="378743348" sldId="270"/>
+            <ac:spMk id="2" creationId="{C5822466-AC61-5579-F313-7B8A3FE65CC8}"/>
+          </ac:spMkLst>
+        </pc:spChg>
+        <pc:spChg chg="mod">
+          <ac:chgData name="Gibbons, Carl" userId="d2b037bc-8fb4-4222-845c-61440543a456" providerId="ADAL" clId="{3D73FC3D-A932-426E-A7E0-475220CAB957}" dt="2023-12-24T00:44:00.546" v="1681" actId="20577"/>
+          <ac:spMkLst>
+            <pc:docMk/>
+            <pc:sldMk cId="378743348" sldId="270"/>
+            <ac:spMk id="3" creationId="{80041865-9773-290D-EB35-F8AF8BFC505C}"/>
+          </ac:spMkLst>
+        </pc:spChg>
+      </pc:sldChg>
+      <pc:sldChg chg="modSp mod">
+        <pc:chgData name="Gibbons, Carl" userId="d2b037bc-8fb4-4222-845c-61440543a456" providerId="ADAL" clId="{3D73FC3D-A932-426E-A7E0-475220CAB957}" dt="2023-12-24T03:24:28.415" v="11663" actId="20577"/>
+        <pc:sldMkLst>
+          <pc:docMk/>
+          <pc:sldMk cId="657795359" sldId="277"/>
+        </pc:sldMkLst>
+        <pc:spChg chg="mod">
+          <ac:chgData name="Gibbons, Carl" userId="d2b037bc-8fb4-4222-845c-61440543a456" providerId="ADAL" clId="{3D73FC3D-A932-426E-A7E0-475220CAB957}" dt="2023-12-24T03:22:59.669" v="11407" actId="20577"/>
+          <ac:spMkLst>
+            <pc:docMk/>
+            <pc:sldMk cId="657795359" sldId="277"/>
+            <ac:spMk id="2" creationId="{1862E903-3C56-BB42-2361-009F2336475A}"/>
+          </ac:spMkLst>
+        </pc:spChg>
+        <pc:spChg chg="mod">
+          <ac:chgData name="Gibbons, Carl" userId="d2b037bc-8fb4-4222-845c-61440543a456" providerId="ADAL" clId="{3D73FC3D-A932-426E-A7E0-475220CAB957}" dt="2023-12-24T03:24:28.415" v="11663" actId="20577"/>
+          <ac:spMkLst>
+            <pc:docMk/>
+            <pc:sldMk cId="657795359" sldId="277"/>
+            <ac:spMk id="3" creationId="{90179172-96B3-95D0-A137-257770BE7642}"/>
+          </ac:spMkLst>
+        </pc:spChg>
+      </pc:sldChg>
+      <pc:sldChg chg="modSp mod">
+        <pc:chgData name="Gibbons, Carl" userId="d2b037bc-8fb4-4222-845c-61440543a456" providerId="ADAL" clId="{3D73FC3D-A932-426E-A7E0-475220CAB957}" dt="2023-12-24T01:34:56.666" v="4550" actId="20577"/>
+        <pc:sldMkLst>
+          <pc:docMk/>
+          <pc:sldMk cId="376509629" sldId="278"/>
+        </pc:sldMkLst>
+        <pc:spChg chg="mod">
+          <ac:chgData name="Gibbons, Carl" userId="d2b037bc-8fb4-4222-845c-61440543a456" providerId="ADAL" clId="{3D73FC3D-A932-426E-A7E0-475220CAB957}" dt="2023-12-24T01:29:35.543" v="4429" actId="20577"/>
+          <ac:spMkLst>
+            <pc:docMk/>
+            <pc:sldMk cId="376509629" sldId="278"/>
+            <ac:spMk id="2" creationId="{E8E7C5B6-3D55-D6F8-C2DE-9B6E32C23A9C}"/>
+          </ac:spMkLst>
+        </pc:spChg>
+        <pc:spChg chg="mod">
+          <ac:chgData name="Gibbons, Carl" userId="d2b037bc-8fb4-4222-845c-61440543a456" providerId="ADAL" clId="{3D73FC3D-A932-426E-A7E0-475220CAB957}" dt="2023-12-24T01:34:56.666" v="4550" actId="20577"/>
+          <ac:spMkLst>
+            <pc:docMk/>
+            <pc:sldMk cId="376509629" sldId="278"/>
+            <ac:spMk id="3" creationId="{17D02A72-79B4-B4A1-5F2B-4922B2F25909}"/>
+          </ac:spMkLst>
+        </pc:spChg>
+      </pc:sldChg>
+      <pc:sldChg chg="modSp add mod">
+        <pc:chgData name="Gibbons, Carl" userId="d2b037bc-8fb4-4222-845c-61440543a456" providerId="ADAL" clId="{3D73FC3D-A932-426E-A7E0-475220CAB957}" dt="2023-12-24T01:50:22.304" v="5579" actId="20577"/>
+        <pc:sldMkLst>
+          <pc:docMk/>
+          <pc:sldMk cId="3153831418" sldId="279"/>
+        </pc:sldMkLst>
+        <pc:spChg chg="mod">
+          <ac:chgData name="Gibbons, Carl" userId="d2b037bc-8fb4-4222-845c-61440543a456" providerId="ADAL" clId="{3D73FC3D-A932-426E-A7E0-475220CAB957}" dt="2023-12-24T01:36:49.541" v="4576" actId="20577"/>
+          <ac:spMkLst>
+            <pc:docMk/>
+            <pc:sldMk cId="3153831418" sldId="279"/>
+            <ac:spMk id="2" creationId="{E8E7C5B6-3D55-D6F8-C2DE-9B6E32C23A9C}"/>
+          </ac:spMkLst>
+        </pc:spChg>
+        <pc:spChg chg="mod">
+          <ac:chgData name="Gibbons, Carl" userId="d2b037bc-8fb4-4222-845c-61440543a456" providerId="ADAL" clId="{3D73FC3D-A932-426E-A7E0-475220CAB957}" dt="2023-12-24T01:50:22.304" v="5579" actId="20577"/>
+          <ac:spMkLst>
+            <pc:docMk/>
+            <pc:sldMk cId="3153831418" sldId="279"/>
+            <ac:spMk id="3" creationId="{17D02A72-79B4-B4A1-5F2B-4922B2F25909}"/>
+          </ac:spMkLst>
+        </pc:spChg>
+      </pc:sldChg>
+      <pc:sldChg chg="del">
+        <pc:chgData name="Gibbons, Carl" userId="d2b037bc-8fb4-4222-845c-61440543a456" providerId="ADAL" clId="{3D73FC3D-A932-426E-A7E0-475220CAB957}" dt="2023-12-24T01:36:36.846" v="4551"/>
+        <pc:sldMkLst>
+          <pc:docMk/>
+          <pc:sldMk cId="3319441950" sldId="279"/>
+        </pc:sldMkLst>
+      </pc:sldChg>
+      <pc:sldChg chg="addSp delSp modSp mod">
+        <pc:chgData name="Gibbons, Carl" userId="d2b037bc-8fb4-4222-845c-61440543a456" providerId="ADAL" clId="{3D73FC3D-A932-426E-A7E0-475220CAB957}" dt="2023-12-24T02:38:37.357" v="8076" actId="22"/>
+        <pc:sldMkLst>
+          <pc:docMk/>
+          <pc:sldMk cId="1730491475" sldId="280"/>
+        </pc:sldMkLst>
+        <pc:spChg chg="mod">
+          <ac:chgData name="Gibbons, Carl" userId="d2b037bc-8fb4-4222-845c-61440543a456" providerId="ADAL" clId="{3D73FC3D-A932-426E-A7E0-475220CAB957}" dt="2023-12-24T01:50:32.554" v="5581" actId="20577"/>
+          <ac:spMkLst>
+            <pc:docMk/>
+            <pc:sldMk cId="1730491475" sldId="280"/>
+            <ac:spMk id="2" creationId="{E8E7C5B6-3D55-D6F8-C2DE-9B6E32C23A9C}"/>
+          </ac:spMkLst>
+        </pc:spChg>
+        <pc:spChg chg="mod">
+          <ac:chgData name="Gibbons, Carl" userId="d2b037bc-8fb4-4222-845c-61440543a456" providerId="ADAL" clId="{3D73FC3D-A932-426E-A7E0-475220CAB957}" dt="2023-12-24T02:35:28.836" v="8074" actId="12"/>
+          <ac:spMkLst>
+            <pc:docMk/>
+            <pc:sldMk cId="1730491475" sldId="280"/>
+            <ac:spMk id="3" creationId="{17D02A72-79B4-B4A1-5F2B-4922B2F25909}"/>
+          </ac:spMkLst>
+        </pc:spChg>
+        <pc:spChg chg="add del">
+          <ac:chgData name="Gibbons, Carl" userId="d2b037bc-8fb4-4222-845c-61440543a456" providerId="ADAL" clId="{3D73FC3D-A932-426E-A7E0-475220CAB957}" dt="2023-12-24T02:38:37.357" v="8076" actId="22"/>
+          <ac:spMkLst>
+            <pc:docMk/>
+            <pc:sldMk cId="1730491475" sldId="280"/>
+            <ac:spMk id="5" creationId="{8BB9020B-ED8A-501F-CC80-C270A0022D15}"/>
+          </ac:spMkLst>
+        </pc:spChg>
+      </pc:sldChg>
+      <pc:sldChg chg="modSp mod">
+        <pc:chgData name="Gibbons, Carl" userId="d2b037bc-8fb4-4222-845c-61440543a456" providerId="ADAL" clId="{3D73FC3D-A932-426E-A7E0-475220CAB957}" dt="2023-12-24T03:05:20.109" v="10364" actId="20577"/>
+        <pc:sldMkLst>
+          <pc:docMk/>
+          <pc:sldMk cId="2142935958" sldId="281"/>
+        </pc:sldMkLst>
+        <pc:spChg chg="mod">
+          <ac:chgData name="Gibbons, Carl" userId="d2b037bc-8fb4-4222-845c-61440543a456" providerId="ADAL" clId="{3D73FC3D-A932-426E-A7E0-475220CAB957}" dt="2023-12-24T02:43:01.996" v="8436" actId="20577"/>
+          <ac:spMkLst>
+            <pc:docMk/>
+            <pc:sldMk cId="2142935958" sldId="281"/>
+            <ac:spMk id="2" creationId="{E8E7C5B6-3D55-D6F8-C2DE-9B6E32C23A9C}"/>
+          </ac:spMkLst>
+        </pc:spChg>
+        <pc:spChg chg="mod">
+          <ac:chgData name="Gibbons, Carl" userId="d2b037bc-8fb4-4222-845c-61440543a456" providerId="ADAL" clId="{3D73FC3D-A932-426E-A7E0-475220CAB957}" dt="2023-12-24T03:05:20.109" v="10364" actId="20577"/>
+          <ac:spMkLst>
+            <pc:docMk/>
+            <pc:sldMk cId="2142935958" sldId="281"/>
+            <ac:spMk id="3" creationId="{17D02A72-79B4-B4A1-5F2B-4922B2F25909}"/>
+          </ac:spMkLst>
+        </pc:spChg>
+      </pc:sldChg>
+      <pc:sldChg chg="modSp mod">
+        <pc:chgData name="Gibbons, Carl" userId="d2b037bc-8fb4-4222-845c-61440543a456" providerId="ADAL" clId="{3D73FC3D-A932-426E-A7E0-475220CAB957}" dt="2023-12-24T03:22:15.893" v="11397" actId="2711"/>
+        <pc:sldMkLst>
+          <pc:docMk/>
+          <pc:sldMk cId="1371681654" sldId="282"/>
+        </pc:sldMkLst>
+        <pc:spChg chg="mod">
+          <ac:chgData name="Gibbons, Carl" userId="d2b037bc-8fb4-4222-845c-61440543a456" providerId="ADAL" clId="{3D73FC3D-A932-426E-A7E0-475220CAB957}" dt="2023-12-24T03:12:22.296" v="10563" actId="1036"/>
+          <ac:spMkLst>
+            <pc:docMk/>
+            <pc:sldMk cId="1371681654" sldId="282"/>
+            <ac:spMk id="2" creationId="{E8E7C5B6-3D55-D6F8-C2DE-9B6E32C23A9C}"/>
+          </ac:spMkLst>
+        </pc:spChg>
+        <pc:spChg chg="mod">
+          <ac:chgData name="Gibbons, Carl" userId="d2b037bc-8fb4-4222-845c-61440543a456" providerId="ADAL" clId="{3D73FC3D-A932-426E-A7E0-475220CAB957}" dt="2023-12-24T03:22:15.893" v="11397" actId="2711"/>
+          <ac:spMkLst>
+            <pc:docMk/>
+            <pc:sldMk cId="1371681654" sldId="282"/>
+            <ac:spMk id="3" creationId="{17D02A72-79B4-B4A1-5F2B-4922B2F25909}"/>
           </ac:spMkLst>
         </pc:spChg>
       </pc:sldChg>
@@ -534,2396 +2924,6 @@
           </ac:spMkLst>
         </pc:spChg>
       </pc:sldChg>
-    </pc:docChg>
-  </pc:docChgLst>
-  <pc:docChgLst>
-    <pc:chgData name="Gibbons, Carl" userId="d2b037bc-8fb4-4222-845c-61440543a456" providerId="ADAL" clId="{02B4F3B3-8AE6-4826-9561-D00C48702F3E}"/>
-    <pc:docChg chg="modSld">
-      <pc:chgData name="Gibbons, Carl" userId="d2b037bc-8fb4-4222-845c-61440543a456" providerId="ADAL" clId="{02B4F3B3-8AE6-4826-9561-D00C48702F3E}" dt="2024-05-17T03:14:20.929" v="4" actId="20577"/>
-      <pc:docMkLst>
-        <pc:docMk/>
-      </pc:docMkLst>
-      <pc:sldChg chg="modSp mod">
-        <pc:chgData name="Gibbons, Carl" userId="d2b037bc-8fb4-4222-845c-61440543a456" providerId="ADAL" clId="{02B4F3B3-8AE6-4826-9561-D00C48702F3E}" dt="2024-05-17T03:14:20.929" v="4" actId="20577"/>
-        <pc:sldMkLst>
-          <pc:docMk/>
-          <pc:sldMk cId="2312486803" sldId="261"/>
-        </pc:sldMkLst>
-        <pc:spChg chg="mod">
-          <ac:chgData name="Gibbons, Carl" userId="d2b037bc-8fb4-4222-845c-61440543a456" providerId="ADAL" clId="{02B4F3B3-8AE6-4826-9561-D00C48702F3E}" dt="2024-05-17T03:14:20.929" v="4" actId="20577"/>
-          <ac:spMkLst>
-            <pc:docMk/>
-            <pc:sldMk cId="2312486803" sldId="261"/>
-            <ac:spMk id="3" creationId="{B5924E0F-A977-1710-779D-EEB74261AF34}"/>
-          </ac:spMkLst>
-        </pc:spChg>
-      </pc:sldChg>
-    </pc:docChg>
-  </pc:docChgLst>
-  <pc:docChgLst>
-    <pc:chgData name="Gibbons, Carl" userId="d2b037bc-8fb4-4222-845c-61440543a456" providerId="ADAL" clId="{C1E6ABF6-BAED-4B26-97DB-20A1E8B7A1A4}"/>
-    <pc:docChg chg="custSel modSld">
-      <pc:chgData name="Gibbons, Carl" userId="d2b037bc-8fb4-4222-845c-61440543a456" providerId="ADAL" clId="{C1E6ABF6-BAED-4B26-97DB-20A1E8B7A1A4}" dt="2023-12-06T02:23:48.337" v="274" actId="20577"/>
-      <pc:docMkLst>
-        <pc:docMk/>
-      </pc:docMkLst>
-      <pc:sldChg chg="modSp mod">
-        <pc:chgData name="Gibbons, Carl" userId="d2b037bc-8fb4-4222-845c-61440543a456" providerId="ADAL" clId="{C1E6ABF6-BAED-4B26-97DB-20A1E8B7A1A4}" dt="2023-11-21T16:22:17.597" v="97" actId="20577"/>
-        <pc:sldMkLst>
-          <pc:docMk/>
-          <pc:sldMk cId="3308175748" sldId="256"/>
-        </pc:sldMkLst>
-        <pc:spChg chg="mod">
-          <ac:chgData name="Gibbons, Carl" userId="d2b037bc-8fb4-4222-845c-61440543a456" providerId="ADAL" clId="{C1E6ABF6-BAED-4B26-97DB-20A1E8B7A1A4}" dt="2023-11-21T05:49:34.464" v="2"/>
-          <ac:spMkLst>
-            <pc:docMk/>
-            <pc:sldMk cId="3308175748" sldId="256"/>
-            <ac:spMk id="2" creationId="{ACEA2649-DC6B-3373-A7E6-7F0E103D8B8B}"/>
-          </ac:spMkLst>
-        </pc:spChg>
-        <pc:spChg chg="mod">
-          <ac:chgData name="Gibbons, Carl" userId="d2b037bc-8fb4-4222-845c-61440543a456" providerId="ADAL" clId="{C1E6ABF6-BAED-4B26-97DB-20A1E8B7A1A4}" dt="2023-11-21T16:22:17.597" v="97" actId="20577"/>
-          <ac:spMkLst>
-            <pc:docMk/>
-            <pc:sldMk cId="3308175748" sldId="256"/>
-            <ac:spMk id="3" creationId="{EEC4D41B-E776-05F2-BE0B-89BB339485AB}"/>
-          </ac:spMkLst>
-        </pc:spChg>
-        <pc:spChg chg="mod">
-          <ac:chgData name="Gibbons, Carl" userId="d2b037bc-8fb4-4222-845c-61440543a456" providerId="ADAL" clId="{C1E6ABF6-BAED-4B26-97DB-20A1E8B7A1A4}" dt="2023-11-21T05:49:34.464" v="2"/>
-          <ac:spMkLst>
-            <pc:docMk/>
-            <pc:sldMk cId="3308175748" sldId="256"/>
-            <ac:spMk id="4" creationId="{4664ABB7-0B55-0242-2E51-B3286EE7B5EB}"/>
-          </ac:spMkLst>
-        </pc:spChg>
-      </pc:sldChg>
-      <pc:sldChg chg="modSp">
-        <pc:chgData name="Gibbons, Carl" userId="d2b037bc-8fb4-4222-845c-61440543a456" providerId="ADAL" clId="{C1E6ABF6-BAED-4B26-97DB-20A1E8B7A1A4}" dt="2023-11-21T05:49:34.464" v="2"/>
-        <pc:sldMkLst>
-          <pc:docMk/>
-          <pc:sldMk cId="2312486803" sldId="261"/>
-        </pc:sldMkLst>
-        <pc:spChg chg="mod">
-          <ac:chgData name="Gibbons, Carl" userId="d2b037bc-8fb4-4222-845c-61440543a456" providerId="ADAL" clId="{C1E6ABF6-BAED-4B26-97DB-20A1E8B7A1A4}" dt="2023-11-21T05:49:34.464" v="2"/>
-          <ac:spMkLst>
-            <pc:docMk/>
-            <pc:sldMk cId="2312486803" sldId="261"/>
-            <ac:spMk id="2" creationId="{31B75992-5098-A283-4925-2CCEBB801DC5}"/>
-          </ac:spMkLst>
-        </pc:spChg>
-      </pc:sldChg>
-      <pc:sldChg chg="modSp mod">
-        <pc:chgData name="Gibbons, Carl" userId="d2b037bc-8fb4-4222-845c-61440543a456" providerId="ADAL" clId="{C1E6ABF6-BAED-4B26-97DB-20A1E8B7A1A4}" dt="2023-11-21T07:48:19.790" v="77" actId="20577"/>
-        <pc:sldMkLst>
-          <pc:docMk/>
-          <pc:sldMk cId="378743348" sldId="270"/>
-        </pc:sldMkLst>
-        <pc:spChg chg="mod">
-          <ac:chgData name="Gibbons, Carl" userId="d2b037bc-8fb4-4222-845c-61440543a456" providerId="ADAL" clId="{C1E6ABF6-BAED-4B26-97DB-20A1E8B7A1A4}" dt="2023-11-21T07:48:19.790" v="77" actId="20577"/>
-          <ac:spMkLst>
-            <pc:docMk/>
-            <pc:sldMk cId="378743348" sldId="270"/>
-            <ac:spMk id="3" creationId="{80041865-9773-290D-EB35-F8AF8BFC505C}"/>
-          </ac:spMkLst>
-        </pc:spChg>
-      </pc:sldChg>
-      <pc:sldChg chg="modSp mod">
-        <pc:chgData name="Gibbons, Carl" userId="d2b037bc-8fb4-4222-845c-61440543a456" providerId="ADAL" clId="{C1E6ABF6-BAED-4B26-97DB-20A1E8B7A1A4}" dt="2023-12-06T02:23:48.337" v="274" actId="20577"/>
-        <pc:sldMkLst>
-          <pc:docMk/>
-          <pc:sldMk cId="657795359" sldId="277"/>
-        </pc:sldMkLst>
-        <pc:spChg chg="mod">
-          <ac:chgData name="Gibbons, Carl" userId="d2b037bc-8fb4-4222-845c-61440543a456" providerId="ADAL" clId="{C1E6ABF6-BAED-4B26-97DB-20A1E8B7A1A4}" dt="2023-11-21T05:49:34.464" v="2"/>
-          <ac:spMkLst>
-            <pc:docMk/>
-            <pc:sldMk cId="657795359" sldId="277"/>
-            <ac:spMk id="2" creationId="{1862E903-3C56-BB42-2361-009F2336475A}"/>
-          </ac:spMkLst>
-        </pc:spChg>
-        <pc:spChg chg="mod">
-          <ac:chgData name="Gibbons, Carl" userId="d2b037bc-8fb4-4222-845c-61440543a456" providerId="ADAL" clId="{C1E6ABF6-BAED-4B26-97DB-20A1E8B7A1A4}" dt="2023-12-06T02:23:48.337" v="274" actId="20577"/>
-          <ac:spMkLst>
-            <pc:docMk/>
-            <pc:sldMk cId="657795359" sldId="277"/>
-            <ac:spMk id="3" creationId="{90179172-96B3-95D0-A137-257770BE7642}"/>
-          </ac:spMkLst>
-        </pc:spChg>
-      </pc:sldChg>
-    </pc:docChg>
-  </pc:docChgLst>
-  <pc:docChgLst>
-    <pc:chgData name="Gibbons, Carl" userId="d2b037bc-8fb4-4222-845c-61440543a456" providerId="ADAL" clId="{4505F98C-4CC4-4983-9729-597D2A150C85}"/>
-    <pc:docChg chg="undo custSel addSld delSld modSld">
-      <pc:chgData name="Gibbons, Carl" userId="d2b037bc-8fb4-4222-845c-61440543a456" providerId="ADAL" clId="{4505F98C-4CC4-4983-9729-597D2A150C85}" dt="2023-12-29T02:21:47.448" v="17685" actId="20577"/>
-      <pc:docMkLst>
-        <pc:docMk/>
-      </pc:docMkLst>
-      <pc:sldChg chg="modSp mod">
-        <pc:chgData name="Gibbons, Carl" userId="d2b037bc-8fb4-4222-845c-61440543a456" providerId="ADAL" clId="{4505F98C-4CC4-4983-9729-597D2A150C85}" dt="2023-12-28T22:02:31.848" v="28" actId="20577"/>
-        <pc:sldMkLst>
-          <pc:docMk/>
-          <pc:sldMk cId="3308175748" sldId="256"/>
-        </pc:sldMkLst>
-        <pc:spChg chg="mod">
-          <ac:chgData name="Gibbons, Carl" userId="d2b037bc-8fb4-4222-845c-61440543a456" providerId="ADAL" clId="{4505F98C-4CC4-4983-9729-597D2A150C85}" dt="2023-12-28T22:02:31.848" v="28" actId="20577"/>
-          <ac:spMkLst>
-            <pc:docMk/>
-            <pc:sldMk cId="3308175748" sldId="256"/>
-            <ac:spMk id="3" creationId="{EEC4D41B-E776-05F2-BE0B-89BB339485AB}"/>
-          </ac:spMkLst>
-        </pc:spChg>
-      </pc:sldChg>
-      <pc:sldChg chg="modSp mod">
-        <pc:chgData name="Gibbons, Carl" userId="d2b037bc-8fb4-4222-845c-61440543a456" providerId="ADAL" clId="{4505F98C-4CC4-4983-9729-597D2A150C85}" dt="2023-12-28T22:45:53.299" v="4302" actId="20577"/>
-        <pc:sldMkLst>
-          <pc:docMk/>
-          <pc:sldMk cId="2312486803" sldId="261"/>
-        </pc:sldMkLst>
-        <pc:spChg chg="mod">
-          <ac:chgData name="Gibbons, Carl" userId="d2b037bc-8fb4-4222-845c-61440543a456" providerId="ADAL" clId="{4505F98C-4CC4-4983-9729-597D2A150C85}" dt="2023-12-28T22:02:40.492" v="50" actId="20577"/>
-          <ac:spMkLst>
-            <pc:docMk/>
-            <pc:sldMk cId="2312486803" sldId="261"/>
-            <ac:spMk id="2" creationId="{31B75992-5098-A283-4925-2CCEBB801DC5}"/>
-          </ac:spMkLst>
-        </pc:spChg>
-        <pc:spChg chg="mod">
-          <ac:chgData name="Gibbons, Carl" userId="d2b037bc-8fb4-4222-845c-61440543a456" providerId="ADAL" clId="{4505F98C-4CC4-4983-9729-597D2A150C85}" dt="2023-12-28T22:45:53.299" v="4302" actId="20577"/>
-          <ac:spMkLst>
-            <pc:docMk/>
-            <pc:sldMk cId="2312486803" sldId="261"/>
-            <ac:spMk id="3" creationId="{B5924E0F-A977-1710-779D-EEB74261AF34}"/>
-          </ac:spMkLst>
-        </pc:spChg>
-      </pc:sldChg>
-      <pc:sldChg chg="modSp mod">
-        <pc:chgData name="Gibbons, Carl" userId="d2b037bc-8fb4-4222-845c-61440543a456" providerId="ADAL" clId="{4505F98C-4CC4-4983-9729-597D2A150C85}" dt="2023-12-29T02:18:39.170" v="17623" actId="20577"/>
-        <pc:sldMkLst>
-          <pc:docMk/>
-          <pc:sldMk cId="657795359" sldId="277"/>
-        </pc:sldMkLst>
-        <pc:spChg chg="mod">
-          <ac:chgData name="Gibbons, Carl" userId="d2b037bc-8fb4-4222-845c-61440543a456" providerId="ADAL" clId="{4505F98C-4CC4-4983-9729-597D2A150C85}" dt="2023-12-29T02:18:39.170" v="17623" actId="20577"/>
-          <ac:spMkLst>
-            <pc:docMk/>
-            <pc:sldMk cId="657795359" sldId="277"/>
-            <ac:spMk id="3" creationId="{90179172-96B3-95D0-A137-257770BE7642}"/>
-          </ac:spMkLst>
-        </pc:spChg>
-      </pc:sldChg>
-      <pc:sldChg chg="modSp mod">
-        <pc:chgData name="Gibbons, Carl" userId="d2b037bc-8fb4-4222-845c-61440543a456" providerId="ADAL" clId="{4505F98C-4CC4-4983-9729-597D2A150C85}" dt="2023-12-29T02:21:47.448" v="17685" actId="20577"/>
-        <pc:sldMkLst>
-          <pc:docMk/>
-          <pc:sldMk cId="3989541258" sldId="278"/>
-        </pc:sldMkLst>
-        <pc:spChg chg="mod">
-          <ac:chgData name="Gibbons, Carl" userId="d2b037bc-8fb4-4222-845c-61440543a456" providerId="ADAL" clId="{4505F98C-4CC4-4983-9729-597D2A150C85}" dt="2023-12-28T22:23:56.363" v="2262" actId="20577"/>
-          <ac:spMkLst>
-            <pc:docMk/>
-            <pc:sldMk cId="3989541258" sldId="278"/>
-            <ac:spMk id="2" creationId="{31B75992-5098-A283-4925-2CCEBB801DC5}"/>
-          </ac:spMkLst>
-        </pc:spChg>
-        <pc:spChg chg="mod">
-          <ac:chgData name="Gibbons, Carl" userId="d2b037bc-8fb4-4222-845c-61440543a456" providerId="ADAL" clId="{4505F98C-4CC4-4983-9729-597D2A150C85}" dt="2023-12-29T02:21:47.448" v="17685" actId="20577"/>
-          <ac:spMkLst>
-            <pc:docMk/>
-            <pc:sldMk cId="3989541258" sldId="278"/>
-            <ac:spMk id="3" creationId="{B5924E0F-A977-1710-779D-EEB74261AF34}"/>
-          </ac:spMkLst>
-        </pc:spChg>
-      </pc:sldChg>
-      <pc:sldChg chg="modSp mod">
-        <pc:chgData name="Gibbons, Carl" userId="d2b037bc-8fb4-4222-845c-61440543a456" providerId="ADAL" clId="{4505F98C-4CC4-4983-9729-597D2A150C85}" dt="2023-12-29T00:21:55.646" v="8344" actId="20577"/>
-        <pc:sldMkLst>
-          <pc:docMk/>
-          <pc:sldMk cId="2335633195" sldId="279"/>
-        </pc:sldMkLst>
-        <pc:spChg chg="mod">
-          <ac:chgData name="Gibbons, Carl" userId="d2b037bc-8fb4-4222-845c-61440543a456" providerId="ADAL" clId="{4505F98C-4CC4-4983-9729-597D2A150C85}" dt="2023-12-29T00:21:55.646" v="8344" actId="20577"/>
-          <ac:spMkLst>
-            <pc:docMk/>
-            <pc:sldMk cId="2335633195" sldId="279"/>
-            <ac:spMk id="2" creationId="{31B75992-5098-A283-4925-2CCEBB801DC5}"/>
-          </ac:spMkLst>
-        </pc:spChg>
-        <pc:spChg chg="mod">
-          <ac:chgData name="Gibbons, Carl" userId="d2b037bc-8fb4-4222-845c-61440543a456" providerId="ADAL" clId="{4505F98C-4CC4-4983-9729-597D2A150C85}" dt="2023-12-28T22:56:22.080" v="4730" actId="20577"/>
-          <ac:spMkLst>
-            <pc:docMk/>
-            <pc:sldMk cId="2335633195" sldId="279"/>
-            <ac:spMk id="3" creationId="{B5924E0F-A977-1710-779D-EEB74261AF34}"/>
-          </ac:spMkLst>
-        </pc:spChg>
-      </pc:sldChg>
-      <pc:sldChg chg="modSp add mod">
-        <pc:chgData name="Gibbons, Carl" userId="d2b037bc-8fb4-4222-845c-61440543a456" providerId="ADAL" clId="{4505F98C-4CC4-4983-9729-597D2A150C85}" dt="2023-12-28T23:39:19.135" v="5592" actId="20577"/>
-        <pc:sldMkLst>
-          <pc:docMk/>
-          <pc:sldMk cId="1284534978" sldId="280"/>
-        </pc:sldMkLst>
-        <pc:spChg chg="mod">
-          <ac:chgData name="Gibbons, Carl" userId="d2b037bc-8fb4-4222-845c-61440543a456" providerId="ADAL" clId="{4505F98C-4CC4-4983-9729-597D2A150C85}" dt="2023-12-28T23:26:13.166" v="4743" actId="20577"/>
-          <ac:spMkLst>
-            <pc:docMk/>
-            <pc:sldMk cId="1284534978" sldId="280"/>
-            <ac:spMk id="2" creationId="{31B75992-5098-A283-4925-2CCEBB801DC5}"/>
-          </ac:spMkLst>
-        </pc:spChg>
-        <pc:spChg chg="mod">
-          <ac:chgData name="Gibbons, Carl" userId="d2b037bc-8fb4-4222-845c-61440543a456" providerId="ADAL" clId="{4505F98C-4CC4-4983-9729-597D2A150C85}" dt="2023-12-28T23:39:19.135" v="5592" actId="20577"/>
-          <ac:spMkLst>
-            <pc:docMk/>
-            <pc:sldMk cId="1284534978" sldId="280"/>
-            <ac:spMk id="3" creationId="{B5924E0F-A977-1710-779D-EEB74261AF34}"/>
-          </ac:spMkLst>
-        </pc:spChg>
-      </pc:sldChg>
-      <pc:sldChg chg="modSp mod">
-        <pc:chgData name="Gibbons, Carl" userId="d2b037bc-8fb4-4222-845c-61440543a456" providerId="ADAL" clId="{4505F98C-4CC4-4983-9729-597D2A150C85}" dt="2023-12-28T23:42:19.634" v="5967" actId="20577"/>
-        <pc:sldMkLst>
-          <pc:docMk/>
-          <pc:sldMk cId="1802585387" sldId="281"/>
-        </pc:sldMkLst>
-        <pc:spChg chg="mod">
-          <ac:chgData name="Gibbons, Carl" userId="d2b037bc-8fb4-4222-845c-61440543a456" providerId="ADAL" clId="{4505F98C-4CC4-4983-9729-597D2A150C85}" dt="2023-12-28T23:34:47.360" v="5351" actId="20577"/>
-          <ac:spMkLst>
-            <pc:docMk/>
-            <pc:sldMk cId="1802585387" sldId="281"/>
-            <ac:spMk id="2" creationId="{31B75992-5098-A283-4925-2CCEBB801DC5}"/>
-          </ac:spMkLst>
-        </pc:spChg>
-        <pc:spChg chg="mod">
-          <ac:chgData name="Gibbons, Carl" userId="d2b037bc-8fb4-4222-845c-61440543a456" providerId="ADAL" clId="{4505F98C-4CC4-4983-9729-597D2A150C85}" dt="2023-12-28T23:42:19.634" v="5967" actId="20577"/>
-          <ac:spMkLst>
-            <pc:docMk/>
-            <pc:sldMk cId="1802585387" sldId="281"/>
-            <ac:spMk id="3" creationId="{B5924E0F-A977-1710-779D-EEB74261AF34}"/>
-          </ac:spMkLst>
-        </pc:spChg>
-      </pc:sldChg>
-      <pc:sldChg chg="modSp mod">
-        <pc:chgData name="Gibbons, Carl" userId="d2b037bc-8fb4-4222-845c-61440543a456" providerId="ADAL" clId="{4505F98C-4CC4-4983-9729-597D2A150C85}" dt="2023-12-28T23:54:03.356" v="6623"/>
-        <pc:sldMkLst>
-          <pc:docMk/>
-          <pc:sldMk cId="724803187" sldId="282"/>
-        </pc:sldMkLst>
-        <pc:spChg chg="mod">
-          <ac:chgData name="Gibbons, Carl" userId="d2b037bc-8fb4-4222-845c-61440543a456" providerId="ADAL" clId="{4505F98C-4CC4-4983-9729-597D2A150C85}" dt="2023-12-28T23:39:52.399" v="5606" actId="20577"/>
-          <ac:spMkLst>
-            <pc:docMk/>
-            <pc:sldMk cId="724803187" sldId="282"/>
-            <ac:spMk id="2" creationId="{31B75992-5098-A283-4925-2CCEBB801DC5}"/>
-          </ac:spMkLst>
-        </pc:spChg>
-        <pc:spChg chg="mod">
-          <ac:chgData name="Gibbons, Carl" userId="d2b037bc-8fb4-4222-845c-61440543a456" providerId="ADAL" clId="{4505F98C-4CC4-4983-9729-597D2A150C85}" dt="2023-12-28T23:54:03.356" v="6623"/>
-          <ac:spMkLst>
-            <pc:docMk/>
-            <pc:sldMk cId="724803187" sldId="282"/>
-            <ac:spMk id="3" creationId="{B5924E0F-A977-1710-779D-EEB74261AF34}"/>
-          </ac:spMkLst>
-        </pc:spChg>
-      </pc:sldChg>
-      <pc:sldChg chg="modSp mod">
-        <pc:chgData name="Gibbons, Carl" userId="d2b037bc-8fb4-4222-845c-61440543a456" providerId="ADAL" clId="{4505F98C-4CC4-4983-9729-597D2A150C85}" dt="2023-12-29T02:19:53.158" v="17637" actId="20577"/>
-        <pc:sldMkLst>
-          <pc:docMk/>
-          <pc:sldMk cId="1926009205" sldId="283"/>
-        </pc:sldMkLst>
-        <pc:spChg chg="mod">
-          <ac:chgData name="Gibbons, Carl" userId="d2b037bc-8fb4-4222-845c-61440543a456" providerId="ADAL" clId="{4505F98C-4CC4-4983-9729-597D2A150C85}" dt="2023-12-29T00:22:07.704" v="8354" actId="20577"/>
-          <ac:spMkLst>
-            <pc:docMk/>
-            <pc:sldMk cId="1926009205" sldId="283"/>
-            <ac:spMk id="2" creationId="{31B75992-5098-A283-4925-2CCEBB801DC5}"/>
-          </ac:spMkLst>
-        </pc:spChg>
-        <pc:spChg chg="mod">
-          <ac:chgData name="Gibbons, Carl" userId="d2b037bc-8fb4-4222-845c-61440543a456" providerId="ADAL" clId="{4505F98C-4CC4-4983-9729-597D2A150C85}" dt="2023-12-29T02:19:53.158" v="17637" actId="20577"/>
-          <ac:spMkLst>
-            <pc:docMk/>
-            <pc:sldMk cId="1926009205" sldId="283"/>
-            <ac:spMk id="3" creationId="{B5924E0F-A977-1710-779D-EEB74261AF34}"/>
-          </ac:spMkLst>
-        </pc:spChg>
-      </pc:sldChg>
-      <pc:sldChg chg="del">
-        <pc:chgData name="Gibbons, Carl" userId="d2b037bc-8fb4-4222-845c-61440543a456" providerId="ADAL" clId="{4505F98C-4CC4-4983-9729-597D2A150C85}" dt="2023-12-28T22:17:09.732" v="1699" actId="47"/>
-        <pc:sldMkLst>
-          <pc:docMk/>
-          <pc:sldMk cId="2959024232" sldId="283"/>
-        </pc:sldMkLst>
-      </pc:sldChg>
-      <pc:sldChg chg="modSp mod">
-        <pc:chgData name="Gibbons, Carl" userId="d2b037bc-8fb4-4222-845c-61440543a456" providerId="ADAL" clId="{4505F98C-4CC4-4983-9729-597D2A150C85}" dt="2023-12-29T00:22:15.499" v="8364" actId="20577"/>
-        <pc:sldMkLst>
-          <pc:docMk/>
-          <pc:sldMk cId="2366216895" sldId="284"/>
-        </pc:sldMkLst>
-        <pc:spChg chg="mod">
-          <ac:chgData name="Gibbons, Carl" userId="d2b037bc-8fb4-4222-845c-61440543a456" providerId="ADAL" clId="{4505F98C-4CC4-4983-9729-597D2A150C85}" dt="2023-12-29T00:22:15.499" v="8364" actId="20577"/>
-          <ac:spMkLst>
-            <pc:docMk/>
-            <pc:sldMk cId="2366216895" sldId="284"/>
-            <ac:spMk id="2" creationId="{31B75992-5098-A283-4925-2CCEBB801DC5}"/>
-          </ac:spMkLst>
-        </pc:spChg>
-        <pc:spChg chg="mod">
-          <ac:chgData name="Gibbons, Carl" userId="d2b037bc-8fb4-4222-845c-61440543a456" providerId="ADAL" clId="{4505F98C-4CC4-4983-9729-597D2A150C85}" dt="2023-12-29T00:20:51.612" v="8260" actId="20577"/>
-          <ac:spMkLst>
-            <pc:docMk/>
-            <pc:sldMk cId="2366216895" sldId="284"/>
-            <ac:spMk id="3" creationId="{B5924E0F-A977-1710-779D-EEB74261AF34}"/>
-          </ac:spMkLst>
-        </pc:spChg>
-      </pc:sldChg>
-      <pc:sldChg chg="del">
-        <pc:chgData name="Gibbons, Carl" userId="d2b037bc-8fb4-4222-845c-61440543a456" providerId="ADAL" clId="{4505F98C-4CC4-4983-9729-597D2A150C85}" dt="2023-12-28T22:17:08.965" v="1698" actId="47"/>
-        <pc:sldMkLst>
-          <pc:docMk/>
-          <pc:sldMk cId="3114675387" sldId="284"/>
-        </pc:sldMkLst>
-      </pc:sldChg>
-      <pc:sldChg chg="del">
-        <pc:chgData name="Gibbons, Carl" userId="d2b037bc-8fb4-4222-845c-61440543a456" providerId="ADAL" clId="{4505F98C-4CC4-4983-9729-597D2A150C85}" dt="2023-12-28T22:17:08.106" v="1697" actId="47"/>
-        <pc:sldMkLst>
-          <pc:docMk/>
-          <pc:sldMk cId="1243134729" sldId="285"/>
-        </pc:sldMkLst>
-      </pc:sldChg>
-      <pc:sldChg chg="modSp mod">
-        <pc:chgData name="Gibbons, Carl" userId="d2b037bc-8fb4-4222-845c-61440543a456" providerId="ADAL" clId="{4505F98C-4CC4-4983-9729-597D2A150C85}" dt="2023-12-29T01:14:23.500" v="12327" actId="20577"/>
-        <pc:sldMkLst>
-          <pc:docMk/>
-          <pc:sldMk cId="3371896289" sldId="285"/>
-        </pc:sldMkLst>
-        <pc:spChg chg="mod">
-          <ac:chgData name="Gibbons, Carl" userId="d2b037bc-8fb4-4222-845c-61440543a456" providerId="ADAL" clId="{4505F98C-4CC4-4983-9729-597D2A150C85}" dt="2023-12-29T00:22:25.432" v="8374" actId="20577"/>
-          <ac:spMkLst>
-            <pc:docMk/>
-            <pc:sldMk cId="3371896289" sldId="285"/>
-            <ac:spMk id="2" creationId="{31B75992-5098-A283-4925-2CCEBB801DC5}"/>
-          </ac:spMkLst>
-        </pc:spChg>
-        <pc:spChg chg="mod">
-          <ac:chgData name="Gibbons, Carl" userId="d2b037bc-8fb4-4222-845c-61440543a456" providerId="ADAL" clId="{4505F98C-4CC4-4983-9729-597D2A150C85}" dt="2023-12-29T01:14:23.500" v="12327" actId="20577"/>
-          <ac:spMkLst>
-            <pc:docMk/>
-            <pc:sldMk cId="3371896289" sldId="285"/>
-            <ac:spMk id="3" creationId="{B5924E0F-A977-1710-779D-EEB74261AF34}"/>
-          </ac:spMkLst>
-        </pc:spChg>
-      </pc:sldChg>
-      <pc:sldChg chg="add del">
-        <pc:chgData name="Gibbons, Carl" userId="d2b037bc-8fb4-4222-845c-61440543a456" providerId="ADAL" clId="{4505F98C-4CC4-4983-9729-597D2A150C85}" dt="2023-12-29T00:13:59.438" v="7954" actId="2696"/>
-        <pc:sldMkLst>
-          <pc:docMk/>
-          <pc:sldMk cId="3635199420" sldId="285"/>
-        </pc:sldMkLst>
-      </pc:sldChg>
-      <pc:sldChg chg="del">
-        <pc:chgData name="Gibbons, Carl" userId="d2b037bc-8fb4-4222-845c-61440543a456" providerId="ADAL" clId="{4505F98C-4CC4-4983-9729-597D2A150C85}" dt="2023-12-28T22:17:10.620" v="1700" actId="47"/>
-        <pc:sldMkLst>
-          <pc:docMk/>
-          <pc:sldMk cId="954591853" sldId="286"/>
-        </pc:sldMkLst>
-      </pc:sldChg>
-      <pc:sldChg chg="modSp mod">
-        <pc:chgData name="Gibbons, Carl" userId="d2b037bc-8fb4-4222-845c-61440543a456" providerId="ADAL" clId="{4505F98C-4CC4-4983-9729-597D2A150C85}" dt="2023-12-29T01:14:14.317" v="12318" actId="20577"/>
-        <pc:sldMkLst>
-          <pc:docMk/>
-          <pc:sldMk cId="3193160409" sldId="286"/>
-        </pc:sldMkLst>
-        <pc:spChg chg="mod">
-          <ac:chgData name="Gibbons, Carl" userId="d2b037bc-8fb4-4222-845c-61440543a456" providerId="ADAL" clId="{4505F98C-4CC4-4983-9729-597D2A150C85}" dt="2023-12-29T00:33:44.511" v="9517" actId="20577"/>
-          <ac:spMkLst>
-            <pc:docMk/>
-            <pc:sldMk cId="3193160409" sldId="286"/>
-            <ac:spMk id="2" creationId="{31B75992-5098-A283-4925-2CCEBB801DC5}"/>
-          </ac:spMkLst>
-        </pc:spChg>
-        <pc:spChg chg="mod">
-          <ac:chgData name="Gibbons, Carl" userId="d2b037bc-8fb4-4222-845c-61440543a456" providerId="ADAL" clId="{4505F98C-4CC4-4983-9729-597D2A150C85}" dt="2023-12-29T01:14:14.317" v="12318" actId="20577"/>
-          <ac:spMkLst>
-            <pc:docMk/>
-            <pc:sldMk cId="3193160409" sldId="286"/>
-            <ac:spMk id="3" creationId="{B5924E0F-A977-1710-779D-EEB74261AF34}"/>
-          </ac:spMkLst>
-        </pc:spChg>
-      </pc:sldChg>
-      <pc:sldChg chg="del">
-        <pc:chgData name="Gibbons, Carl" userId="d2b037bc-8fb4-4222-845c-61440543a456" providerId="ADAL" clId="{4505F98C-4CC4-4983-9729-597D2A150C85}" dt="2023-12-28T22:17:12.413" v="1702" actId="47"/>
-        <pc:sldMkLst>
-          <pc:docMk/>
-          <pc:sldMk cId="2614091779" sldId="287"/>
-        </pc:sldMkLst>
-      </pc:sldChg>
-      <pc:sldChg chg="modSp mod">
-        <pc:chgData name="Gibbons, Carl" userId="d2b037bc-8fb4-4222-845c-61440543a456" providerId="ADAL" clId="{4505F98C-4CC4-4983-9729-597D2A150C85}" dt="2023-12-29T02:19:05.385" v="17624"/>
-        <pc:sldMkLst>
-          <pc:docMk/>
-          <pc:sldMk cId="2688338374" sldId="287"/>
-        </pc:sldMkLst>
-        <pc:spChg chg="mod">
-          <ac:chgData name="Gibbons, Carl" userId="d2b037bc-8fb4-4222-845c-61440543a456" providerId="ADAL" clId="{4505F98C-4CC4-4983-9729-597D2A150C85}" dt="2023-12-29T00:41:11.438" v="10364" actId="20577"/>
-          <ac:spMkLst>
-            <pc:docMk/>
-            <pc:sldMk cId="2688338374" sldId="287"/>
-            <ac:spMk id="2" creationId="{31B75992-5098-A283-4925-2CCEBB801DC5}"/>
-          </ac:spMkLst>
-        </pc:spChg>
-        <pc:spChg chg="mod">
-          <ac:chgData name="Gibbons, Carl" userId="d2b037bc-8fb4-4222-845c-61440543a456" providerId="ADAL" clId="{4505F98C-4CC4-4983-9729-597D2A150C85}" dt="2023-12-29T02:19:05.385" v="17624"/>
-          <ac:spMkLst>
-            <pc:docMk/>
-            <pc:sldMk cId="2688338374" sldId="287"/>
-            <ac:spMk id="3" creationId="{B5924E0F-A977-1710-779D-EEB74261AF34}"/>
-          </ac:spMkLst>
-        </pc:spChg>
-      </pc:sldChg>
-      <pc:sldChg chg="del">
-        <pc:chgData name="Gibbons, Carl" userId="d2b037bc-8fb4-4222-845c-61440543a456" providerId="ADAL" clId="{4505F98C-4CC4-4983-9729-597D2A150C85}" dt="2023-12-28T22:17:11.407" v="1701" actId="47"/>
-        <pc:sldMkLst>
-          <pc:docMk/>
-          <pc:sldMk cId="1341659426" sldId="288"/>
-        </pc:sldMkLst>
-      </pc:sldChg>
-      <pc:sldChg chg="modSp add mod">
-        <pc:chgData name="Gibbons, Carl" userId="d2b037bc-8fb4-4222-845c-61440543a456" providerId="ADAL" clId="{4505F98C-4CC4-4983-9729-597D2A150C85}" dt="2023-12-29T01:45:37.293" v="15006"/>
-        <pc:sldMkLst>
-          <pc:docMk/>
-          <pc:sldMk cId="2142935017" sldId="288"/>
-        </pc:sldMkLst>
-        <pc:spChg chg="mod">
-          <ac:chgData name="Gibbons, Carl" userId="d2b037bc-8fb4-4222-845c-61440543a456" providerId="ADAL" clId="{4505F98C-4CC4-4983-9729-597D2A150C85}" dt="2023-12-29T01:16:27.501" v="12383" actId="20577"/>
-          <ac:spMkLst>
-            <pc:docMk/>
-            <pc:sldMk cId="2142935017" sldId="288"/>
-            <ac:spMk id="2" creationId="{31B75992-5098-A283-4925-2CCEBB801DC5}"/>
-          </ac:spMkLst>
-        </pc:spChg>
-        <pc:spChg chg="mod">
-          <ac:chgData name="Gibbons, Carl" userId="d2b037bc-8fb4-4222-845c-61440543a456" providerId="ADAL" clId="{4505F98C-4CC4-4983-9729-597D2A150C85}" dt="2023-12-29T01:45:37.293" v="15006"/>
-          <ac:spMkLst>
-            <pc:docMk/>
-            <pc:sldMk cId="2142935017" sldId="288"/>
-            <ac:spMk id="3" creationId="{B5924E0F-A977-1710-779D-EEB74261AF34}"/>
-          </ac:spMkLst>
-        </pc:spChg>
-      </pc:sldChg>
-      <pc:sldChg chg="modSp mod">
-        <pc:chgData name="Gibbons, Carl" userId="d2b037bc-8fb4-4222-845c-61440543a456" providerId="ADAL" clId="{4505F98C-4CC4-4983-9729-597D2A150C85}" dt="2023-12-29T01:50:54.342" v="15124" actId="20577"/>
-        <pc:sldMkLst>
-          <pc:docMk/>
-          <pc:sldMk cId="2784625941" sldId="289"/>
-        </pc:sldMkLst>
-        <pc:spChg chg="mod">
-          <ac:chgData name="Gibbons, Carl" userId="d2b037bc-8fb4-4222-845c-61440543a456" providerId="ADAL" clId="{4505F98C-4CC4-4983-9729-597D2A150C85}" dt="2023-12-29T01:23:40.688" v="13177" actId="20577"/>
-          <ac:spMkLst>
-            <pc:docMk/>
-            <pc:sldMk cId="2784625941" sldId="289"/>
-            <ac:spMk id="2" creationId="{31B75992-5098-A283-4925-2CCEBB801DC5}"/>
-          </ac:spMkLst>
-        </pc:spChg>
-        <pc:spChg chg="mod">
-          <ac:chgData name="Gibbons, Carl" userId="d2b037bc-8fb4-4222-845c-61440543a456" providerId="ADAL" clId="{4505F98C-4CC4-4983-9729-597D2A150C85}" dt="2023-12-29T01:50:54.342" v="15124" actId="20577"/>
-          <ac:spMkLst>
-            <pc:docMk/>
-            <pc:sldMk cId="2784625941" sldId="289"/>
-            <ac:spMk id="3" creationId="{B5924E0F-A977-1710-779D-EEB74261AF34}"/>
-          </ac:spMkLst>
-        </pc:spChg>
-      </pc:sldChg>
-      <pc:sldChg chg="del">
-        <pc:chgData name="Gibbons, Carl" userId="d2b037bc-8fb4-4222-845c-61440543a456" providerId="ADAL" clId="{4505F98C-4CC4-4983-9729-597D2A150C85}" dt="2023-12-28T22:17:05.773" v="1696" actId="47"/>
-        <pc:sldMkLst>
-          <pc:docMk/>
-          <pc:sldMk cId="2966054478" sldId="289"/>
-        </pc:sldMkLst>
-      </pc:sldChg>
-      <pc:sldChg chg="del">
-        <pc:chgData name="Gibbons, Carl" userId="d2b037bc-8fb4-4222-845c-61440543a456" providerId="ADAL" clId="{4505F98C-4CC4-4983-9729-597D2A150C85}" dt="2023-12-28T22:17:13.315" v="1703" actId="47"/>
-        <pc:sldMkLst>
-          <pc:docMk/>
-          <pc:sldMk cId="1014272238" sldId="290"/>
-        </pc:sldMkLst>
-      </pc:sldChg>
-      <pc:sldChg chg="modSp add mod">
-        <pc:chgData name="Gibbons, Carl" userId="d2b037bc-8fb4-4222-845c-61440543a456" providerId="ADAL" clId="{4505F98C-4CC4-4983-9729-597D2A150C85}" dt="2023-12-29T01:50:36.539" v="15123" actId="20577"/>
-        <pc:sldMkLst>
-          <pc:docMk/>
-          <pc:sldMk cId="1677974689" sldId="290"/>
-        </pc:sldMkLst>
-        <pc:spChg chg="mod">
-          <ac:chgData name="Gibbons, Carl" userId="d2b037bc-8fb4-4222-845c-61440543a456" providerId="ADAL" clId="{4505F98C-4CC4-4983-9729-597D2A150C85}" dt="2023-12-29T01:37:36.931" v="14365" actId="20577"/>
-          <ac:spMkLst>
-            <pc:docMk/>
-            <pc:sldMk cId="1677974689" sldId="290"/>
-            <ac:spMk id="2" creationId="{31B75992-5098-A283-4925-2CCEBB801DC5}"/>
-          </ac:spMkLst>
-        </pc:spChg>
-        <pc:spChg chg="mod">
-          <ac:chgData name="Gibbons, Carl" userId="d2b037bc-8fb4-4222-845c-61440543a456" providerId="ADAL" clId="{4505F98C-4CC4-4983-9729-597D2A150C85}" dt="2023-12-29T01:50:36.539" v="15123" actId="20577"/>
-          <ac:spMkLst>
-            <pc:docMk/>
-            <pc:sldMk cId="1677974689" sldId="290"/>
-            <ac:spMk id="3" creationId="{B5924E0F-A977-1710-779D-EEB74261AF34}"/>
-          </ac:spMkLst>
-        </pc:spChg>
-      </pc:sldChg>
-      <pc:sldChg chg="del">
-        <pc:chgData name="Gibbons, Carl" userId="d2b037bc-8fb4-4222-845c-61440543a456" providerId="ADAL" clId="{4505F98C-4CC4-4983-9729-597D2A150C85}" dt="2023-12-28T22:17:05.079" v="1695" actId="47"/>
-        <pc:sldMkLst>
-          <pc:docMk/>
-          <pc:sldMk cId="3689580349" sldId="291"/>
-        </pc:sldMkLst>
-      </pc:sldChg>
-      <pc:sldChg chg="modSp add mod">
-        <pc:chgData name="Gibbons, Carl" userId="d2b037bc-8fb4-4222-845c-61440543a456" providerId="ADAL" clId="{4505F98C-4CC4-4983-9729-597D2A150C85}" dt="2023-12-29T02:03:57.372" v="16335" actId="20577"/>
-        <pc:sldMkLst>
-          <pc:docMk/>
-          <pc:sldMk cId="4219326696" sldId="291"/>
-        </pc:sldMkLst>
-        <pc:spChg chg="mod">
-          <ac:chgData name="Gibbons, Carl" userId="d2b037bc-8fb4-4222-845c-61440543a456" providerId="ADAL" clId="{4505F98C-4CC4-4983-9729-597D2A150C85}" dt="2023-12-29T01:51:52.820" v="15161" actId="20577"/>
-          <ac:spMkLst>
-            <pc:docMk/>
-            <pc:sldMk cId="4219326696" sldId="291"/>
-            <ac:spMk id="2" creationId="{31B75992-5098-A283-4925-2CCEBB801DC5}"/>
-          </ac:spMkLst>
-        </pc:spChg>
-        <pc:spChg chg="mod">
-          <ac:chgData name="Gibbons, Carl" userId="d2b037bc-8fb4-4222-845c-61440543a456" providerId="ADAL" clId="{4505F98C-4CC4-4983-9729-597D2A150C85}" dt="2023-12-29T02:03:57.372" v="16335" actId="20577"/>
-          <ac:spMkLst>
-            <pc:docMk/>
-            <pc:sldMk cId="4219326696" sldId="291"/>
-            <ac:spMk id="3" creationId="{B5924E0F-A977-1710-779D-EEB74261AF34}"/>
-          </ac:spMkLst>
-        </pc:spChg>
-      </pc:sldChg>
-      <pc:sldChg chg="modSp add mod">
-        <pc:chgData name="Gibbons, Carl" userId="d2b037bc-8fb4-4222-845c-61440543a456" providerId="ADAL" clId="{4505F98C-4CC4-4983-9729-597D2A150C85}" dt="2023-12-29T02:16:48.887" v="17543" actId="20577"/>
-        <pc:sldMkLst>
-          <pc:docMk/>
-          <pc:sldMk cId="33911121" sldId="292"/>
-        </pc:sldMkLst>
-        <pc:spChg chg="mod">
-          <ac:chgData name="Gibbons, Carl" userId="d2b037bc-8fb4-4222-845c-61440543a456" providerId="ADAL" clId="{4505F98C-4CC4-4983-9729-597D2A150C85}" dt="2023-12-29T02:06:26.879" v="16405" actId="20577"/>
-          <ac:spMkLst>
-            <pc:docMk/>
-            <pc:sldMk cId="33911121" sldId="292"/>
-            <ac:spMk id="2" creationId="{1862E903-3C56-BB42-2361-009F2336475A}"/>
-          </ac:spMkLst>
-        </pc:spChg>
-        <pc:spChg chg="mod">
-          <ac:chgData name="Gibbons, Carl" userId="d2b037bc-8fb4-4222-845c-61440543a456" providerId="ADAL" clId="{4505F98C-4CC4-4983-9729-597D2A150C85}" dt="2023-12-29T02:16:48.887" v="17543" actId="20577"/>
-          <ac:spMkLst>
-            <pc:docMk/>
-            <pc:sldMk cId="33911121" sldId="292"/>
-            <ac:spMk id="3" creationId="{90179172-96B3-95D0-A137-257770BE7642}"/>
-          </ac:spMkLst>
-        </pc:spChg>
-      </pc:sldChg>
-      <pc:sldChg chg="del">
-        <pc:chgData name="Gibbons, Carl" userId="d2b037bc-8fb4-4222-845c-61440543a456" providerId="ADAL" clId="{4505F98C-4CC4-4983-9729-597D2A150C85}" dt="2023-12-28T22:17:14.720" v="1704" actId="47"/>
-        <pc:sldMkLst>
-          <pc:docMk/>
-          <pc:sldMk cId="2738411615" sldId="292"/>
-        </pc:sldMkLst>
-      </pc:sldChg>
-      <pc:sldChg chg="del">
-        <pc:chgData name="Gibbons, Carl" userId="d2b037bc-8fb4-4222-845c-61440543a456" providerId="ADAL" clId="{4505F98C-4CC4-4983-9729-597D2A150C85}" dt="2023-12-28T22:17:04.103" v="1694" actId="47"/>
-        <pc:sldMkLst>
-          <pc:docMk/>
-          <pc:sldMk cId="852415543" sldId="293"/>
-        </pc:sldMkLst>
-      </pc:sldChg>
-    </pc:docChg>
-  </pc:docChgLst>
-  <pc:docChgLst>
-    <pc:chgData name="Gibbons, Carl" userId="d2b037bc-8fb4-4222-845c-61440543a456" providerId="ADAL" clId="{14F797DE-E75B-4062-A6FB-AA9F07155580}"/>
-    <pc:docChg chg="undo custSel addSld modSld">
-      <pc:chgData name="Gibbons, Carl" userId="d2b037bc-8fb4-4222-845c-61440543a456" providerId="ADAL" clId="{14F797DE-E75B-4062-A6FB-AA9F07155580}" dt="2023-12-29T21:55:15.574" v="6853" actId="255"/>
-      <pc:docMkLst>
-        <pc:docMk/>
-      </pc:docMkLst>
-      <pc:sldChg chg="modSp mod">
-        <pc:chgData name="Gibbons, Carl" userId="d2b037bc-8fb4-4222-845c-61440543a456" providerId="ADAL" clId="{14F797DE-E75B-4062-A6FB-AA9F07155580}" dt="2023-12-29T17:10:38.181" v="10" actId="20577"/>
-        <pc:sldMkLst>
-          <pc:docMk/>
-          <pc:sldMk cId="3308175748" sldId="256"/>
-        </pc:sldMkLst>
-        <pc:spChg chg="mod">
-          <ac:chgData name="Gibbons, Carl" userId="d2b037bc-8fb4-4222-845c-61440543a456" providerId="ADAL" clId="{14F797DE-E75B-4062-A6FB-AA9F07155580}" dt="2023-12-29T17:10:38.181" v="10" actId="20577"/>
-          <ac:spMkLst>
-            <pc:docMk/>
-            <pc:sldMk cId="3308175748" sldId="256"/>
-            <ac:spMk id="3" creationId="{EEC4D41B-E776-05F2-BE0B-89BB339485AB}"/>
-          </ac:spMkLst>
-        </pc:spChg>
-      </pc:sldChg>
-      <pc:sldChg chg="modSp mod">
-        <pc:chgData name="Gibbons, Carl" userId="d2b037bc-8fb4-4222-845c-61440543a456" providerId="ADAL" clId="{14F797DE-E75B-4062-A6FB-AA9F07155580}" dt="2023-12-29T17:51:52.012" v="2089" actId="20577"/>
-        <pc:sldMkLst>
-          <pc:docMk/>
-          <pc:sldMk cId="2312486803" sldId="261"/>
-        </pc:sldMkLst>
-        <pc:spChg chg="mod">
-          <ac:chgData name="Gibbons, Carl" userId="d2b037bc-8fb4-4222-845c-61440543a456" providerId="ADAL" clId="{14F797DE-E75B-4062-A6FB-AA9F07155580}" dt="2023-12-29T17:23:59.510" v="341" actId="20577"/>
-          <ac:spMkLst>
-            <pc:docMk/>
-            <pc:sldMk cId="2312486803" sldId="261"/>
-            <ac:spMk id="2" creationId="{31B75992-5098-A283-4925-2CCEBB801DC5}"/>
-          </ac:spMkLst>
-        </pc:spChg>
-        <pc:spChg chg="mod">
-          <ac:chgData name="Gibbons, Carl" userId="d2b037bc-8fb4-4222-845c-61440543a456" providerId="ADAL" clId="{14F797DE-E75B-4062-A6FB-AA9F07155580}" dt="2023-12-29T17:51:52.012" v="2089" actId="20577"/>
-          <ac:spMkLst>
-            <pc:docMk/>
-            <pc:sldMk cId="2312486803" sldId="261"/>
-            <ac:spMk id="3" creationId="{B5924E0F-A977-1710-779D-EEB74261AF34}"/>
-          </ac:spMkLst>
-        </pc:spChg>
-      </pc:sldChg>
-      <pc:sldChg chg="addSp modSp mod">
-        <pc:chgData name="Gibbons, Carl" userId="d2b037bc-8fb4-4222-845c-61440543a456" providerId="ADAL" clId="{14F797DE-E75B-4062-A6FB-AA9F07155580}" dt="2023-12-29T21:53:53.831" v="6845" actId="20577"/>
-        <pc:sldMkLst>
-          <pc:docMk/>
-          <pc:sldMk cId="657795359" sldId="277"/>
-        </pc:sldMkLst>
-        <pc:spChg chg="mod">
-          <ac:chgData name="Gibbons, Carl" userId="d2b037bc-8fb4-4222-845c-61440543a456" providerId="ADAL" clId="{14F797DE-E75B-4062-A6FB-AA9F07155580}" dt="2023-12-29T21:45:47.422" v="6393" actId="20577"/>
-          <ac:spMkLst>
-            <pc:docMk/>
-            <pc:sldMk cId="657795359" sldId="277"/>
-            <ac:spMk id="2" creationId="{1862E903-3C56-BB42-2361-009F2336475A}"/>
-          </ac:spMkLst>
-        </pc:spChg>
-        <pc:spChg chg="add mod">
-          <ac:chgData name="Gibbons, Carl" userId="d2b037bc-8fb4-4222-845c-61440543a456" providerId="ADAL" clId="{14F797DE-E75B-4062-A6FB-AA9F07155580}" dt="2023-12-29T21:53:53.831" v="6845" actId="20577"/>
-          <ac:spMkLst>
-            <pc:docMk/>
-            <pc:sldMk cId="657795359" sldId="277"/>
-            <ac:spMk id="3" creationId="{D9D594D6-F4EE-B0AB-C128-26D2D32F8E21}"/>
-          </ac:spMkLst>
-        </pc:spChg>
-      </pc:sldChg>
-      <pc:sldChg chg="modSp mod">
-        <pc:chgData name="Gibbons, Carl" userId="d2b037bc-8fb4-4222-845c-61440543a456" providerId="ADAL" clId="{14F797DE-E75B-4062-A6FB-AA9F07155580}" dt="2023-12-29T18:26:31.431" v="3669" actId="20577"/>
-        <pc:sldMkLst>
-          <pc:docMk/>
-          <pc:sldMk cId="3989541258" sldId="278"/>
-        </pc:sldMkLst>
-        <pc:spChg chg="mod">
-          <ac:chgData name="Gibbons, Carl" userId="d2b037bc-8fb4-4222-845c-61440543a456" providerId="ADAL" clId="{14F797DE-E75B-4062-A6FB-AA9F07155580}" dt="2023-12-29T17:53:20.837" v="2147" actId="20577"/>
-          <ac:spMkLst>
-            <pc:docMk/>
-            <pc:sldMk cId="3989541258" sldId="278"/>
-            <ac:spMk id="2" creationId="{31B75992-5098-A283-4925-2CCEBB801DC5}"/>
-          </ac:spMkLst>
-        </pc:spChg>
-        <pc:spChg chg="mod">
-          <ac:chgData name="Gibbons, Carl" userId="d2b037bc-8fb4-4222-845c-61440543a456" providerId="ADAL" clId="{14F797DE-E75B-4062-A6FB-AA9F07155580}" dt="2023-12-29T18:26:31.431" v="3669" actId="20577"/>
-          <ac:spMkLst>
-            <pc:docMk/>
-            <pc:sldMk cId="3989541258" sldId="278"/>
-            <ac:spMk id="3" creationId="{B5924E0F-A977-1710-779D-EEB74261AF34}"/>
-          </ac:spMkLst>
-        </pc:spChg>
-      </pc:sldChg>
-      <pc:sldChg chg="modSp mod">
-        <pc:chgData name="Gibbons, Carl" userId="d2b037bc-8fb4-4222-845c-61440543a456" providerId="ADAL" clId="{14F797DE-E75B-4062-A6FB-AA9F07155580}" dt="2023-12-29T21:55:15.574" v="6853" actId="255"/>
-        <pc:sldMkLst>
-          <pc:docMk/>
-          <pc:sldMk cId="1861646120" sldId="293"/>
-        </pc:sldMkLst>
-        <pc:spChg chg="mod">
-          <ac:chgData name="Gibbons, Carl" userId="d2b037bc-8fb4-4222-845c-61440543a456" providerId="ADAL" clId="{14F797DE-E75B-4062-A6FB-AA9F07155580}" dt="2023-12-29T18:01:10.039" v="2767" actId="20577"/>
-          <ac:spMkLst>
-            <pc:docMk/>
-            <pc:sldMk cId="1861646120" sldId="293"/>
-            <ac:spMk id="2" creationId="{31B75992-5098-A283-4925-2CCEBB801DC5}"/>
-          </ac:spMkLst>
-        </pc:spChg>
-        <pc:spChg chg="mod">
-          <ac:chgData name="Gibbons, Carl" userId="d2b037bc-8fb4-4222-845c-61440543a456" providerId="ADAL" clId="{14F797DE-E75B-4062-A6FB-AA9F07155580}" dt="2023-12-29T21:55:15.574" v="6853" actId="255"/>
-          <ac:spMkLst>
-            <pc:docMk/>
-            <pc:sldMk cId="1861646120" sldId="293"/>
-            <ac:spMk id="3" creationId="{B5924E0F-A977-1710-779D-EEB74261AF34}"/>
-          </ac:spMkLst>
-        </pc:spChg>
-      </pc:sldChg>
-      <pc:sldChg chg="modSp mod">
-        <pc:chgData name="Gibbons, Carl" userId="d2b037bc-8fb4-4222-845c-61440543a456" providerId="ADAL" clId="{14F797DE-E75B-4062-A6FB-AA9F07155580}" dt="2023-12-29T21:55:08.313" v="6852" actId="255"/>
-        <pc:sldMkLst>
-          <pc:docMk/>
-          <pc:sldMk cId="2232562783" sldId="294"/>
-        </pc:sldMkLst>
-        <pc:spChg chg="mod">
-          <ac:chgData name="Gibbons, Carl" userId="d2b037bc-8fb4-4222-845c-61440543a456" providerId="ADAL" clId="{14F797DE-E75B-4062-A6FB-AA9F07155580}" dt="2023-12-29T18:24:14.937" v="3546" actId="20577"/>
-          <ac:spMkLst>
-            <pc:docMk/>
-            <pc:sldMk cId="2232562783" sldId="294"/>
-            <ac:spMk id="2" creationId="{31B75992-5098-A283-4925-2CCEBB801DC5}"/>
-          </ac:spMkLst>
-        </pc:spChg>
-        <pc:spChg chg="mod">
-          <ac:chgData name="Gibbons, Carl" userId="d2b037bc-8fb4-4222-845c-61440543a456" providerId="ADAL" clId="{14F797DE-E75B-4062-A6FB-AA9F07155580}" dt="2023-12-29T21:55:08.313" v="6852" actId="255"/>
-          <ac:spMkLst>
-            <pc:docMk/>
-            <pc:sldMk cId="2232562783" sldId="294"/>
-            <ac:spMk id="3" creationId="{B5924E0F-A977-1710-779D-EEB74261AF34}"/>
-          </ac:spMkLst>
-        </pc:spChg>
-      </pc:sldChg>
-      <pc:sldChg chg="modSp add mod">
-        <pc:chgData name="Gibbons, Carl" userId="d2b037bc-8fb4-4222-845c-61440543a456" providerId="ADAL" clId="{14F797DE-E75B-4062-A6FB-AA9F07155580}" dt="2023-12-29T21:55:02.689" v="6851" actId="255"/>
-        <pc:sldMkLst>
-          <pc:docMk/>
-          <pc:sldMk cId="806767687" sldId="295"/>
-        </pc:sldMkLst>
-        <pc:spChg chg="mod">
-          <ac:chgData name="Gibbons, Carl" userId="d2b037bc-8fb4-4222-845c-61440543a456" providerId="ADAL" clId="{14F797DE-E75B-4062-A6FB-AA9F07155580}" dt="2023-12-29T18:50:33.208" v="4036" actId="113"/>
-          <ac:spMkLst>
-            <pc:docMk/>
-            <pc:sldMk cId="806767687" sldId="295"/>
-            <ac:spMk id="2" creationId="{31B75992-5098-A283-4925-2CCEBB801DC5}"/>
-          </ac:spMkLst>
-        </pc:spChg>
-        <pc:spChg chg="mod">
-          <ac:chgData name="Gibbons, Carl" userId="d2b037bc-8fb4-4222-845c-61440543a456" providerId="ADAL" clId="{14F797DE-E75B-4062-A6FB-AA9F07155580}" dt="2023-12-29T21:55:02.689" v="6851" actId="255"/>
-          <ac:spMkLst>
-            <pc:docMk/>
-            <pc:sldMk cId="806767687" sldId="295"/>
-            <ac:spMk id="3" creationId="{B5924E0F-A977-1710-779D-EEB74261AF34}"/>
-          </ac:spMkLst>
-        </pc:spChg>
-      </pc:sldChg>
-      <pc:sldChg chg="modSp mod">
-        <pc:chgData name="Gibbons, Carl" userId="d2b037bc-8fb4-4222-845c-61440543a456" providerId="ADAL" clId="{14F797DE-E75B-4062-A6FB-AA9F07155580}" dt="2023-12-29T21:54:48.370" v="6850" actId="255"/>
-        <pc:sldMkLst>
-          <pc:docMk/>
-          <pc:sldMk cId="3145157247" sldId="296"/>
-        </pc:sldMkLst>
-        <pc:spChg chg="mod">
-          <ac:chgData name="Gibbons, Carl" userId="d2b037bc-8fb4-4222-845c-61440543a456" providerId="ADAL" clId="{14F797DE-E75B-4062-A6FB-AA9F07155580}" dt="2023-12-29T21:07:20.782" v="4695" actId="20577"/>
-          <ac:spMkLst>
-            <pc:docMk/>
-            <pc:sldMk cId="3145157247" sldId="296"/>
-            <ac:spMk id="2" creationId="{31B75992-5098-A283-4925-2CCEBB801DC5}"/>
-          </ac:spMkLst>
-        </pc:spChg>
-        <pc:spChg chg="mod">
-          <ac:chgData name="Gibbons, Carl" userId="d2b037bc-8fb4-4222-845c-61440543a456" providerId="ADAL" clId="{14F797DE-E75B-4062-A6FB-AA9F07155580}" dt="2023-12-29T21:54:48.370" v="6850" actId="255"/>
-          <ac:spMkLst>
-            <pc:docMk/>
-            <pc:sldMk cId="3145157247" sldId="296"/>
-            <ac:spMk id="3" creationId="{B5924E0F-A977-1710-779D-EEB74261AF34}"/>
-          </ac:spMkLst>
-        </pc:spChg>
-      </pc:sldChg>
-      <pc:sldChg chg="modSp mod">
-        <pc:chgData name="Gibbons, Carl" userId="d2b037bc-8fb4-4222-845c-61440543a456" providerId="ADAL" clId="{14F797DE-E75B-4062-A6FB-AA9F07155580}" dt="2023-12-29T21:54:42.630" v="6849" actId="255"/>
-        <pc:sldMkLst>
-          <pc:docMk/>
-          <pc:sldMk cId="2424714671" sldId="297"/>
-        </pc:sldMkLst>
-        <pc:spChg chg="mod">
-          <ac:chgData name="Gibbons, Carl" userId="d2b037bc-8fb4-4222-845c-61440543a456" providerId="ADAL" clId="{14F797DE-E75B-4062-A6FB-AA9F07155580}" dt="2023-12-29T21:07:54.964" v="4712" actId="20577"/>
-          <ac:spMkLst>
-            <pc:docMk/>
-            <pc:sldMk cId="2424714671" sldId="297"/>
-            <ac:spMk id="2" creationId="{31B75992-5098-A283-4925-2CCEBB801DC5}"/>
-          </ac:spMkLst>
-        </pc:spChg>
-        <pc:spChg chg="mod">
-          <ac:chgData name="Gibbons, Carl" userId="d2b037bc-8fb4-4222-845c-61440543a456" providerId="ADAL" clId="{14F797DE-E75B-4062-A6FB-AA9F07155580}" dt="2023-12-29T21:54:42.630" v="6849" actId="255"/>
-          <ac:spMkLst>
-            <pc:docMk/>
-            <pc:sldMk cId="2424714671" sldId="297"/>
-            <ac:spMk id="3" creationId="{B5924E0F-A977-1710-779D-EEB74261AF34}"/>
-          </ac:spMkLst>
-        </pc:spChg>
-      </pc:sldChg>
-      <pc:sldChg chg="modSp mod">
-        <pc:chgData name="Gibbons, Carl" userId="d2b037bc-8fb4-4222-845c-61440543a456" providerId="ADAL" clId="{14F797DE-E75B-4062-A6FB-AA9F07155580}" dt="2023-12-29T21:54:28.975" v="6848" actId="255"/>
-        <pc:sldMkLst>
-          <pc:docMk/>
-          <pc:sldMk cId="3450195044" sldId="298"/>
-        </pc:sldMkLst>
-        <pc:spChg chg="mod">
-          <ac:chgData name="Gibbons, Carl" userId="d2b037bc-8fb4-4222-845c-61440543a456" providerId="ADAL" clId="{14F797DE-E75B-4062-A6FB-AA9F07155580}" dt="2023-12-29T21:23:42.216" v="5202" actId="20577"/>
-          <ac:spMkLst>
-            <pc:docMk/>
-            <pc:sldMk cId="3450195044" sldId="298"/>
-            <ac:spMk id="2" creationId="{31B75992-5098-A283-4925-2CCEBB801DC5}"/>
-          </ac:spMkLst>
-        </pc:spChg>
-        <pc:spChg chg="mod">
-          <ac:chgData name="Gibbons, Carl" userId="d2b037bc-8fb4-4222-845c-61440543a456" providerId="ADAL" clId="{14F797DE-E75B-4062-A6FB-AA9F07155580}" dt="2023-12-29T21:54:28.975" v="6848" actId="255"/>
-          <ac:spMkLst>
-            <pc:docMk/>
-            <pc:sldMk cId="3450195044" sldId="298"/>
-            <ac:spMk id="3" creationId="{B5924E0F-A977-1710-779D-EEB74261AF34}"/>
-          </ac:spMkLst>
-        </pc:spChg>
-      </pc:sldChg>
-      <pc:sldChg chg="modSp mod">
-        <pc:chgData name="Gibbons, Carl" userId="d2b037bc-8fb4-4222-845c-61440543a456" providerId="ADAL" clId="{14F797DE-E75B-4062-A6FB-AA9F07155580}" dt="2023-12-29T21:54:18.720" v="6846" actId="255"/>
-        <pc:sldMkLst>
-          <pc:docMk/>
-          <pc:sldMk cId="3633122843" sldId="299"/>
-        </pc:sldMkLst>
-        <pc:spChg chg="mod">
-          <ac:chgData name="Gibbons, Carl" userId="d2b037bc-8fb4-4222-845c-61440543a456" providerId="ADAL" clId="{14F797DE-E75B-4062-A6FB-AA9F07155580}" dt="2023-12-29T21:31:23.761" v="5684" actId="20577"/>
-          <ac:spMkLst>
-            <pc:docMk/>
-            <pc:sldMk cId="3633122843" sldId="299"/>
-            <ac:spMk id="2" creationId="{31B75992-5098-A283-4925-2CCEBB801DC5}"/>
-          </ac:spMkLst>
-        </pc:spChg>
-        <pc:spChg chg="mod">
-          <ac:chgData name="Gibbons, Carl" userId="d2b037bc-8fb4-4222-845c-61440543a456" providerId="ADAL" clId="{14F797DE-E75B-4062-A6FB-AA9F07155580}" dt="2023-12-29T21:54:18.720" v="6846" actId="255"/>
-          <ac:spMkLst>
-            <pc:docMk/>
-            <pc:sldMk cId="3633122843" sldId="299"/>
-            <ac:spMk id="3" creationId="{B5924E0F-A977-1710-779D-EEB74261AF34}"/>
-          </ac:spMkLst>
-        </pc:spChg>
-      </pc:sldChg>
-    </pc:docChg>
-  </pc:docChgLst>
-  <pc:docChgLst>
-    <pc:chgData name="Gibbons, Carl" userId="d2b037bc-8fb4-4222-845c-61440543a456" providerId="ADAL" clId="{3D73FC3D-A932-426E-A7E0-475220CAB957}"/>
-    <pc:docChg chg="undo redo custSel addSld delSld modSld">
-      <pc:chgData name="Gibbons, Carl" userId="d2b037bc-8fb4-4222-845c-61440543a456" providerId="ADAL" clId="{3D73FC3D-A932-426E-A7E0-475220CAB957}" dt="2023-12-24T03:24:28.415" v="11663" actId="20577"/>
-      <pc:docMkLst>
-        <pc:docMk/>
-      </pc:docMkLst>
-      <pc:sldChg chg="modSp mod">
-        <pc:chgData name="Gibbons, Carl" userId="d2b037bc-8fb4-4222-845c-61440543a456" providerId="ADAL" clId="{3D73FC3D-A932-426E-A7E0-475220CAB957}" dt="2023-12-23T23:38:20.022" v="49" actId="20577"/>
-        <pc:sldMkLst>
-          <pc:docMk/>
-          <pc:sldMk cId="3308175748" sldId="256"/>
-        </pc:sldMkLst>
-        <pc:spChg chg="mod">
-          <ac:chgData name="Gibbons, Carl" userId="d2b037bc-8fb4-4222-845c-61440543a456" providerId="ADAL" clId="{3D73FC3D-A932-426E-A7E0-475220CAB957}" dt="2023-12-23T23:38:20.022" v="49" actId="20577"/>
-          <ac:spMkLst>
-            <pc:docMk/>
-            <pc:sldMk cId="3308175748" sldId="256"/>
-            <ac:spMk id="3" creationId="{EEC4D41B-E776-05F2-BE0B-89BB339485AB}"/>
-          </ac:spMkLst>
-        </pc:spChg>
-      </pc:sldChg>
-      <pc:sldChg chg="modSp mod">
-        <pc:chgData name="Gibbons, Carl" userId="d2b037bc-8fb4-4222-845c-61440543a456" providerId="ADAL" clId="{3D73FC3D-A932-426E-A7E0-475220CAB957}" dt="2023-12-24T01:13:09.893" v="3743" actId="20577"/>
-        <pc:sldMkLst>
-          <pc:docMk/>
-          <pc:sldMk cId="519357719" sldId="260"/>
-        </pc:sldMkLst>
-        <pc:spChg chg="mod">
-          <ac:chgData name="Gibbons, Carl" userId="d2b037bc-8fb4-4222-845c-61440543a456" providerId="ADAL" clId="{3D73FC3D-A932-426E-A7E0-475220CAB957}" dt="2023-12-24T00:45:38.249" v="1787" actId="20577"/>
-          <ac:spMkLst>
-            <pc:docMk/>
-            <pc:sldMk cId="519357719" sldId="260"/>
-            <ac:spMk id="2" creationId="{E8E7C5B6-3D55-D6F8-C2DE-9B6E32C23A9C}"/>
-          </ac:spMkLst>
-        </pc:spChg>
-        <pc:spChg chg="mod">
-          <ac:chgData name="Gibbons, Carl" userId="d2b037bc-8fb4-4222-845c-61440543a456" providerId="ADAL" clId="{3D73FC3D-A932-426E-A7E0-475220CAB957}" dt="2023-12-24T01:13:09.893" v="3743" actId="20577"/>
-          <ac:spMkLst>
-            <pc:docMk/>
-            <pc:sldMk cId="519357719" sldId="260"/>
-            <ac:spMk id="3" creationId="{17D02A72-79B4-B4A1-5F2B-4922B2F25909}"/>
-          </ac:spMkLst>
-        </pc:spChg>
-      </pc:sldChg>
-      <pc:sldChg chg="addSp modSp mod">
-        <pc:chgData name="Gibbons, Carl" userId="d2b037bc-8fb4-4222-845c-61440543a456" providerId="ADAL" clId="{3D73FC3D-A932-426E-A7E0-475220CAB957}" dt="2023-12-24T00:00:09.105" v="711" actId="20577"/>
-        <pc:sldMkLst>
-          <pc:docMk/>
-          <pc:sldMk cId="2312486803" sldId="261"/>
-        </pc:sldMkLst>
-        <pc:spChg chg="mod">
-          <ac:chgData name="Gibbons, Carl" userId="d2b037bc-8fb4-4222-845c-61440543a456" providerId="ADAL" clId="{3D73FC3D-A932-426E-A7E0-475220CAB957}" dt="2023-12-23T23:50:04.782" v="85" actId="20577"/>
-          <ac:spMkLst>
-            <pc:docMk/>
-            <pc:sldMk cId="2312486803" sldId="261"/>
-            <ac:spMk id="2" creationId="{31B75992-5098-A283-4925-2CCEBB801DC5}"/>
-          </ac:spMkLst>
-        </pc:spChg>
-        <pc:spChg chg="mod">
-          <ac:chgData name="Gibbons, Carl" userId="d2b037bc-8fb4-4222-845c-61440543a456" providerId="ADAL" clId="{3D73FC3D-A932-426E-A7E0-475220CAB957}" dt="2023-12-24T00:00:09.105" v="711" actId="20577"/>
-          <ac:spMkLst>
-            <pc:docMk/>
-            <pc:sldMk cId="2312486803" sldId="261"/>
-            <ac:spMk id="3" creationId="{B5924E0F-A977-1710-779D-EEB74261AF34}"/>
-          </ac:spMkLst>
-        </pc:spChg>
-        <pc:picChg chg="add mod">
-          <ac:chgData name="Gibbons, Carl" userId="d2b037bc-8fb4-4222-845c-61440543a456" providerId="ADAL" clId="{3D73FC3D-A932-426E-A7E0-475220CAB957}" dt="2023-12-23T23:51:02.278" v="91" actId="1076"/>
-          <ac:picMkLst>
-            <pc:docMk/>
-            <pc:sldMk cId="2312486803" sldId="261"/>
-            <ac:picMk id="5" creationId="{95F1B758-8221-A28F-F68D-1A79ADBC274D}"/>
-          </ac:picMkLst>
-        </pc:picChg>
-      </pc:sldChg>
-      <pc:sldChg chg="modSp mod">
-        <pc:chgData name="Gibbons, Carl" userId="d2b037bc-8fb4-4222-845c-61440543a456" providerId="ADAL" clId="{3D73FC3D-A932-426E-A7E0-475220CAB957}" dt="2023-12-24T00:44:00.546" v="1681" actId="20577"/>
-        <pc:sldMkLst>
-          <pc:docMk/>
-          <pc:sldMk cId="378743348" sldId="270"/>
-        </pc:sldMkLst>
-        <pc:spChg chg="mod">
-          <ac:chgData name="Gibbons, Carl" userId="d2b037bc-8fb4-4222-845c-61440543a456" providerId="ADAL" clId="{3D73FC3D-A932-426E-A7E0-475220CAB957}" dt="2023-12-24T00:42:29.049" v="1647" actId="114"/>
-          <ac:spMkLst>
-            <pc:docMk/>
-            <pc:sldMk cId="378743348" sldId="270"/>
-            <ac:spMk id="2" creationId="{C5822466-AC61-5579-F313-7B8A3FE65CC8}"/>
-          </ac:spMkLst>
-        </pc:spChg>
-        <pc:spChg chg="mod">
-          <ac:chgData name="Gibbons, Carl" userId="d2b037bc-8fb4-4222-845c-61440543a456" providerId="ADAL" clId="{3D73FC3D-A932-426E-A7E0-475220CAB957}" dt="2023-12-24T00:44:00.546" v="1681" actId="20577"/>
-          <ac:spMkLst>
-            <pc:docMk/>
-            <pc:sldMk cId="378743348" sldId="270"/>
-            <ac:spMk id="3" creationId="{80041865-9773-290D-EB35-F8AF8BFC505C}"/>
-          </ac:spMkLst>
-        </pc:spChg>
-      </pc:sldChg>
-      <pc:sldChg chg="modSp mod">
-        <pc:chgData name="Gibbons, Carl" userId="d2b037bc-8fb4-4222-845c-61440543a456" providerId="ADAL" clId="{3D73FC3D-A932-426E-A7E0-475220CAB957}" dt="2023-12-24T03:24:28.415" v="11663" actId="20577"/>
-        <pc:sldMkLst>
-          <pc:docMk/>
-          <pc:sldMk cId="657795359" sldId="277"/>
-        </pc:sldMkLst>
-        <pc:spChg chg="mod">
-          <ac:chgData name="Gibbons, Carl" userId="d2b037bc-8fb4-4222-845c-61440543a456" providerId="ADAL" clId="{3D73FC3D-A932-426E-A7E0-475220CAB957}" dt="2023-12-24T03:22:59.669" v="11407" actId="20577"/>
-          <ac:spMkLst>
-            <pc:docMk/>
-            <pc:sldMk cId="657795359" sldId="277"/>
-            <ac:spMk id="2" creationId="{1862E903-3C56-BB42-2361-009F2336475A}"/>
-          </ac:spMkLst>
-        </pc:spChg>
-        <pc:spChg chg="mod">
-          <ac:chgData name="Gibbons, Carl" userId="d2b037bc-8fb4-4222-845c-61440543a456" providerId="ADAL" clId="{3D73FC3D-A932-426E-A7E0-475220CAB957}" dt="2023-12-24T03:24:28.415" v="11663" actId="20577"/>
-          <ac:spMkLst>
-            <pc:docMk/>
-            <pc:sldMk cId="657795359" sldId="277"/>
-            <ac:spMk id="3" creationId="{90179172-96B3-95D0-A137-257770BE7642}"/>
-          </ac:spMkLst>
-        </pc:spChg>
-      </pc:sldChg>
-      <pc:sldChg chg="modSp mod">
-        <pc:chgData name="Gibbons, Carl" userId="d2b037bc-8fb4-4222-845c-61440543a456" providerId="ADAL" clId="{3D73FC3D-A932-426E-A7E0-475220CAB957}" dt="2023-12-24T01:34:56.666" v="4550" actId="20577"/>
-        <pc:sldMkLst>
-          <pc:docMk/>
-          <pc:sldMk cId="376509629" sldId="278"/>
-        </pc:sldMkLst>
-        <pc:spChg chg="mod">
-          <ac:chgData name="Gibbons, Carl" userId="d2b037bc-8fb4-4222-845c-61440543a456" providerId="ADAL" clId="{3D73FC3D-A932-426E-A7E0-475220CAB957}" dt="2023-12-24T01:29:35.543" v="4429" actId="20577"/>
-          <ac:spMkLst>
-            <pc:docMk/>
-            <pc:sldMk cId="376509629" sldId="278"/>
-            <ac:spMk id="2" creationId="{E8E7C5B6-3D55-D6F8-C2DE-9B6E32C23A9C}"/>
-          </ac:spMkLst>
-        </pc:spChg>
-        <pc:spChg chg="mod">
-          <ac:chgData name="Gibbons, Carl" userId="d2b037bc-8fb4-4222-845c-61440543a456" providerId="ADAL" clId="{3D73FC3D-A932-426E-A7E0-475220CAB957}" dt="2023-12-24T01:34:56.666" v="4550" actId="20577"/>
-          <ac:spMkLst>
-            <pc:docMk/>
-            <pc:sldMk cId="376509629" sldId="278"/>
-            <ac:spMk id="3" creationId="{17D02A72-79B4-B4A1-5F2B-4922B2F25909}"/>
-          </ac:spMkLst>
-        </pc:spChg>
-      </pc:sldChg>
-      <pc:sldChg chg="modSp add mod">
-        <pc:chgData name="Gibbons, Carl" userId="d2b037bc-8fb4-4222-845c-61440543a456" providerId="ADAL" clId="{3D73FC3D-A932-426E-A7E0-475220CAB957}" dt="2023-12-24T01:50:22.304" v="5579" actId="20577"/>
-        <pc:sldMkLst>
-          <pc:docMk/>
-          <pc:sldMk cId="3153831418" sldId="279"/>
-        </pc:sldMkLst>
-        <pc:spChg chg="mod">
-          <ac:chgData name="Gibbons, Carl" userId="d2b037bc-8fb4-4222-845c-61440543a456" providerId="ADAL" clId="{3D73FC3D-A932-426E-A7E0-475220CAB957}" dt="2023-12-24T01:36:49.541" v="4576" actId="20577"/>
-          <ac:spMkLst>
-            <pc:docMk/>
-            <pc:sldMk cId="3153831418" sldId="279"/>
-            <ac:spMk id="2" creationId="{E8E7C5B6-3D55-D6F8-C2DE-9B6E32C23A9C}"/>
-          </ac:spMkLst>
-        </pc:spChg>
-        <pc:spChg chg="mod">
-          <ac:chgData name="Gibbons, Carl" userId="d2b037bc-8fb4-4222-845c-61440543a456" providerId="ADAL" clId="{3D73FC3D-A932-426E-A7E0-475220CAB957}" dt="2023-12-24T01:50:22.304" v="5579" actId="20577"/>
-          <ac:spMkLst>
-            <pc:docMk/>
-            <pc:sldMk cId="3153831418" sldId="279"/>
-            <ac:spMk id="3" creationId="{17D02A72-79B4-B4A1-5F2B-4922B2F25909}"/>
-          </ac:spMkLst>
-        </pc:spChg>
-      </pc:sldChg>
-      <pc:sldChg chg="del">
-        <pc:chgData name="Gibbons, Carl" userId="d2b037bc-8fb4-4222-845c-61440543a456" providerId="ADAL" clId="{3D73FC3D-A932-426E-A7E0-475220CAB957}" dt="2023-12-24T01:36:36.846" v="4551"/>
-        <pc:sldMkLst>
-          <pc:docMk/>
-          <pc:sldMk cId="3319441950" sldId="279"/>
-        </pc:sldMkLst>
-      </pc:sldChg>
-      <pc:sldChg chg="addSp delSp modSp mod">
-        <pc:chgData name="Gibbons, Carl" userId="d2b037bc-8fb4-4222-845c-61440543a456" providerId="ADAL" clId="{3D73FC3D-A932-426E-A7E0-475220CAB957}" dt="2023-12-24T02:38:37.357" v="8076" actId="22"/>
-        <pc:sldMkLst>
-          <pc:docMk/>
-          <pc:sldMk cId="1730491475" sldId="280"/>
-        </pc:sldMkLst>
-        <pc:spChg chg="mod">
-          <ac:chgData name="Gibbons, Carl" userId="d2b037bc-8fb4-4222-845c-61440543a456" providerId="ADAL" clId="{3D73FC3D-A932-426E-A7E0-475220CAB957}" dt="2023-12-24T01:50:32.554" v="5581" actId="20577"/>
-          <ac:spMkLst>
-            <pc:docMk/>
-            <pc:sldMk cId="1730491475" sldId="280"/>
-            <ac:spMk id="2" creationId="{E8E7C5B6-3D55-D6F8-C2DE-9B6E32C23A9C}"/>
-          </ac:spMkLst>
-        </pc:spChg>
-        <pc:spChg chg="mod">
-          <ac:chgData name="Gibbons, Carl" userId="d2b037bc-8fb4-4222-845c-61440543a456" providerId="ADAL" clId="{3D73FC3D-A932-426E-A7E0-475220CAB957}" dt="2023-12-24T02:35:28.836" v="8074" actId="12"/>
-          <ac:spMkLst>
-            <pc:docMk/>
-            <pc:sldMk cId="1730491475" sldId="280"/>
-            <ac:spMk id="3" creationId="{17D02A72-79B4-B4A1-5F2B-4922B2F25909}"/>
-          </ac:spMkLst>
-        </pc:spChg>
-        <pc:spChg chg="add del">
-          <ac:chgData name="Gibbons, Carl" userId="d2b037bc-8fb4-4222-845c-61440543a456" providerId="ADAL" clId="{3D73FC3D-A932-426E-A7E0-475220CAB957}" dt="2023-12-24T02:38:37.357" v="8076" actId="22"/>
-          <ac:spMkLst>
-            <pc:docMk/>
-            <pc:sldMk cId="1730491475" sldId="280"/>
-            <ac:spMk id="5" creationId="{8BB9020B-ED8A-501F-CC80-C270A0022D15}"/>
-          </ac:spMkLst>
-        </pc:spChg>
-      </pc:sldChg>
-      <pc:sldChg chg="modSp mod">
-        <pc:chgData name="Gibbons, Carl" userId="d2b037bc-8fb4-4222-845c-61440543a456" providerId="ADAL" clId="{3D73FC3D-A932-426E-A7E0-475220CAB957}" dt="2023-12-24T03:05:20.109" v="10364" actId="20577"/>
-        <pc:sldMkLst>
-          <pc:docMk/>
-          <pc:sldMk cId="2142935958" sldId="281"/>
-        </pc:sldMkLst>
-        <pc:spChg chg="mod">
-          <ac:chgData name="Gibbons, Carl" userId="d2b037bc-8fb4-4222-845c-61440543a456" providerId="ADAL" clId="{3D73FC3D-A932-426E-A7E0-475220CAB957}" dt="2023-12-24T02:43:01.996" v="8436" actId="20577"/>
-          <ac:spMkLst>
-            <pc:docMk/>
-            <pc:sldMk cId="2142935958" sldId="281"/>
-            <ac:spMk id="2" creationId="{E8E7C5B6-3D55-D6F8-C2DE-9B6E32C23A9C}"/>
-          </ac:spMkLst>
-        </pc:spChg>
-        <pc:spChg chg="mod">
-          <ac:chgData name="Gibbons, Carl" userId="d2b037bc-8fb4-4222-845c-61440543a456" providerId="ADAL" clId="{3D73FC3D-A932-426E-A7E0-475220CAB957}" dt="2023-12-24T03:05:20.109" v="10364" actId="20577"/>
-          <ac:spMkLst>
-            <pc:docMk/>
-            <pc:sldMk cId="2142935958" sldId="281"/>
-            <ac:spMk id="3" creationId="{17D02A72-79B4-B4A1-5F2B-4922B2F25909}"/>
-          </ac:spMkLst>
-        </pc:spChg>
-      </pc:sldChg>
-      <pc:sldChg chg="modSp mod">
-        <pc:chgData name="Gibbons, Carl" userId="d2b037bc-8fb4-4222-845c-61440543a456" providerId="ADAL" clId="{3D73FC3D-A932-426E-A7E0-475220CAB957}" dt="2023-12-24T03:22:15.893" v="11397" actId="2711"/>
-        <pc:sldMkLst>
-          <pc:docMk/>
-          <pc:sldMk cId="1371681654" sldId="282"/>
-        </pc:sldMkLst>
-        <pc:spChg chg="mod">
-          <ac:chgData name="Gibbons, Carl" userId="d2b037bc-8fb4-4222-845c-61440543a456" providerId="ADAL" clId="{3D73FC3D-A932-426E-A7E0-475220CAB957}" dt="2023-12-24T03:12:22.296" v="10563" actId="1036"/>
-          <ac:spMkLst>
-            <pc:docMk/>
-            <pc:sldMk cId="1371681654" sldId="282"/>
-            <ac:spMk id="2" creationId="{E8E7C5B6-3D55-D6F8-C2DE-9B6E32C23A9C}"/>
-          </ac:spMkLst>
-        </pc:spChg>
-        <pc:spChg chg="mod">
-          <ac:chgData name="Gibbons, Carl" userId="d2b037bc-8fb4-4222-845c-61440543a456" providerId="ADAL" clId="{3D73FC3D-A932-426E-A7E0-475220CAB957}" dt="2023-12-24T03:22:15.893" v="11397" actId="2711"/>
-          <ac:spMkLst>
-            <pc:docMk/>
-            <pc:sldMk cId="1371681654" sldId="282"/>
-            <ac:spMk id="3" creationId="{17D02A72-79B4-B4A1-5F2B-4922B2F25909}"/>
-          </ac:spMkLst>
-        </pc:spChg>
-      </pc:sldChg>
-    </pc:docChg>
-  </pc:docChgLst>
-  <pc:docChgLst>
-    <pc:chgData name="Gibbons, Carl" userId="d2b037bc-8fb4-4222-845c-61440543a456" providerId="ADAL" clId="{06905CFC-A46E-472D-890F-9117438C8D89}"/>
-    <pc:docChg chg="custSel addSld delSld modSld">
-      <pc:chgData name="Gibbons, Carl" userId="d2b037bc-8fb4-4222-845c-61440543a456" providerId="ADAL" clId="{06905CFC-A46E-472D-890F-9117438C8D89}" dt="2024-02-04T04:33:39.872" v="4931" actId="20577"/>
-      <pc:docMkLst>
-        <pc:docMk/>
-      </pc:docMkLst>
-      <pc:sldChg chg="modSp mod">
-        <pc:chgData name="Gibbons, Carl" userId="d2b037bc-8fb4-4222-845c-61440543a456" providerId="ADAL" clId="{06905CFC-A46E-472D-890F-9117438C8D89}" dt="2024-02-04T02:59:56.129" v="48" actId="20577"/>
-        <pc:sldMkLst>
-          <pc:docMk/>
-          <pc:sldMk cId="3308175748" sldId="256"/>
-        </pc:sldMkLst>
-        <pc:spChg chg="mod">
-          <ac:chgData name="Gibbons, Carl" userId="d2b037bc-8fb4-4222-845c-61440543a456" providerId="ADAL" clId="{06905CFC-A46E-472D-890F-9117438C8D89}" dt="2024-02-04T02:59:56.129" v="48" actId="20577"/>
-          <ac:spMkLst>
-            <pc:docMk/>
-            <pc:sldMk cId="3308175748" sldId="256"/>
-            <ac:spMk id="3" creationId="{EEC4D41B-E776-05F2-BE0B-89BB339485AB}"/>
-          </ac:spMkLst>
-        </pc:spChg>
-      </pc:sldChg>
-      <pc:sldChg chg="modSp mod">
-        <pc:chgData name="Gibbons, Carl" userId="d2b037bc-8fb4-4222-845c-61440543a456" providerId="ADAL" clId="{06905CFC-A46E-472D-890F-9117438C8D89}" dt="2024-02-04T03:54:18.112" v="2151" actId="15"/>
-        <pc:sldMkLst>
-          <pc:docMk/>
-          <pc:sldMk cId="2312486803" sldId="261"/>
-        </pc:sldMkLst>
-        <pc:spChg chg="mod">
-          <ac:chgData name="Gibbons, Carl" userId="d2b037bc-8fb4-4222-845c-61440543a456" providerId="ADAL" clId="{06905CFC-A46E-472D-890F-9117438C8D89}" dt="2024-02-04T03:52:20.850" v="2087" actId="20577"/>
-          <ac:spMkLst>
-            <pc:docMk/>
-            <pc:sldMk cId="2312486803" sldId="261"/>
-            <ac:spMk id="2" creationId="{31B75992-5098-A283-4925-2CCEBB801DC5}"/>
-          </ac:spMkLst>
-        </pc:spChg>
-        <pc:spChg chg="mod">
-          <ac:chgData name="Gibbons, Carl" userId="d2b037bc-8fb4-4222-845c-61440543a456" providerId="ADAL" clId="{06905CFC-A46E-472D-890F-9117438C8D89}" dt="2024-02-04T03:54:18.112" v="2151" actId="15"/>
-          <ac:spMkLst>
-            <pc:docMk/>
-            <pc:sldMk cId="2312486803" sldId="261"/>
-            <ac:spMk id="3" creationId="{B5924E0F-A977-1710-779D-EEB74261AF34}"/>
-          </ac:spMkLst>
-        </pc:spChg>
-      </pc:sldChg>
-      <pc:sldChg chg="modSp mod">
-        <pc:chgData name="Gibbons, Carl" userId="d2b037bc-8fb4-4222-845c-61440543a456" providerId="ADAL" clId="{06905CFC-A46E-472D-890F-9117438C8D89}" dt="2024-02-04T04:33:39.872" v="4931" actId="20577"/>
-        <pc:sldMkLst>
-          <pc:docMk/>
-          <pc:sldMk cId="3885141102" sldId="262"/>
-        </pc:sldMkLst>
-        <pc:spChg chg="mod">
-          <ac:chgData name="Gibbons, Carl" userId="d2b037bc-8fb4-4222-845c-61440543a456" providerId="ADAL" clId="{06905CFC-A46E-472D-890F-9117438C8D89}" dt="2024-02-04T04:33:39.872" v="4931" actId="20577"/>
-          <ac:spMkLst>
-            <pc:docMk/>
-            <pc:sldMk cId="3885141102" sldId="262"/>
-            <ac:spMk id="3" creationId="{B5924E0F-A977-1710-779D-EEB74261AF34}"/>
-          </ac:spMkLst>
-        </pc:spChg>
-      </pc:sldChg>
-      <pc:sldChg chg="modSp mod">
-        <pc:chgData name="Gibbons, Carl" userId="d2b037bc-8fb4-4222-845c-61440543a456" providerId="ADAL" clId="{06905CFC-A46E-472D-890F-9117438C8D89}" dt="2024-02-04T04:32:40.613" v="4865" actId="20577"/>
-        <pc:sldMkLst>
-          <pc:docMk/>
-          <pc:sldMk cId="1719402288" sldId="263"/>
-        </pc:sldMkLst>
-        <pc:spChg chg="mod">
-          <ac:chgData name="Gibbons, Carl" userId="d2b037bc-8fb4-4222-845c-61440543a456" providerId="ADAL" clId="{06905CFC-A46E-472D-890F-9117438C8D89}" dt="2024-02-04T04:12:26.573" v="3314" actId="20577"/>
-          <ac:spMkLst>
-            <pc:docMk/>
-            <pc:sldMk cId="1719402288" sldId="263"/>
-            <ac:spMk id="2" creationId="{31B75992-5098-A283-4925-2CCEBB801DC5}"/>
-          </ac:spMkLst>
-        </pc:spChg>
-        <pc:spChg chg="mod">
-          <ac:chgData name="Gibbons, Carl" userId="d2b037bc-8fb4-4222-845c-61440543a456" providerId="ADAL" clId="{06905CFC-A46E-472D-890F-9117438C8D89}" dt="2024-02-04T04:32:40.613" v="4865" actId="20577"/>
-          <ac:spMkLst>
-            <pc:docMk/>
-            <pc:sldMk cId="1719402288" sldId="263"/>
-            <ac:spMk id="3" creationId="{B5924E0F-A977-1710-779D-EEB74261AF34}"/>
-          </ac:spMkLst>
-        </pc:spChg>
-      </pc:sldChg>
-      <pc:sldChg chg="modSp new del mod">
-        <pc:chgData name="Gibbons, Carl" userId="d2b037bc-8fb4-4222-845c-61440543a456" providerId="ADAL" clId="{06905CFC-A46E-472D-890F-9117438C8D89}" dt="2024-02-04T03:52:51.701" v="2091" actId="2696"/>
-        <pc:sldMkLst>
-          <pc:docMk/>
-          <pc:sldMk cId="122773691" sldId="264"/>
-        </pc:sldMkLst>
-        <pc:spChg chg="mod">
-          <ac:chgData name="Gibbons, Carl" userId="d2b037bc-8fb4-4222-845c-61440543a456" providerId="ADAL" clId="{06905CFC-A46E-472D-890F-9117438C8D89}" dt="2024-02-04T03:52:47.108" v="2090" actId="27636"/>
-          <ac:spMkLst>
-            <pc:docMk/>
-            <pc:sldMk cId="122773691" sldId="264"/>
-            <ac:spMk id="2" creationId="{25B9B666-A3B3-5530-8F45-BA2562A6655A}"/>
-          </ac:spMkLst>
-        </pc:spChg>
-      </pc:sldChg>
-      <pc:sldChg chg="modSp add mod">
-        <pc:chgData name="Gibbons, Carl" userId="d2b037bc-8fb4-4222-845c-61440543a456" providerId="ADAL" clId="{06905CFC-A46E-472D-890F-9117438C8D89}" dt="2024-02-04T04:11:43.510" v="3278" actId="20577"/>
-        <pc:sldMkLst>
-          <pc:docMk/>
-          <pc:sldMk cId="2993794741" sldId="265"/>
-        </pc:sldMkLst>
-        <pc:spChg chg="mod">
-          <ac:chgData name="Gibbons, Carl" userId="d2b037bc-8fb4-4222-845c-61440543a456" providerId="ADAL" clId="{06905CFC-A46E-472D-890F-9117438C8D89}" dt="2024-02-04T03:53:00.875" v="2111" actId="20577"/>
-          <ac:spMkLst>
-            <pc:docMk/>
-            <pc:sldMk cId="2993794741" sldId="265"/>
-            <ac:spMk id="2" creationId="{31B75992-5098-A283-4925-2CCEBB801DC5}"/>
-          </ac:spMkLst>
-        </pc:spChg>
-        <pc:spChg chg="mod">
-          <ac:chgData name="Gibbons, Carl" userId="d2b037bc-8fb4-4222-845c-61440543a456" providerId="ADAL" clId="{06905CFC-A46E-472D-890F-9117438C8D89}" dt="2024-02-04T04:11:43.510" v="3278" actId="20577"/>
-          <ac:spMkLst>
-            <pc:docMk/>
-            <pc:sldMk cId="2993794741" sldId="265"/>
-            <ac:spMk id="3" creationId="{B5924E0F-A977-1710-779D-EEB74261AF34}"/>
-          </ac:spMkLst>
-        </pc:spChg>
-      </pc:sldChg>
-    </pc:docChg>
-  </pc:docChgLst>
-  <pc:docChgLst>
-    <pc:chgData name="Gibbons, Carl" userId="d2b037bc-8fb4-4222-845c-61440543a456" providerId="ADAL" clId="{8B117223-2596-4D61-9C62-CC9BD4B9A421}"/>
-    <pc:docChg chg="custSel addSld delSld modSld">
-      <pc:chgData name="Gibbons, Carl" userId="d2b037bc-8fb4-4222-845c-61440543a456" providerId="ADAL" clId="{8B117223-2596-4D61-9C62-CC9BD4B9A421}" dt="2024-01-24T22:00:55.310" v="2286" actId="20577"/>
-      <pc:docMkLst>
-        <pc:docMk/>
-      </pc:docMkLst>
-      <pc:sldChg chg="modSp mod">
-        <pc:chgData name="Gibbons, Carl" userId="d2b037bc-8fb4-4222-845c-61440543a456" providerId="ADAL" clId="{8B117223-2596-4D61-9C62-CC9BD4B9A421}" dt="2024-01-16T00:57:55.449" v="2005" actId="20577"/>
-        <pc:sldMkLst>
-          <pc:docMk/>
-          <pc:sldMk cId="3308175748" sldId="256"/>
-        </pc:sldMkLst>
-        <pc:spChg chg="mod">
-          <ac:chgData name="Gibbons, Carl" userId="d2b037bc-8fb4-4222-845c-61440543a456" providerId="ADAL" clId="{8B117223-2596-4D61-9C62-CC9BD4B9A421}" dt="2024-01-16T00:57:55.449" v="2005" actId="20577"/>
-          <ac:spMkLst>
-            <pc:docMk/>
-            <pc:sldMk cId="3308175748" sldId="256"/>
-            <ac:spMk id="3" creationId="{EEC4D41B-E776-05F2-BE0B-89BB339485AB}"/>
-          </ac:spMkLst>
-        </pc:spChg>
-      </pc:sldChg>
-      <pc:sldChg chg="modSp mod">
-        <pc:chgData name="Gibbons, Carl" userId="d2b037bc-8fb4-4222-845c-61440543a456" providerId="ADAL" clId="{8B117223-2596-4D61-9C62-CC9BD4B9A421}" dt="2024-01-24T22:00:55.310" v="2286" actId="20577"/>
-        <pc:sldMkLst>
-          <pc:docMk/>
-          <pc:sldMk cId="2312486803" sldId="261"/>
-        </pc:sldMkLst>
-        <pc:spChg chg="mod">
-          <ac:chgData name="Gibbons, Carl" userId="d2b037bc-8fb4-4222-845c-61440543a456" providerId="ADAL" clId="{8B117223-2596-4D61-9C62-CC9BD4B9A421}" dt="2024-01-16T00:15:29.289" v="286" actId="20577"/>
-          <ac:spMkLst>
-            <pc:docMk/>
-            <pc:sldMk cId="2312486803" sldId="261"/>
-            <ac:spMk id="2" creationId="{31B75992-5098-A283-4925-2CCEBB801DC5}"/>
-          </ac:spMkLst>
-        </pc:spChg>
-        <pc:spChg chg="mod">
-          <ac:chgData name="Gibbons, Carl" userId="d2b037bc-8fb4-4222-845c-61440543a456" providerId="ADAL" clId="{8B117223-2596-4D61-9C62-CC9BD4B9A421}" dt="2024-01-24T22:00:55.310" v="2286" actId="20577"/>
-          <ac:spMkLst>
-            <pc:docMk/>
-            <pc:sldMk cId="2312486803" sldId="261"/>
-            <ac:spMk id="3" creationId="{B5924E0F-A977-1710-779D-EEB74261AF34}"/>
-          </ac:spMkLst>
-        </pc:spChg>
-      </pc:sldChg>
-      <pc:sldChg chg="modSp add mod">
-        <pc:chgData name="Gibbons, Carl" userId="d2b037bc-8fb4-4222-845c-61440543a456" providerId="ADAL" clId="{8B117223-2596-4D61-9C62-CC9BD4B9A421}" dt="2024-01-16T01:00:51.762" v="2281" actId="313"/>
-        <pc:sldMkLst>
-          <pc:docMk/>
-          <pc:sldMk cId="3885141102" sldId="262"/>
-        </pc:sldMkLst>
-        <pc:spChg chg="mod">
-          <ac:chgData name="Gibbons, Carl" userId="d2b037bc-8fb4-4222-845c-61440543a456" providerId="ADAL" clId="{8B117223-2596-4D61-9C62-CC9BD4B9A421}" dt="2024-01-16T00:42:42.463" v="1503" actId="20577"/>
-          <ac:spMkLst>
-            <pc:docMk/>
-            <pc:sldMk cId="3885141102" sldId="262"/>
-            <ac:spMk id="2" creationId="{31B75992-5098-A283-4925-2CCEBB801DC5}"/>
-          </ac:spMkLst>
-        </pc:spChg>
-        <pc:spChg chg="mod">
-          <ac:chgData name="Gibbons, Carl" userId="d2b037bc-8fb4-4222-845c-61440543a456" providerId="ADAL" clId="{8B117223-2596-4D61-9C62-CC9BD4B9A421}" dt="2024-01-16T01:00:51.762" v="2281" actId="313"/>
-          <ac:spMkLst>
-            <pc:docMk/>
-            <pc:sldMk cId="3885141102" sldId="262"/>
-            <ac:spMk id="3" creationId="{B5924E0F-A977-1710-779D-EEB74261AF34}"/>
-          </ac:spMkLst>
-        </pc:spChg>
-      </pc:sldChg>
-      <pc:sldChg chg="add">
-        <pc:chgData name="Gibbons, Carl" userId="d2b037bc-8fb4-4222-845c-61440543a456" providerId="ADAL" clId="{8B117223-2596-4D61-9C62-CC9BD4B9A421}" dt="2024-01-16T00:58:20.162" v="2006"/>
-        <pc:sldMkLst>
-          <pc:docMk/>
-          <pc:sldMk cId="1719402288" sldId="263"/>
-        </pc:sldMkLst>
-      </pc:sldChg>
-      <pc:sldChg chg="del">
-        <pc:chgData name="Gibbons, Carl" userId="d2b037bc-8fb4-4222-845c-61440543a456" providerId="ADAL" clId="{8B117223-2596-4D61-9C62-CC9BD4B9A421}" dt="2024-01-16T00:11:26.015" v="227" actId="47"/>
-        <pc:sldMkLst>
-          <pc:docMk/>
-          <pc:sldMk cId="3989541258" sldId="278"/>
-        </pc:sldMkLst>
-      </pc:sldChg>
-      <pc:sldChg chg="del">
-        <pc:chgData name="Gibbons, Carl" userId="d2b037bc-8fb4-4222-845c-61440543a456" providerId="ADAL" clId="{8B117223-2596-4D61-9C62-CC9BD4B9A421}" dt="2024-01-16T00:11:26.575" v="228" actId="47"/>
-        <pc:sldMkLst>
-          <pc:docMk/>
-          <pc:sldMk cId="1861646120" sldId="293"/>
-        </pc:sldMkLst>
-      </pc:sldChg>
-      <pc:sldChg chg="del">
-        <pc:chgData name="Gibbons, Carl" userId="d2b037bc-8fb4-4222-845c-61440543a456" providerId="ADAL" clId="{8B117223-2596-4D61-9C62-CC9BD4B9A421}" dt="2024-01-16T00:11:27.206" v="229" actId="47"/>
-        <pc:sldMkLst>
-          <pc:docMk/>
-          <pc:sldMk cId="2232562783" sldId="294"/>
-        </pc:sldMkLst>
-      </pc:sldChg>
-      <pc:sldChg chg="del">
-        <pc:chgData name="Gibbons, Carl" userId="d2b037bc-8fb4-4222-845c-61440543a456" providerId="ADAL" clId="{8B117223-2596-4D61-9C62-CC9BD4B9A421}" dt="2024-01-16T00:11:27.766" v="230" actId="47"/>
-        <pc:sldMkLst>
-          <pc:docMk/>
-          <pc:sldMk cId="845747584" sldId="300"/>
-        </pc:sldMkLst>
-      </pc:sldChg>
-      <pc:sldChg chg="del">
-        <pc:chgData name="Gibbons, Carl" userId="d2b037bc-8fb4-4222-845c-61440543a456" providerId="ADAL" clId="{8B117223-2596-4D61-9C62-CC9BD4B9A421}" dt="2024-01-16T00:11:30.314" v="231" actId="47"/>
-        <pc:sldMkLst>
-          <pc:docMk/>
-          <pc:sldMk cId="3372579319" sldId="301"/>
-        </pc:sldMkLst>
-      </pc:sldChg>
-    </pc:docChg>
-  </pc:docChgLst>
-  <pc:docChgLst>
-    <pc:chgData name="Gibbons, Carl" userId="d2b037bc-8fb4-4222-845c-61440543a456" providerId="ADAL" clId="{CE68D2EA-6C33-4320-B171-B4C637EE57D5}"/>
-    <pc:docChg chg="undo custSel delSld modSld">
-      <pc:chgData name="Gibbons, Carl" userId="d2b037bc-8fb4-4222-845c-61440543a456" providerId="ADAL" clId="{CE68D2EA-6C33-4320-B171-B4C637EE57D5}" dt="2024-02-04T05:12:30.446" v="2225" actId="5793"/>
-      <pc:docMkLst>
-        <pc:docMk/>
-      </pc:docMkLst>
-      <pc:sldChg chg="modSp mod">
-        <pc:chgData name="Gibbons, Carl" userId="d2b037bc-8fb4-4222-845c-61440543a456" providerId="ADAL" clId="{CE68D2EA-6C33-4320-B171-B4C637EE57D5}" dt="2024-02-04T04:34:37.470" v="1" actId="20577"/>
-        <pc:sldMkLst>
-          <pc:docMk/>
-          <pc:sldMk cId="3308175748" sldId="256"/>
-        </pc:sldMkLst>
-        <pc:spChg chg="mod">
-          <ac:chgData name="Gibbons, Carl" userId="d2b037bc-8fb4-4222-845c-61440543a456" providerId="ADAL" clId="{CE68D2EA-6C33-4320-B171-B4C637EE57D5}" dt="2024-02-04T04:34:37.470" v="1" actId="20577"/>
-          <ac:spMkLst>
-            <pc:docMk/>
-            <pc:sldMk cId="3308175748" sldId="256"/>
-            <ac:spMk id="3" creationId="{EEC4D41B-E776-05F2-BE0B-89BB339485AB}"/>
-          </ac:spMkLst>
-        </pc:spChg>
-      </pc:sldChg>
-      <pc:sldChg chg="modSp mod">
-        <pc:chgData name="Gibbons, Carl" userId="d2b037bc-8fb4-4222-845c-61440543a456" providerId="ADAL" clId="{CE68D2EA-6C33-4320-B171-B4C637EE57D5}" dt="2024-02-04T04:45:39.551" v="829" actId="20577"/>
-        <pc:sldMkLst>
-          <pc:docMk/>
-          <pc:sldMk cId="2312486803" sldId="261"/>
-        </pc:sldMkLst>
-        <pc:spChg chg="mod">
-          <ac:chgData name="Gibbons, Carl" userId="d2b037bc-8fb4-4222-845c-61440543a456" providerId="ADAL" clId="{CE68D2EA-6C33-4320-B171-B4C637EE57D5}" dt="2024-02-04T04:35:06.801" v="27" actId="20577"/>
-          <ac:spMkLst>
-            <pc:docMk/>
-            <pc:sldMk cId="2312486803" sldId="261"/>
-            <ac:spMk id="2" creationId="{31B75992-5098-A283-4925-2CCEBB801DC5}"/>
-          </ac:spMkLst>
-        </pc:spChg>
-        <pc:spChg chg="mod">
-          <ac:chgData name="Gibbons, Carl" userId="d2b037bc-8fb4-4222-845c-61440543a456" providerId="ADAL" clId="{CE68D2EA-6C33-4320-B171-B4C637EE57D5}" dt="2024-02-04T04:45:39.551" v="829" actId="20577"/>
-          <ac:spMkLst>
-            <pc:docMk/>
-            <pc:sldMk cId="2312486803" sldId="261"/>
-            <ac:spMk id="3" creationId="{B5924E0F-A977-1710-779D-EEB74261AF34}"/>
-          </ac:spMkLst>
-        </pc:spChg>
-      </pc:sldChg>
-      <pc:sldChg chg="modSp mod">
-        <pc:chgData name="Gibbons, Carl" userId="d2b037bc-8fb4-4222-845c-61440543a456" providerId="ADAL" clId="{CE68D2EA-6C33-4320-B171-B4C637EE57D5}" dt="2024-02-04T05:12:30.446" v="2225" actId="5793"/>
-        <pc:sldMkLst>
-          <pc:docMk/>
-          <pc:sldMk cId="3885141102" sldId="262"/>
-        </pc:sldMkLst>
-        <pc:spChg chg="mod">
-          <ac:chgData name="Gibbons, Carl" userId="d2b037bc-8fb4-4222-845c-61440543a456" providerId="ADAL" clId="{CE68D2EA-6C33-4320-B171-B4C637EE57D5}" dt="2024-02-04T05:12:30.446" v="2225" actId="5793"/>
-          <ac:spMkLst>
-            <pc:docMk/>
-            <pc:sldMk cId="3885141102" sldId="262"/>
-            <ac:spMk id="3" creationId="{B5924E0F-A977-1710-779D-EEB74261AF34}"/>
-          </ac:spMkLst>
-        </pc:spChg>
-      </pc:sldChg>
-      <pc:sldChg chg="del">
-        <pc:chgData name="Gibbons, Carl" userId="d2b037bc-8fb4-4222-845c-61440543a456" providerId="ADAL" clId="{CE68D2EA-6C33-4320-B171-B4C637EE57D5}" dt="2024-02-04T05:02:32.591" v="1790" actId="2696"/>
-        <pc:sldMkLst>
-          <pc:docMk/>
-          <pc:sldMk cId="1719402288" sldId="263"/>
-        </pc:sldMkLst>
-      </pc:sldChg>
-      <pc:sldChg chg="modSp mod">
-        <pc:chgData name="Gibbons, Carl" userId="d2b037bc-8fb4-4222-845c-61440543a456" providerId="ADAL" clId="{CE68D2EA-6C33-4320-B171-B4C637EE57D5}" dt="2024-02-04T05:01:45.101" v="1789" actId="2711"/>
-        <pc:sldMkLst>
-          <pc:docMk/>
-          <pc:sldMk cId="2993794741" sldId="265"/>
-        </pc:sldMkLst>
-        <pc:spChg chg="mod">
-          <ac:chgData name="Gibbons, Carl" userId="d2b037bc-8fb4-4222-845c-61440543a456" providerId="ADAL" clId="{CE68D2EA-6C33-4320-B171-B4C637EE57D5}" dt="2024-02-04T04:46:22.730" v="881" actId="20577"/>
-          <ac:spMkLst>
-            <pc:docMk/>
-            <pc:sldMk cId="2993794741" sldId="265"/>
-            <ac:spMk id="2" creationId="{31B75992-5098-A283-4925-2CCEBB801DC5}"/>
-          </ac:spMkLst>
-        </pc:spChg>
-        <pc:spChg chg="mod">
-          <ac:chgData name="Gibbons, Carl" userId="d2b037bc-8fb4-4222-845c-61440543a456" providerId="ADAL" clId="{CE68D2EA-6C33-4320-B171-B4C637EE57D5}" dt="2024-02-04T05:01:45.101" v="1789" actId="2711"/>
-          <ac:spMkLst>
-            <pc:docMk/>
-            <pc:sldMk cId="2993794741" sldId="265"/>
-            <ac:spMk id="3" creationId="{B5924E0F-A977-1710-779D-EEB74261AF34}"/>
-          </ac:spMkLst>
-        </pc:spChg>
-      </pc:sldChg>
-    </pc:docChg>
-  </pc:docChgLst>
-  <pc:docChgLst>
-    <pc:chgData name="Gibbons, Carl" userId="d2b037bc-8fb4-4222-845c-61440543a456" providerId="ADAL" clId="{6FB22382-79C8-4292-898E-4F4477C84372}"/>
-    <pc:docChg chg="custSel addSld modSld">
-      <pc:chgData name="Gibbons, Carl" userId="d2b037bc-8fb4-4222-845c-61440543a456" providerId="ADAL" clId="{6FB22382-79C8-4292-898E-4F4477C84372}" dt="2024-02-04T06:13:38.323" v="4155" actId="20577"/>
-      <pc:docMkLst>
-        <pc:docMk/>
-      </pc:docMkLst>
-      <pc:sldChg chg="modSp mod">
-        <pc:chgData name="Gibbons, Carl" userId="d2b037bc-8fb4-4222-845c-61440543a456" providerId="ADAL" clId="{6FB22382-79C8-4292-898E-4F4477C84372}" dt="2024-02-04T05:20:30.900" v="17" actId="20577"/>
-        <pc:sldMkLst>
-          <pc:docMk/>
-          <pc:sldMk cId="3308175748" sldId="256"/>
-        </pc:sldMkLst>
-        <pc:spChg chg="mod">
-          <ac:chgData name="Gibbons, Carl" userId="d2b037bc-8fb4-4222-845c-61440543a456" providerId="ADAL" clId="{6FB22382-79C8-4292-898E-4F4477C84372}" dt="2024-02-04T05:20:30.900" v="17" actId="20577"/>
-          <ac:spMkLst>
-            <pc:docMk/>
-            <pc:sldMk cId="3308175748" sldId="256"/>
-            <ac:spMk id="3" creationId="{EEC4D41B-E776-05F2-BE0B-89BB339485AB}"/>
-          </ac:spMkLst>
-        </pc:spChg>
-      </pc:sldChg>
-      <pc:sldChg chg="modSp mod">
-        <pc:chgData name="Gibbons, Carl" userId="d2b037bc-8fb4-4222-845c-61440543a456" providerId="ADAL" clId="{6FB22382-79C8-4292-898E-4F4477C84372}" dt="2024-02-04T06:13:38.323" v="4155" actId="20577"/>
-        <pc:sldMkLst>
-          <pc:docMk/>
-          <pc:sldMk cId="2312486803" sldId="261"/>
-        </pc:sldMkLst>
-        <pc:spChg chg="mod">
-          <ac:chgData name="Gibbons, Carl" userId="d2b037bc-8fb4-4222-845c-61440543a456" providerId="ADAL" clId="{6FB22382-79C8-4292-898E-4F4477C84372}" dt="2024-02-04T05:21:30.141" v="60" actId="20577"/>
-          <ac:spMkLst>
-            <pc:docMk/>
-            <pc:sldMk cId="2312486803" sldId="261"/>
-            <ac:spMk id="2" creationId="{31B75992-5098-A283-4925-2CCEBB801DC5}"/>
-          </ac:spMkLst>
-        </pc:spChg>
-        <pc:spChg chg="mod">
-          <ac:chgData name="Gibbons, Carl" userId="d2b037bc-8fb4-4222-845c-61440543a456" providerId="ADAL" clId="{6FB22382-79C8-4292-898E-4F4477C84372}" dt="2024-02-04T06:13:38.323" v="4155" actId="20577"/>
-          <ac:spMkLst>
-            <pc:docMk/>
-            <pc:sldMk cId="2312486803" sldId="261"/>
-            <ac:spMk id="3" creationId="{B5924E0F-A977-1710-779D-EEB74261AF34}"/>
-          </ac:spMkLst>
-        </pc:spChg>
-      </pc:sldChg>
-      <pc:sldChg chg="modSp mod">
-        <pc:chgData name="Gibbons, Carl" userId="d2b037bc-8fb4-4222-845c-61440543a456" providerId="ADAL" clId="{6FB22382-79C8-4292-898E-4F4477C84372}" dt="2024-02-04T06:07:58.163" v="3852" actId="20577"/>
-        <pc:sldMkLst>
-          <pc:docMk/>
-          <pc:sldMk cId="3885141102" sldId="262"/>
-        </pc:sldMkLst>
-        <pc:spChg chg="mod">
-          <ac:chgData name="Gibbons, Carl" userId="d2b037bc-8fb4-4222-845c-61440543a456" providerId="ADAL" clId="{6FB22382-79C8-4292-898E-4F4477C84372}" dt="2024-02-04T06:07:58.163" v="3852" actId="20577"/>
-          <ac:spMkLst>
-            <pc:docMk/>
-            <pc:sldMk cId="3885141102" sldId="262"/>
-            <ac:spMk id="3" creationId="{B5924E0F-A977-1710-779D-EEB74261AF34}"/>
-          </ac:spMkLst>
-        </pc:spChg>
-      </pc:sldChg>
-      <pc:sldChg chg="modSp mod">
-        <pc:chgData name="Gibbons, Carl" userId="d2b037bc-8fb4-4222-845c-61440543a456" providerId="ADAL" clId="{6FB22382-79C8-4292-898E-4F4477C84372}" dt="2024-02-04T05:35:49.521" v="1241" actId="20577"/>
-        <pc:sldMkLst>
-          <pc:docMk/>
-          <pc:sldMk cId="2993794741" sldId="265"/>
-        </pc:sldMkLst>
-        <pc:spChg chg="mod">
-          <ac:chgData name="Gibbons, Carl" userId="d2b037bc-8fb4-4222-845c-61440543a456" providerId="ADAL" clId="{6FB22382-79C8-4292-898E-4F4477C84372}" dt="2024-02-04T05:26:32.059" v="571" actId="20577"/>
-          <ac:spMkLst>
-            <pc:docMk/>
-            <pc:sldMk cId="2993794741" sldId="265"/>
-            <ac:spMk id="2" creationId="{31B75992-5098-A283-4925-2CCEBB801DC5}"/>
-          </ac:spMkLst>
-        </pc:spChg>
-        <pc:spChg chg="mod">
-          <ac:chgData name="Gibbons, Carl" userId="d2b037bc-8fb4-4222-845c-61440543a456" providerId="ADAL" clId="{6FB22382-79C8-4292-898E-4F4477C84372}" dt="2024-02-04T05:35:49.521" v="1241" actId="20577"/>
-          <ac:spMkLst>
-            <pc:docMk/>
-            <pc:sldMk cId="2993794741" sldId="265"/>
-            <ac:spMk id="3" creationId="{B5924E0F-A977-1710-779D-EEB74261AF34}"/>
-          </ac:spMkLst>
-        </pc:spChg>
-      </pc:sldChg>
-      <pc:sldChg chg="modSp mod">
-        <pc:chgData name="Gibbons, Carl" userId="d2b037bc-8fb4-4222-845c-61440543a456" providerId="ADAL" clId="{6FB22382-79C8-4292-898E-4F4477C84372}" dt="2024-02-04T05:45:18.786" v="1941" actId="20577"/>
-        <pc:sldMkLst>
-          <pc:docMk/>
-          <pc:sldMk cId="1337022352" sldId="266"/>
-        </pc:sldMkLst>
-        <pc:spChg chg="mod">
-          <ac:chgData name="Gibbons, Carl" userId="d2b037bc-8fb4-4222-845c-61440543a456" providerId="ADAL" clId="{6FB22382-79C8-4292-898E-4F4477C84372}" dt="2024-02-04T05:36:29.682" v="1255" actId="20577"/>
-          <ac:spMkLst>
-            <pc:docMk/>
-            <pc:sldMk cId="1337022352" sldId="266"/>
-            <ac:spMk id="2" creationId="{31B75992-5098-A283-4925-2CCEBB801DC5}"/>
-          </ac:spMkLst>
-        </pc:spChg>
-        <pc:spChg chg="mod">
-          <ac:chgData name="Gibbons, Carl" userId="d2b037bc-8fb4-4222-845c-61440543a456" providerId="ADAL" clId="{6FB22382-79C8-4292-898E-4F4477C84372}" dt="2024-02-04T05:45:18.786" v="1941" actId="20577"/>
-          <ac:spMkLst>
-            <pc:docMk/>
-            <pc:sldMk cId="1337022352" sldId="266"/>
-            <ac:spMk id="3" creationId="{B5924E0F-A977-1710-779D-EEB74261AF34}"/>
-          </ac:spMkLst>
-        </pc:spChg>
-      </pc:sldChg>
-      <pc:sldChg chg="modSp add mod">
-        <pc:chgData name="Gibbons, Carl" userId="d2b037bc-8fb4-4222-845c-61440543a456" providerId="ADAL" clId="{6FB22382-79C8-4292-898E-4F4477C84372}" dt="2024-02-04T05:44:39.205" v="1897" actId="12"/>
-        <pc:sldMkLst>
-          <pc:docMk/>
-          <pc:sldMk cId="3576168196" sldId="267"/>
-        </pc:sldMkLst>
-        <pc:spChg chg="mod">
-          <ac:chgData name="Gibbons, Carl" userId="d2b037bc-8fb4-4222-845c-61440543a456" providerId="ADAL" clId="{6FB22382-79C8-4292-898E-4F4477C84372}" dt="2024-02-04T05:41:13.380" v="1714" actId="20577"/>
-          <ac:spMkLst>
-            <pc:docMk/>
-            <pc:sldMk cId="3576168196" sldId="267"/>
-            <ac:spMk id="2" creationId="{31B75992-5098-A283-4925-2CCEBB801DC5}"/>
-          </ac:spMkLst>
-        </pc:spChg>
-        <pc:spChg chg="mod">
-          <ac:chgData name="Gibbons, Carl" userId="d2b037bc-8fb4-4222-845c-61440543a456" providerId="ADAL" clId="{6FB22382-79C8-4292-898E-4F4477C84372}" dt="2024-02-04T05:44:39.205" v="1897" actId="12"/>
-          <ac:spMkLst>
-            <pc:docMk/>
-            <pc:sldMk cId="3576168196" sldId="267"/>
-            <ac:spMk id="3" creationId="{B5924E0F-A977-1710-779D-EEB74261AF34}"/>
-          </ac:spMkLst>
-        </pc:spChg>
-      </pc:sldChg>
-      <pc:sldChg chg="addSp modSp new mod">
-        <pc:chgData name="Gibbons, Carl" userId="d2b037bc-8fb4-4222-845c-61440543a456" providerId="ADAL" clId="{6FB22382-79C8-4292-898E-4F4477C84372}" dt="2024-02-04T06:11:39.022" v="4076" actId="20577"/>
-        <pc:sldMkLst>
-          <pc:docMk/>
-          <pc:sldMk cId="1066671753" sldId="268"/>
-        </pc:sldMkLst>
-        <pc:spChg chg="mod">
-          <ac:chgData name="Gibbons, Carl" userId="d2b037bc-8fb4-4222-845c-61440543a456" providerId="ADAL" clId="{6FB22382-79C8-4292-898E-4F4477C84372}" dt="2024-02-04T05:45:07.756" v="1926" actId="20577"/>
-          <ac:spMkLst>
-            <pc:docMk/>
-            <pc:sldMk cId="1066671753" sldId="268"/>
-            <ac:spMk id="2" creationId="{1697FD53-1B2D-FA1E-85ED-8261A111660A}"/>
-          </ac:spMkLst>
-        </pc:spChg>
-        <pc:spChg chg="add mod">
-          <ac:chgData name="Gibbons, Carl" userId="d2b037bc-8fb4-4222-845c-61440543a456" providerId="ADAL" clId="{6FB22382-79C8-4292-898E-4F4477C84372}" dt="2024-02-04T06:11:39.022" v="4076" actId="20577"/>
-          <ac:spMkLst>
-            <pc:docMk/>
-            <pc:sldMk cId="1066671753" sldId="268"/>
-            <ac:spMk id="3" creationId="{76A2A896-1BFA-0E85-4155-672FD7F5CC95}"/>
-          </ac:spMkLst>
-        </pc:spChg>
-      </pc:sldChg>
-      <pc:sldChg chg="modSp mod">
-        <pc:chgData name="Gibbons, Carl" userId="d2b037bc-8fb4-4222-845c-61440543a456" providerId="ADAL" clId="{6FB22382-79C8-4292-898E-4F4477C84372}" dt="2024-02-04T06:10:10.836" v="3893" actId="12"/>
-        <pc:sldMkLst>
-          <pc:docMk/>
-          <pc:sldMk cId="465083765" sldId="269"/>
-        </pc:sldMkLst>
-        <pc:spChg chg="mod">
-          <ac:chgData name="Gibbons, Carl" userId="d2b037bc-8fb4-4222-845c-61440543a456" providerId="ADAL" clId="{6FB22382-79C8-4292-898E-4F4477C84372}" dt="2024-02-04T06:09:43.021" v="3884" actId="20577"/>
-          <ac:spMkLst>
-            <pc:docMk/>
-            <pc:sldMk cId="465083765" sldId="269"/>
-            <ac:spMk id="2" creationId="{1697FD53-1B2D-FA1E-85ED-8261A111660A}"/>
-          </ac:spMkLst>
-        </pc:spChg>
-        <pc:spChg chg="mod">
-          <ac:chgData name="Gibbons, Carl" userId="d2b037bc-8fb4-4222-845c-61440543a456" providerId="ADAL" clId="{6FB22382-79C8-4292-898E-4F4477C84372}" dt="2024-02-04T06:10:10.836" v="3893" actId="12"/>
-          <ac:spMkLst>
-            <pc:docMk/>
-            <pc:sldMk cId="465083765" sldId="269"/>
-            <ac:spMk id="3" creationId="{76A2A896-1BFA-0E85-4155-672FD7F5CC95}"/>
-          </ac:spMkLst>
-        </pc:spChg>
-      </pc:sldChg>
-    </pc:docChg>
-  </pc:docChgLst>
-  <pc:docChgLst>
-    <pc:chgData name="Gibbons, Carl" userId="d2b037bc-8fb4-4222-845c-61440543a456" providerId="ADAL" clId="{8C497311-FA0D-4174-880A-DAA4EEB2BF3B}"/>
-    <pc:docChg chg="custSel delSld modSld">
-      <pc:chgData name="Gibbons, Carl" userId="d2b037bc-8fb4-4222-845c-61440543a456" providerId="ADAL" clId="{8C497311-FA0D-4174-880A-DAA4EEB2BF3B}" dt="2023-12-29T17:07:57.293" v="7187" actId="20577"/>
-      <pc:docMkLst>
-        <pc:docMk/>
-      </pc:docMkLst>
-      <pc:sldChg chg="modSp mod">
-        <pc:chgData name="Gibbons, Carl" userId="d2b037bc-8fb4-4222-845c-61440543a456" providerId="ADAL" clId="{8C497311-FA0D-4174-880A-DAA4EEB2BF3B}" dt="2023-12-29T17:06:57.427" v="7098" actId="20577"/>
-        <pc:sldMkLst>
-          <pc:docMk/>
-          <pc:sldMk cId="3308175748" sldId="256"/>
-        </pc:sldMkLst>
-        <pc:spChg chg="mod">
-          <ac:chgData name="Gibbons, Carl" userId="d2b037bc-8fb4-4222-845c-61440543a456" providerId="ADAL" clId="{8C497311-FA0D-4174-880A-DAA4EEB2BF3B}" dt="2023-12-29T17:06:57.427" v="7098" actId="20577"/>
-          <ac:spMkLst>
-            <pc:docMk/>
-            <pc:sldMk cId="3308175748" sldId="256"/>
-            <ac:spMk id="3" creationId="{EEC4D41B-E776-05F2-BE0B-89BB339485AB}"/>
-          </ac:spMkLst>
-        </pc:spChg>
-      </pc:sldChg>
-      <pc:sldChg chg="modSp mod">
-        <pc:chgData name="Gibbons, Carl" userId="d2b037bc-8fb4-4222-845c-61440543a456" providerId="ADAL" clId="{8C497311-FA0D-4174-880A-DAA4EEB2BF3B}" dt="2023-12-29T15:08:44.674" v="3403" actId="20577"/>
-        <pc:sldMkLst>
-          <pc:docMk/>
-          <pc:sldMk cId="2312486803" sldId="261"/>
-        </pc:sldMkLst>
-        <pc:spChg chg="mod">
-          <ac:chgData name="Gibbons, Carl" userId="d2b037bc-8fb4-4222-845c-61440543a456" providerId="ADAL" clId="{8C497311-FA0D-4174-880A-DAA4EEB2BF3B}" dt="2023-12-29T14:20:41.496" v="51" actId="20577"/>
-          <ac:spMkLst>
-            <pc:docMk/>
-            <pc:sldMk cId="2312486803" sldId="261"/>
-            <ac:spMk id="2" creationId="{31B75992-5098-A283-4925-2CCEBB801DC5}"/>
-          </ac:spMkLst>
-        </pc:spChg>
-        <pc:spChg chg="mod">
-          <ac:chgData name="Gibbons, Carl" userId="d2b037bc-8fb4-4222-845c-61440543a456" providerId="ADAL" clId="{8C497311-FA0D-4174-880A-DAA4EEB2BF3B}" dt="2023-12-29T15:08:44.674" v="3403" actId="20577"/>
-          <ac:spMkLst>
-            <pc:docMk/>
-            <pc:sldMk cId="2312486803" sldId="261"/>
-            <ac:spMk id="3" creationId="{B5924E0F-A977-1710-779D-EEB74261AF34}"/>
-          </ac:spMkLst>
-        </pc:spChg>
-      </pc:sldChg>
-      <pc:sldChg chg="delSp modSp mod">
-        <pc:chgData name="Gibbons, Carl" userId="d2b037bc-8fb4-4222-845c-61440543a456" providerId="ADAL" clId="{8C497311-FA0D-4174-880A-DAA4EEB2BF3B}" dt="2023-12-29T17:07:57.293" v="7187" actId="20577"/>
-        <pc:sldMkLst>
-          <pc:docMk/>
-          <pc:sldMk cId="657795359" sldId="277"/>
-        </pc:sldMkLst>
-        <pc:spChg chg="mod">
-          <ac:chgData name="Gibbons, Carl" userId="d2b037bc-8fb4-4222-845c-61440543a456" providerId="ADAL" clId="{8C497311-FA0D-4174-880A-DAA4EEB2BF3B}" dt="2023-12-29T17:07:57.293" v="7187" actId="20577"/>
-          <ac:spMkLst>
-            <pc:docMk/>
-            <pc:sldMk cId="657795359" sldId="277"/>
-            <ac:spMk id="2" creationId="{1862E903-3C56-BB42-2361-009F2336475A}"/>
-          </ac:spMkLst>
-        </pc:spChg>
-        <pc:spChg chg="del mod">
-          <ac:chgData name="Gibbons, Carl" userId="d2b037bc-8fb4-4222-845c-61440543a456" providerId="ADAL" clId="{8C497311-FA0D-4174-880A-DAA4EEB2BF3B}" dt="2023-12-29T17:07:50.480" v="7185"/>
-          <ac:spMkLst>
-            <pc:docMk/>
-            <pc:sldMk cId="657795359" sldId="277"/>
-            <ac:spMk id="3" creationId="{90179172-96B3-95D0-A137-257770BE7642}"/>
-          </ac:spMkLst>
-        </pc:spChg>
-      </pc:sldChg>
-      <pc:sldChg chg="modSp mod">
-        <pc:chgData name="Gibbons, Carl" userId="d2b037bc-8fb4-4222-845c-61440543a456" providerId="ADAL" clId="{8C497311-FA0D-4174-880A-DAA4EEB2BF3B}" dt="2023-12-29T15:35:37.192" v="6042" actId="5793"/>
-        <pc:sldMkLst>
-          <pc:docMk/>
-          <pc:sldMk cId="3989541258" sldId="278"/>
-        </pc:sldMkLst>
-        <pc:spChg chg="mod">
-          <ac:chgData name="Gibbons, Carl" userId="d2b037bc-8fb4-4222-845c-61440543a456" providerId="ADAL" clId="{8C497311-FA0D-4174-880A-DAA4EEB2BF3B}" dt="2023-12-29T15:09:22.213" v="3411" actId="20577"/>
-          <ac:spMkLst>
-            <pc:docMk/>
-            <pc:sldMk cId="3989541258" sldId="278"/>
-            <ac:spMk id="2" creationId="{31B75992-5098-A283-4925-2CCEBB801DC5}"/>
-          </ac:spMkLst>
-        </pc:spChg>
-        <pc:spChg chg="mod">
-          <ac:chgData name="Gibbons, Carl" userId="d2b037bc-8fb4-4222-845c-61440543a456" providerId="ADAL" clId="{8C497311-FA0D-4174-880A-DAA4EEB2BF3B}" dt="2023-12-29T15:35:37.192" v="6042" actId="5793"/>
-          <ac:spMkLst>
-            <pc:docMk/>
-            <pc:sldMk cId="3989541258" sldId="278"/>
-            <ac:spMk id="3" creationId="{B5924E0F-A977-1710-779D-EEB74261AF34}"/>
-          </ac:spMkLst>
-        </pc:spChg>
-      </pc:sldChg>
-      <pc:sldChg chg="del">
-        <pc:chgData name="Gibbons, Carl" userId="d2b037bc-8fb4-4222-845c-61440543a456" providerId="ADAL" clId="{8C497311-FA0D-4174-880A-DAA4EEB2BF3B}" dt="2023-12-29T17:07:06.467" v="7099" actId="47"/>
-        <pc:sldMkLst>
-          <pc:docMk/>
-          <pc:sldMk cId="2335633195" sldId="279"/>
-        </pc:sldMkLst>
-      </pc:sldChg>
-      <pc:sldChg chg="del">
-        <pc:chgData name="Gibbons, Carl" userId="d2b037bc-8fb4-4222-845c-61440543a456" providerId="ADAL" clId="{8C497311-FA0D-4174-880A-DAA4EEB2BF3B}" dt="2023-12-29T17:07:07.395" v="7100" actId="47"/>
-        <pc:sldMkLst>
-          <pc:docMk/>
-          <pc:sldMk cId="1284534978" sldId="280"/>
-        </pc:sldMkLst>
-      </pc:sldChg>
-      <pc:sldChg chg="del">
-        <pc:chgData name="Gibbons, Carl" userId="d2b037bc-8fb4-4222-845c-61440543a456" providerId="ADAL" clId="{8C497311-FA0D-4174-880A-DAA4EEB2BF3B}" dt="2023-12-29T17:07:07.895" v="7101" actId="47"/>
-        <pc:sldMkLst>
-          <pc:docMk/>
-          <pc:sldMk cId="1802585387" sldId="281"/>
-        </pc:sldMkLst>
-      </pc:sldChg>
-      <pc:sldChg chg="del">
-        <pc:chgData name="Gibbons, Carl" userId="d2b037bc-8fb4-4222-845c-61440543a456" providerId="ADAL" clId="{8C497311-FA0D-4174-880A-DAA4EEB2BF3B}" dt="2023-12-29T17:07:08.365" v="7102" actId="47"/>
-        <pc:sldMkLst>
-          <pc:docMk/>
-          <pc:sldMk cId="724803187" sldId="282"/>
-        </pc:sldMkLst>
-      </pc:sldChg>
-      <pc:sldChg chg="del">
-        <pc:chgData name="Gibbons, Carl" userId="d2b037bc-8fb4-4222-845c-61440543a456" providerId="ADAL" clId="{8C497311-FA0D-4174-880A-DAA4EEB2BF3B}" dt="2023-12-29T17:07:08.842" v="7103" actId="47"/>
-        <pc:sldMkLst>
-          <pc:docMk/>
-          <pc:sldMk cId="1926009205" sldId="283"/>
-        </pc:sldMkLst>
-      </pc:sldChg>
-      <pc:sldChg chg="del">
-        <pc:chgData name="Gibbons, Carl" userId="d2b037bc-8fb4-4222-845c-61440543a456" providerId="ADAL" clId="{8C497311-FA0D-4174-880A-DAA4EEB2BF3B}" dt="2023-12-29T17:07:09.362" v="7104" actId="47"/>
-        <pc:sldMkLst>
-          <pc:docMk/>
-          <pc:sldMk cId="2366216895" sldId="284"/>
-        </pc:sldMkLst>
-      </pc:sldChg>
-      <pc:sldChg chg="del">
-        <pc:chgData name="Gibbons, Carl" userId="d2b037bc-8fb4-4222-845c-61440543a456" providerId="ADAL" clId="{8C497311-FA0D-4174-880A-DAA4EEB2BF3B}" dt="2023-12-29T17:07:09.925" v="7105" actId="47"/>
-        <pc:sldMkLst>
-          <pc:docMk/>
-          <pc:sldMk cId="3371896289" sldId="285"/>
-        </pc:sldMkLst>
-      </pc:sldChg>
-      <pc:sldChg chg="del">
-        <pc:chgData name="Gibbons, Carl" userId="d2b037bc-8fb4-4222-845c-61440543a456" providerId="ADAL" clId="{8C497311-FA0D-4174-880A-DAA4EEB2BF3B}" dt="2023-12-29T17:07:10.474" v="7106" actId="47"/>
-        <pc:sldMkLst>
-          <pc:docMk/>
-          <pc:sldMk cId="3193160409" sldId="286"/>
-        </pc:sldMkLst>
-      </pc:sldChg>
-      <pc:sldChg chg="del">
-        <pc:chgData name="Gibbons, Carl" userId="d2b037bc-8fb4-4222-845c-61440543a456" providerId="ADAL" clId="{8C497311-FA0D-4174-880A-DAA4EEB2BF3B}" dt="2023-12-29T17:07:11.056" v="7107" actId="47"/>
-        <pc:sldMkLst>
-          <pc:docMk/>
-          <pc:sldMk cId="2688338374" sldId="287"/>
-        </pc:sldMkLst>
-      </pc:sldChg>
-      <pc:sldChg chg="del">
-        <pc:chgData name="Gibbons, Carl" userId="d2b037bc-8fb4-4222-845c-61440543a456" providerId="ADAL" clId="{8C497311-FA0D-4174-880A-DAA4EEB2BF3B}" dt="2023-12-29T17:07:11.624" v="7108" actId="47"/>
-        <pc:sldMkLst>
-          <pc:docMk/>
-          <pc:sldMk cId="2142935017" sldId="288"/>
-        </pc:sldMkLst>
-      </pc:sldChg>
-      <pc:sldChg chg="del">
-        <pc:chgData name="Gibbons, Carl" userId="d2b037bc-8fb4-4222-845c-61440543a456" providerId="ADAL" clId="{8C497311-FA0D-4174-880A-DAA4EEB2BF3B}" dt="2023-12-29T17:07:12.218" v="7109" actId="47"/>
-        <pc:sldMkLst>
-          <pc:docMk/>
-          <pc:sldMk cId="2784625941" sldId="289"/>
-        </pc:sldMkLst>
-      </pc:sldChg>
-      <pc:sldChg chg="del">
-        <pc:chgData name="Gibbons, Carl" userId="d2b037bc-8fb4-4222-845c-61440543a456" providerId="ADAL" clId="{8C497311-FA0D-4174-880A-DAA4EEB2BF3B}" dt="2023-12-29T17:07:12.802" v="7110" actId="47"/>
-        <pc:sldMkLst>
-          <pc:docMk/>
-          <pc:sldMk cId="1677974689" sldId="290"/>
-        </pc:sldMkLst>
-      </pc:sldChg>
-      <pc:sldChg chg="del">
-        <pc:chgData name="Gibbons, Carl" userId="d2b037bc-8fb4-4222-845c-61440543a456" providerId="ADAL" clId="{8C497311-FA0D-4174-880A-DAA4EEB2BF3B}" dt="2023-12-29T17:07:13.420" v="7111" actId="47"/>
-        <pc:sldMkLst>
-          <pc:docMk/>
-          <pc:sldMk cId="4219326696" sldId="291"/>
-        </pc:sldMkLst>
-      </pc:sldChg>
-      <pc:sldChg chg="del">
-        <pc:chgData name="Gibbons, Carl" userId="d2b037bc-8fb4-4222-845c-61440543a456" providerId="ADAL" clId="{8C497311-FA0D-4174-880A-DAA4EEB2BF3B}" dt="2023-12-29T17:07:14.054" v="7112" actId="47"/>
-        <pc:sldMkLst>
-          <pc:docMk/>
-          <pc:sldMk cId="33911121" sldId="292"/>
-        </pc:sldMkLst>
-      </pc:sldChg>
-      <pc:sldChg chg="modSp mod">
-        <pc:chgData name="Gibbons, Carl" userId="d2b037bc-8fb4-4222-845c-61440543a456" providerId="ADAL" clId="{8C497311-FA0D-4174-880A-DAA4EEB2BF3B}" dt="2023-12-29T15:43:57.081" v="7062" actId="20577"/>
-        <pc:sldMkLst>
-          <pc:docMk/>
-          <pc:sldMk cId="1861646120" sldId="293"/>
-        </pc:sldMkLst>
-        <pc:spChg chg="mod">
-          <ac:chgData name="Gibbons, Carl" userId="d2b037bc-8fb4-4222-845c-61440543a456" providerId="ADAL" clId="{8C497311-FA0D-4174-880A-DAA4EEB2BF3B}" dt="2023-12-29T15:36:21.703" v="6112" actId="20577"/>
-          <ac:spMkLst>
-            <pc:docMk/>
-            <pc:sldMk cId="1861646120" sldId="293"/>
-            <ac:spMk id="2" creationId="{31B75992-5098-A283-4925-2CCEBB801DC5}"/>
-          </ac:spMkLst>
-        </pc:spChg>
-        <pc:spChg chg="mod">
-          <ac:chgData name="Gibbons, Carl" userId="d2b037bc-8fb4-4222-845c-61440543a456" providerId="ADAL" clId="{8C497311-FA0D-4174-880A-DAA4EEB2BF3B}" dt="2023-12-29T15:43:57.081" v="7062" actId="20577"/>
-          <ac:spMkLst>
-            <pc:docMk/>
-            <pc:sldMk cId="1861646120" sldId="293"/>
-            <ac:spMk id="3" creationId="{B5924E0F-A977-1710-779D-EEB74261AF34}"/>
-          </ac:spMkLst>
-        </pc:spChg>
-      </pc:sldChg>
-    </pc:docChg>
-  </pc:docChgLst>
-  <pc:docChgLst>
-    <pc:chgData name="Gibbons, Carl" userId="d2b037bc-8fb4-4222-845c-61440543a456" providerId="ADAL" clId="{930742B8-5264-4285-844A-779DDFAABB41}"/>
-    <pc:docChg chg="custSel delSld modSld">
-      <pc:chgData name="Gibbons, Carl" userId="d2b037bc-8fb4-4222-845c-61440543a456" providerId="ADAL" clId="{930742B8-5264-4285-844A-779DDFAABB41}" dt="2024-02-04T07:28:09.926" v="804" actId="2711"/>
-      <pc:docMkLst>
-        <pc:docMk/>
-      </pc:docMkLst>
-      <pc:sldChg chg="modSp mod">
-        <pc:chgData name="Gibbons, Carl" userId="d2b037bc-8fb4-4222-845c-61440543a456" providerId="ADAL" clId="{930742B8-5264-4285-844A-779DDFAABB41}" dt="2024-02-04T07:19:09.277" v="12" actId="20577"/>
-        <pc:sldMkLst>
-          <pc:docMk/>
-          <pc:sldMk cId="3308175748" sldId="256"/>
-        </pc:sldMkLst>
-        <pc:spChg chg="mod">
-          <ac:chgData name="Gibbons, Carl" userId="d2b037bc-8fb4-4222-845c-61440543a456" providerId="ADAL" clId="{930742B8-5264-4285-844A-779DDFAABB41}" dt="2024-02-04T07:19:09.277" v="12" actId="20577"/>
-          <ac:spMkLst>
-            <pc:docMk/>
-            <pc:sldMk cId="3308175748" sldId="256"/>
-            <ac:spMk id="3" creationId="{EEC4D41B-E776-05F2-BE0B-89BB339485AB}"/>
-          </ac:spMkLst>
-        </pc:spChg>
-      </pc:sldChg>
-      <pc:sldChg chg="modSp mod">
-        <pc:chgData name="Gibbons, Carl" userId="d2b037bc-8fb4-4222-845c-61440543a456" providerId="ADAL" clId="{930742B8-5264-4285-844A-779DDFAABB41}" dt="2024-02-04T07:28:09.926" v="804" actId="2711"/>
-        <pc:sldMkLst>
-          <pc:docMk/>
-          <pc:sldMk cId="2312486803" sldId="261"/>
-        </pc:sldMkLst>
-        <pc:spChg chg="mod">
-          <ac:chgData name="Gibbons, Carl" userId="d2b037bc-8fb4-4222-845c-61440543a456" providerId="ADAL" clId="{930742B8-5264-4285-844A-779DDFAABB41}" dt="2024-02-04T07:19:25.889" v="43" actId="20577"/>
-          <ac:spMkLst>
-            <pc:docMk/>
-            <pc:sldMk cId="2312486803" sldId="261"/>
-            <ac:spMk id="2" creationId="{31B75992-5098-A283-4925-2CCEBB801DC5}"/>
-          </ac:spMkLst>
-        </pc:spChg>
-        <pc:spChg chg="mod">
-          <ac:chgData name="Gibbons, Carl" userId="d2b037bc-8fb4-4222-845c-61440543a456" providerId="ADAL" clId="{930742B8-5264-4285-844A-779DDFAABB41}" dt="2024-02-04T07:28:09.926" v="804" actId="2711"/>
-          <ac:spMkLst>
-            <pc:docMk/>
-            <pc:sldMk cId="2312486803" sldId="261"/>
-            <ac:spMk id="3" creationId="{B5924E0F-A977-1710-779D-EEB74261AF34}"/>
-          </ac:spMkLst>
-        </pc:spChg>
-      </pc:sldChg>
-      <pc:sldChg chg="modSp mod">
-        <pc:chgData name="Gibbons, Carl" userId="d2b037bc-8fb4-4222-845c-61440543a456" providerId="ADAL" clId="{930742B8-5264-4285-844A-779DDFAABB41}" dt="2024-02-04T07:21:38.166" v="247" actId="20577"/>
-        <pc:sldMkLst>
-          <pc:docMk/>
-          <pc:sldMk cId="3885141102" sldId="262"/>
-        </pc:sldMkLst>
-        <pc:spChg chg="mod">
-          <ac:chgData name="Gibbons, Carl" userId="d2b037bc-8fb4-4222-845c-61440543a456" providerId="ADAL" clId="{930742B8-5264-4285-844A-779DDFAABB41}" dt="2024-02-04T07:21:38.166" v="247" actId="20577"/>
-          <ac:spMkLst>
-            <pc:docMk/>
-            <pc:sldMk cId="3885141102" sldId="262"/>
-            <ac:spMk id="3" creationId="{B5924E0F-A977-1710-779D-EEB74261AF34}"/>
-          </ac:spMkLst>
-        </pc:spChg>
-      </pc:sldChg>
-      <pc:sldChg chg="del">
-        <pc:chgData name="Gibbons, Carl" userId="d2b037bc-8fb4-4222-845c-61440543a456" providerId="ADAL" clId="{930742B8-5264-4285-844A-779DDFAABB41}" dt="2024-02-04T07:21:17.454" v="192" actId="2696"/>
-        <pc:sldMkLst>
-          <pc:docMk/>
-          <pc:sldMk cId="2993794741" sldId="265"/>
-        </pc:sldMkLst>
-      </pc:sldChg>
-      <pc:sldChg chg="del">
-        <pc:chgData name="Gibbons, Carl" userId="d2b037bc-8fb4-4222-845c-61440543a456" providerId="ADAL" clId="{930742B8-5264-4285-844A-779DDFAABB41}" dt="2024-02-04T07:21:17.454" v="192" actId="2696"/>
-        <pc:sldMkLst>
-          <pc:docMk/>
-          <pc:sldMk cId="1337022352" sldId="266"/>
-        </pc:sldMkLst>
-      </pc:sldChg>
-      <pc:sldChg chg="del">
-        <pc:chgData name="Gibbons, Carl" userId="d2b037bc-8fb4-4222-845c-61440543a456" providerId="ADAL" clId="{930742B8-5264-4285-844A-779DDFAABB41}" dt="2024-02-04T07:21:17.454" v="192" actId="2696"/>
-        <pc:sldMkLst>
-          <pc:docMk/>
-          <pc:sldMk cId="3576168196" sldId="267"/>
-        </pc:sldMkLst>
-      </pc:sldChg>
-      <pc:sldChg chg="del">
-        <pc:chgData name="Gibbons, Carl" userId="d2b037bc-8fb4-4222-845c-61440543a456" providerId="ADAL" clId="{930742B8-5264-4285-844A-779DDFAABB41}" dt="2024-02-04T07:21:17.454" v="192" actId="2696"/>
-        <pc:sldMkLst>
-          <pc:docMk/>
-          <pc:sldMk cId="1066671753" sldId="268"/>
-        </pc:sldMkLst>
-      </pc:sldChg>
-      <pc:sldChg chg="del">
-        <pc:chgData name="Gibbons, Carl" userId="d2b037bc-8fb4-4222-845c-61440543a456" providerId="ADAL" clId="{930742B8-5264-4285-844A-779DDFAABB41}" dt="2024-02-04T07:21:17.454" v="192" actId="2696"/>
-        <pc:sldMkLst>
-          <pc:docMk/>
-          <pc:sldMk cId="465083765" sldId="269"/>
-        </pc:sldMkLst>
-      </pc:sldChg>
-    </pc:docChg>
-  </pc:docChgLst>
-  <pc:docChgLst>
-    <pc:chgData name="Gibbons, Carl" userId="d2b037bc-8fb4-4222-845c-61440543a456" providerId="ADAL" clId="{3CE3119B-1917-4F7B-A5AD-6C146E3F914B}"/>
-    <pc:docChg chg="undo custSel addSld delSld modSld sldOrd">
-      <pc:chgData name="Gibbons, Carl" userId="d2b037bc-8fb4-4222-845c-61440543a456" providerId="ADAL" clId="{3CE3119B-1917-4F7B-A5AD-6C146E3F914B}" dt="2023-12-28T21:57:42.900" v="13126" actId="20577"/>
-      <pc:docMkLst>
-        <pc:docMk/>
-      </pc:docMkLst>
-      <pc:sldChg chg="modSp mod">
-        <pc:chgData name="Gibbons, Carl" userId="d2b037bc-8fb4-4222-845c-61440543a456" providerId="ADAL" clId="{3CE3119B-1917-4F7B-A5AD-6C146E3F914B}" dt="2023-12-24T03:25:35.899" v="17" actId="20577"/>
-        <pc:sldMkLst>
-          <pc:docMk/>
-          <pc:sldMk cId="3308175748" sldId="256"/>
-        </pc:sldMkLst>
-        <pc:spChg chg="mod">
-          <ac:chgData name="Gibbons, Carl" userId="d2b037bc-8fb4-4222-845c-61440543a456" providerId="ADAL" clId="{3CE3119B-1917-4F7B-A5AD-6C146E3F914B}" dt="2023-12-24T03:25:35.899" v="17" actId="20577"/>
-          <ac:spMkLst>
-            <pc:docMk/>
-            <pc:sldMk cId="3308175748" sldId="256"/>
-            <ac:spMk id="3" creationId="{EEC4D41B-E776-05F2-BE0B-89BB339485AB}"/>
-          </ac:spMkLst>
-        </pc:spChg>
-      </pc:sldChg>
-      <pc:sldChg chg="del">
-        <pc:chgData name="Gibbons, Carl" userId="d2b037bc-8fb4-4222-845c-61440543a456" providerId="ADAL" clId="{3CE3119B-1917-4F7B-A5AD-6C146E3F914B}" dt="2023-12-24T04:15:13.652" v="2206" actId="47"/>
-        <pc:sldMkLst>
-          <pc:docMk/>
-          <pc:sldMk cId="519357719" sldId="260"/>
-        </pc:sldMkLst>
-      </pc:sldChg>
-      <pc:sldChg chg="delSp modSp mod">
-        <pc:chgData name="Gibbons, Carl" userId="d2b037bc-8fb4-4222-845c-61440543a456" providerId="ADAL" clId="{3CE3119B-1917-4F7B-A5AD-6C146E3F914B}" dt="2023-12-28T19:44:28.921" v="4873" actId="20577"/>
-        <pc:sldMkLst>
-          <pc:docMk/>
-          <pc:sldMk cId="2312486803" sldId="261"/>
-        </pc:sldMkLst>
-        <pc:spChg chg="mod">
-          <ac:chgData name="Gibbons, Carl" userId="d2b037bc-8fb4-4222-845c-61440543a456" providerId="ADAL" clId="{3CE3119B-1917-4F7B-A5AD-6C146E3F914B}" dt="2023-12-24T03:44:40.577" v="592" actId="20577"/>
-          <ac:spMkLst>
-            <pc:docMk/>
-            <pc:sldMk cId="2312486803" sldId="261"/>
-            <ac:spMk id="2" creationId="{31B75992-5098-A283-4925-2CCEBB801DC5}"/>
-          </ac:spMkLst>
-        </pc:spChg>
-        <pc:spChg chg="mod">
-          <ac:chgData name="Gibbons, Carl" userId="d2b037bc-8fb4-4222-845c-61440543a456" providerId="ADAL" clId="{3CE3119B-1917-4F7B-A5AD-6C146E3F914B}" dt="2023-12-28T19:44:28.921" v="4873" actId="20577"/>
-          <ac:spMkLst>
-            <pc:docMk/>
-            <pc:sldMk cId="2312486803" sldId="261"/>
-            <ac:spMk id="3" creationId="{B5924E0F-A977-1710-779D-EEB74261AF34}"/>
-          </ac:spMkLst>
-        </pc:spChg>
-        <pc:picChg chg="del">
-          <ac:chgData name="Gibbons, Carl" userId="d2b037bc-8fb4-4222-845c-61440543a456" providerId="ADAL" clId="{3CE3119B-1917-4F7B-A5AD-6C146E3F914B}" dt="2023-12-24T03:25:42.885" v="18" actId="478"/>
-          <ac:picMkLst>
-            <pc:docMk/>
-            <pc:sldMk cId="2312486803" sldId="261"/>
-            <ac:picMk id="5" creationId="{95F1B758-8221-A28F-F68D-1A79ADBC274D}"/>
-          </ac:picMkLst>
-        </pc:picChg>
-      </pc:sldChg>
-      <pc:sldChg chg="del">
-        <pc:chgData name="Gibbons, Carl" userId="d2b037bc-8fb4-4222-845c-61440543a456" providerId="ADAL" clId="{3CE3119B-1917-4F7B-A5AD-6C146E3F914B}" dt="2023-12-24T04:15:12.349" v="2205" actId="47"/>
-        <pc:sldMkLst>
-          <pc:docMk/>
-          <pc:sldMk cId="378743348" sldId="270"/>
-        </pc:sldMkLst>
-      </pc:sldChg>
-      <pc:sldChg chg="modSp mod">
-        <pc:chgData name="Gibbons, Carl" userId="d2b037bc-8fb4-4222-845c-61440543a456" providerId="ADAL" clId="{3CE3119B-1917-4F7B-A5AD-6C146E3F914B}" dt="2023-12-28T21:57:42.900" v="13126" actId="20577"/>
-        <pc:sldMkLst>
-          <pc:docMk/>
-          <pc:sldMk cId="657795359" sldId="277"/>
-        </pc:sldMkLst>
-        <pc:spChg chg="mod">
-          <ac:chgData name="Gibbons, Carl" userId="d2b037bc-8fb4-4222-845c-61440543a456" providerId="ADAL" clId="{3CE3119B-1917-4F7B-A5AD-6C146E3F914B}" dt="2023-12-28T21:57:42.900" v="13126" actId="20577"/>
-          <ac:spMkLst>
-            <pc:docMk/>
-            <pc:sldMk cId="657795359" sldId="277"/>
-            <ac:spMk id="2" creationId="{1862E903-3C56-BB42-2361-009F2336475A}"/>
-          </ac:spMkLst>
-        </pc:spChg>
-        <pc:spChg chg="mod">
-          <ac:chgData name="Gibbons, Carl" userId="d2b037bc-8fb4-4222-845c-61440543a456" providerId="ADAL" clId="{3CE3119B-1917-4F7B-A5AD-6C146E3F914B}" dt="2023-12-28T21:57:39.566" v="13125" actId="20577"/>
-          <ac:spMkLst>
-            <pc:docMk/>
-            <pc:sldMk cId="657795359" sldId="277"/>
-            <ac:spMk id="3" creationId="{90179172-96B3-95D0-A137-257770BE7642}"/>
-          </ac:spMkLst>
-        </pc:spChg>
-      </pc:sldChg>
-      <pc:sldChg chg="del">
-        <pc:chgData name="Gibbons, Carl" userId="d2b037bc-8fb4-4222-845c-61440543a456" providerId="ADAL" clId="{3CE3119B-1917-4F7B-A5AD-6C146E3F914B}" dt="2023-12-24T04:15:14.863" v="2207" actId="47"/>
-        <pc:sldMkLst>
-          <pc:docMk/>
-          <pc:sldMk cId="376509629" sldId="278"/>
-        </pc:sldMkLst>
-      </pc:sldChg>
-      <pc:sldChg chg="del">
-        <pc:chgData name="Gibbons, Carl" userId="d2b037bc-8fb4-4222-845c-61440543a456" providerId="ADAL" clId="{3CE3119B-1917-4F7B-A5AD-6C146E3F914B}" dt="2023-12-24T04:15:16.084" v="2208" actId="47"/>
-        <pc:sldMkLst>
-          <pc:docMk/>
-          <pc:sldMk cId="3153831418" sldId="279"/>
-        </pc:sldMkLst>
-      </pc:sldChg>
-      <pc:sldChg chg="del">
-        <pc:chgData name="Gibbons, Carl" userId="d2b037bc-8fb4-4222-845c-61440543a456" providerId="ADAL" clId="{3CE3119B-1917-4F7B-A5AD-6C146E3F914B}" dt="2023-12-24T04:15:16.999" v="2209" actId="47"/>
-        <pc:sldMkLst>
-          <pc:docMk/>
-          <pc:sldMk cId="1730491475" sldId="280"/>
-        </pc:sldMkLst>
-      </pc:sldChg>
-      <pc:sldChg chg="del">
-        <pc:chgData name="Gibbons, Carl" userId="d2b037bc-8fb4-4222-845c-61440543a456" providerId="ADAL" clId="{3CE3119B-1917-4F7B-A5AD-6C146E3F914B}" dt="2023-12-24T04:15:17.902" v="2210" actId="47"/>
-        <pc:sldMkLst>
-          <pc:docMk/>
-          <pc:sldMk cId="2142935958" sldId="281"/>
-        </pc:sldMkLst>
-      </pc:sldChg>
-      <pc:sldChg chg="del">
-        <pc:chgData name="Gibbons, Carl" userId="d2b037bc-8fb4-4222-845c-61440543a456" providerId="ADAL" clId="{3CE3119B-1917-4F7B-A5AD-6C146E3F914B}" dt="2023-12-24T04:15:18.904" v="2211" actId="47"/>
-        <pc:sldMkLst>
-          <pc:docMk/>
-          <pc:sldMk cId="1371681654" sldId="282"/>
-        </pc:sldMkLst>
-      </pc:sldChg>
-      <pc:sldChg chg="addSp modSp mod">
-        <pc:chgData name="Gibbons, Carl" userId="d2b037bc-8fb4-4222-845c-61440543a456" providerId="ADAL" clId="{3CE3119B-1917-4F7B-A5AD-6C146E3F914B}" dt="2023-12-24T04:21:46.824" v="2699" actId="20577"/>
-        <pc:sldMkLst>
-          <pc:docMk/>
-          <pc:sldMk cId="2959024232" sldId="283"/>
-        </pc:sldMkLst>
-        <pc:spChg chg="mod">
-          <ac:chgData name="Gibbons, Carl" userId="d2b037bc-8fb4-4222-845c-61440543a456" providerId="ADAL" clId="{3CE3119B-1917-4F7B-A5AD-6C146E3F914B}" dt="2023-12-24T03:51:38.841" v="820" actId="20577"/>
-          <ac:spMkLst>
-            <pc:docMk/>
-            <pc:sldMk cId="2959024232" sldId="283"/>
-            <ac:spMk id="2" creationId="{31B75992-5098-A283-4925-2CCEBB801DC5}"/>
-          </ac:spMkLst>
-        </pc:spChg>
-        <pc:spChg chg="mod">
-          <ac:chgData name="Gibbons, Carl" userId="d2b037bc-8fb4-4222-845c-61440543a456" providerId="ADAL" clId="{3CE3119B-1917-4F7B-A5AD-6C146E3F914B}" dt="2023-12-24T03:50:43.198" v="773" actId="20577"/>
-          <ac:spMkLst>
-            <pc:docMk/>
-            <pc:sldMk cId="2959024232" sldId="283"/>
-            <ac:spMk id="3" creationId="{B5924E0F-A977-1710-779D-EEB74261AF34}"/>
-          </ac:spMkLst>
-        </pc:spChg>
-        <pc:spChg chg="add mod">
-          <ac:chgData name="Gibbons, Carl" userId="d2b037bc-8fb4-4222-845c-61440543a456" providerId="ADAL" clId="{3CE3119B-1917-4F7B-A5AD-6C146E3F914B}" dt="2023-12-24T03:51:05.835" v="812" actId="20577"/>
-          <ac:spMkLst>
-            <pc:docMk/>
-            <pc:sldMk cId="2959024232" sldId="283"/>
-            <ac:spMk id="4" creationId="{6B5EF911-ED83-01C5-8F00-FD1AD80E90D2}"/>
-          </ac:spMkLst>
-        </pc:spChg>
-        <pc:spChg chg="add mod">
-          <ac:chgData name="Gibbons, Carl" userId="d2b037bc-8fb4-4222-845c-61440543a456" providerId="ADAL" clId="{3CE3119B-1917-4F7B-A5AD-6C146E3F914B}" dt="2023-12-24T04:21:46.824" v="2699" actId="20577"/>
-          <ac:spMkLst>
-            <pc:docMk/>
-            <pc:sldMk cId="2959024232" sldId="283"/>
-            <ac:spMk id="5" creationId="{746F0B3D-627C-BF49-CF83-A524927EBEDE}"/>
-          </ac:spMkLst>
-        </pc:spChg>
-      </pc:sldChg>
-      <pc:sldChg chg="delSp modSp mod">
-        <pc:chgData name="Gibbons, Carl" userId="d2b037bc-8fb4-4222-845c-61440543a456" providerId="ADAL" clId="{3CE3119B-1917-4F7B-A5AD-6C146E3F914B}" dt="2023-12-28T21:03:44.041" v="10649" actId="20577"/>
-        <pc:sldMkLst>
-          <pc:docMk/>
-          <pc:sldMk cId="3114675387" sldId="284"/>
-        </pc:sldMkLst>
-        <pc:spChg chg="mod">
-          <ac:chgData name="Gibbons, Carl" userId="d2b037bc-8fb4-4222-845c-61440543a456" providerId="ADAL" clId="{3CE3119B-1917-4F7B-A5AD-6C146E3F914B}" dt="2023-12-24T04:15:28.805" v="2213" actId="20577"/>
-          <ac:spMkLst>
-            <pc:docMk/>
-            <pc:sldMk cId="3114675387" sldId="284"/>
-            <ac:spMk id="2" creationId="{31B75992-5098-A283-4925-2CCEBB801DC5}"/>
-          </ac:spMkLst>
-        </pc:spChg>
-        <pc:spChg chg="mod">
-          <ac:chgData name="Gibbons, Carl" userId="d2b037bc-8fb4-4222-845c-61440543a456" providerId="ADAL" clId="{3CE3119B-1917-4F7B-A5AD-6C146E3F914B}" dt="2023-12-28T21:03:44.041" v="10649" actId="20577"/>
-          <ac:spMkLst>
-            <pc:docMk/>
-            <pc:sldMk cId="3114675387" sldId="284"/>
-            <ac:spMk id="3" creationId="{B5924E0F-A977-1710-779D-EEB74261AF34}"/>
-          </ac:spMkLst>
-        </pc:spChg>
-        <pc:spChg chg="del mod">
-          <ac:chgData name="Gibbons, Carl" userId="d2b037bc-8fb4-4222-845c-61440543a456" providerId="ADAL" clId="{3CE3119B-1917-4F7B-A5AD-6C146E3F914B}" dt="2023-12-24T04:17:34.876" v="2369" actId="478"/>
-          <ac:spMkLst>
-            <pc:docMk/>
-            <pc:sldMk cId="3114675387" sldId="284"/>
-            <ac:spMk id="4" creationId="{6B5EF911-ED83-01C5-8F00-FD1AD80E90D2}"/>
-          </ac:spMkLst>
-        </pc:spChg>
-        <pc:spChg chg="mod">
-          <ac:chgData name="Gibbons, Carl" userId="d2b037bc-8fb4-4222-845c-61440543a456" providerId="ADAL" clId="{3CE3119B-1917-4F7B-A5AD-6C146E3F914B}" dt="2023-12-24T04:25:41.312" v="2946" actId="20577"/>
-          <ac:spMkLst>
-            <pc:docMk/>
-            <pc:sldMk cId="3114675387" sldId="284"/>
-            <ac:spMk id="5" creationId="{746F0B3D-627C-BF49-CF83-A524927EBEDE}"/>
-          </ac:spMkLst>
-        </pc:spChg>
-      </pc:sldChg>
-      <pc:sldChg chg="modSp mod">
-        <pc:chgData name="Gibbons, Carl" userId="d2b037bc-8fb4-4222-845c-61440543a456" providerId="ADAL" clId="{3CE3119B-1917-4F7B-A5AD-6C146E3F914B}" dt="2023-12-28T20:27:51.520" v="8472" actId="20577"/>
-        <pc:sldMkLst>
-          <pc:docMk/>
-          <pc:sldMk cId="1243134729" sldId="285"/>
-        </pc:sldMkLst>
-        <pc:spChg chg="mod">
-          <ac:chgData name="Gibbons, Carl" userId="d2b037bc-8fb4-4222-845c-61440543a456" providerId="ADAL" clId="{3CE3119B-1917-4F7B-A5AD-6C146E3F914B}" dt="2023-12-28T18:55:00.802" v="3019" actId="20577"/>
-          <ac:spMkLst>
-            <pc:docMk/>
-            <pc:sldMk cId="1243134729" sldId="285"/>
-            <ac:spMk id="2" creationId="{31B75992-5098-A283-4925-2CCEBB801DC5}"/>
-          </ac:spMkLst>
-        </pc:spChg>
-        <pc:spChg chg="mod">
-          <ac:chgData name="Gibbons, Carl" userId="d2b037bc-8fb4-4222-845c-61440543a456" providerId="ADAL" clId="{3CE3119B-1917-4F7B-A5AD-6C146E3F914B}" dt="2023-12-28T19:11:28.137" v="4139" actId="20577"/>
-          <ac:spMkLst>
-            <pc:docMk/>
-            <pc:sldMk cId="1243134729" sldId="285"/>
-            <ac:spMk id="3" creationId="{B5924E0F-A977-1710-779D-EEB74261AF34}"/>
-          </ac:spMkLst>
-        </pc:spChg>
-        <pc:spChg chg="mod">
-          <ac:chgData name="Gibbons, Carl" userId="d2b037bc-8fb4-4222-845c-61440543a456" providerId="ADAL" clId="{3CE3119B-1917-4F7B-A5AD-6C146E3F914B}" dt="2023-12-28T20:27:51.520" v="8472" actId="20577"/>
-          <ac:spMkLst>
-            <pc:docMk/>
-            <pc:sldMk cId="1243134729" sldId="285"/>
-            <ac:spMk id="5" creationId="{746F0B3D-627C-BF49-CF83-A524927EBEDE}"/>
-          </ac:spMkLst>
-        </pc:spChg>
-      </pc:sldChg>
-      <pc:sldChg chg="modSp mod ord">
-        <pc:chgData name="Gibbons, Carl" userId="d2b037bc-8fb4-4222-845c-61440543a456" providerId="ADAL" clId="{3CE3119B-1917-4F7B-A5AD-6C146E3F914B}" dt="2023-12-28T20:26:55.852" v="8407" actId="20577"/>
-        <pc:sldMkLst>
-          <pc:docMk/>
-          <pc:sldMk cId="954591853" sldId="286"/>
-        </pc:sldMkLst>
-        <pc:spChg chg="mod">
-          <ac:chgData name="Gibbons, Carl" userId="d2b037bc-8fb4-4222-845c-61440543a456" providerId="ADAL" clId="{3CE3119B-1917-4F7B-A5AD-6C146E3F914B}" dt="2023-12-28T19:12:25.523" v="4250" actId="20577"/>
-          <ac:spMkLst>
-            <pc:docMk/>
-            <pc:sldMk cId="954591853" sldId="286"/>
-            <ac:spMk id="2" creationId="{31B75992-5098-A283-4925-2CCEBB801DC5}"/>
-          </ac:spMkLst>
-        </pc:spChg>
-        <pc:spChg chg="mod">
-          <ac:chgData name="Gibbons, Carl" userId="d2b037bc-8fb4-4222-845c-61440543a456" providerId="ADAL" clId="{3CE3119B-1917-4F7B-A5AD-6C146E3F914B}" dt="2023-12-28T20:11:15.517" v="7216" actId="20577"/>
-          <ac:spMkLst>
-            <pc:docMk/>
-            <pc:sldMk cId="954591853" sldId="286"/>
-            <ac:spMk id="3" creationId="{B5924E0F-A977-1710-779D-EEB74261AF34}"/>
-          </ac:spMkLst>
-        </pc:spChg>
-        <pc:spChg chg="mod">
-          <ac:chgData name="Gibbons, Carl" userId="d2b037bc-8fb4-4222-845c-61440543a456" providerId="ADAL" clId="{3CE3119B-1917-4F7B-A5AD-6C146E3F914B}" dt="2023-12-28T20:26:55.852" v="8407" actId="20577"/>
-          <ac:spMkLst>
-            <pc:docMk/>
-            <pc:sldMk cId="954591853" sldId="286"/>
-            <ac:spMk id="5" creationId="{746F0B3D-627C-BF49-CF83-A524927EBEDE}"/>
-          </ac:spMkLst>
-        </pc:spChg>
-      </pc:sldChg>
-      <pc:sldChg chg="addSp modSp mod">
-        <pc:chgData name="Gibbons, Carl" userId="d2b037bc-8fb4-4222-845c-61440543a456" providerId="ADAL" clId="{3CE3119B-1917-4F7B-A5AD-6C146E3F914B}" dt="2023-12-28T20:10:30.792" v="7202" actId="122"/>
-        <pc:sldMkLst>
-          <pc:docMk/>
-          <pc:sldMk cId="2614091779" sldId="287"/>
-        </pc:sldMkLst>
-        <pc:spChg chg="mod">
-          <ac:chgData name="Gibbons, Carl" userId="d2b037bc-8fb4-4222-845c-61440543a456" providerId="ADAL" clId="{3CE3119B-1917-4F7B-A5AD-6C146E3F914B}" dt="2023-12-28T19:52:51.742" v="5814" actId="20577"/>
-          <ac:spMkLst>
-            <pc:docMk/>
-            <pc:sldMk cId="2614091779" sldId="287"/>
-            <ac:spMk id="2" creationId="{31B75992-5098-A283-4925-2CCEBB801DC5}"/>
-          </ac:spMkLst>
-        </pc:spChg>
-        <pc:spChg chg="mod">
-          <ac:chgData name="Gibbons, Carl" userId="d2b037bc-8fb4-4222-845c-61440543a456" providerId="ADAL" clId="{3CE3119B-1917-4F7B-A5AD-6C146E3F914B}" dt="2023-12-28T19:48:55.211" v="5618" actId="14100"/>
-          <ac:spMkLst>
-            <pc:docMk/>
-            <pc:sldMk cId="2614091779" sldId="287"/>
-            <ac:spMk id="3" creationId="{B5924E0F-A977-1710-779D-EEB74261AF34}"/>
-          </ac:spMkLst>
-        </pc:spChg>
-        <pc:graphicFrameChg chg="add mod modGraphic">
-          <ac:chgData name="Gibbons, Carl" userId="d2b037bc-8fb4-4222-845c-61440543a456" providerId="ADAL" clId="{3CE3119B-1917-4F7B-A5AD-6C146E3F914B}" dt="2023-12-28T20:10:30.792" v="7202" actId="122"/>
-          <ac:graphicFrameMkLst>
-            <pc:docMk/>
-            <pc:sldMk cId="2614091779" sldId="287"/>
-            <ac:graphicFrameMk id="4" creationId="{3CFEF9C3-22C7-2157-EBC8-9116E36A6081}"/>
-          </ac:graphicFrameMkLst>
-        </pc:graphicFrameChg>
-      </pc:sldChg>
-      <pc:sldChg chg="delSp modSp mod">
-        <pc:chgData name="Gibbons, Carl" userId="d2b037bc-8fb4-4222-845c-61440543a456" providerId="ADAL" clId="{3CE3119B-1917-4F7B-A5AD-6C146E3F914B}" dt="2023-12-28T20:10:52.990" v="7204" actId="114"/>
-        <pc:sldMkLst>
-          <pc:docMk/>
-          <pc:sldMk cId="1341659426" sldId="288"/>
-        </pc:sldMkLst>
-        <pc:spChg chg="mod">
-          <ac:chgData name="Gibbons, Carl" userId="d2b037bc-8fb4-4222-845c-61440543a456" providerId="ADAL" clId="{3CE3119B-1917-4F7B-A5AD-6C146E3F914B}" dt="2023-12-28T19:53:19.425" v="5816" actId="20577"/>
-          <ac:spMkLst>
-            <pc:docMk/>
-            <pc:sldMk cId="1341659426" sldId="288"/>
-            <ac:spMk id="2" creationId="{31B75992-5098-A283-4925-2CCEBB801DC5}"/>
-          </ac:spMkLst>
-        </pc:spChg>
-        <pc:spChg chg="mod">
-          <ac:chgData name="Gibbons, Carl" userId="d2b037bc-8fb4-4222-845c-61440543a456" providerId="ADAL" clId="{3CE3119B-1917-4F7B-A5AD-6C146E3F914B}" dt="2023-12-28T20:10:52.990" v="7204" actId="114"/>
-          <ac:spMkLst>
-            <pc:docMk/>
-            <pc:sldMk cId="1341659426" sldId="288"/>
-            <ac:spMk id="3" creationId="{B5924E0F-A977-1710-779D-EEB74261AF34}"/>
-          </ac:spMkLst>
-        </pc:spChg>
-        <pc:graphicFrameChg chg="del modGraphic">
-          <ac:chgData name="Gibbons, Carl" userId="d2b037bc-8fb4-4222-845c-61440543a456" providerId="ADAL" clId="{3CE3119B-1917-4F7B-A5AD-6C146E3F914B}" dt="2023-12-28T19:53:27.454" v="5818" actId="21"/>
-          <ac:graphicFrameMkLst>
-            <pc:docMk/>
-            <pc:sldMk cId="1341659426" sldId="288"/>
-            <ac:graphicFrameMk id="4" creationId="{3CFEF9C3-22C7-2157-EBC8-9116E36A6081}"/>
-          </ac:graphicFrameMkLst>
-        </pc:graphicFrameChg>
-      </pc:sldChg>
-      <pc:sldChg chg="addSp modSp new mod">
-        <pc:chgData name="Gibbons, Carl" userId="d2b037bc-8fb4-4222-845c-61440543a456" providerId="ADAL" clId="{3CE3119B-1917-4F7B-A5AD-6C146E3F914B}" dt="2023-12-28T21:20:58.470" v="11391" actId="27636"/>
-        <pc:sldMkLst>
-          <pc:docMk/>
-          <pc:sldMk cId="2966054478" sldId="289"/>
-        </pc:sldMkLst>
-        <pc:spChg chg="mod">
-          <ac:chgData name="Gibbons, Carl" userId="d2b037bc-8fb4-4222-845c-61440543a456" providerId="ADAL" clId="{3CE3119B-1917-4F7B-A5AD-6C146E3F914B}" dt="2023-12-28T21:20:58.470" v="11391" actId="27636"/>
-          <ac:spMkLst>
-            <pc:docMk/>
-            <pc:sldMk cId="2966054478" sldId="289"/>
-            <ac:spMk id="2" creationId="{264BAEB2-591D-DEE6-3C00-0BAAC69880F0}"/>
-          </ac:spMkLst>
-        </pc:spChg>
-        <pc:spChg chg="add mod">
-          <ac:chgData name="Gibbons, Carl" userId="d2b037bc-8fb4-4222-845c-61440543a456" providerId="ADAL" clId="{3CE3119B-1917-4F7B-A5AD-6C146E3F914B}" dt="2023-12-28T21:02:37.455" v="10592" actId="20577"/>
-          <ac:spMkLst>
-            <pc:docMk/>
-            <pc:sldMk cId="2966054478" sldId="289"/>
-            <ac:spMk id="3" creationId="{0620B8A1-699E-C7B4-0A32-7D9C4529CA27}"/>
-          </ac:spMkLst>
-        </pc:spChg>
-      </pc:sldChg>
-      <pc:sldChg chg="modSp mod">
-        <pc:chgData name="Gibbons, Carl" userId="d2b037bc-8fb4-4222-845c-61440543a456" providerId="ADAL" clId="{3CE3119B-1917-4F7B-A5AD-6C146E3F914B}" dt="2023-12-28T20:25:14.044" v="8347" actId="20577"/>
-        <pc:sldMkLst>
-          <pc:docMk/>
-          <pc:sldMk cId="1014272238" sldId="290"/>
-        </pc:sldMkLst>
-        <pc:spChg chg="mod">
-          <ac:chgData name="Gibbons, Carl" userId="d2b037bc-8fb4-4222-845c-61440543a456" providerId="ADAL" clId="{3CE3119B-1917-4F7B-A5AD-6C146E3F914B}" dt="2023-12-28T20:14:14.888" v="7303" actId="20577"/>
-          <ac:spMkLst>
-            <pc:docMk/>
-            <pc:sldMk cId="1014272238" sldId="290"/>
-            <ac:spMk id="2" creationId="{31B75992-5098-A283-4925-2CCEBB801DC5}"/>
-          </ac:spMkLst>
-        </pc:spChg>
-        <pc:spChg chg="mod">
-          <ac:chgData name="Gibbons, Carl" userId="d2b037bc-8fb4-4222-845c-61440543a456" providerId="ADAL" clId="{3CE3119B-1917-4F7B-A5AD-6C146E3F914B}" dt="2023-12-28T20:25:14.044" v="8347" actId="20577"/>
-          <ac:spMkLst>
-            <pc:docMk/>
-            <pc:sldMk cId="1014272238" sldId="290"/>
-            <ac:spMk id="3" creationId="{B5924E0F-A977-1710-779D-EEB74261AF34}"/>
-          </ac:spMkLst>
-        </pc:spChg>
-      </pc:sldChg>
-      <pc:sldChg chg="modSp mod">
-        <pc:chgData name="Gibbons, Carl" userId="d2b037bc-8fb4-4222-845c-61440543a456" providerId="ADAL" clId="{3CE3119B-1917-4F7B-A5AD-6C146E3F914B}" dt="2023-12-28T21:21:03.949" v="11393" actId="27636"/>
-        <pc:sldMkLst>
-          <pc:docMk/>
-          <pc:sldMk cId="3689580349" sldId="291"/>
-        </pc:sldMkLst>
-        <pc:spChg chg="mod">
-          <ac:chgData name="Gibbons, Carl" userId="d2b037bc-8fb4-4222-845c-61440543a456" providerId="ADAL" clId="{3CE3119B-1917-4F7B-A5AD-6C146E3F914B}" dt="2023-12-28T21:21:03.949" v="11393" actId="27636"/>
-          <ac:spMkLst>
-            <pc:docMk/>
-            <pc:sldMk cId="3689580349" sldId="291"/>
-            <ac:spMk id="2" creationId="{264BAEB2-591D-DEE6-3C00-0BAAC69880F0}"/>
-          </ac:spMkLst>
-        </pc:spChg>
-        <pc:spChg chg="mod">
-          <ac:chgData name="Gibbons, Carl" userId="d2b037bc-8fb4-4222-845c-61440543a456" providerId="ADAL" clId="{3CE3119B-1917-4F7B-A5AD-6C146E3F914B}" dt="2023-12-28T21:02:59.174" v="10621" actId="20577"/>
-          <ac:spMkLst>
-            <pc:docMk/>
-            <pc:sldMk cId="3689580349" sldId="291"/>
-            <ac:spMk id="3" creationId="{0620B8A1-699E-C7B4-0A32-7D9C4529CA27}"/>
-          </ac:spMkLst>
-        </pc:spChg>
-      </pc:sldChg>
-      <pc:sldChg chg="modSp mod">
-        <pc:chgData name="Gibbons, Carl" userId="d2b037bc-8fb4-4222-845c-61440543a456" providerId="ADAL" clId="{3CE3119B-1917-4F7B-A5AD-6C146E3F914B}" dt="2023-12-28T21:30:34.709" v="11884" actId="20577"/>
-        <pc:sldMkLst>
-          <pc:docMk/>
-          <pc:sldMk cId="2738411615" sldId="292"/>
-        </pc:sldMkLst>
-        <pc:spChg chg="mod">
-          <ac:chgData name="Gibbons, Carl" userId="d2b037bc-8fb4-4222-845c-61440543a456" providerId="ADAL" clId="{3CE3119B-1917-4F7B-A5AD-6C146E3F914B}" dt="2023-12-28T21:27:00.893" v="11646" actId="20577"/>
-          <ac:spMkLst>
-            <pc:docMk/>
-            <pc:sldMk cId="2738411615" sldId="292"/>
-            <ac:spMk id="2" creationId="{31B75992-5098-A283-4925-2CCEBB801DC5}"/>
-          </ac:spMkLst>
-        </pc:spChg>
-        <pc:spChg chg="mod">
-          <ac:chgData name="Gibbons, Carl" userId="d2b037bc-8fb4-4222-845c-61440543a456" providerId="ADAL" clId="{3CE3119B-1917-4F7B-A5AD-6C146E3F914B}" dt="2023-12-28T21:30:34.709" v="11884" actId="20577"/>
-          <ac:spMkLst>
-            <pc:docMk/>
-            <pc:sldMk cId="2738411615" sldId="292"/>
-            <ac:spMk id="3" creationId="{B5924E0F-A977-1710-779D-EEB74261AF34}"/>
-          </ac:spMkLst>
-        </pc:spChg>
-      </pc:sldChg>
-      <pc:sldChg chg="modSp mod">
-        <pc:chgData name="Gibbons, Carl" userId="d2b037bc-8fb4-4222-845c-61440543a456" providerId="ADAL" clId="{3CE3119B-1917-4F7B-A5AD-6C146E3F914B}" dt="2023-12-28T21:56:49.002" v="13100" actId="20577"/>
-        <pc:sldMkLst>
-          <pc:docMk/>
-          <pc:sldMk cId="852415543" sldId="293"/>
-        </pc:sldMkLst>
-        <pc:spChg chg="mod">
-          <ac:chgData name="Gibbons, Carl" userId="d2b037bc-8fb4-4222-845c-61440543a456" providerId="ADAL" clId="{3CE3119B-1917-4F7B-A5AD-6C146E3F914B}" dt="2023-12-28T21:32:23.582" v="11900" actId="20577"/>
-          <ac:spMkLst>
-            <pc:docMk/>
-            <pc:sldMk cId="852415543" sldId="293"/>
-            <ac:spMk id="2" creationId="{264BAEB2-591D-DEE6-3C00-0BAAC69880F0}"/>
-          </ac:spMkLst>
-        </pc:spChg>
-        <pc:spChg chg="mod">
-          <ac:chgData name="Gibbons, Carl" userId="d2b037bc-8fb4-4222-845c-61440543a456" providerId="ADAL" clId="{3CE3119B-1917-4F7B-A5AD-6C146E3F914B}" dt="2023-12-28T21:56:49.002" v="13100" actId="20577"/>
-          <ac:spMkLst>
-            <pc:docMk/>
-            <pc:sldMk cId="852415543" sldId="293"/>
-            <ac:spMk id="3" creationId="{0620B8A1-699E-C7B4-0A32-7D9C4529CA27}"/>
-          </ac:spMkLst>
-        </pc:spChg>
-      </pc:sldChg>
-      <pc:sldMasterChg chg="delSldLayout">
-        <pc:chgData name="Gibbons, Carl" userId="d2b037bc-8fb4-4222-845c-61440543a456" providerId="ADAL" clId="{3CE3119B-1917-4F7B-A5AD-6C146E3F914B}" dt="2023-12-24T04:15:18.904" v="2211" actId="47"/>
-        <pc:sldMasterMkLst>
-          <pc:docMk/>
-          <pc:sldMasterMk cId="3616380004" sldId="2147483712"/>
-        </pc:sldMasterMkLst>
-        <pc:sldLayoutChg chg="del">
-          <pc:chgData name="Gibbons, Carl" userId="d2b037bc-8fb4-4222-845c-61440543a456" providerId="ADAL" clId="{3CE3119B-1917-4F7B-A5AD-6C146E3F914B}" dt="2023-12-24T04:15:18.904" v="2211" actId="47"/>
-          <pc:sldLayoutMkLst>
-            <pc:docMk/>
-            <pc:sldMasterMk cId="3616380004" sldId="2147483712"/>
-            <pc:sldLayoutMk cId="2633931619" sldId="2147483725"/>
-          </pc:sldLayoutMkLst>
-        </pc:sldLayoutChg>
-      </pc:sldMasterChg>
     </pc:docChg>
   </pc:docChgLst>
 </pc:chgInfo>
@@ -3076,7 +3076,7 @@
           <a:p>
             <a:fld id="{421996D4-4A1C-4BBC-AA2B-FD5B7FC395A0}" type="datetime1">
               <a:rPr lang="en-US" smtClean="0"/>
-              <a:t>5/16/2024</a:t>
+              <a:t>10/17/2024</a:t>
             </a:fld>
             <a:endParaRPr lang="en-US"/>
           </a:p>
@@ -3274,7 +3274,7 @@
           <a:p>
             <a:fld id="{CB43818D-5554-4105-BE04-CEE32DEBDA0A}" type="datetime1">
               <a:rPr lang="en-US" smtClean="0"/>
-              <a:t>5/16/2024</a:t>
+              <a:t>10/17/2024</a:t>
             </a:fld>
             <a:endParaRPr lang="en-US"/>
           </a:p>
@@ -3482,7 +3482,7 @@
           <a:p>
             <a:fld id="{AFAC11C6-1708-41BC-9474-3D7842023D96}" type="datetime1">
               <a:rPr lang="en-US" smtClean="0"/>
-              <a:t>5/16/2024</a:t>
+              <a:t>10/17/2024</a:t>
             </a:fld>
             <a:endParaRPr lang="en-US"/>
           </a:p>
@@ -3761,7 +3761,7 @@
           <a:p>
             <a:fld id="{490605F8-8C86-41F5-9F5E-04EDB8C2540B}" type="datetime1">
               <a:rPr lang="en-US" smtClean="0"/>
-              <a:t>5/16/2024</a:t>
+              <a:t>10/17/2024</a:t>
             </a:fld>
             <a:endParaRPr lang="en-US"/>
           </a:p>
@@ -4036,7 +4036,7 @@
           <a:p>
             <a:fld id="{CA355DA2-1E89-41CC-B722-CBFC08F260AE}" type="datetime1">
               <a:rPr lang="en-US" smtClean="0"/>
-              <a:t>5/16/2024</a:t>
+              <a:t>10/17/2024</a:t>
             </a:fld>
             <a:endParaRPr lang="en-US"/>
           </a:p>
@@ -4301,7 +4301,7 @@
           <a:p>
             <a:fld id="{7F6AFD48-C472-404E-B7B5-BA44CCF2F55D}" type="datetime1">
               <a:rPr lang="en-US" smtClean="0"/>
-              <a:t>5/16/2024</a:t>
+              <a:t>10/17/2024</a:t>
             </a:fld>
             <a:endParaRPr lang="en-US"/>
           </a:p>
@@ -4713,7 +4713,7 @@
           <a:p>
             <a:fld id="{B33F52E9-9255-4CAF-909C-660126F1B079}" type="datetime1">
               <a:rPr lang="en-US" smtClean="0"/>
-              <a:t>5/16/2024</a:t>
+              <a:t>10/17/2024</a:t>
             </a:fld>
             <a:endParaRPr lang="en-US"/>
           </a:p>
@@ -4854,7 +4854,7 @@
           <a:p>
             <a:fld id="{67F9F019-D13C-4797-8A9F-7B02D5B8121E}" type="datetime1">
               <a:rPr lang="en-US" smtClean="0"/>
-              <a:t>5/16/2024</a:t>
+              <a:t>10/17/2024</a:t>
             </a:fld>
             <a:endParaRPr lang="en-US"/>
           </a:p>
@@ -4967,7 +4967,7 @@
           <a:p>
             <a:fld id="{FDA143B9-A6C4-436D-945A-FF5B3EA2EF39}" type="datetime1">
               <a:rPr lang="en-US" smtClean="0"/>
-              <a:t>5/16/2024</a:t>
+              <a:t>10/17/2024</a:t>
             </a:fld>
             <a:endParaRPr lang="en-US"/>
           </a:p>
@@ -5278,7 +5278,7 @@
           <a:p>
             <a:fld id="{457E18FE-B6F9-4F6A-835B-8251F04458A0}" type="datetime1">
               <a:rPr lang="en-US" smtClean="0"/>
-              <a:t>5/16/2024</a:t>
+              <a:t>10/17/2024</a:t>
             </a:fld>
             <a:endParaRPr lang="en-US"/>
           </a:p>
@@ -5566,7 +5566,7 @@
           <a:p>
             <a:fld id="{5F2690CE-112A-455B-AD5F-E26CEA6A5331}" type="datetime1">
               <a:rPr lang="en-US" smtClean="0"/>
-              <a:t>5/16/2024</a:t>
+              <a:t>10/17/2024</a:t>
             </a:fld>
             <a:endParaRPr lang="en-US"/>
           </a:p>
@@ -5807,7 +5807,7 @@
           <a:p>
             <a:fld id="{9C4E342D-98AB-407C-88D4-A20ED0F70E1C}" type="datetime1">
               <a:rPr lang="en-US" smtClean="0"/>
-              <a:t>5/16/2024</a:t>
+              <a:t>10/17/2024</a:t>
             </a:fld>
             <a:endParaRPr lang="en-US"/>
           </a:p>
@@ -6248,8 +6248,27 @@
           <a:lstStyle/>
           <a:p>
             <a:r>
+              <a:rPr lang="en-US"/>
+              <a:t>CYBER </a:t>
+            </a:r>
+            <a:r>
               <a:rPr lang="en-US" dirty="0"/>
-              <a:t>CIT 361/CYBER 360: Advanced Scripting</a:t>
+              <a:t>360</a:t>
+            </a:r>
+            <a:r>
+              <a:rPr lang="en-US"/>
+              <a:t>: </a:t>
+            </a:r>
+            <a:br>
+              <a:rPr lang="en-US"/>
+            </a:br>
+            <a:r>
+              <a:rPr lang="en-US"/>
+              <a:t>Advanced </a:t>
+            </a:r>
+            <a:r>
+              <a:rPr lang="en-US" dirty="0"/>
+              <a:t>Scripting</a:t>
             </a:r>
           </a:p>
         </p:txBody>
